--- a/software/algoritmen_en_datastructuren/files/Data structures.pptx
+++ b/software/algoritmen_en_datastructuren/files/Data structures.pptx
@@ -21,8 +21,15 @@
     <p:sldId id="292" r:id="rId15"/>
     <p:sldId id="293" r:id="rId16"/>
     <p:sldId id="294" r:id="rId17"/>
-    <p:sldId id="296" r:id="rId18"/>
-    <p:sldId id="295" r:id="rId19"/>
+    <p:sldId id="300" r:id="rId18"/>
+    <p:sldId id="297" r:id="rId19"/>
+    <p:sldId id="298" r:id="rId20"/>
+    <p:sldId id="299" r:id="rId21"/>
+    <p:sldId id="302" r:id="rId22"/>
+    <p:sldId id="301" r:id="rId23"/>
+    <p:sldId id="303" r:id="rId24"/>
+    <p:sldId id="296" r:id="rId25"/>
+    <p:sldId id="295" r:id="rId26"/>
   </p:sldIdLst>
   <p:sldSz cx="12192000" cy="6858000"/>
   <p:notesSz cx="6858000" cy="9144000"/>
@@ -132,1086 +139,9 @@
 <file path=ppt/revisionInfo.xml><?xml version="1.0" encoding="utf-8"?>
 <p1510:revInfo xmlns:a="http://schemas.openxmlformats.org/drawingml/2006/main" xmlns:r="http://schemas.openxmlformats.org/officeDocument/2006/relationships" xmlns:p1510="http://schemas.microsoft.com/office/powerpoint/2015/10/main">
   <p1510:revLst>
-    <p1510:client id="{F81ECD21-C79F-494A-81D0-1D0C3D261BEA}" v="156" dt="2025-09-25T09:11:02.750"/>
+    <p1510:client id="{F81ECD21-C79F-494A-81D0-1D0C3D261BEA}" v="223" dt="2025-10-01T08:51:54.848"/>
   </p1510:revLst>
 </p1510:revInfo>
-</file>
-
-<file path=ppt/changesInfos/changesInfo1.xml><?xml version="1.0" encoding="utf-8"?>
-<pc:chgInfo xmlns:a="http://schemas.openxmlformats.org/drawingml/2006/main" xmlns:r="http://schemas.openxmlformats.org/officeDocument/2006/relationships" xmlns:ac="http://schemas.microsoft.com/office/drawing/2013/main/command" xmlns:pc="http://schemas.microsoft.com/office/powerpoint/2013/main/command">
-  <pc:docChgLst>
-    <pc:chgData name="Bart Bozon" userId="26c7e87d-a4c1-46b5-bd66-bae5a56eb03c" providerId="ADAL" clId="{E06602E6-6C6E-4463-9671-906A68A7DC73}"/>
-    <pc:docChg chg="undo custSel addSld delSld modSld">
-      <pc:chgData name="Bart Bozon" userId="26c7e87d-a4c1-46b5-bd66-bae5a56eb03c" providerId="ADAL" clId="{E06602E6-6C6E-4463-9671-906A68A7DC73}" dt="2025-09-25T09:11:41.171" v="1156" actId="1076"/>
-      <pc:docMkLst>
-        <pc:docMk/>
-      </pc:docMkLst>
-      <pc:sldChg chg="addSp delSp modSp mod delAnim">
-        <pc:chgData name="Bart Bozon" userId="26c7e87d-a4c1-46b5-bd66-bae5a56eb03c" providerId="ADAL" clId="{E06602E6-6C6E-4463-9671-906A68A7DC73}" dt="2025-09-22T10:12:35.269" v="55"/>
-        <pc:sldMkLst>
-          <pc:docMk/>
-          <pc:sldMk cId="2290482983" sldId="256"/>
-        </pc:sldMkLst>
-        <pc:spChg chg="add mod">
-          <ac:chgData name="Bart Bozon" userId="26c7e87d-a4c1-46b5-bd66-bae5a56eb03c" providerId="ADAL" clId="{E06602E6-6C6E-4463-9671-906A68A7DC73}" dt="2025-09-22T10:12:34.581" v="53" actId="1076"/>
-          <ac:spMkLst>
-            <pc:docMk/>
-            <pc:sldMk cId="2290482983" sldId="256"/>
-            <ac:spMk id="10" creationId="{80965CF2-1273-B29C-94D4-C459992A2EE8}"/>
-          </ac:spMkLst>
-        </pc:spChg>
-        <pc:picChg chg="add mod">
-          <ac:chgData name="Bart Bozon" userId="26c7e87d-a4c1-46b5-bd66-bae5a56eb03c" providerId="ADAL" clId="{E06602E6-6C6E-4463-9671-906A68A7DC73}" dt="2025-09-22T10:11:24.462" v="7" actId="14100"/>
-          <ac:picMkLst>
-            <pc:docMk/>
-            <pc:sldMk cId="2290482983" sldId="256"/>
-            <ac:picMk id="1026" creationId="{C86A941B-E27F-0CAC-EFE2-E8D6DB94E3F7}"/>
-          </ac:picMkLst>
-        </pc:picChg>
-      </pc:sldChg>
-      <pc:sldChg chg="del">
-        <pc:chgData name="Bart Bozon" userId="26c7e87d-a4c1-46b5-bd66-bae5a56eb03c" providerId="ADAL" clId="{E06602E6-6C6E-4463-9671-906A68A7DC73}" dt="2025-09-22T10:12:50.640" v="57" actId="47"/>
-        <pc:sldMkLst>
-          <pc:docMk/>
-          <pc:sldMk cId="1652033742" sldId="257"/>
-        </pc:sldMkLst>
-      </pc:sldChg>
-      <pc:sldChg chg="add del">
-        <pc:chgData name="Bart Bozon" userId="26c7e87d-a4c1-46b5-bd66-bae5a56eb03c" providerId="ADAL" clId="{E06602E6-6C6E-4463-9671-906A68A7DC73}" dt="2025-09-25T07:36:02.852" v="200" actId="47"/>
-        <pc:sldMkLst>
-          <pc:docMk/>
-          <pc:sldMk cId="4235637129" sldId="258"/>
-        </pc:sldMkLst>
-      </pc:sldChg>
-      <pc:sldChg chg="del">
-        <pc:chgData name="Bart Bozon" userId="26c7e87d-a4c1-46b5-bd66-bae5a56eb03c" providerId="ADAL" clId="{E06602E6-6C6E-4463-9671-906A68A7DC73}" dt="2025-09-22T10:12:50.640" v="57" actId="47"/>
-        <pc:sldMkLst>
-          <pc:docMk/>
-          <pc:sldMk cId="1639080764" sldId="259"/>
-        </pc:sldMkLst>
-      </pc:sldChg>
-      <pc:sldChg chg="del">
-        <pc:chgData name="Bart Bozon" userId="26c7e87d-a4c1-46b5-bd66-bae5a56eb03c" providerId="ADAL" clId="{E06602E6-6C6E-4463-9671-906A68A7DC73}" dt="2025-09-22T10:12:50.640" v="57" actId="47"/>
-        <pc:sldMkLst>
-          <pc:docMk/>
-          <pc:sldMk cId="2644901538" sldId="260"/>
-        </pc:sldMkLst>
-      </pc:sldChg>
-      <pc:sldChg chg="del">
-        <pc:chgData name="Bart Bozon" userId="26c7e87d-a4c1-46b5-bd66-bae5a56eb03c" providerId="ADAL" clId="{E06602E6-6C6E-4463-9671-906A68A7DC73}" dt="2025-09-22T10:12:50.640" v="57" actId="47"/>
-        <pc:sldMkLst>
-          <pc:docMk/>
-          <pc:sldMk cId="3355423186" sldId="261"/>
-        </pc:sldMkLst>
-      </pc:sldChg>
-      <pc:sldChg chg="del">
-        <pc:chgData name="Bart Bozon" userId="26c7e87d-a4c1-46b5-bd66-bae5a56eb03c" providerId="ADAL" clId="{E06602E6-6C6E-4463-9671-906A68A7DC73}" dt="2025-09-22T10:12:50.640" v="57" actId="47"/>
-        <pc:sldMkLst>
-          <pc:docMk/>
-          <pc:sldMk cId="1070557926" sldId="262"/>
-        </pc:sldMkLst>
-      </pc:sldChg>
-      <pc:sldChg chg="del">
-        <pc:chgData name="Bart Bozon" userId="26c7e87d-a4c1-46b5-bd66-bae5a56eb03c" providerId="ADAL" clId="{E06602E6-6C6E-4463-9671-906A68A7DC73}" dt="2025-09-22T10:12:50.640" v="57" actId="47"/>
-        <pc:sldMkLst>
-          <pc:docMk/>
-          <pc:sldMk cId="293003473" sldId="263"/>
-        </pc:sldMkLst>
-      </pc:sldChg>
-      <pc:sldChg chg="del">
-        <pc:chgData name="Bart Bozon" userId="26c7e87d-a4c1-46b5-bd66-bae5a56eb03c" providerId="ADAL" clId="{E06602E6-6C6E-4463-9671-906A68A7DC73}" dt="2025-09-22T10:12:50.640" v="57" actId="47"/>
-        <pc:sldMkLst>
-          <pc:docMk/>
-          <pc:sldMk cId="2888058993" sldId="264"/>
-        </pc:sldMkLst>
-      </pc:sldChg>
-      <pc:sldChg chg="del">
-        <pc:chgData name="Bart Bozon" userId="26c7e87d-a4c1-46b5-bd66-bae5a56eb03c" providerId="ADAL" clId="{E06602E6-6C6E-4463-9671-906A68A7DC73}" dt="2025-09-22T10:12:50.640" v="57" actId="47"/>
-        <pc:sldMkLst>
-          <pc:docMk/>
-          <pc:sldMk cId="3288966996" sldId="265"/>
-        </pc:sldMkLst>
-      </pc:sldChg>
-      <pc:sldChg chg="del">
-        <pc:chgData name="Bart Bozon" userId="26c7e87d-a4c1-46b5-bd66-bae5a56eb03c" providerId="ADAL" clId="{E06602E6-6C6E-4463-9671-906A68A7DC73}" dt="2025-09-22T10:12:50.640" v="57" actId="47"/>
-        <pc:sldMkLst>
-          <pc:docMk/>
-          <pc:sldMk cId="1755525711" sldId="266"/>
-        </pc:sldMkLst>
-      </pc:sldChg>
-      <pc:sldChg chg="del">
-        <pc:chgData name="Bart Bozon" userId="26c7e87d-a4c1-46b5-bd66-bae5a56eb03c" providerId="ADAL" clId="{E06602E6-6C6E-4463-9671-906A68A7DC73}" dt="2025-09-22T10:12:50.640" v="57" actId="47"/>
-        <pc:sldMkLst>
-          <pc:docMk/>
-          <pc:sldMk cId="3338797551" sldId="267"/>
-        </pc:sldMkLst>
-      </pc:sldChg>
-      <pc:sldChg chg="del">
-        <pc:chgData name="Bart Bozon" userId="26c7e87d-a4c1-46b5-bd66-bae5a56eb03c" providerId="ADAL" clId="{E06602E6-6C6E-4463-9671-906A68A7DC73}" dt="2025-09-22T10:12:50.640" v="57" actId="47"/>
-        <pc:sldMkLst>
-          <pc:docMk/>
-          <pc:sldMk cId="3880572904" sldId="269"/>
-        </pc:sldMkLst>
-      </pc:sldChg>
-      <pc:sldChg chg="del">
-        <pc:chgData name="Bart Bozon" userId="26c7e87d-a4c1-46b5-bd66-bae5a56eb03c" providerId="ADAL" clId="{E06602E6-6C6E-4463-9671-906A68A7DC73}" dt="2025-09-22T10:12:50.640" v="57" actId="47"/>
-        <pc:sldMkLst>
-          <pc:docMk/>
-          <pc:sldMk cId="758562179" sldId="270"/>
-        </pc:sldMkLst>
-      </pc:sldChg>
-      <pc:sldChg chg="del">
-        <pc:chgData name="Bart Bozon" userId="26c7e87d-a4c1-46b5-bd66-bae5a56eb03c" providerId="ADAL" clId="{E06602E6-6C6E-4463-9671-906A68A7DC73}" dt="2025-09-22T10:12:50.640" v="57" actId="47"/>
-        <pc:sldMkLst>
-          <pc:docMk/>
-          <pc:sldMk cId="2216974352" sldId="271"/>
-        </pc:sldMkLst>
-      </pc:sldChg>
-      <pc:sldChg chg="del">
-        <pc:chgData name="Bart Bozon" userId="26c7e87d-a4c1-46b5-bd66-bae5a56eb03c" providerId="ADAL" clId="{E06602E6-6C6E-4463-9671-906A68A7DC73}" dt="2025-09-22T10:12:50.640" v="57" actId="47"/>
-        <pc:sldMkLst>
-          <pc:docMk/>
-          <pc:sldMk cId="611847208" sldId="272"/>
-        </pc:sldMkLst>
-      </pc:sldChg>
-      <pc:sldChg chg="del">
-        <pc:chgData name="Bart Bozon" userId="26c7e87d-a4c1-46b5-bd66-bae5a56eb03c" providerId="ADAL" clId="{E06602E6-6C6E-4463-9671-906A68A7DC73}" dt="2025-09-22T10:12:50.640" v="57" actId="47"/>
-        <pc:sldMkLst>
-          <pc:docMk/>
-          <pc:sldMk cId="1050520103" sldId="273"/>
-        </pc:sldMkLst>
-      </pc:sldChg>
-      <pc:sldChg chg="del">
-        <pc:chgData name="Bart Bozon" userId="26c7e87d-a4c1-46b5-bd66-bae5a56eb03c" providerId="ADAL" clId="{E06602E6-6C6E-4463-9671-906A68A7DC73}" dt="2025-09-22T10:12:50.640" v="57" actId="47"/>
-        <pc:sldMkLst>
-          <pc:docMk/>
-          <pc:sldMk cId="3695992153" sldId="274"/>
-        </pc:sldMkLst>
-      </pc:sldChg>
-      <pc:sldChg chg="del">
-        <pc:chgData name="Bart Bozon" userId="26c7e87d-a4c1-46b5-bd66-bae5a56eb03c" providerId="ADAL" clId="{E06602E6-6C6E-4463-9671-906A68A7DC73}" dt="2025-09-22T10:12:50.640" v="57" actId="47"/>
-        <pc:sldMkLst>
-          <pc:docMk/>
-          <pc:sldMk cId="3836965395" sldId="275"/>
-        </pc:sldMkLst>
-      </pc:sldChg>
-      <pc:sldChg chg="del">
-        <pc:chgData name="Bart Bozon" userId="26c7e87d-a4c1-46b5-bd66-bae5a56eb03c" providerId="ADAL" clId="{E06602E6-6C6E-4463-9671-906A68A7DC73}" dt="2025-09-22T10:12:50.640" v="57" actId="47"/>
-        <pc:sldMkLst>
-          <pc:docMk/>
-          <pc:sldMk cId="2459407283" sldId="276"/>
-        </pc:sldMkLst>
-      </pc:sldChg>
-      <pc:sldChg chg="del">
-        <pc:chgData name="Bart Bozon" userId="26c7e87d-a4c1-46b5-bd66-bae5a56eb03c" providerId="ADAL" clId="{E06602E6-6C6E-4463-9671-906A68A7DC73}" dt="2025-09-22T10:12:50.640" v="57" actId="47"/>
-        <pc:sldMkLst>
-          <pc:docMk/>
-          <pc:sldMk cId="94869774" sldId="277"/>
-        </pc:sldMkLst>
-      </pc:sldChg>
-      <pc:sldChg chg="del">
-        <pc:chgData name="Bart Bozon" userId="26c7e87d-a4c1-46b5-bd66-bae5a56eb03c" providerId="ADAL" clId="{E06602E6-6C6E-4463-9671-906A68A7DC73}" dt="2025-09-22T10:12:50.640" v="57" actId="47"/>
-        <pc:sldMkLst>
-          <pc:docMk/>
-          <pc:sldMk cId="168812092" sldId="278"/>
-        </pc:sldMkLst>
-      </pc:sldChg>
-      <pc:sldChg chg="del">
-        <pc:chgData name="Bart Bozon" userId="26c7e87d-a4c1-46b5-bd66-bae5a56eb03c" providerId="ADAL" clId="{E06602E6-6C6E-4463-9671-906A68A7DC73}" dt="2025-09-22T10:12:50.640" v="57" actId="47"/>
-        <pc:sldMkLst>
-          <pc:docMk/>
-          <pc:sldMk cId="3576522577" sldId="279"/>
-        </pc:sldMkLst>
-      </pc:sldChg>
-      <pc:sldChg chg="addSp delSp modSp new mod delAnim modAnim">
-        <pc:chgData name="Bart Bozon" userId="26c7e87d-a4c1-46b5-bd66-bae5a56eb03c" providerId="ADAL" clId="{E06602E6-6C6E-4463-9671-906A68A7DC73}" dt="2025-09-25T08:19:16.626" v="750" actId="478"/>
-        <pc:sldMkLst>
-          <pc:docMk/>
-          <pc:sldMk cId="3637504140" sldId="280"/>
-        </pc:sldMkLst>
-        <pc:spChg chg="mod">
-          <ac:chgData name="Bart Bozon" userId="26c7e87d-a4c1-46b5-bd66-bae5a56eb03c" providerId="ADAL" clId="{E06602E6-6C6E-4463-9671-906A68A7DC73}" dt="2025-09-22T10:19:23.195" v="174" actId="1076"/>
-          <ac:spMkLst>
-            <pc:docMk/>
-            <pc:sldMk cId="3637504140" sldId="280"/>
-            <ac:spMk id="2" creationId="{D4FFF457-6417-F4DB-B69A-00C5BC7690D6}"/>
-          </ac:spMkLst>
-        </pc:spChg>
-        <pc:spChg chg="mod">
-          <ac:chgData name="Bart Bozon" userId="26c7e87d-a4c1-46b5-bd66-bae5a56eb03c" providerId="ADAL" clId="{E06602E6-6C6E-4463-9671-906A68A7DC73}" dt="2025-09-22T10:23:18.681" v="199" actId="27636"/>
-          <ac:spMkLst>
-            <pc:docMk/>
-            <pc:sldMk cId="3637504140" sldId="280"/>
-            <ac:spMk id="3" creationId="{2B63660D-D2FE-F819-8DC4-060107839988}"/>
-          </ac:spMkLst>
-        </pc:spChg>
-        <pc:spChg chg="add del mod">
-          <ac:chgData name="Bart Bozon" userId="26c7e87d-a4c1-46b5-bd66-bae5a56eb03c" providerId="ADAL" clId="{E06602E6-6C6E-4463-9671-906A68A7DC73}" dt="2025-09-25T08:19:16.626" v="750" actId="478"/>
-          <ac:spMkLst>
-            <pc:docMk/>
-            <pc:sldMk cId="3637504140" sldId="280"/>
-            <ac:spMk id="4" creationId="{81805AC1-D67A-7E31-4BF2-B4090660D9E9}"/>
-          </ac:spMkLst>
-        </pc:spChg>
-        <pc:spChg chg="add mod">
-          <ac:chgData name="Bart Bozon" userId="26c7e87d-a4c1-46b5-bd66-bae5a56eb03c" providerId="ADAL" clId="{E06602E6-6C6E-4463-9671-906A68A7DC73}" dt="2025-09-25T08:04:59.627" v="433" actId="1076"/>
-          <ac:spMkLst>
-            <pc:docMk/>
-            <pc:sldMk cId="3637504140" sldId="280"/>
-            <ac:spMk id="6" creationId="{A7A53B7E-5881-EB84-5B72-F8A968498F44}"/>
-          </ac:spMkLst>
-        </pc:spChg>
-      </pc:sldChg>
-      <pc:sldChg chg="addSp modSp new mod modTransition modAnim">
-        <pc:chgData name="Bart Bozon" userId="26c7e87d-a4c1-46b5-bd66-bae5a56eb03c" providerId="ADAL" clId="{E06602E6-6C6E-4463-9671-906A68A7DC73}" dt="2025-09-25T08:20:24.540" v="751"/>
-        <pc:sldMkLst>
-          <pc:docMk/>
-          <pc:sldMk cId="1391880904" sldId="281"/>
-        </pc:sldMkLst>
-        <pc:spChg chg="mod">
-          <ac:chgData name="Bart Bozon" userId="26c7e87d-a4c1-46b5-bd66-bae5a56eb03c" providerId="ADAL" clId="{E06602E6-6C6E-4463-9671-906A68A7DC73}" dt="2025-09-25T08:07:51.432" v="467" actId="1076"/>
-          <ac:spMkLst>
-            <pc:docMk/>
-            <pc:sldMk cId="1391880904" sldId="281"/>
-            <ac:spMk id="2" creationId="{0D3B83C0-63A3-0ED7-69E5-4491E56DBD63}"/>
-          </ac:spMkLst>
-        </pc:spChg>
-        <pc:spChg chg="mod">
-          <ac:chgData name="Bart Bozon" userId="26c7e87d-a4c1-46b5-bd66-bae5a56eb03c" providerId="ADAL" clId="{E06602E6-6C6E-4463-9671-906A68A7DC73}" dt="2025-09-25T07:52:44.848" v="401" actId="20577"/>
-          <ac:spMkLst>
-            <pc:docMk/>
-            <pc:sldMk cId="1391880904" sldId="281"/>
-            <ac:spMk id="3" creationId="{1D16A1D0-6DCC-A032-7B7C-26EE5F0CA4AC}"/>
-          </ac:spMkLst>
-        </pc:spChg>
-        <pc:spChg chg="add mod">
-          <ac:chgData name="Bart Bozon" userId="26c7e87d-a4c1-46b5-bd66-bae5a56eb03c" providerId="ADAL" clId="{E06602E6-6C6E-4463-9671-906A68A7DC73}" dt="2025-09-25T08:05:32.365" v="438" actId="1076"/>
-          <ac:spMkLst>
-            <pc:docMk/>
-            <pc:sldMk cId="1391880904" sldId="281"/>
-            <ac:spMk id="5" creationId="{84B5009D-29FA-020E-6EDB-0F2DACB3D133}"/>
-          </ac:spMkLst>
-        </pc:spChg>
-        <pc:spChg chg="add mod ord">
-          <ac:chgData name="Bart Bozon" userId="26c7e87d-a4c1-46b5-bd66-bae5a56eb03c" providerId="ADAL" clId="{E06602E6-6C6E-4463-9671-906A68A7DC73}" dt="2025-09-25T08:06:26.001" v="443" actId="207"/>
-          <ac:spMkLst>
-            <pc:docMk/>
-            <pc:sldMk cId="1391880904" sldId="281"/>
-            <ac:spMk id="6" creationId="{C2D6FD50-D369-9905-9DFD-C1D18FD9C969}"/>
-          </ac:spMkLst>
-        </pc:spChg>
-        <pc:picChg chg="add mod">
-          <ac:chgData name="Bart Bozon" userId="26c7e87d-a4c1-46b5-bd66-bae5a56eb03c" providerId="ADAL" clId="{E06602E6-6C6E-4463-9671-906A68A7DC73}" dt="2025-09-25T07:55:15.443" v="407" actId="1076"/>
-          <ac:picMkLst>
-            <pc:docMk/>
-            <pc:sldMk cId="1391880904" sldId="281"/>
-            <ac:picMk id="1026" creationId="{B7340CA3-CE42-066F-F2A3-AD339B6C02A4}"/>
-          </ac:picMkLst>
-        </pc:picChg>
-        <pc:picChg chg="add mod">
-          <ac:chgData name="Bart Bozon" userId="26c7e87d-a4c1-46b5-bd66-bae5a56eb03c" providerId="ADAL" clId="{E06602E6-6C6E-4463-9671-906A68A7DC73}" dt="2025-09-25T07:55:18.163" v="408" actId="1076"/>
-          <ac:picMkLst>
-            <pc:docMk/>
-            <pc:sldMk cId="1391880904" sldId="281"/>
-            <ac:picMk id="1028" creationId="{3B6D0CBB-271E-B553-6327-5EB2DA350FE1}"/>
-          </ac:picMkLst>
-        </pc:picChg>
-      </pc:sldChg>
-      <pc:sldChg chg="add del">
-        <pc:chgData name="Bart Bozon" userId="26c7e87d-a4c1-46b5-bd66-bae5a56eb03c" providerId="ADAL" clId="{E06602E6-6C6E-4463-9671-906A68A7DC73}" dt="2025-09-22T10:19:07.282" v="168" actId="47"/>
-        <pc:sldMkLst>
-          <pc:docMk/>
-          <pc:sldMk cId="3118651909" sldId="281"/>
-        </pc:sldMkLst>
-      </pc:sldChg>
-      <pc:sldChg chg="addSp delSp modSp new mod modTransition modAnim">
-        <pc:chgData name="Bart Bozon" userId="26c7e87d-a4c1-46b5-bd66-bae5a56eb03c" providerId="ADAL" clId="{E06602E6-6C6E-4463-9671-906A68A7DC73}" dt="2025-09-25T08:20:24.540" v="751"/>
-        <pc:sldMkLst>
-          <pc:docMk/>
-          <pc:sldMk cId="867737115" sldId="282"/>
-        </pc:sldMkLst>
-        <pc:spChg chg="mod">
-          <ac:chgData name="Bart Bozon" userId="26c7e87d-a4c1-46b5-bd66-bae5a56eb03c" providerId="ADAL" clId="{E06602E6-6C6E-4463-9671-906A68A7DC73}" dt="2025-09-25T08:07:53.225" v="468" actId="1076"/>
-          <ac:spMkLst>
-            <pc:docMk/>
-            <pc:sldMk cId="867737115" sldId="282"/>
-            <ac:spMk id="2" creationId="{72C3B192-C75D-3FC9-6BAF-E6135997E3C6}"/>
-          </ac:spMkLst>
-        </pc:spChg>
-        <pc:spChg chg="del">
-          <ac:chgData name="Bart Bozon" userId="26c7e87d-a4c1-46b5-bd66-bae5a56eb03c" providerId="ADAL" clId="{E06602E6-6C6E-4463-9671-906A68A7DC73}" dt="2025-09-25T07:56:06.288" v="418" actId="478"/>
-          <ac:spMkLst>
-            <pc:docMk/>
-            <pc:sldMk cId="867737115" sldId="282"/>
-            <ac:spMk id="3" creationId="{195D61DA-A86B-CE6A-0EE2-E384F0D8717F}"/>
-          </ac:spMkLst>
-        </pc:spChg>
-        <pc:spChg chg="add mod">
-          <ac:chgData name="Bart Bozon" userId="26c7e87d-a4c1-46b5-bd66-bae5a56eb03c" providerId="ADAL" clId="{E06602E6-6C6E-4463-9671-906A68A7DC73}" dt="2025-09-25T08:06:50.143" v="446" actId="207"/>
-          <ac:spMkLst>
-            <pc:docMk/>
-            <pc:sldMk cId="867737115" sldId="282"/>
-            <ac:spMk id="10" creationId="{B02C9FE7-F7E1-0573-0308-27ED629A8955}"/>
-          </ac:spMkLst>
-        </pc:spChg>
-        <pc:picChg chg="add del mod">
-          <ac:chgData name="Bart Bozon" userId="26c7e87d-a4c1-46b5-bd66-bae5a56eb03c" providerId="ADAL" clId="{E06602E6-6C6E-4463-9671-906A68A7DC73}" dt="2025-09-25T08:01:46.786" v="423" actId="478"/>
-          <ac:picMkLst>
-            <pc:docMk/>
-            <pc:sldMk cId="867737115" sldId="282"/>
-            <ac:picMk id="5" creationId="{CCD8A96C-8A96-DD36-7AB3-EA32F039B6D1}"/>
-          </ac:picMkLst>
-        </pc:picChg>
-        <pc:picChg chg="add mod">
-          <ac:chgData name="Bart Bozon" userId="26c7e87d-a4c1-46b5-bd66-bae5a56eb03c" providerId="ADAL" clId="{E06602E6-6C6E-4463-9671-906A68A7DC73}" dt="2025-09-25T08:02:06.472" v="425" actId="1076"/>
-          <ac:picMkLst>
-            <pc:docMk/>
-            <pc:sldMk cId="867737115" sldId="282"/>
-            <ac:picMk id="7" creationId="{419CFB96-C8BF-FABD-533F-FB54AEA1165E}"/>
-          </ac:picMkLst>
-        </pc:picChg>
-        <pc:picChg chg="add mod">
-          <ac:chgData name="Bart Bozon" userId="26c7e87d-a4c1-46b5-bd66-bae5a56eb03c" providerId="ADAL" clId="{E06602E6-6C6E-4463-9671-906A68A7DC73}" dt="2025-09-25T08:02:31.378" v="427" actId="1076"/>
-          <ac:picMkLst>
-            <pc:docMk/>
-            <pc:sldMk cId="867737115" sldId="282"/>
-            <ac:picMk id="9" creationId="{79C7CE67-F742-2E69-23CA-F94F5412F234}"/>
-          </ac:picMkLst>
-        </pc:picChg>
-      </pc:sldChg>
-      <pc:sldChg chg="addSp delSp modSp add mod modTransition delAnim modAnim">
-        <pc:chgData name="Bart Bozon" userId="26c7e87d-a4c1-46b5-bd66-bae5a56eb03c" providerId="ADAL" clId="{E06602E6-6C6E-4463-9671-906A68A7DC73}" dt="2025-09-25T08:20:24.540" v="751"/>
-        <pc:sldMkLst>
-          <pc:docMk/>
-          <pc:sldMk cId="2712453921" sldId="283"/>
-        </pc:sldMkLst>
-        <pc:spChg chg="mod">
-          <ac:chgData name="Bart Bozon" userId="26c7e87d-a4c1-46b5-bd66-bae5a56eb03c" providerId="ADAL" clId="{E06602E6-6C6E-4463-9671-906A68A7DC73}" dt="2025-09-25T08:07:54.537" v="469" actId="1076"/>
-          <ac:spMkLst>
-            <pc:docMk/>
-            <pc:sldMk cId="2712453921" sldId="283"/>
-            <ac:spMk id="2" creationId="{6F2B710C-1A3D-A614-89B4-B80EB78085BA}"/>
-          </ac:spMkLst>
-        </pc:spChg>
-        <pc:spChg chg="add mod">
-          <ac:chgData name="Bart Bozon" userId="26c7e87d-a4c1-46b5-bd66-bae5a56eb03c" providerId="ADAL" clId="{E06602E6-6C6E-4463-9671-906A68A7DC73}" dt="2025-09-25T08:17:00.035" v="735" actId="20577"/>
-          <ac:spMkLst>
-            <pc:docMk/>
-            <pc:sldMk cId="2712453921" sldId="283"/>
-            <ac:spMk id="3" creationId="{1E822850-4DFC-12A4-76E3-02E2DDB54EEB}"/>
-          </ac:spMkLst>
-        </pc:spChg>
-        <pc:spChg chg="add mod">
-          <ac:chgData name="Bart Bozon" userId="26c7e87d-a4c1-46b5-bd66-bae5a56eb03c" providerId="ADAL" clId="{E06602E6-6C6E-4463-9671-906A68A7DC73}" dt="2025-09-25T08:12:09.856" v="686" actId="14100"/>
-          <ac:spMkLst>
-            <pc:docMk/>
-            <pc:sldMk cId="2712453921" sldId="283"/>
-            <ac:spMk id="4" creationId="{2E330492-2701-AC32-7C94-2492186558C6}"/>
-          </ac:spMkLst>
-        </pc:spChg>
-        <pc:spChg chg="add">
-          <ac:chgData name="Bart Bozon" userId="26c7e87d-a4c1-46b5-bd66-bae5a56eb03c" providerId="ADAL" clId="{E06602E6-6C6E-4463-9671-906A68A7DC73}" dt="2025-09-25T08:13:17.713" v="688"/>
-          <ac:spMkLst>
-            <pc:docMk/>
-            <pc:sldMk cId="2712453921" sldId="283"/>
-            <ac:spMk id="5" creationId="{72255E71-8FA7-6181-E7C0-351E62D459CD}"/>
-          </ac:spMkLst>
-        </pc:spChg>
-        <pc:spChg chg="mod">
-          <ac:chgData name="Bart Bozon" userId="26c7e87d-a4c1-46b5-bd66-bae5a56eb03c" providerId="ADAL" clId="{E06602E6-6C6E-4463-9671-906A68A7DC73}" dt="2025-09-25T08:07:19.512" v="449" actId="207"/>
-          <ac:spMkLst>
-            <pc:docMk/>
-            <pc:sldMk cId="2712453921" sldId="283"/>
-            <ac:spMk id="10" creationId="{4CB21DEE-1EC2-F6B3-A458-F8311EFF54A7}"/>
-          </ac:spMkLst>
-        </pc:spChg>
-        <pc:picChg chg="del">
-          <ac:chgData name="Bart Bozon" userId="26c7e87d-a4c1-46b5-bd66-bae5a56eb03c" providerId="ADAL" clId="{E06602E6-6C6E-4463-9671-906A68A7DC73}" dt="2025-09-25T08:07:24.350" v="450" actId="478"/>
-          <ac:picMkLst>
-            <pc:docMk/>
-            <pc:sldMk cId="2712453921" sldId="283"/>
-            <ac:picMk id="7" creationId="{473791DF-82A5-730D-440A-A9D18AC4D13B}"/>
-          </ac:picMkLst>
-        </pc:picChg>
-        <pc:picChg chg="add del mod">
-          <ac:chgData name="Bart Bozon" userId="26c7e87d-a4c1-46b5-bd66-bae5a56eb03c" providerId="ADAL" clId="{E06602E6-6C6E-4463-9671-906A68A7DC73}" dt="2025-09-25T08:15:12.923" v="698" actId="478"/>
-          <ac:picMkLst>
-            <pc:docMk/>
-            <pc:sldMk cId="2712453921" sldId="283"/>
-            <ac:picMk id="8" creationId="{E0C788BE-C06F-6AB8-BA57-D2D8D2085FDB}"/>
-          </ac:picMkLst>
-        </pc:picChg>
-        <pc:picChg chg="del">
-          <ac:chgData name="Bart Bozon" userId="26c7e87d-a4c1-46b5-bd66-bae5a56eb03c" providerId="ADAL" clId="{E06602E6-6C6E-4463-9671-906A68A7DC73}" dt="2025-09-25T08:07:26.029" v="451" actId="478"/>
-          <ac:picMkLst>
-            <pc:docMk/>
-            <pc:sldMk cId="2712453921" sldId="283"/>
-            <ac:picMk id="9" creationId="{289AA438-5E7F-D433-E5C7-ADBBDED0AEA5}"/>
-          </ac:picMkLst>
-        </pc:picChg>
-        <pc:picChg chg="add mod">
-          <ac:chgData name="Bart Bozon" userId="26c7e87d-a4c1-46b5-bd66-bae5a56eb03c" providerId="ADAL" clId="{E06602E6-6C6E-4463-9671-906A68A7DC73}" dt="2025-09-25T08:08:24.201" v="471" actId="1076"/>
-          <ac:picMkLst>
-            <pc:docMk/>
-            <pc:sldMk cId="2712453921" sldId="283"/>
-            <ac:picMk id="2050" creationId="{CBCFBFF3-428C-D89B-258E-C768EB059AE1}"/>
-          </ac:picMkLst>
-        </pc:picChg>
-        <pc:picChg chg="add del mod">
-          <ac:chgData name="Bart Bozon" userId="26c7e87d-a4c1-46b5-bd66-bae5a56eb03c" providerId="ADAL" clId="{E06602E6-6C6E-4463-9671-906A68A7DC73}" dt="2025-09-25T08:16:43.442" v="728" actId="478"/>
-          <ac:picMkLst>
-            <pc:docMk/>
-            <pc:sldMk cId="2712453921" sldId="283"/>
-            <ac:picMk id="2054" creationId="{955DEC3F-38EE-6E9F-0A76-706520C4E86D}"/>
-          </ac:picMkLst>
-        </pc:picChg>
-        <pc:picChg chg="add del mod">
-          <ac:chgData name="Bart Bozon" userId="26c7e87d-a4c1-46b5-bd66-bae5a56eb03c" providerId="ADAL" clId="{E06602E6-6C6E-4463-9671-906A68A7DC73}" dt="2025-09-25T08:16:40.980" v="727" actId="478"/>
-          <ac:picMkLst>
-            <pc:docMk/>
-            <pc:sldMk cId="2712453921" sldId="283"/>
-            <ac:picMk id="2056" creationId="{31D9B7BE-426D-FA78-74F0-1E595C3E5D07}"/>
-          </ac:picMkLst>
-        </pc:picChg>
-      </pc:sldChg>
-      <pc:sldChg chg="delSp modSp add mod modTransition delAnim">
-        <pc:chgData name="Bart Bozon" userId="26c7e87d-a4c1-46b5-bd66-bae5a56eb03c" providerId="ADAL" clId="{E06602E6-6C6E-4463-9671-906A68A7DC73}" dt="2025-09-25T08:20:35.988" v="753"/>
-        <pc:sldMkLst>
-          <pc:docMk/>
-          <pc:sldMk cId="376106831" sldId="284"/>
-        </pc:sldMkLst>
-        <pc:spChg chg="del">
-          <ac:chgData name="Bart Bozon" userId="26c7e87d-a4c1-46b5-bd66-bae5a56eb03c" providerId="ADAL" clId="{E06602E6-6C6E-4463-9671-906A68A7DC73}" dt="2025-09-25T08:15:37.389" v="705" actId="478"/>
-          <ac:spMkLst>
-            <pc:docMk/>
-            <pc:sldMk cId="376106831" sldId="284"/>
-            <ac:spMk id="3" creationId="{D346DC1C-1290-225C-F081-B769A51BB974}"/>
-          </ac:spMkLst>
-        </pc:spChg>
-        <pc:spChg chg="del">
-          <ac:chgData name="Bart Bozon" userId="26c7e87d-a4c1-46b5-bd66-bae5a56eb03c" providerId="ADAL" clId="{E06602E6-6C6E-4463-9671-906A68A7DC73}" dt="2025-09-25T08:15:41.334" v="706" actId="478"/>
-          <ac:spMkLst>
-            <pc:docMk/>
-            <pc:sldMk cId="376106831" sldId="284"/>
-            <ac:spMk id="4" creationId="{CBE9C7EB-95F6-CD5A-0EE9-59289E0E1779}"/>
-          </ac:spMkLst>
-        </pc:spChg>
-        <pc:picChg chg="del">
-          <ac:chgData name="Bart Bozon" userId="26c7e87d-a4c1-46b5-bd66-bae5a56eb03c" providerId="ADAL" clId="{E06602E6-6C6E-4463-9671-906A68A7DC73}" dt="2025-09-25T08:17:33.230" v="736" actId="478"/>
-          <ac:picMkLst>
-            <pc:docMk/>
-            <pc:sldMk cId="376106831" sldId="284"/>
-            <ac:picMk id="2054" creationId="{A0539BC7-0860-2127-7836-1913276D2153}"/>
-          </ac:picMkLst>
-        </pc:picChg>
-        <pc:picChg chg="mod">
-          <ac:chgData name="Bart Bozon" userId="26c7e87d-a4c1-46b5-bd66-bae5a56eb03c" providerId="ADAL" clId="{E06602E6-6C6E-4463-9671-906A68A7DC73}" dt="2025-09-25T08:15:47.297" v="708" actId="14100"/>
-          <ac:picMkLst>
-            <pc:docMk/>
-            <pc:sldMk cId="376106831" sldId="284"/>
-            <ac:picMk id="2056" creationId="{E108B32D-B075-D56D-3B00-EF9801851DDD}"/>
-          </ac:picMkLst>
-        </pc:picChg>
-      </pc:sldChg>
-      <pc:sldChg chg="addSp delSp modSp add mod modTransition">
-        <pc:chgData name="Bart Bozon" userId="26c7e87d-a4c1-46b5-bd66-bae5a56eb03c" providerId="ADAL" clId="{E06602E6-6C6E-4463-9671-906A68A7DC73}" dt="2025-09-25T08:20:35.988" v="753"/>
-        <pc:sldMkLst>
-          <pc:docMk/>
-          <pc:sldMk cId="647121445" sldId="285"/>
-        </pc:sldMkLst>
-        <pc:spChg chg="add mod">
-          <ac:chgData name="Bart Bozon" userId="26c7e87d-a4c1-46b5-bd66-bae5a56eb03c" providerId="ADAL" clId="{E06602E6-6C6E-4463-9671-906A68A7DC73}" dt="2025-09-25T08:16:29.647" v="726" actId="404"/>
-          <ac:spMkLst>
-            <pc:docMk/>
-            <pc:sldMk cId="647121445" sldId="285"/>
-            <ac:spMk id="4" creationId="{6E00D4A1-1C30-9236-E118-2738F6C17A5B}"/>
-          </ac:spMkLst>
-        </pc:spChg>
-        <pc:picChg chg="mod">
-          <ac:chgData name="Bart Bozon" userId="26c7e87d-a4c1-46b5-bd66-bae5a56eb03c" providerId="ADAL" clId="{E06602E6-6C6E-4463-9671-906A68A7DC73}" dt="2025-09-25T08:17:43.221" v="737" actId="14100"/>
-          <ac:picMkLst>
-            <pc:docMk/>
-            <pc:sldMk cId="647121445" sldId="285"/>
-            <ac:picMk id="2054" creationId="{41C61288-2CB5-39B4-7AD1-AE52CC52F270}"/>
-          </ac:picMkLst>
-        </pc:picChg>
-        <pc:picChg chg="del">
-          <ac:chgData name="Bart Bozon" userId="26c7e87d-a4c1-46b5-bd66-bae5a56eb03c" providerId="ADAL" clId="{E06602E6-6C6E-4463-9671-906A68A7DC73}" dt="2025-09-25T08:15:53.025" v="710" actId="478"/>
-          <ac:picMkLst>
-            <pc:docMk/>
-            <pc:sldMk cId="647121445" sldId="285"/>
-            <ac:picMk id="2056" creationId="{E2198048-88BA-9A5F-2242-84FD978D8CAA}"/>
-          </ac:picMkLst>
-        </pc:picChg>
-      </pc:sldChg>
-      <pc:sldChg chg="addSp delSp modSp add mod modTransition modAnim">
-        <pc:chgData name="Bart Bozon" userId="26c7e87d-a4c1-46b5-bd66-bae5a56eb03c" providerId="ADAL" clId="{E06602E6-6C6E-4463-9671-906A68A7DC73}" dt="2025-09-25T08:23:45.856" v="785"/>
-        <pc:sldMkLst>
-          <pc:docMk/>
-          <pc:sldMk cId="3840904390" sldId="286"/>
-        </pc:sldMkLst>
-        <pc:spChg chg="mod">
-          <ac:chgData name="Bart Bozon" userId="26c7e87d-a4c1-46b5-bd66-bae5a56eb03c" providerId="ADAL" clId="{E06602E6-6C6E-4463-9671-906A68A7DC73}" dt="2025-09-25T08:18:16.182" v="744" actId="20577"/>
-          <ac:spMkLst>
-            <pc:docMk/>
-            <pc:sldMk cId="3840904390" sldId="286"/>
-            <ac:spMk id="2" creationId="{BB68F558-A87E-63A1-5286-52D4888F6C00}"/>
-          </ac:spMkLst>
-        </pc:spChg>
-        <pc:spChg chg="del">
-          <ac:chgData name="Bart Bozon" userId="26c7e87d-a4c1-46b5-bd66-bae5a56eb03c" providerId="ADAL" clId="{E06602E6-6C6E-4463-9671-906A68A7DC73}" dt="2025-09-25T08:18:26.521" v="747" actId="478"/>
-          <ac:spMkLst>
-            <pc:docMk/>
-            <pc:sldMk cId="3840904390" sldId="286"/>
-            <ac:spMk id="4" creationId="{7F116A1A-0AF4-F511-980E-3A0E88B2B4E1}"/>
-          </ac:spMkLst>
-        </pc:spChg>
-        <pc:spChg chg="add mod">
-          <ac:chgData name="Bart Bozon" userId="26c7e87d-a4c1-46b5-bd66-bae5a56eb03c" providerId="ADAL" clId="{E06602E6-6C6E-4463-9671-906A68A7DC73}" dt="2025-09-25T08:23:36.144" v="783" actId="20577"/>
-          <ac:spMkLst>
-            <pc:docMk/>
-            <pc:sldMk cId="3840904390" sldId="286"/>
-            <ac:spMk id="7" creationId="{97211C1E-0F0B-E3C0-DBCB-218BB50ECD06}"/>
-          </ac:spMkLst>
-        </pc:spChg>
-        <pc:spChg chg="mod">
-          <ac:chgData name="Bart Bozon" userId="26c7e87d-a4c1-46b5-bd66-bae5a56eb03c" providerId="ADAL" clId="{E06602E6-6C6E-4463-9671-906A68A7DC73}" dt="2025-09-25T08:18:39.381" v="749" actId="207"/>
-          <ac:spMkLst>
-            <pc:docMk/>
-            <pc:sldMk cId="3840904390" sldId="286"/>
-            <ac:spMk id="10" creationId="{1FDE564A-51CE-5786-5143-011F45FD71DE}"/>
-          </ac:spMkLst>
-        </pc:spChg>
-        <pc:picChg chg="add mod">
-          <ac:chgData name="Bart Bozon" userId="26c7e87d-a4c1-46b5-bd66-bae5a56eb03c" providerId="ADAL" clId="{E06602E6-6C6E-4463-9671-906A68A7DC73}" dt="2025-09-25T08:21:59.061" v="755" actId="1076"/>
-          <ac:picMkLst>
-            <pc:docMk/>
-            <pc:sldMk cId="3840904390" sldId="286"/>
-            <ac:picMk id="5" creationId="{D55262EB-1E7F-00BC-3330-D93A7D247787}"/>
-          </ac:picMkLst>
-        </pc:picChg>
-        <pc:picChg chg="del">
-          <ac:chgData name="Bart Bozon" userId="26c7e87d-a4c1-46b5-bd66-bae5a56eb03c" providerId="ADAL" clId="{E06602E6-6C6E-4463-9671-906A68A7DC73}" dt="2025-09-25T08:18:20.431" v="745" actId="478"/>
-          <ac:picMkLst>
-            <pc:docMk/>
-            <pc:sldMk cId="3840904390" sldId="286"/>
-            <ac:picMk id="2050" creationId="{DFA6CB61-6AAF-5252-97CE-C6BCE3A1F5C2}"/>
-          </ac:picMkLst>
-        </pc:picChg>
-        <pc:picChg chg="del">
-          <ac:chgData name="Bart Bozon" userId="26c7e87d-a4c1-46b5-bd66-bae5a56eb03c" providerId="ADAL" clId="{E06602E6-6C6E-4463-9671-906A68A7DC73}" dt="2025-09-25T08:18:22.395" v="746" actId="478"/>
-          <ac:picMkLst>
-            <pc:docMk/>
-            <pc:sldMk cId="3840904390" sldId="286"/>
-            <ac:picMk id="2054" creationId="{2E57A341-3FB8-489E-8523-08ACF66FE6B5}"/>
-          </ac:picMkLst>
-        </pc:picChg>
-      </pc:sldChg>
-      <pc:sldChg chg="addSp delSp modSp add mod delAnim modAnim">
-        <pc:chgData name="Bart Bozon" userId="26c7e87d-a4c1-46b5-bd66-bae5a56eb03c" providerId="ADAL" clId="{E06602E6-6C6E-4463-9671-906A68A7DC73}" dt="2025-09-25T08:26:35.496" v="824"/>
-        <pc:sldMkLst>
-          <pc:docMk/>
-          <pc:sldMk cId="26146989" sldId="287"/>
-        </pc:sldMkLst>
-        <pc:spChg chg="mod">
-          <ac:chgData name="Bart Bozon" userId="26c7e87d-a4c1-46b5-bd66-bae5a56eb03c" providerId="ADAL" clId="{E06602E6-6C6E-4463-9671-906A68A7DC73}" dt="2025-09-25T08:24:14.334" v="792" actId="20577"/>
-          <ac:spMkLst>
-            <pc:docMk/>
-            <pc:sldMk cId="26146989" sldId="287"/>
-            <ac:spMk id="2" creationId="{52B3A625-D948-E10B-B946-B754ECC952CF}"/>
-          </ac:spMkLst>
-        </pc:spChg>
-        <pc:spChg chg="add mod">
-          <ac:chgData name="Bart Bozon" userId="26c7e87d-a4c1-46b5-bd66-bae5a56eb03c" providerId="ADAL" clId="{E06602E6-6C6E-4463-9671-906A68A7DC73}" dt="2025-09-25T08:25:37.829" v="821" actId="5793"/>
-          <ac:spMkLst>
-            <pc:docMk/>
-            <pc:sldMk cId="26146989" sldId="287"/>
-            <ac:spMk id="4" creationId="{730A2B43-71A4-DA4B-1E70-D7CD08C02772}"/>
-          </ac:spMkLst>
-        </pc:spChg>
-        <pc:spChg chg="del">
-          <ac:chgData name="Bart Bozon" userId="26c7e87d-a4c1-46b5-bd66-bae5a56eb03c" providerId="ADAL" clId="{E06602E6-6C6E-4463-9671-906A68A7DC73}" dt="2025-09-25T08:24:20.384" v="794" actId="478"/>
-          <ac:spMkLst>
-            <pc:docMk/>
-            <pc:sldMk cId="26146989" sldId="287"/>
-            <ac:spMk id="7" creationId="{F774E52F-40EA-B70C-2CBD-DFB8E31C9EE9}"/>
-          </ac:spMkLst>
-        </pc:spChg>
-        <pc:spChg chg="mod">
-          <ac:chgData name="Bart Bozon" userId="26c7e87d-a4c1-46b5-bd66-bae5a56eb03c" providerId="ADAL" clId="{E06602E6-6C6E-4463-9671-906A68A7DC73}" dt="2025-09-25T08:24:08.826" v="788" actId="207"/>
-          <ac:spMkLst>
-            <pc:docMk/>
-            <pc:sldMk cId="26146989" sldId="287"/>
-            <ac:spMk id="10" creationId="{A08CBA8B-BB36-2BCF-5748-25CFBE1209C2}"/>
-          </ac:spMkLst>
-        </pc:spChg>
-        <pc:picChg chg="del">
-          <ac:chgData name="Bart Bozon" userId="26c7e87d-a4c1-46b5-bd66-bae5a56eb03c" providerId="ADAL" clId="{E06602E6-6C6E-4463-9671-906A68A7DC73}" dt="2025-09-25T08:24:17.128" v="793" actId="478"/>
-          <ac:picMkLst>
-            <pc:docMk/>
-            <pc:sldMk cId="26146989" sldId="287"/>
-            <ac:picMk id="5" creationId="{D295757B-C6B7-6525-CC33-1A7EECDFDD23}"/>
-          </ac:picMkLst>
-        </pc:picChg>
-        <pc:picChg chg="add mod">
-          <ac:chgData name="Bart Bozon" userId="26c7e87d-a4c1-46b5-bd66-bae5a56eb03c" providerId="ADAL" clId="{E06602E6-6C6E-4463-9671-906A68A7DC73}" dt="2025-09-25T08:26:30.571" v="823" actId="1076"/>
-          <ac:picMkLst>
-            <pc:docMk/>
-            <pc:sldMk cId="26146989" sldId="287"/>
-            <ac:picMk id="8" creationId="{116E56A5-A154-A9C1-A3DD-7B9D35CA2A83}"/>
-          </ac:picMkLst>
-        </pc:picChg>
-      </pc:sldChg>
-      <pc:sldChg chg="addSp delSp modSp add mod delAnim modAnim">
-        <pc:chgData name="Bart Bozon" userId="26c7e87d-a4c1-46b5-bd66-bae5a56eb03c" providerId="ADAL" clId="{E06602E6-6C6E-4463-9671-906A68A7DC73}" dt="2025-09-25T08:43:02.520" v="1039"/>
-        <pc:sldMkLst>
-          <pc:docMk/>
-          <pc:sldMk cId="2012937962" sldId="288"/>
-        </pc:sldMkLst>
-        <pc:spChg chg="mod">
-          <ac:chgData name="Bart Bozon" userId="26c7e87d-a4c1-46b5-bd66-bae5a56eb03c" providerId="ADAL" clId="{E06602E6-6C6E-4463-9671-906A68A7DC73}" dt="2025-09-25T08:27:18.502" v="835" actId="20577"/>
-          <ac:spMkLst>
-            <pc:docMk/>
-            <pc:sldMk cId="2012937962" sldId="288"/>
-            <ac:spMk id="2" creationId="{9C2368E2-E976-232A-F994-ADDAFE4DDD8B}"/>
-          </ac:spMkLst>
-        </pc:spChg>
-        <pc:spChg chg="add mod">
-          <ac:chgData name="Bart Bozon" userId="26c7e87d-a4c1-46b5-bd66-bae5a56eb03c" providerId="ADAL" clId="{E06602E6-6C6E-4463-9671-906A68A7DC73}" dt="2025-09-25T08:30:53.582" v="892" actId="1076"/>
-          <ac:spMkLst>
-            <pc:docMk/>
-            <pc:sldMk cId="2012937962" sldId="288"/>
-            <ac:spMk id="3" creationId="{E0DDE042-E68E-1B5F-0E65-8C4914F7A4AE}"/>
-          </ac:spMkLst>
-        </pc:spChg>
-        <pc:spChg chg="del">
-          <ac:chgData name="Bart Bozon" userId="26c7e87d-a4c1-46b5-bd66-bae5a56eb03c" providerId="ADAL" clId="{E06602E6-6C6E-4463-9671-906A68A7DC73}" dt="2025-09-25T08:27:25.493" v="836" actId="478"/>
-          <ac:spMkLst>
-            <pc:docMk/>
-            <pc:sldMk cId="2012937962" sldId="288"/>
-            <ac:spMk id="4" creationId="{DDA1C888-D093-5649-F0D5-4C42F844CB25}"/>
-          </ac:spMkLst>
-        </pc:spChg>
-        <pc:spChg chg="mod">
-          <ac:chgData name="Bart Bozon" userId="26c7e87d-a4c1-46b5-bd66-bae5a56eb03c" providerId="ADAL" clId="{E06602E6-6C6E-4463-9671-906A68A7DC73}" dt="2025-09-25T08:27:09.585" v="827" actId="207"/>
-          <ac:spMkLst>
-            <pc:docMk/>
-            <pc:sldMk cId="2012937962" sldId="288"/>
-            <ac:spMk id="10" creationId="{778194D4-FB9B-BF75-5F81-331E7BDF039B}"/>
-          </ac:spMkLst>
-        </pc:spChg>
-        <pc:spChg chg="add mod">
-          <ac:chgData name="Bart Bozon" userId="26c7e87d-a4c1-46b5-bd66-bae5a56eb03c" providerId="ADAL" clId="{E06602E6-6C6E-4463-9671-906A68A7DC73}" dt="2025-09-25T08:40:20.360" v="942" actId="1076"/>
-          <ac:spMkLst>
-            <pc:docMk/>
-            <pc:sldMk cId="2012937962" sldId="288"/>
-            <ac:spMk id="17" creationId="{CE090727-B9C2-2DE1-87A3-3B0E28735C02}"/>
-          </ac:spMkLst>
-        </pc:spChg>
-        <pc:spChg chg="add mod">
-          <ac:chgData name="Bart Bozon" userId="26c7e87d-a4c1-46b5-bd66-bae5a56eb03c" providerId="ADAL" clId="{E06602E6-6C6E-4463-9671-906A68A7DC73}" dt="2025-09-25T08:40:42.338" v="1002" actId="20577"/>
-          <ac:spMkLst>
-            <pc:docMk/>
-            <pc:sldMk cId="2012937962" sldId="288"/>
-            <ac:spMk id="18" creationId="{825B5F1E-FB49-1BAB-1149-B8BCCED863F5}"/>
-          </ac:spMkLst>
-        </pc:spChg>
-        <pc:spChg chg="add mod">
-          <ac:chgData name="Bart Bozon" userId="26c7e87d-a4c1-46b5-bd66-bae5a56eb03c" providerId="ADAL" clId="{E06602E6-6C6E-4463-9671-906A68A7DC73}" dt="2025-09-25T08:41:12.801" v="1020" actId="1076"/>
-          <ac:spMkLst>
-            <pc:docMk/>
-            <pc:sldMk cId="2012937962" sldId="288"/>
-            <ac:spMk id="19" creationId="{D269AB39-A8AC-5788-1EC8-813058435DE6}"/>
-          </ac:spMkLst>
-        </pc:spChg>
-        <pc:picChg chg="add mod">
-          <ac:chgData name="Bart Bozon" userId="26c7e87d-a4c1-46b5-bd66-bae5a56eb03c" providerId="ADAL" clId="{E06602E6-6C6E-4463-9671-906A68A7DC73}" dt="2025-09-25T08:33:22.158" v="895" actId="14100"/>
-          <ac:picMkLst>
-            <pc:docMk/>
-            <pc:sldMk cId="2012937962" sldId="288"/>
-            <ac:picMk id="6" creationId="{31938B69-B1B6-BE8F-5090-BEBE0CE86A8A}"/>
-          </ac:picMkLst>
-        </pc:picChg>
-        <pc:picChg chg="del">
-          <ac:chgData name="Bart Bozon" userId="26c7e87d-a4c1-46b5-bd66-bae5a56eb03c" providerId="ADAL" clId="{E06602E6-6C6E-4463-9671-906A68A7DC73}" dt="2025-09-25T08:27:13.566" v="828" actId="478"/>
-          <ac:picMkLst>
-            <pc:docMk/>
-            <pc:sldMk cId="2012937962" sldId="288"/>
-            <ac:picMk id="8" creationId="{AFCB95FF-D9F2-4787-B0AE-2DE936917F39}"/>
-          </ac:picMkLst>
-        </pc:picChg>
-        <pc:picChg chg="add del mod">
-          <ac:chgData name="Bart Bozon" userId="26c7e87d-a4c1-46b5-bd66-bae5a56eb03c" providerId="ADAL" clId="{E06602E6-6C6E-4463-9671-906A68A7DC73}" dt="2025-09-25T08:38:43.145" v="907" actId="478"/>
-          <ac:picMkLst>
-            <pc:docMk/>
-            <pc:sldMk cId="2012937962" sldId="288"/>
-            <ac:picMk id="9" creationId="{8804C741-33D8-FCD3-FE94-4C8C02201197}"/>
-          </ac:picMkLst>
-        </pc:picChg>
-        <pc:picChg chg="add del mod">
-          <ac:chgData name="Bart Bozon" userId="26c7e87d-a4c1-46b5-bd66-bae5a56eb03c" providerId="ADAL" clId="{E06602E6-6C6E-4463-9671-906A68A7DC73}" dt="2025-09-25T08:39:06.115" v="912" actId="478"/>
-          <ac:picMkLst>
-            <pc:docMk/>
-            <pc:sldMk cId="2012937962" sldId="288"/>
-            <ac:picMk id="12" creationId="{985DFDE1-E8E0-10C6-8AC9-605DC9458048}"/>
-          </ac:picMkLst>
-        </pc:picChg>
-        <pc:picChg chg="add mod">
-          <ac:chgData name="Bart Bozon" userId="26c7e87d-a4c1-46b5-bd66-bae5a56eb03c" providerId="ADAL" clId="{E06602E6-6C6E-4463-9671-906A68A7DC73}" dt="2025-09-25T08:39:02.070" v="911" actId="1076"/>
-          <ac:picMkLst>
-            <pc:docMk/>
-            <pc:sldMk cId="2012937962" sldId="288"/>
-            <ac:picMk id="14" creationId="{6E66FF47-34E8-42EB-3F7B-65C4917A7AFE}"/>
-          </ac:picMkLst>
-        </pc:picChg>
-        <pc:picChg chg="add mod">
-          <ac:chgData name="Bart Bozon" userId="26c7e87d-a4c1-46b5-bd66-bae5a56eb03c" providerId="ADAL" clId="{E06602E6-6C6E-4463-9671-906A68A7DC73}" dt="2025-09-25T08:40:04.522" v="918" actId="1076"/>
-          <ac:picMkLst>
-            <pc:docMk/>
-            <pc:sldMk cId="2012937962" sldId="288"/>
-            <ac:picMk id="16" creationId="{059548F7-9A07-643A-3129-B3253867927B}"/>
-          </ac:picMkLst>
-        </pc:picChg>
-        <pc:picChg chg="add mod">
-          <ac:chgData name="Bart Bozon" userId="26c7e87d-a4c1-46b5-bd66-bae5a56eb03c" providerId="ADAL" clId="{E06602E6-6C6E-4463-9671-906A68A7DC73}" dt="2025-09-25T08:42:59" v="1038" actId="1076"/>
-          <ac:picMkLst>
-            <pc:docMk/>
-            <pc:sldMk cId="2012937962" sldId="288"/>
-            <ac:picMk id="21" creationId="{F062EB9F-46C9-D166-64A9-8A776CC3276A}"/>
-          </ac:picMkLst>
-        </pc:picChg>
-      </pc:sldChg>
-      <pc:sldChg chg="addSp delSp modSp add mod modAnim">
-        <pc:chgData name="Bart Bozon" userId="26c7e87d-a4c1-46b5-bd66-bae5a56eb03c" providerId="ADAL" clId="{E06602E6-6C6E-4463-9671-906A68A7DC73}" dt="2025-09-25T08:44:10.717" v="1044" actId="1076"/>
-        <pc:sldMkLst>
-          <pc:docMk/>
-          <pc:sldMk cId="3823061965" sldId="289"/>
-        </pc:sldMkLst>
-        <pc:spChg chg="mod">
-          <ac:chgData name="Bart Bozon" userId="26c7e87d-a4c1-46b5-bd66-bae5a56eb03c" providerId="ADAL" clId="{E06602E6-6C6E-4463-9671-906A68A7DC73}" dt="2025-09-25T08:42:11.148" v="1033" actId="20577"/>
-          <ac:spMkLst>
-            <pc:docMk/>
-            <pc:sldMk cId="3823061965" sldId="289"/>
-            <ac:spMk id="2" creationId="{CFE10885-67DD-2A99-291C-1D53D1C568F7}"/>
-          </ac:spMkLst>
-        </pc:spChg>
-        <pc:spChg chg="del">
-          <ac:chgData name="Bart Bozon" userId="26c7e87d-a4c1-46b5-bd66-bae5a56eb03c" providerId="ADAL" clId="{E06602E6-6C6E-4463-9671-906A68A7DC73}" dt="2025-09-25T08:36:49.864" v="901" actId="478"/>
-          <ac:spMkLst>
-            <pc:docMk/>
-            <pc:sldMk cId="3823061965" sldId="289"/>
-            <ac:spMk id="3" creationId="{5B088065-04C4-CA67-3E68-CE6F15E86D4E}"/>
-          </ac:spMkLst>
-        </pc:spChg>
-        <pc:spChg chg="add del mod">
-          <ac:chgData name="Bart Bozon" userId="26c7e87d-a4c1-46b5-bd66-bae5a56eb03c" providerId="ADAL" clId="{E06602E6-6C6E-4463-9671-906A68A7DC73}" dt="2025-09-25T08:37:15.295" v="906"/>
-          <ac:spMkLst>
-            <pc:docMk/>
-            <pc:sldMk cId="3823061965" sldId="289"/>
-            <ac:spMk id="4" creationId="{ECF66200-8A09-72BF-D9F6-42FCD1388BF9}"/>
-          </ac:spMkLst>
-        </pc:spChg>
-        <pc:spChg chg="add mod">
-          <ac:chgData name="Bart Bozon" userId="26c7e87d-a4c1-46b5-bd66-bae5a56eb03c" providerId="ADAL" clId="{E06602E6-6C6E-4463-9671-906A68A7DC73}" dt="2025-09-25T08:44:10.717" v="1044" actId="1076"/>
-          <ac:spMkLst>
-            <pc:docMk/>
-            <pc:sldMk cId="3823061965" sldId="289"/>
-            <ac:spMk id="8" creationId="{385568FF-191B-B547-C0F9-2944F1A80A8C}"/>
-          </ac:spMkLst>
-        </pc:spChg>
-        <pc:spChg chg="mod">
-          <ac:chgData name="Bart Bozon" userId="26c7e87d-a4c1-46b5-bd66-bae5a56eb03c" providerId="ADAL" clId="{E06602E6-6C6E-4463-9671-906A68A7DC73}" dt="2025-09-25T08:42:31.906" v="1035" actId="207"/>
-          <ac:spMkLst>
-            <pc:docMk/>
-            <pc:sldMk cId="3823061965" sldId="289"/>
-            <ac:spMk id="10" creationId="{FB36A9FB-EECE-75D8-709E-98257AFA958F}"/>
-          </ac:spMkLst>
-        </pc:spChg>
-        <pc:picChg chg="del">
-          <ac:chgData name="Bart Bozon" userId="26c7e87d-a4c1-46b5-bd66-bae5a56eb03c" providerId="ADAL" clId="{E06602E6-6C6E-4463-9671-906A68A7DC73}" dt="2025-09-25T08:36:43.731" v="899" actId="478"/>
-          <ac:picMkLst>
-            <pc:docMk/>
-            <pc:sldMk cId="3823061965" sldId="289"/>
-            <ac:picMk id="6" creationId="{409E641F-7ABA-E599-4C7A-D92568FCC89B}"/>
-          </ac:picMkLst>
-        </pc:picChg>
-        <pc:picChg chg="add mod">
-          <ac:chgData name="Bart Bozon" userId="26c7e87d-a4c1-46b5-bd66-bae5a56eb03c" providerId="ADAL" clId="{E06602E6-6C6E-4463-9671-906A68A7DC73}" dt="2025-09-25T08:43:56.648" v="1042" actId="1076"/>
-          <ac:picMkLst>
-            <pc:docMk/>
-            <pc:sldMk cId="3823061965" sldId="289"/>
-            <ac:picMk id="7" creationId="{AF80DE01-1356-EA54-FD97-89489B0347DF}"/>
-          </ac:picMkLst>
-        </pc:picChg>
-        <pc:picChg chg="del mod">
-          <ac:chgData name="Bart Bozon" userId="26c7e87d-a4c1-46b5-bd66-bae5a56eb03c" providerId="ADAL" clId="{E06602E6-6C6E-4463-9671-906A68A7DC73}" dt="2025-09-25T08:37:15.290" v="904" actId="478"/>
-          <ac:picMkLst>
-            <pc:docMk/>
-            <pc:sldMk cId="3823061965" sldId="289"/>
-            <ac:picMk id="9" creationId="{D86F21BF-70D9-0FC9-212E-937E9C88A9CE}"/>
-          </ac:picMkLst>
-        </pc:picChg>
-      </pc:sldChg>
-      <pc:sldChg chg="addSp delSp modSp add mod modTransition delAnim">
-        <pc:chgData name="Bart Bozon" userId="26c7e87d-a4c1-46b5-bd66-bae5a56eb03c" providerId="ADAL" clId="{E06602E6-6C6E-4463-9671-906A68A7DC73}" dt="2025-09-25T08:50:19.493" v="1093"/>
-        <pc:sldMkLst>
-          <pc:docMk/>
-          <pc:sldMk cId="2560543799" sldId="290"/>
-        </pc:sldMkLst>
-        <pc:spChg chg="del">
-          <ac:chgData name="Bart Bozon" userId="26c7e87d-a4c1-46b5-bd66-bae5a56eb03c" providerId="ADAL" clId="{E06602E6-6C6E-4463-9671-906A68A7DC73}" dt="2025-09-25T08:44:34.357" v="1048" actId="478"/>
-          <ac:spMkLst>
-            <pc:docMk/>
-            <pc:sldMk cId="2560543799" sldId="290"/>
-            <ac:spMk id="8" creationId="{669E48A4-CC4B-CCDE-70C6-BBFF6F6BAE4E}"/>
-          </ac:spMkLst>
-        </pc:spChg>
-        <pc:spChg chg="add mod">
-          <ac:chgData name="Bart Bozon" userId="26c7e87d-a4c1-46b5-bd66-bae5a56eb03c" providerId="ADAL" clId="{E06602E6-6C6E-4463-9671-906A68A7DC73}" dt="2025-09-25T08:45:25.671" v="1061" actId="20577"/>
-          <ac:spMkLst>
-            <pc:docMk/>
-            <pc:sldMk cId="2560543799" sldId="290"/>
-            <ac:spMk id="9" creationId="{76457E91-2C96-7B4E-554B-FF60D57DE385}"/>
-          </ac:spMkLst>
-        </pc:spChg>
-        <pc:spChg chg="add mod">
-          <ac:chgData name="Bart Bozon" userId="26c7e87d-a4c1-46b5-bd66-bae5a56eb03c" providerId="ADAL" clId="{E06602E6-6C6E-4463-9671-906A68A7DC73}" dt="2025-09-25T08:45:42.400" v="1074" actId="1076"/>
-          <ac:spMkLst>
-            <pc:docMk/>
-            <pc:sldMk cId="2560543799" sldId="290"/>
-            <ac:spMk id="11" creationId="{51DA5391-B9F9-3101-21F1-2CE4544BEDD5}"/>
-          </ac:spMkLst>
-        </pc:spChg>
-        <pc:picChg chg="add mod">
-          <ac:chgData name="Bart Bozon" userId="26c7e87d-a4c1-46b5-bd66-bae5a56eb03c" providerId="ADAL" clId="{E06602E6-6C6E-4463-9671-906A68A7DC73}" dt="2025-09-25T08:45:16.861" v="1053" actId="1076"/>
-          <ac:picMkLst>
-            <pc:docMk/>
-            <pc:sldMk cId="2560543799" sldId="290"/>
-            <ac:picMk id="4" creationId="{CC9A4BA1-B102-5893-84CA-8AE30063B76C}"/>
-          </ac:picMkLst>
-        </pc:picChg>
-        <pc:picChg chg="add mod">
-          <ac:chgData name="Bart Bozon" userId="26c7e87d-a4c1-46b5-bd66-bae5a56eb03c" providerId="ADAL" clId="{E06602E6-6C6E-4463-9671-906A68A7DC73}" dt="2025-09-25T08:45:19.193" v="1054" actId="1076"/>
-          <ac:picMkLst>
-            <pc:docMk/>
-            <pc:sldMk cId="2560543799" sldId="290"/>
-            <ac:picMk id="6" creationId="{F25EA986-7914-5830-994A-BC0E8C46372E}"/>
-          </ac:picMkLst>
-        </pc:picChg>
-        <pc:picChg chg="del">
-          <ac:chgData name="Bart Bozon" userId="26c7e87d-a4c1-46b5-bd66-bae5a56eb03c" providerId="ADAL" clId="{E06602E6-6C6E-4463-9671-906A68A7DC73}" dt="2025-09-25T08:44:18.822" v="1046" actId="478"/>
-          <ac:picMkLst>
-            <pc:docMk/>
-            <pc:sldMk cId="2560543799" sldId="290"/>
-            <ac:picMk id="7" creationId="{D66D3FBA-54A4-F906-F980-33C74DE1B03D}"/>
-          </ac:picMkLst>
-        </pc:picChg>
-      </pc:sldChg>
-      <pc:sldChg chg="addSp delSp modSp add mod">
-        <pc:chgData name="Bart Bozon" userId="26c7e87d-a4c1-46b5-bd66-bae5a56eb03c" providerId="ADAL" clId="{E06602E6-6C6E-4463-9671-906A68A7DC73}" dt="2025-09-25T08:49:07.204" v="1091" actId="478"/>
-        <pc:sldMkLst>
-          <pc:docMk/>
-          <pc:sldMk cId="1624214317" sldId="291"/>
-        </pc:sldMkLst>
-        <pc:spChg chg="mod">
-          <ac:chgData name="Bart Bozon" userId="26c7e87d-a4c1-46b5-bd66-bae5a56eb03c" providerId="ADAL" clId="{E06602E6-6C6E-4463-9671-906A68A7DC73}" dt="2025-09-25T08:46:03.602" v="1081" actId="20577"/>
-          <ac:spMkLst>
-            <pc:docMk/>
-            <pc:sldMk cId="1624214317" sldId="291"/>
-            <ac:spMk id="2" creationId="{9CAF4E25-2B34-C77C-FCA2-1052B486E7CE}"/>
-          </ac:spMkLst>
-        </pc:spChg>
-        <pc:spChg chg="del">
-          <ac:chgData name="Bart Bozon" userId="26c7e87d-a4c1-46b5-bd66-bae5a56eb03c" providerId="ADAL" clId="{E06602E6-6C6E-4463-9671-906A68A7DC73}" dt="2025-09-25T08:46:08.250" v="1082" actId="478"/>
-          <ac:spMkLst>
-            <pc:docMk/>
-            <pc:sldMk cId="1624214317" sldId="291"/>
-            <ac:spMk id="9" creationId="{55D3CEB2-6F84-E30F-9E82-50DCB39C527B}"/>
-          </ac:spMkLst>
-        </pc:spChg>
-        <pc:spChg chg="mod">
-          <ac:chgData name="Bart Bozon" userId="26c7e87d-a4c1-46b5-bd66-bae5a56eb03c" providerId="ADAL" clId="{E06602E6-6C6E-4463-9671-906A68A7DC73}" dt="2025-09-25T08:45:59.392" v="1077" actId="207"/>
-          <ac:spMkLst>
-            <pc:docMk/>
-            <pc:sldMk cId="1624214317" sldId="291"/>
-            <ac:spMk id="10" creationId="{CE609B40-3603-08FB-5ECE-71DA0DA94729}"/>
-          </ac:spMkLst>
-        </pc:spChg>
-        <pc:spChg chg="del">
-          <ac:chgData name="Bart Bozon" userId="26c7e87d-a4c1-46b5-bd66-bae5a56eb03c" providerId="ADAL" clId="{E06602E6-6C6E-4463-9671-906A68A7DC73}" dt="2025-09-25T08:46:08.250" v="1082" actId="478"/>
-          <ac:spMkLst>
-            <pc:docMk/>
-            <pc:sldMk cId="1624214317" sldId="291"/>
-            <ac:spMk id="11" creationId="{5A274DD7-370A-1664-123C-8AAB2C3E0229}"/>
-          </ac:spMkLst>
-        </pc:spChg>
-        <pc:picChg chg="del">
-          <ac:chgData name="Bart Bozon" userId="26c7e87d-a4c1-46b5-bd66-bae5a56eb03c" providerId="ADAL" clId="{E06602E6-6C6E-4463-9671-906A68A7DC73}" dt="2025-09-25T08:46:08.250" v="1082" actId="478"/>
-          <ac:picMkLst>
-            <pc:docMk/>
-            <pc:sldMk cId="1624214317" sldId="291"/>
-            <ac:picMk id="4" creationId="{3D8A676C-B799-9C6C-E834-606B7FAB2808}"/>
-          </ac:picMkLst>
-        </pc:picChg>
-        <pc:picChg chg="add mod">
-          <ac:chgData name="Bart Bozon" userId="26c7e87d-a4c1-46b5-bd66-bae5a56eb03c" providerId="ADAL" clId="{E06602E6-6C6E-4463-9671-906A68A7DC73}" dt="2025-09-25T08:47:05.147" v="1085" actId="1076"/>
-          <ac:picMkLst>
-            <pc:docMk/>
-            <pc:sldMk cId="1624214317" sldId="291"/>
-            <ac:picMk id="5" creationId="{F5A3DE2F-47CA-01A6-E076-D87B7EF01645}"/>
-          </ac:picMkLst>
-        </pc:picChg>
-        <pc:picChg chg="del">
-          <ac:chgData name="Bart Bozon" userId="26c7e87d-a4c1-46b5-bd66-bae5a56eb03c" providerId="ADAL" clId="{E06602E6-6C6E-4463-9671-906A68A7DC73}" dt="2025-09-25T08:46:08.250" v="1082" actId="478"/>
-          <ac:picMkLst>
-            <pc:docMk/>
-            <pc:sldMk cId="1624214317" sldId="291"/>
-            <ac:picMk id="6" creationId="{80540617-6802-E3BB-1BC7-DE957A2D4E4C}"/>
-          </ac:picMkLst>
-        </pc:picChg>
-        <pc:picChg chg="add del mod">
-          <ac:chgData name="Bart Bozon" userId="26c7e87d-a4c1-46b5-bd66-bae5a56eb03c" providerId="ADAL" clId="{E06602E6-6C6E-4463-9671-906A68A7DC73}" dt="2025-09-25T08:49:07.204" v="1091" actId="478"/>
-          <ac:picMkLst>
-            <pc:docMk/>
-            <pc:sldMk cId="1624214317" sldId="291"/>
-            <ac:picMk id="8" creationId="{1A595691-673C-F880-E29C-D3B889F8C303}"/>
-          </ac:picMkLst>
-        </pc:picChg>
-      </pc:sldChg>
-      <pc:sldChg chg="modSp add mod modTransition">
-        <pc:chgData name="Bart Bozon" userId="26c7e87d-a4c1-46b5-bd66-bae5a56eb03c" providerId="ADAL" clId="{E06602E6-6C6E-4463-9671-906A68A7DC73}" dt="2025-09-25T08:49:12.341" v="1092"/>
-        <pc:sldMkLst>
-          <pc:docMk/>
-          <pc:sldMk cId="1981177886" sldId="292"/>
-        </pc:sldMkLst>
-        <pc:picChg chg="mod">
-          <ac:chgData name="Bart Bozon" userId="26c7e87d-a4c1-46b5-bd66-bae5a56eb03c" providerId="ADAL" clId="{E06602E6-6C6E-4463-9671-906A68A7DC73}" dt="2025-09-25T08:49:00.634" v="1089" actId="1076"/>
-          <ac:picMkLst>
-            <pc:docMk/>
-            <pc:sldMk cId="1981177886" sldId="292"/>
-            <ac:picMk id="5" creationId="{40228018-8511-1912-CF01-560D0898962E}"/>
-          </ac:picMkLst>
-        </pc:picChg>
-        <pc:picChg chg="mod">
-          <ac:chgData name="Bart Bozon" userId="26c7e87d-a4c1-46b5-bd66-bae5a56eb03c" providerId="ADAL" clId="{E06602E6-6C6E-4463-9671-906A68A7DC73}" dt="2025-09-25T08:49:04.782" v="1090" actId="1076"/>
-          <ac:picMkLst>
-            <pc:docMk/>
-            <pc:sldMk cId="1981177886" sldId="292"/>
-            <ac:picMk id="8" creationId="{4877B3B4-AAE6-6680-4E22-E0623EFAF9BD}"/>
-          </ac:picMkLst>
-        </pc:picChg>
-      </pc:sldChg>
-      <pc:sldChg chg="addSp delSp modSp add mod">
-        <pc:chgData name="Bart Bozon" userId="26c7e87d-a4c1-46b5-bd66-bae5a56eb03c" providerId="ADAL" clId="{E06602E6-6C6E-4463-9671-906A68A7DC73}" dt="2025-09-25T09:08:23.572" v="1123" actId="207"/>
-        <pc:sldMkLst>
-          <pc:docMk/>
-          <pc:sldMk cId="1363634681" sldId="293"/>
-        </pc:sldMkLst>
-        <pc:spChg chg="mod">
-          <ac:chgData name="Bart Bozon" userId="26c7e87d-a4c1-46b5-bd66-bae5a56eb03c" providerId="ADAL" clId="{E06602E6-6C6E-4463-9671-906A68A7DC73}" dt="2025-09-25T08:50:56.886" v="1115" actId="20577"/>
-          <ac:spMkLst>
-            <pc:docMk/>
-            <pc:sldMk cId="1363634681" sldId="293"/>
-            <ac:spMk id="2" creationId="{3165F7DE-3D5C-868A-1AC7-D2171425568E}"/>
-          </ac:spMkLst>
-        </pc:spChg>
-        <pc:spChg chg="mod">
-          <ac:chgData name="Bart Bozon" userId="26c7e87d-a4c1-46b5-bd66-bae5a56eb03c" providerId="ADAL" clId="{E06602E6-6C6E-4463-9671-906A68A7DC73}" dt="2025-09-25T09:08:23.572" v="1123" actId="207"/>
-          <ac:spMkLst>
-            <pc:docMk/>
-            <pc:sldMk cId="1363634681" sldId="293"/>
-            <ac:spMk id="10" creationId="{550D38B2-26F9-791B-9A82-222BB4766539}"/>
-          </ac:spMkLst>
-        </pc:spChg>
-        <pc:picChg chg="del">
-          <ac:chgData name="Bart Bozon" userId="26c7e87d-a4c1-46b5-bd66-bae5a56eb03c" providerId="ADAL" clId="{E06602E6-6C6E-4463-9671-906A68A7DC73}" dt="2025-09-25T08:50:58.953" v="1116" actId="478"/>
-          <ac:picMkLst>
-            <pc:docMk/>
-            <pc:sldMk cId="1363634681" sldId="293"/>
-            <ac:picMk id="5" creationId="{84B8B2EA-9A18-E1A9-FEA9-35A1D8739D75}"/>
-          </ac:picMkLst>
-        </pc:picChg>
-        <pc:picChg chg="del">
-          <ac:chgData name="Bart Bozon" userId="26c7e87d-a4c1-46b5-bd66-bae5a56eb03c" providerId="ADAL" clId="{E06602E6-6C6E-4463-9671-906A68A7DC73}" dt="2025-09-25T08:51:02.959" v="1117" actId="478"/>
-          <ac:picMkLst>
-            <pc:docMk/>
-            <pc:sldMk cId="1363634681" sldId="293"/>
-            <ac:picMk id="8" creationId="{38311B9E-EA38-A77D-AD17-1CBAA107C7F9}"/>
-          </ac:picMkLst>
-        </pc:picChg>
-        <pc:picChg chg="add mod">
-          <ac:chgData name="Bart Bozon" userId="26c7e87d-a4c1-46b5-bd66-bae5a56eb03c" providerId="ADAL" clId="{E06602E6-6C6E-4463-9671-906A68A7DC73}" dt="2025-09-25T09:07:42.610" v="1121" actId="1076"/>
-          <ac:picMkLst>
-            <pc:docMk/>
-            <pc:sldMk cId="1363634681" sldId="293"/>
-            <ac:picMk id="4098" creationId="{CB0685B0-A99C-6D36-1286-95A9A09BACC4}"/>
-          </ac:picMkLst>
-        </pc:picChg>
-      </pc:sldChg>
-      <pc:sldChg chg="addSp modSp add mod">
-        <pc:chgData name="Bart Bozon" userId="26c7e87d-a4c1-46b5-bd66-bae5a56eb03c" providerId="ADAL" clId="{E06602E6-6C6E-4463-9671-906A68A7DC73}" dt="2025-09-25T09:09:13.076" v="1128" actId="1076"/>
-        <pc:sldMkLst>
-          <pc:docMk/>
-          <pc:sldMk cId="1009111275" sldId="294"/>
-        </pc:sldMkLst>
-        <pc:picChg chg="add mod">
-          <ac:chgData name="Bart Bozon" userId="26c7e87d-a4c1-46b5-bd66-bae5a56eb03c" providerId="ADAL" clId="{E06602E6-6C6E-4463-9671-906A68A7DC73}" dt="2025-09-25T09:09:13.076" v="1128" actId="1076"/>
-          <ac:picMkLst>
-            <pc:docMk/>
-            <pc:sldMk cId="1009111275" sldId="294"/>
-            <ac:picMk id="4" creationId="{917C56D1-3F4A-FFBF-F00D-62BB48DB298F}"/>
-          </ac:picMkLst>
-        </pc:picChg>
-        <pc:picChg chg="mod">
-          <ac:chgData name="Bart Bozon" userId="26c7e87d-a4c1-46b5-bd66-bae5a56eb03c" providerId="ADAL" clId="{E06602E6-6C6E-4463-9671-906A68A7DC73}" dt="2025-09-25T09:08:30.418" v="1125" actId="1076"/>
-          <ac:picMkLst>
-            <pc:docMk/>
-            <pc:sldMk cId="1009111275" sldId="294"/>
-            <ac:picMk id="4098" creationId="{6BA25C1E-F325-D7BC-D443-B5659B6B1A0E}"/>
-          </ac:picMkLst>
-        </pc:picChg>
-      </pc:sldChg>
-      <pc:sldChg chg="addSp delSp modSp new mod">
-        <pc:chgData name="Bart Bozon" userId="26c7e87d-a4c1-46b5-bd66-bae5a56eb03c" providerId="ADAL" clId="{E06602E6-6C6E-4463-9671-906A68A7DC73}" dt="2025-09-25T09:11:41.171" v="1156" actId="1076"/>
-        <pc:sldMkLst>
-          <pc:docMk/>
-          <pc:sldMk cId="248977176" sldId="295"/>
-        </pc:sldMkLst>
-        <pc:spChg chg="mod">
-          <ac:chgData name="Bart Bozon" userId="26c7e87d-a4c1-46b5-bd66-bae5a56eb03c" providerId="ADAL" clId="{E06602E6-6C6E-4463-9671-906A68A7DC73}" dt="2025-09-25T09:11:06.752" v="1145" actId="20577"/>
-          <ac:spMkLst>
-            <pc:docMk/>
-            <pc:sldMk cId="248977176" sldId="295"/>
-            <ac:spMk id="2" creationId="{016BD01B-A6AB-5AFE-25C6-58FF83C62D4E}"/>
-          </ac:spMkLst>
-        </pc:spChg>
-        <pc:spChg chg="del">
-          <ac:chgData name="Bart Bozon" userId="26c7e87d-a4c1-46b5-bd66-bae5a56eb03c" providerId="ADAL" clId="{E06602E6-6C6E-4463-9671-906A68A7DC73}" dt="2025-09-25T09:11:08.945" v="1146" actId="478"/>
-          <ac:spMkLst>
-            <pc:docMk/>
-            <pc:sldMk cId="248977176" sldId="295"/>
-            <ac:spMk id="3" creationId="{494AD75D-08AE-33D0-B0A8-978A44F02195}"/>
-          </ac:spMkLst>
-        </pc:spChg>
-        <pc:spChg chg="add mod">
-          <ac:chgData name="Bart Bozon" userId="26c7e87d-a4c1-46b5-bd66-bae5a56eb03c" providerId="ADAL" clId="{E06602E6-6C6E-4463-9671-906A68A7DC73}" dt="2025-09-25T09:11:41.171" v="1156" actId="1076"/>
-          <ac:spMkLst>
-            <pc:docMk/>
-            <pc:sldMk cId="248977176" sldId="295"/>
-            <ac:spMk id="5" creationId="{34860E4D-0500-99F4-C97B-4890FDAC047E}"/>
-          </ac:spMkLst>
-        </pc:spChg>
-      </pc:sldChg>
-      <pc:sldChg chg="add modTransition modAnim">
-        <pc:chgData name="Bart Bozon" userId="26c7e87d-a4c1-46b5-bd66-bae5a56eb03c" providerId="ADAL" clId="{E06602E6-6C6E-4463-9671-906A68A7DC73}" dt="2025-09-25T09:10:10.238" v="1132"/>
-        <pc:sldMkLst>
-          <pc:docMk/>
-          <pc:sldMk cId="1101317567" sldId="296"/>
-        </pc:sldMkLst>
-      </pc:sldChg>
-    </pc:docChg>
-  </pc:docChgLst>
-</pc:chgInfo>
 </file>
 
 <file path=ppt/slideLayouts/slideLayout1.xml><?xml version="1.0" encoding="utf-8"?>
@@ -1363,7 +293,7 @@
           <a:p>
             <a:fld id="{F4B28623-E84A-4A7D-AFC4-F09CCC1DA812}" type="datetimeFigureOut">
               <a:rPr lang="nl-NL" smtClean="0"/>
-              <a:t>25-9-2025</a:t>
+              <a:t>1-10-2025</a:t>
             </a:fld>
             <a:endParaRPr lang="nl-NL"/>
           </a:p>
@@ -1563,7 +493,7 @@
           <a:p>
             <a:fld id="{F4B28623-E84A-4A7D-AFC4-F09CCC1DA812}" type="datetimeFigureOut">
               <a:rPr lang="nl-NL" smtClean="0"/>
-              <a:t>25-9-2025</a:t>
+              <a:t>1-10-2025</a:t>
             </a:fld>
             <a:endParaRPr lang="nl-NL"/>
           </a:p>
@@ -1773,7 +703,7 @@
           <a:p>
             <a:fld id="{F4B28623-E84A-4A7D-AFC4-F09CCC1DA812}" type="datetimeFigureOut">
               <a:rPr lang="nl-NL" smtClean="0"/>
-              <a:t>25-9-2025</a:t>
+              <a:t>1-10-2025</a:t>
             </a:fld>
             <a:endParaRPr lang="nl-NL"/>
           </a:p>
@@ -1973,7 +903,7 @@
           <a:p>
             <a:fld id="{F4B28623-E84A-4A7D-AFC4-F09CCC1DA812}" type="datetimeFigureOut">
               <a:rPr lang="nl-NL" smtClean="0"/>
-              <a:t>25-9-2025</a:t>
+              <a:t>1-10-2025</a:t>
             </a:fld>
             <a:endParaRPr lang="nl-NL"/>
           </a:p>
@@ -2249,7 +1179,7 @@
           <a:p>
             <a:fld id="{F4B28623-E84A-4A7D-AFC4-F09CCC1DA812}" type="datetimeFigureOut">
               <a:rPr lang="nl-NL" smtClean="0"/>
-              <a:t>25-9-2025</a:t>
+              <a:t>1-10-2025</a:t>
             </a:fld>
             <a:endParaRPr lang="nl-NL"/>
           </a:p>
@@ -2517,7 +1447,7 @@
           <a:p>
             <a:fld id="{F4B28623-E84A-4A7D-AFC4-F09CCC1DA812}" type="datetimeFigureOut">
               <a:rPr lang="nl-NL" smtClean="0"/>
-              <a:t>25-9-2025</a:t>
+              <a:t>1-10-2025</a:t>
             </a:fld>
             <a:endParaRPr lang="nl-NL"/>
           </a:p>
@@ -2932,7 +1862,7 @@
           <a:p>
             <a:fld id="{F4B28623-E84A-4A7D-AFC4-F09CCC1DA812}" type="datetimeFigureOut">
               <a:rPr lang="nl-NL" smtClean="0"/>
-              <a:t>25-9-2025</a:t>
+              <a:t>1-10-2025</a:t>
             </a:fld>
             <a:endParaRPr lang="nl-NL"/>
           </a:p>
@@ -3074,7 +2004,7 @@
           <a:p>
             <a:fld id="{F4B28623-E84A-4A7D-AFC4-F09CCC1DA812}" type="datetimeFigureOut">
               <a:rPr lang="nl-NL" smtClean="0"/>
-              <a:t>25-9-2025</a:t>
+              <a:t>1-10-2025</a:t>
             </a:fld>
             <a:endParaRPr lang="nl-NL"/>
           </a:p>
@@ -3187,7 +2117,7 @@
           <a:p>
             <a:fld id="{F4B28623-E84A-4A7D-AFC4-F09CCC1DA812}" type="datetimeFigureOut">
               <a:rPr lang="nl-NL" smtClean="0"/>
-              <a:t>25-9-2025</a:t>
+              <a:t>1-10-2025</a:t>
             </a:fld>
             <a:endParaRPr lang="nl-NL"/>
           </a:p>
@@ -3500,7 +2430,7 @@
           <a:p>
             <a:fld id="{F4B28623-E84A-4A7D-AFC4-F09CCC1DA812}" type="datetimeFigureOut">
               <a:rPr lang="nl-NL" smtClean="0"/>
-              <a:t>25-9-2025</a:t>
+              <a:t>1-10-2025</a:t>
             </a:fld>
             <a:endParaRPr lang="nl-NL"/>
           </a:p>
@@ -3789,7 +2719,7 @@
           <a:p>
             <a:fld id="{F4B28623-E84A-4A7D-AFC4-F09CCC1DA812}" type="datetimeFigureOut">
               <a:rPr lang="nl-NL" smtClean="0"/>
-              <a:t>25-9-2025</a:t>
+              <a:t>1-10-2025</a:t>
             </a:fld>
             <a:endParaRPr lang="nl-NL"/>
           </a:p>
@@ -4032,7 +2962,7 @@
           <a:p>
             <a:fld id="{F4B28623-E84A-4A7D-AFC4-F09CCC1DA812}" type="datetimeFigureOut">
               <a:rPr lang="nl-NL" smtClean="0"/>
-              <a:t>25-9-2025</a:t>
+              <a:t>1-10-2025</a:t>
             </a:fld>
             <a:endParaRPr lang="nl-NL"/>
           </a:p>
@@ -6179,13 +5109,13 @@
   <p:clrMapOvr>
     <a:masterClrMapping/>
   </p:clrMapOvr>
-  <mc:AlternateContent xmlns:mc="http://schemas.openxmlformats.org/markup-compatibility/2006">
-    <mc:Choice xmlns:p14="http://schemas.microsoft.com/office/powerpoint/2010/main" Requires="p14">
+  <mc:AlternateContent xmlns:mc="http://schemas.openxmlformats.org/markup-compatibility/2006" xmlns:p14="http://schemas.microsoft.com/office/powerpoint/2010/main">
+    <mc:Choice Requires="p14">
       <p:transition spd="med" p14:dur="700">
         <p:fade/>
       </p:transition>
     </mc:Choice>
-    <mc:Fallback>
+    <mc:Fallback xmlns="">
       <p:transition spd="med">
         <p:fade/>
       </p:transition>
@@ -6838,13 +5768,13 @@
   <p:clrMapOvr>
     <a:masterClrMapping/>
   </p:clrMapOvr>
-  <mc:AlternateContent xmlns:mc="http://schemas.openxmlformats.org/markup-compatibility/2006">
-    <mc:Choice xmlns:p159="http://schemas.microsoft.com/office/powerpoint/2015/09/main" Requires="p159">
+  <mc:AlternateContent xmlns:mc="http://schemas.openxmlformats.org/markup-compatibility/2006" xmlns:p159="http://schemas.microsoft.com/office/powerpoint/2015/09/main">
+    <mc:Choice Requires="p159">
       <p:transition xmlns:p14="http://schemas.microsoft.com/office/powerpoint/2010/main" spd="slow" p14:dur="2000">
         <p159:morph option="byObject"/>
       </p:transition>
     </mc:Choice>
-    <mc:Fallback>
+    <mc:Fallback xmlns="">
       <p:transition spd="slow">
         <p:fade/>
       </p:transition>
@@ -7148,13 +6078,13 @@
   <p:clrMapOvr>
     <a:masterClrMapping/>
   </p:clrMapOvr>
-  <mc:AlternateContent xmlns:mc="http://schemas.openxmlformats.org/markup-compatibility/2006">
-    <mc:Choice xmlns:p159="http://schemas.microsoft.com/office/powerpoint/2015/09/main" Requires="p159">
+  <mc:AlternateContent xmlns:mc="http://schemas.openxmlformats.org/markup-compatibility/2006" xmlns:p159="http://schemas.microsoft.com/office/powerpoint/2015/09/main">
+    <mc:Choice Requires="p159">
       <p:transition xmlns:p14="http://schemas.microsoft.com/office/powerpoint/2010/main" spd="slow" p14:dur="2000">
         <p159:morph option="byObject"/>
       </p:transition>
     </mc:Choice>
-    <mc:Fallback>
+    <mc:Fallback xmlns="">
       <p:transition spd="slow">
         <p:fade/>
       </p:transition>
@@ -7488,13 +6418,13 @@
   <p:clrMapOvr>
     <a:masterClrMapping/>
   </p:clrMapOvr>
-  <mc:AlternateContent xmlns:mc="http://schemas.openxmlformats.org/markup-compatibility/2006">
-    <mc:Choice xmlns:p159="http://schemas.microsoft.com/office/powerpoint/2015/09/main" Requires="p159">
+  <mc:AlternateContent xmlns:mc="http://schemas.openxmlformats.org/markup-compatibility/2006" xmlns:p159="http://schemas.microsoft.com/office/powerpoint/2015/09/main">
+    <mc:Choice Requires="p159">
       <p:transition xmlns:p14="http://schemas.microsoft.com/office/powerpoint/2010/main" spd="slow" p14:dur="2000">
         <p159:morph option="byObject"/>
       </p:transition>
     </mc:Choice>
-    <mc:Fallback>
+    <mc:Fallback xmlns="">
       <p:transition spd="slow">
         <p:fade/>
       </p:transition>
@@ -7508,13 +6438,7 @@
   <p:cSld>
     <p:spTree>
       <p:nvGrpSpPr>
-        <p:cNvPr id="1" name="">
-          <a:extLst>
-            <a:ext uri="{FF2B5EF4-FFF2-40B4-BE49-F238E27FC236}">
-              <a16:creationId xmlns:a16="http://schemas.microsoft.com/office/drawing/2014/main" id="{9C543F55-F01B-5980-FFED-E4FC2E4B6365}"/>
-            </a:ext>
-          </a:extLst>
-        </p:cNvPr>
+        <p:cNvPr id="1" name=""/>
         <p:cNvGrpSpPr/>
         <p:nvPr/>
       </p:nvGrpSpPr>
@@ -7528,149 +6452,10 @@
       </p:grpSpPr>
       <p:sp>
         <p:nvSpPr>
-          <p:cNvPr id="2" name="Title 1">
-            <a:extLst>
-              <a:ext uri="{FF2B5EF4-FFF2-40B4-BE49-F238E27FC236}">
-                <a16:creationId xmlns:a16="http://schemas.microsoft.com/office/drawing/2014/main" id="{D740C096-0202-74C5-84C8-944B916CB816}"/>
-              </a:ext>
-            </a:extLst>
-          </p:cNvPr>
-          <p:cNvSpPr>
-            <a:spLocks noGrp="1"/>
-          </p:cNvSpPr>
-          <p:nvPr>
-            <p:ph type="title"/>
-          </p:nvPr>
-        </p:nvSpPr>
-        <p:spPr>
-          <a:xfrm>
-            <a:off x="716280" y="0"/>
-            <a:ext cx="10515600" cy="1325563"/>
-          </a:xfrm>
-        </p:spPr>
-        <p:txBody>
-          <a:bodyPr/>
-          <a:lstStyle/>
-          <a:p>
-            <a:r>
-              <a:rPr lang="en-US" dirty="0"/>
-              <a:t>Content</a:t>
-            </a:r>
-            <a:endParaRPr lang="nl-NL" dirty="0"/>
-          </a:p>
-        </p:txBody>
-      </p:sp>
-      <p:sp>
-        <p:nvSpPr>
-          <p:cNvPr id="3" name="Content Placeholder 2">
-            <a:extLst>
-              <a:ext uri="{FF2B5EF4-FFF2-40B4-BE49-F238E27FC236}">
-                <a16:creationId xmlns:a16="http://schemas.microsoft.com/office/drawing/2014/main" id="{48C76C1F-04EF-78E6-1AF9-FD1C91596D9B}"/>
-              </a:ext>
-            </a:extLst>
-          </p:cNvPr>
-          <p:cNvSpPr>
-            <a:spLocks noGrp="1"/>
-          </p:cNvSpPr>
-          <p:nvPr>
-            <p:ph idx="1"/>
-          </p:nvPr>
-        </p:nvSpPr>
-        <p:spPr>
-          <a:xfrm>
-            <a:off x="716280" y="1325563"/>
-            <a:ext cx="8747760" cy="5230496"/>
-          </a:xfrm>
-        </p:spPr>
-        <p:txBody>
-          <a:bodyPr>
-            <a:normAutofit fontScale="92500" lnSpcReduction="10000"/>
-          </a:bodyPr>
-          <a:lstStyle/>
-          <a:p>
-            <a:r>
-              <a:rPr lang="en-US" dirty="0"/>
-              <a:t>Arrays</a:t>
-            </a:r>
-          </a:p>
-          <a:p>
-            <a:r>
-              <a:rPr lang="en-US" dirty="0"/>
-              <a:t>Lists (</a:t>
-            </a:r>
-            <a:r>
-              <a:rPr lang="en-US" dirty="0" err="1"/>
-              <a:t>ArrayList</a:t>
-            </a:r>
-            <a:r>
-              <a:rPr lang="en-US" dirty="0"/>
-              <a:t>)</a:t>
-            </a:r>
-          </a:p>
-          <a:p>
-            <a:r>
-              <a:rPr lang="en-US" dirty="0"/>
-              <a:t>Sets</a:t>
-            </a:r>
-          </a:p>
-          <a:p>
-            <a:r>
-              <a:rPr lang="en-US" dirty="0"/>
-              <a:t>Stack</a:t>
-            </a:r>
-          </a:p>
-          <a:p>
-            <a:r>
-              <a:rPr lang="en-US" dirty="0"/>
-              <a:t>Heap</a:t>
-            </a:r>
-          </a:p>
-          <a:p>
-            <a:r>
-              <a:rPr lang="en-US" dirty="0"/>
-              <a:t>Queues</a:t>
-            </a:r>
-          </a:p>
-          <a:p>
-            <a:r>
-              <a:rPr lang="en-US" dirty="0" err="1"/>
-              <a:t>Dicts</a:t>
-            </a:r>
-            <a:endParaRPr lang="en-US" dirty="0"/>
-          </a:p>
-          <a:p>
-            <a:r>
-              <a:rPr lang="en-US" dirty="0" err="1"/>
-              <a:t>Hashmap</a:t>
-            </a:r>
-            <a:endParaRPr lang="en-US" dirty="0"/>
-          </a:p>
-          <a:p>
-            <a:r>
-              <a:rPr lang="en-US" dirty="0"/>
-              <a:t>Linked lists (single/double)</a:t>
-            </a:r>
-          </a:p>
-          <a:p>
-            <a:r>
-              <a:rPr lang="en-US" dirty="0"/>
-              <a:t>Trees</a:t>
-            </a:r>
-          </a:p>
-          <a:p>
-            <a:r>
-              <a:rPr lang="en-US" dirty="0"/>
-              <a:t>Quicksort</a:t>
-            </a:r>
-          </a:p>
-        </p:txBody>
-      </p:sp>
-      <p:sp>
-        <p:nvSpPr>
-          <p:cNvPr id="6" name="TextBox 5">
-            <a:extLst>
-              <a:ext uri="{FF2B5EF4-FFF2-40B4-BE49-F238E27FC236}">
-                <a16:creationId xmlns:a16="http://schemas.microsoft.com/office/drawing/2014/main" id="{5C0BBBE6-D47E-F589-22D4-8000A833ADFD}"/>
+          <p:cNvPr id="5" name="TextBox 4">
+            <a:extLst>
+              <a:ext uri="{FF2B5EF4-FFF2-40B4-BE49-F238E27FC236}">
+                <a16:creationId xmlns:a16="http://schemas.microsoft.com/office/drawing/2014/main" id="{2BAC464C-4F07-882C-1B53-B4C053BDB0D8}"/>
               </a:ext>
             </a:extLst>
           </p:cNvPr>
@@ -7679,8 +6464,8 @@
         </p:nvSpPr>
         <p:spPr>
           <a:xfrm>
-            <a:off x="88490" y="6488668"/>
-            <a:ext cx="12713110" cy="369332"/>
+            <a:off x="889820" y="0"/>
+            <a:ext cx="10412360" cy="6771084"/>
           </a:xfrm>
           <a:prstGeom prst="rect">
             <a:avLst/>
@@ -7693,79 +6478,1473 @@
           </a:bodyPr>
           <a:lstStyle/>
           <a:p>
-            <a:r>
-              <a:rPr lang="nl-NL" dirty="0"/>
-              <a:t>Arrays -&gt; </a:t>
-            </a:r>
-            <a:r>
-              <a:rPr lang="nl-NL" dirty="0" err="1"/>
-              <a:t>Lists</a:t>
-            </a:r>
-            <a:r>
-              <a:rPr lang="nl-NL" dirty="0"/>
-              <a:t> -&gt; Sets -&gt; Stack -&gt; </a:t>
-            </a:r>
-            <a:r>
-              <a:rPr lang="nl-NL" dirty="0" err="1"/>
-              <a:t>Heap</a:t>
-            </a:r>
-            <a:r>
-              <a:rPr lang="nl-NL" dirty="0"/>
-              <a:t> -&gt; Queues -&gt; </a:t>
-            </a:r>
-            <a:r>
-              <a:rPr lang="nl-NL" dirty="0" err="1"/>
-              <a:t>Dicts</a:t>
-            </a:r>
-            <a:r>
-              <a:rPr lang="nl-NL" dirty="0"/>
-              <a:t> -&gt; </a:t>
-            </a:r>
-            <a:r>
-              <a:rPr lang="nl-NL" dirty="0" err="1"/>
-              <a:t>Hashmap</a:t>
-            </a:r>
-            <a:r>
-              <a:rPr lang="nl-NL" dirty="0"/>
-              <a:t> -&gt; </a:t>
-            </a:r>
-            <a:r>
-              <a:rPr lang="nl-NL" dirty="0" err="1"/>
-              <a:t>Linked</a:t>
-            </a:r>
-            <a:r>
-              <a:rPr lang="nl-NL" dirty="0"/>
+            <a:pPr algn="l">
+              <a:buNone/>
+            </a:pPr>
+            <a:r>
+              <a:rPr lang="en-US" sz="1400" b="0" i="1" dirty="0">
+                <a:solidFill>
+                  <a:srgbClr val="101418"/>
+                </a:solidFill>
+                <a:effectLst/>
+                <a:latin typeface="Courier New" panose="02070309020205020404" pitchFamily="49" charset="0"/>
+              </a:rPr>
+              <a:t>// Sorts (a portion of) an array, divides it into partitions, then sorts those</a:t>
+            </a:r>
+            <a:endParaRPr lang="en-US" sz="1400" b="0" i="0" dirty="0">
+              <a:solidFill>
+                <a:srgbClr val="101418"/>
+              </a:solidFill>
+              <a:effectLst/>
+              <a:latin typeface="Courier New" panose="02070309020205020404" pitchFamily="49" charset="0"/>
+            </a:endParaRPr>
+          </a:p>
+          <a:p>
+            <a:pPr algn="l">
+              <a:buNone/>
+            </a:pPr>
+            <a:r>
+              <a:rPr lang="en-US" sz="1400" b="1" i="0" dirty="0">
+                <a:solidFill>
+                  <a:srgbClr val="101418"/>
+                </a:solidFill>
+                <a:effectLst/>
+                <a:latin typeface="Courier New" panose="02070309020205020404" pitchFamily="49" charset="0"/>
+              </a:rPr>
+              <a:t>algorithm</a:t>
+            </a:r>
+            <a:r>
+              <a:rPr lang="en-US" sz="1400" b="0" i="0" dirty="0">
+                <a:solidFill>
+                  <a:srgbClr val="101418"/>
+                </a:solidFill>
+                <a:effectLst/>
+                <a:latin typeface="Courier New" panose="02070309020205020404" pitchFamily="49" charset="0"/>
+              </a:rPr>
+              <a:t> quicksort(A, lo, hi) </a:t>
+            </a:r>
+            <a:r>
+              <a:rPr lang="en-US" sz="1400" b="1" i="0" dirty="0">
+                <a:solidFill>
+                  <a:srgbClr val="101418"/>
+                </a:solidFill>
+                <a:effectLst/>
+                <a:latin typeface="Courier New" panose="02070309020205020404" pitchFamily="49" charset="0"/>
+              </a:rPr>
+              <a:t>is</a:t>
+            </a:r>
+            <a:r>
+              <a:rPr lang="en-US" sz="1400" b="0" i="0" dirty="0">
+                <a:solidFill>
+                  <a:srgbClr val="101418"/>
+                </a:solidFill>
+                <a:effectLst/>
+                <a:latin typeface="Courier New" panose="02070309020205020404" pitchFamily="49" charset="0"/>
+              </a:rPr>
               <a:t> </a:t>
             </a:r>
-            <a:r>
-              <a:rPr lang="nl-NL" dirty="0" err="1"/>
-              <a:t>lists</a:t>
-            </a:r>
-            <a:r>
-              <a:rPr lang="nl-NL" dirty="0"/>
-              <a:t> (single/double)-&gt; Trees -&gt; </a:t>
-            </a:r>
-            <a:r>
-              <a:rPr lang="nl-NL" dirty="0" err="1"/>
-              <a:t>Quicksort</a:t>
-            </a:r>
-            <a:endParaRPr lang="nl-NL" dirty="0"/>
+          </a:p>
+          <a:p>
+            <a:pPr algn="l">
+              <a:buNone/>
+            </a:pPr>
+            <a:r>
+              <a:rPr lang="en-US" sz="1400" b="0" i="0" dirty="0">
+                <a:solidFill>
+                  <a:srgbClr val="101418"/>
+                </a:solidFill>
+                <a:effectLst/>
+                <a:latin typeface="Courier New" panose="02070309020205020404" pitchFamily="49" charset="0"/>
+              </a:rPr>
+              <a:t>  </a:t>
+            </a:r>
+            <a:r>
+              <a:rPr lang="en-US" sz="1400" b="0" i="1" dirty="0">
+                <a:solidFill>
+                  <a:srgbClr val="101418"/>
+                </a:solidFill>
+                <a:effectLst/>
+                <a:latin typeface="Courier New" panose="02070309020205020404" pitchFamily="49" charset="0"/>
+              </a:rPr>
+              <a:t>// Ensure indices are in correct order</a:t>
+            </a:r>
+            <a:endParaRPr lang="en-US" sz="1400" b="0" i="0" dirty="0">
+              <a:solidFill>
+                <a:srgbClr val="101418"/>
+              </a:solidFill>
+              <a:effectLst/>
+              <a:latin typeface="Courier New" panose="02070309020205020404" pitchFamily="49" charset="0"/>
+            </a:endParaRPr>
+          </a:p>
+          <a:p>
+            <a:pPr algn="l">
+              <a:buNone/>
+            </a:pPr>
+            <a:r>
+              <a:rPr lang="en-US" sz="1400" b="0" i="0" dirty="0">
+                <a:solidFill>
+                  <a:srgbClr val="101418"/>
+                </a:solidFill>
+                <a:effectLst/>
+                <a:latin typeface="Courier New" panose="02070309020205020404" pitchFamily="49" charset="0"/>
+              </a:rPr>
+              <a:t>  </a:t>
+            </a:r>
+            <a:r>
+              <a:rPr lang="en-US" sz="1400" b="1" i="0" dirty="0">
+                <a:solidFill>
+                  <a:srgbClr val="101418"/>
+                </a:solidFill>
+                <a:effectLst/>
+                <a:latin typeface="Courier New" panose="02070309020205020404" pitchFamily="49" charset="0"/>
+              </a:rPr>
+              <a:t>if</a:t>
+            </a:r>
+            <a:r>
+              <a:rPr lang="en-US" sz="1400" b="0" i="0" dirty="0">
+                <a:solidFill>
+                  <a:srgbClr val="101418"/>
+                </a:solidFill>
+                <a:effectLst/>
+                <a:latin typeface="Courier New" panose="02070309020205020404" pitchFamily="49" charset="0"/>
+              </a:rPr>
+              <a:t> lo &gt;= hi || lo &lt; 0 </a:t>
+            </a:r>
+            <a:r>
+              <a:rPr lang="en-US" sz="1400" b="1" i="0" dirty="0">
+                <a:solidFill>
+                  <a:srgbClr val="101418"/>
+                </a:solidFill>
+                <a:effectLst/>
+                <a:latin typeface="Courier New" panose="02070309020205020404" pitchFamily="49" charset="0"/>
+              </a:rPr>
+              <a:t>then</a:t>
+            </a:r>
+            <a:r>
+              <a:rPr lang="en-US" sz="1400" b="0" i="0" dirty="0">
+                <a:solidFill>
+                  <a:srgbClr val="101418"/>
+                </a:solidFill>
+                <a:effectLst/>
+                <a:latin typeface="Courier New" panose="02070309020205020404" pitchFamily="49" charset="0"/>
+              </a:rPr>
+              <a:t> </a:t>
+            </a:r>
+          </a:p>
+          <a:p>
+            <a:pPr algn="l">
+              <a:buNone/>
+            </a:pPr>
+            <a:r>
+              <a:rPr lang="en-US" sz="1400" b="0" i="0" dirty="0">
+                <a:solidFill>
+                  <a:srgbClr val="101418"/>
+                </a:solidFill>
+                <a:effectLst/>
+                <a:latin typeface="Courier New" panose="02070309020205020404" pitchFamily="49" charset="0"/>
+              </a:rPr>
+              <a:t>    return</a:t>
+            </a:r>
+          </a:p>
+          <a:p>
+            <a:pPr algn="l">
+              <a:buNone/>
+            </a:pPr>
+            <a:r>
+              <a:rPr lang="en-US" sz="1400" b="0" i="0" dirty="0">
+                <a:solidFill>
+                  <a:srgbClr val="101418"/>
+                </a:solidFill>
+                <a:effectLst/>
+                <a:latin typeface="Courier New" panose="02070309020205020404" pitchFamily="49" charset="0"/>
+              </a:rPr>
+              <a:t>    </a:t>
+            </a:r>
+          </a:p>
+          <a:p>
+            <a:pPr algn="l">
+              <a:buNone/>
+            </a:pPr>
+            <a:r>
+              <a:rPr lang="en-US" sz="1400" b="0" i="0" dirty="0">
+                <a:solidFill>
+                  <a:srgbClr val="101418"/>
+                </a:solidFill>
+                <a:effectLst/>
+                <a:latin typeface="Courier New" panose="02070309020205020404" pitchFamily="49" charset="0"/>
+              </a:rPr>
+              <a:t>  </a:t>
+            </a:r>
+            <a:r>
+              <a:rPr lang="en-US" sz="1400" b="0" i="1" dirty="0">
+                <a:solidFill>
+                  <a:srgbClr val="101418"/>
+                </a:solidFill>
+                <a:effectLst/>
+                <a:latin typeface="Courier New" panose="02070309020205020404" pitchFamily="49" charset="0"/>
+              </a:rPr>
+              <a:t>// Partition array and get the pivot index</a:t>
+            </a:r>
+            <a:endParaRPr lang="en-US" sz="1400" b="0" i="0" dirty="0">
+              <a:solidFill>
+                <a:srgbClr val="101418"/>
+              </a:solidFill>
+              <a:effectLst/>
+              <a:latin typeface="Courier New" panose="02070309020205020404" pitchFamily="49" charset="0"/>
+            </a:endParaRPr>
+          </a:p>
+          <a:p>
+            <a:pPr algn="l">
+              <a:buNone/>
+            </a:pPr>
+            <a:r>
+              <a:rPr lang="en-US" sz="1400" b="0" i="0" dirty="0">
+                <a:solidFill>
+                  <a:srgbClr val="101418"/>
+                </a:solidFill>
+                <a:effectLst/>
+                <a:latin typeface="Courier New" panose="02070309020205020404" pitchFamily="49" charset="0"/>
+              </a:rPr>
+              <a:t>  p := partition(A, lo, hi) </a:t>
+            </a:r>
+          </a:p>
+          <a:p>
+            <a:pPr algn="l">
+              <a:buNone/>
+            </a:pPr>
+            <a:r>
+              <a:rPr lang="en-US" sz="1400" b="0" i="0" dirty="0">
+                <a:solidFill>
+                  <a:srgbClr val="101418"/>
+                </a:solidFill>
+                <a:effectLst/>
+                <a:latin typeface="Courier New" panose="02070309020205020404" pitchFamily="49" charset="0"/>
+              </a:rPr>
+              <a:t>      </a:t>
+            </a:r>
+          </a:p>
+          <a:p>
+            <a:pPr algn="l">
+              <a:buNone/>
+            </a:pPr>
+            <a:r>
+              <a:rPr lang="en-US" sz="1400" b="0" i="0" dirty="0">
+                <a:solidFill>
+                  <a:srgbClr val="101418"/>
+                </a:solidFill>
+                <a:effectLst/>
+                <a:latin typeface="Courier New" panose="02070309020205020404" pitchFamily="49" charset="0"/>
+              </a:rPr>
+              <a:t>  </a:t>
+            </a:r>
+            <a:r>
+              <a:rPr lang="en-US" sz="1400" b="0" i="1" dirty="0">
+                <a:solidFill>
+                  <a:srgbClr val="101418"/>
+                </a:solidFill>
+                <a:effectLst/>
+                <a:latin typeface="Courier New" panose="02070309020205020404" pitchFamily="49" charset="0"/>
+              </a:rPr>
+              <a:t>// Sort the two partitions</a:t>
+            </a:r>
+            <a:endParaRPr lang="en-US" sz="1400" b="0" i="0" dirty="0">
+              <a:solidFill>
+                <a:srgbClr val="101418"/>
+              </a:solidFill>
+              <a:effectLst/>
+              <a:latin typeface="Courier New" panose="02070309020205020404" pitchFamily="49" charset="0"/>
+            </a:endParaRPr>
+          </a:p>
+          <a:p>
+            <a:pPr algn="l">
+              <a:buNone/>
+            </a:pPr>
+            <a:r>
+              <a:rPr lang="en-US" sz="1400" b="0" i="0" dirty="0">
+                <a:solidFill>
+                  <a:srgbClr val="101418"/>
+                </a:solidFill>
+                <a:effectLst/>
+                <a:latin typeface="Courier New" panose="02070309020205020404" pitchFamily="49" charset="0"/>
+              </a:rPr>
+              <a:t>  quicksort(A, lo, p - 1) </a:t>
+            </a:r>
+            <a:r>
+              <a:rPr lang="en-US" sz="1400" b="0" i="1" dirty="0">
+                <a:solidFill>
+                  <a:srgbClr val="101418"/>
+                </a:solidFill>
+                <a:effectLst/>
+                <a:latin typeface="Courier New" panose="02070309020205020404" pitchFamily="49" charset="0"/>
+              </a:rPr>
+              <a:t>// Left side of pivot</a:t>
+            </a:r>
+            <a:endParaRPr lang="en-US" sz="1400" b="0" i="0" dirty="0">
+              <a:solidFill>
+                <a:srgbClr val="101418"/>
+              </a:solidFill>
+              <a:effectLst/>
+              <a:latin typeface="Courier New" panose="02070309020205020404" pitchFamily="49" charset="0"/>
+            </a:endParaRPr>
+          </a:p>
+          <a:p>
+            <a:pPr algn="l">
+              <a:buNone/>
+            </a:pPr>
+            <a:r>
+              <a:rPr lang="en-US" sz="1400" b="0" i="0" dirty="0">
+                <a:solidFill>
+                  <a:srgbClr val="101418"/>
+                </a:solidFill>
+                <a:effectLst/>
+                <a:latin typeface="Courier New" panose="02070309020205020404" pitchFamily="49" charset="0"/>
+              </a:rPr>
+              <a:t>  quicksort(A, p + 1, hi) </a:t>
+            </a:r>
+            <a:r>
+              <a:rPr lang="en-US" sz="1400" b="0" i="1" dirty="0">
+                <a:solidFill>
+                  <a:srgbClr val="101418"/>
+                </a:solidFill>
+                <a:effectLst/>
+                <a:latin typeface="Courier New" panose="02070309020205020404" pitchFamily="49" charset="0"/>
+              </a:rPr>
+              <a:t>// Right side of pivot</a:t>
+            </a:r>
+            <a:endParaRPr lang="en-US" sz="1400" b="0" i="0" dirty="0">
+              <a:solidFill>
+                <a:srgbClr val="101418"/>
+              </a:solidFill>
+              <a:effectLst/>
+              <a:latin typeface="Courier New" panose="02070309020205020404" pitchFamily="49" charset="0"/>
+            </a:endParaRPr>
+          </a:p>
+          <a:p>
+            <a:pPr algn="l">
+              <a:buNone/>
+            </a:pPr>
+            <a:endParaRPr lang="en-US" sz="1400" b="0" i="0" dirty="0">
+              <a:solidFill>
+                <a:srgbClr val="101418"/>
+              </a:solidFill>
+              <a:effectLst/>
+              <a:latin typeface="Courier New" panose="02070309020205020404" pitchFamily="49" charset="0"/>
+            </a:endParaRPr>
+          </a:p>
+          <a:p>
+            <a:pPr algn="l">
+              <a:buNone/>
+            </a:pPr>
+            <a:r>
+              <a:rPr lang="en-US" sz="1400" b="0" i="1" dirty="0">
+                <a:solidFill>
+                  <a:srgbClr val="101418"/>
+                </a:solidFill>
+                <a:effectLst/>
+                <a:latin typeface="Courier New" panose="02070309020205020404" pitchFamily="49" charset="0"/>
+              </a:rPr>
+              <a:t>// Divides array into two partitions</a:t>
+            </a:r>
+            <a:endParaRPr lang="en-US" sz="1400" b="0" i="0" dirty="0">
+              <a:solidFill>
+                <a:srgbClr val="101418"/>
+              </a:solidFill>
+              <a:effectLst/>
+              <a:latin typeface="Courier New" panose="02070309020205020404" pitchFamily="49" charset="0"/>
+            </a:endParaRPr>
+          </a:p>
+          <a:p>
+            <a:pPr algn="l">
+              <a:buNone/>
+            </a:pPr>
+            <a:r>
+              <a:rPr lang="en-US" sz="1400" b="1" i="0" dirty="0">
+                <a:solidFill>
+                  <a:srgbClr val="101418"/>
+                </a:solidFill>
+                <a:effectLst/>
+                <a:latin typeface="Courier New" panose="02070309020205020404" pitchFamily="49" charset="0"/>
+              </a:rPr>
+              <a:t>algorithm</a:t>
+            </a:r>
+            <a:r>
+              <a:rPr lang="en-US" sz="1400" b="0" i="0" dirty="0">
+                <a:solidFill>
+                  <a:srgbClr val="101418"/>
+                </a:solidFill>
+                <a:effectLst/>
+                <a:latin typeface="Courier New" panose="02070309020205020404" pitchFamily="49" charset="0"/>
+              </a:rPr>
+              <a:t> partition(A, lo, hi) </a:t>
+            </a:r>
+            <a:r>
+              <a:rPr lang="en-US" sz="1400" b="1" i="0" dirty="0">
+                <a:solidFill>
+                  <a:srgbClr val="101418"/>
+                </a:solidFill>
+                <a:effectLst/>
+                <a:latin typeface="Courier New" panose="02070309020205020404" pitchFamily="49" charset="0"/>
+              </a:rPr>
+              <a:t>is</a:t>
+            </a:r>
+            <a:r>
+              <a:rPr lang="en-US" sz="1400" b="0" i="0" dirty="0">
+                <a:solidFill>
+                  <a:srgbClr val="101418"/>
+                </a:solidFill>
+                <a:effectLst/>
+                <a:latin typeface="Courier New" panose="02070309020205020404" pitchFamily="49" charset="0"/>
+              </a:rPr>
+              <a:t> </a:t>
+            </a:r>
+          </a:p>
+          <a:p>
+            <a:pPr algn="l">
+              <a:buNone/>
+            </a:pPr>
+            <a:r>
+              <a:rPr lang="en-US" sz="1400" b="0" i="0" dirty="0">
+                <a:solidFill>
+                  <a:srgbClr val="101418"/>
+                </a:solidFill>
+                <a:effectLst/>
+                <a:latin typeface="Courier New" panose="02070309020205020404" pitchFamily="49" charset="0"/>
+              </a:rPr>
+              <a:t>  pivot := A[hi] </a:t>
+            </a:r>
+            <a:r>
+              <a:rPr lang="en-US" sz="1400" b="0" i="1" dirty="0">
+                <a:solidFill>
+                  <a:srgbClr val="101418"/>
+                </a:solidFill>
+                <a:effectLst/>
+                <a:latin typeface="Courier New" panose="02070309020205020404" pitchFamily="49" charset="0"/>
+              </a:rPr>
+              <a:t>// Choose the last element as the pivot</a:t>
+            </a:r>
+            <a:endParaRPr lang="en-US" sz="1400" b="0" i="0" dirty="0">
+              <a:solidFill>
+                <a:srgbClr val="101418"/>
+              </a:solidFill>
+              <a:effectLst/>
+              <a:latin typeface="Courier New" panose="02070309020205020404" pitchFamily="49" charset="0"/>
+            </a:endParaRPr>
+          </a:p>
+          <a:p>
+            <a:pPr algn="l">
+              <a:buNone/>
+            </a:pPr>
+            <a:endParaRPr lang="en-US" sz="1400" b="0" i="0" dirty="0">
+              <a:solidFill>
+                <a:srgbClr val="101418"/>
+              </a:solidFill>
+              <a:effectLst/>
+              <a:latin typeface="Courier New" panose="02070309020205020404" pitchFamily="49" charset="0"/>
+            </a:endParaRPr>
+          </a:p>
+          <a:p>
+            <a:pPr algn="l">
+              <a:buNone/>
+            </a:pPr>
+            <a:r>
+              <a:rPr lang="en-US" sz="1400" b="0" i="0" dirty="0">
+                <a:solidFill>
+                  <a:srgbClr val="101418"/>
+                </a:solidFill>
+                <a:effectLst/>
+                <a:latin typeface="Courier New" panose="02070309020205020404" pitchFamily="49" charset="0"/>
+              </a:rPr>
+              <a:t>  </a:t>
+            </a:r>
+            <a:r>
+              <a:rPr lang="en-US" sz="1400" b="0" i="1" dirty="0">
+                <a:solidFill>
+                  <a:srgbClr val="101418"/>
+                </a:solidFill>
+                <a:effectLst/>
+                <a:latin typeface="Courier New" panose="02070309020205020404" pitchFamily="49" charset="0"/>
+              </a:rPr>
+              <a:t>// Temporary pivot index</a:t>
+            </a:r>
+            <a:endParaRPr lang="en-US" sz="1400" b="0" i="0" dirty="0">
+              <a:solidFill>
+                <a:srgbClr val="101418"/>
+              </a:solidFill>
+              <a:effectLst/>
+              <a:latin typeface="Courier New" panose="02070309020205020404" pitchFamily="49" charset="0"/>
+            </a:endParaRPr>
+          </a:p>
+          <a:p>
+            <a:pPr algn="l">
+              <a:buNone/>
+            </a:pPr>
+            <a:r>
+              <a:rPr lang="en-US" sz="1400" b="0" i="0" dirty="0">
+                <a:solidFill>
+                  <a:srgbClr val="101418"/>
+                </a:solidFill>
+                <a:effectLst/>
+                <a:latin typeface="Courier New" panose="02070309020205020404" pitchFamily="49" charset="0"/>
+              </a:rPr>
+              <a:t>  </a:t>
+            </a:r>
+            <a:r>
+              <a:rPr lang="en-US" sz="1400" b="0" i="0" dirty="0" err="1">
+                <a:solidFill>
+                  <a:srgbClr val="101418"/>
+                </a:solidFill>
+                <a:effectLst/>
+                <a:latin typeface="Courier New" panose="02070309020205020404" pitchFamily="49" charset="0"/>
+              </a:rPr>
+              <a:t>i</a:t>
+            </a:r>
+            <a:r>
+              <a:rPr lang="en-US" sz="1400" b="0" i="0" dirty="0">
+                <a:solidFill>
+                  <a:srgbClr val="101418"/>
+                </a:solidFill>
+                <a:effectLst/>
+                <a:latin typeface="Courier New" panose="02070309020205020404" pitchFamily="49" charset="0"/>
+              </a:rPr>
+              <a:t> := lo</a:t>
+            </a:r>
+          </a:p>
+          <a:p>
+            <a:pPr algn="l">
+              <a:buNone/>
+            </a:pPr>
+            <a:endParaRPr lang="en-US" sz="1400" b="0" i="0" dirty="0">
+              <a:solidFill>
+                <a:srgbClr val="101418"/>
+              </a:solidFill>
+              <a:effectLst/>
+              <a:latin typeface="Courier New" panose="02070309020205020404" pitchFamily="49" charset="0"/>
+            </a:endParaRPr>
+          </a:p>
+          <a:p>
+            <a:pPr algn="l">
+              <a:buNone/>
+            </a:pPr>
+            <a:r>
+              <a:rPr lang="en-US" sz="1400" b="0" i="0" dirty="0">
+                <a:solidFill>
+                  <a:srgbClr val="101418"/>
+                </a:solidFill>
+                <a:effectLst/>
+                <a:latin typeface="Courier New" panose="02070309020205020404" pitchFamily="49" charset="0"/>
+              </a:rPr>
+              <a:t>  </a:t>
+            </a:r>
+            <a:r>
+              <a:rPr lang="en-US" sz="1400" b="1" i="0" dirty="0">
+                <a:solidFill>
+                  <a:srgbClr val="101418"/>
+                </a:solidFill>
+                <a:effectLst/>
+                <a:latin typeface="Courier New" panose="02070309020205020404" pitchFamily="49" charset="0"/>
+              </a:rPr>
+              <a:t>for</a:t>
+            </a:r>
+            <a:r>
+              <a:rPr lang="en-US" sz="1400" b="0" i="0" dirty="0">
+                <a:solidFill>
+                  <a:srgbClr val="101418"/>
+                </a:solidFill>
+                <a:effectLst/>
+                <a:latin typeface="Courier New" panose="02070309020205020404" pitchFamily="49" charset="0"/>
+              </a:rPr>
+              <a:t> j := lo </a:t>
+            </a:r>
+            <a:r>
+              <a:rPr lang="en-US" sz="1400" b="1" i="0" dirty="0">
+                <a:solidFill>
+                  <a:srgbClr val="101418"/>
+                </a:solidFill>
+                <a:effectLst/>
+                <a:latin typeface="Courier New" panose="02070309020205020404" pitchFamily="49" charset="0"/>
+              </a:rPr>
+              <a:t>to</a:t>
+            </a:r>
+            <a:r>
+              <a:rPr lang="en-US" sz="1400" b="0" i="0" dirty="0">
+                <a:solidFill>
+                  <a:srgbClr val="101418"/>
+                </a:solidFill>
+                <a:effectLst/>
+                <a:latin typeface="Courier New" panose="02070309020205020404" pitchFamily="49" charset="0"/>
+              </a:rPr>
+              <a:t> hi - 1 </a:t>
+            </a:r>
+            <a:r>
+              <a:rPr lang="en-US" sz="1400" b="1" i="0" dirty="0">
+                <a:solidFill>
+                  <a:srgbClr val="101418"/>
+                </a:solidFill>
+                <a:effectLst/>
+                <a:latin typeface="Courier New" panose="02070309020205020404" pitchFamily="49" charset="0"/>
+              </a:rPr>
+              <a:t>do</a:t>
+            </a:r>
+            <a:r>
+              <a:rPr lang="en-US" sz="1400" b="0" i="0" dirty="0">
+                <a:solidFill>
+                  <a:srgbClr val="101418"/>
+                </a:solidFill>
+                <a:effectLst/>
+                <a:latin typeface="Courier New" panose="02070309020205020404" pitchFamily="49" charset="0"/>
+              </a:rPr>
+              <a:t> </a:t>
+            </a:r>
+          </a:p>
+          <a:p>
+            <a:pPr algn="l">
+              <a:buNone/>
+            </a:pPr>
+            <a:r>
+              <a:rPr lang="en-US" sz="1400" b="0" i="0" dirty="0">
+                <a:solidFill>
+                  <a:srgbClr val="101418"/>
+                </a:solidFill>
+                <a:effectLst/>
+                <a:latin typeface="Courier New" panose="02070309020205020404" pitchFamily="49" charset="0"/>
+              </a:rPr>
+              <a:t>    </a:t>
+            </a:r>
+            <a:r>
+              <a:rPr lang="en-US" sz="1400" b="0" i="1" dirty="0">
+                <a:solidFill>
+                  <a:srgbClr val="101418"/>
+                </a:solidFill>
+                <a:effectLst/>
+                <a:latin typeface="Courier New" panose="02070309020205020404" pitchFamily="49" charset="0"/>
+              </a:rPr>
+              <a:t>// If the current element is less than or equal to the pivot</a:t>
+            </a:r>
+            <a:endParaRPr lang="en-US" sz="1400" b="0" i="0" dirty="0">
+              <a:solidFill>
+                <a:srgbClr val="101418"/>
+              </a:solidFill>
+              <a:effectLst/>
+              <a:latin typeface="Courier New" panose="02070309020205020404" pitchFamily="49" charset="0"/>
+            </a:endParaRPr>
+          </a:p>
+          <a:p>
+            <a:pPr algn="l">
+              <a:buNone/>
+            </a:pPr>
+            <a:r>
+              <a:rPr lang="en-US" sz="1400" b="0" i="0" dirty="0">
+                <a:solidFill>
+                  <a:srgbClr val="101418"/>
+                </a:solidFill>
+                <a:effectLst/>
+                <a:latin typeface="Courier New" panose="02070309020205020404" pitchFamily="49" charset="0"/>
+              </a:rPr>
+              <a:t>    </a:t>
+            </a:r>
+            <a:r>
+              <a:rPr lang="en-US" sz="1400" b="1" i="0" dirty="0">
+                <a:solidFill>
+                  <a:srgbClr val="101418"/>
+                </a:solidFill>
+                <a:effectLst/>
+                <a:latin typeface="Courier New" panose="02070309020205020404" pitchFamily="49" charset="0"/>
+              </a:rPr>
+              <a:t>if</a:t>
+            </a:r>
+            <a:r>
+              <a:rPr lang="en-US" sz="1400" b="0" i="0" dirty="0">
+                <a:solidFill>
+                  <a:srgbClr val="101418"/>
+                </a:solidFill>
+                <a:effectLst/>
+                <a:latin typeface="Courier New" panose="02070309020205020404" pitchFamily="49" charset="0"/>
+              </a:rPr>
+              <a:t> A[j] &lt;= pivot </a:t>
+            </a:r>
+            <a:r>
+              <a:rPr lang="en-US" sz="1400" b="1" i="0" dirty="0">
+                <a:solidFill>
+                  <a:srgbClr val="101418"/>
+                </a:solidFill>
+                <a:effectLst/>
+                <a:latin typeface="Courier New" panose="02070309020205020404" pitchFamily="49" charset="0"/>
+              </a:rPr>
+              <a:t>then</a:t>
+            </a:r>
+            <a:r>
+              <a:rPr lang="en-US" sz="1400" b="0" i="0" dirty="0">
+                <a:solidFill>
+                  <a:srgbClr val="101418"/>
+                </a:solidFill>
+                <a:effectLst/>
+                <a:latin typeface="Courier New" panose="02070309020205020404" pitchFamily="49" charset="0"/>
+              </a:rPr>
+              <a:t> </a:t>
+            </a:r>
+          </a:p>
+          <a:p>
+            <a:pPr algn="l">
+              <a:buNone/>
+            </a:pPr>
+            <a:r>
+              <a:rPr lang="en-US" sz="1400" b="0" i="0" dirty="0">
+                <a:solidFill>
+                  <a:srgbClr val="101418"/>
+                </a:solidFill>
+                <a:effectLst/>
+                <a:latin typeface="Courier New" panose="02070309020205020404" pitchFamily="49" charset="0"/>
+              </a:rPr>
+              <a:t>      </a:t>
+            </a:r>
+            <a:r>
+              <a:rPr lang="en-US" sz="1400" b="0" i="1" dirty="0">
+                <a:solidFill>
+                  <a:srgbClr val="101418"/>
+                </a:solidFill>
+                <a:effectLst/>
+                <a:latin typeface="Courier New" panose="02070309020205020404" pitchFamily="49" charset="0"/>
+              </a:rPr>
+              <a:t>// Swap the current element with the element at the temporary pivot index</a:t>
+            </a:r>
+            <a:endParaRPr lang="en-US" sz="1400" b="0" i="0" dirty="0">
+              <a:solidFill>
+                <a:srgbClr val="101418"/>
+              </a:solidFill>
+              <a:effectLst/>
+              <a:latin typeface="Courier New" panose="02070309020205020404" pitchFamily="49" charset="0"/>
+            </a:endParaRPr>
+          </a:p>
+          <a:p>
+            <a:pPr algn="l">
+              <a:buNone/>
+            </a:pPr>
+            <a:r>
+              <a:rPr lang="en-US" sz="1400" b="0" i="0" dirty="0">
+                <a:solidFill>
+                  <a:srgbClr val="101418"/>
+                </a:solidFill>
+                <a:effectLst/>
+                <a:latin typeface="Courier New" panose="02070309020205020404" pitchFamily="49" charset="0"/>
+              </a:rPr>
+              <a:t>      swap A[</a:t>
+            </a:r>
+            <a:r>
+              <a:rPr lang="en-US" sz="1400" b="0" i="0" dirty="0" err="1">
+                <a:solidFill>
+                  <a:srgbClr val="101418"/>
+                </a:solidFill>
+                <a:effectLst/>
+                <a:latin typeface="Courier New" panose="02070309020205020404" pitchFamily="49" charset="0"/>
+              </a:rPr>
+              <a:t>i</a:t>
+            </a:r>
+            <a:r>
+              <a:rPr lang="en-US" sz="1400" b="0" i="0" dirty="0">
+                <a:solidFill>
+                  <a:srgbClr val="101418"/>
+                </a:solidFill>
+                <a:effectLst/>
+                <a:latin typeface="Courier New" panose="02070309020205020404" pitchFamily="49" charset="0"/>
+              </a:rPr>
+              <a:t>] </a:t>
+            </a:r>
+            <a:r>
+              <a:rPr lang="en-US" sz="1400" b="1" i="0" dirty="0">
+                <a:solidFill>
+                  <a:srgbClr val="101418"/>
+                </a:solidFill>
+                <a:effectLst/>
+                <a:latin typeface="Courier New" panose="02070309020205020404" pitchFamily="49" charset="0"/>
+              </a:rPr>
+              <a:t>with</a:t>
+            </a:r>
+            <a:r>
+              <a:rPr lang="en-US" sz="1400" b="0" i="0" dirty="0">
+                <a:solidFill>
+                  <a:srgbClr val="101418"/>
+                </a:solidFill>
+                <a:effectLst/>
+                <a:latin typeface="Courier New" panose="02070309020205020404" pitchFamily="49" charset="0"/>
+              </a:rPr>
+              <a:t> A[j]</a:t>
+            </a:r>
+          </a:p>
+          <a:p>
+            <a:pPr algn="l">
+              <a:buNone/>
+            </a:pPr>
+            <a:r>
+              <a:rPr lang="en-US" sz="1400" b="0" i="0" dirty="0">
+                <a:solidFill>
+                  <a:srgbClr val="101418"/>
+                </a:solidFill>
+                <a:effectLst/>
+                <a:latin typeface="Courier New" panose="02070309020205020404" pitchFamily="49" charset="0"/>
+              </a:rPr>
+              <a:t>      </a:t>
+            </a:r>
+            <a:r>
+              <a:rPr lang="en-US" sz="1400" b="0" i="1" dirty="0">
+                <a:solidFill>
+                  <a:srgbClr val="101418"/>
+                </a:solidFill>
+                <a:effectLst/>
+                <a:latin typeface="Courier New" panose="02070309020205020404" pitchFamily="49" charset="0"/>
+              </a:rPr>
+              <a:t>// Move the temporary pivot index forward</a:t>
+            </a:r>
+            <a:endParaRPr lang="en-US" sz="1400" b="0" i="0" dirty="0">
+              <a:solidFill>
+                <a:srgbClr val="101418"/>
+              </a:solidFill>
+              <a:effectLst/>
+              <a:latin typeface="Courier New" panose="02070309020205020404" pitchFamily="49" charset="0"/>
+            </a:endParaRPr>
+          </a:p>
+          <a:p>
+            <a:pPr algn="l">
+              <a:buNone/>
+            </a:pPr>
+            <a:r>
+              <a:rPr lang="en-US" sz="1400" b="0" i="0" dirty="0">
+                <a:solidFill>
+                  <a:srgbClr val="101418"/>
+                </a:solidFill>
+                <a:effectLst/>
+                <a:latin typeface="Courier New" panose="02070309020205020404" pitchFamily="49" charset="0"/>
+              </a:rPr>
+              <a:t>      </a:t>
+            </a:r>
+            <a:r>
+              <a:rPr lang="en-US" sz="1400" b="0" i="0" dirty="0" err="1">
+                <a:solidFill>
+                  <a:srgbClr val="101418"/>
+                </a:solidFill>
+                <a:effectLst/>
+                <a:latin typeface="Courier New" panose="02070309020205020404" pitchFamily="49" charset="0"/>
+              </a:rPr>
+              <a:t>i</a:t>
+            </a:r>
+            <a:r>
+              <a:rPr lang="en-US" sz="1400" b="0" i="0" dirty="0">
+                <a:solidFill>
+                  <a:srgbClr val="101418"/>
+                </a:solidFill>
+                <a:effectLst/>
+                <a:latin typeface="Courier New" panose="02070309020205020404" pitchFamily="49" charset="0"/>
+              </a:rPr>
+              <a:t> := </a:t>
+            </a:r>
+            <a:r>
+              <a:rPr lang="en-US" sz="1400" b="0" i="0" dirty="0" err="1">
+                <a:solidFill>
+                  <a:srgbClr val="101418"/>
+                </a:solidFill>
+                <a:effectLst/>
+                <a:latin typeface="Courier New" panose="02070309020205020404" pitchFamily="49" charset="0"/>
+              </a:rPr>
+              <a:t>i</a:t>
+            </a:r>
+            <a:r>
+              <a:rPr lang="en-US" sz="1400" b="0" i="0" dirty="0">
+                <a:solidFill>
+                  <a:srgbClr val="101418"/>
+                </a:solidFill>
+                <a:effectLst/>
+                <a:latin typeface="Courier New" panose="02070309020205020404" pitchFamily="49" charset="0"/>
+              </a:rPr>
+              <a:t> + 1</a:t>
+            </a:r>
+          </a:p>
+          <a:p>
+            <a:pPr algn="l">
+              <a:buNone/>
+            </a:pPr>
+            <a:endParaRPr lang="en-US" sz="1400" b="0" i="0" dirty="0">
+              <a:solidFill>
+                <a:srgbClr val="101418"/>
+              </a:solidFill>
+              <a:effectLst/>
+              <a:latin typeface="Courier New" panose="02070309020205020404" pitchFamily="49" charset="0"/>
+            </a:endParaRPr>
+          </a:p>
+          <a:p>
+            <a:pPr algn="l">
+              <a:buNone/>
+            </a:pPr>
+            <a:r>
+              <a:rPr lang="en-US" sz="1400" b="0" i="0" dirty="0">
+                <a:solidFill>
+                  <a:srgbClr val="101418"/>
+                </a:solidFill>
+                <a:effectLst/>
+                <a:latin typeface="Courier New" panose="02070309020205020404" pitchFamily="49" charset="0"/>
+              </a:rPr>
+              <a:t>  </a:t>
+            </a:r>
+            <a:r>
+              <a:rPr lang="en-US" sz="1400" b="0" i="1" dirty="0">
+                <a:solidFill>
+                  <a:srgbClr val="101418"/>
+                </a:solidFill>
+                <a:effectLst/>
+                <a:latin typeface="Courier New" panose="02070309020205020404" pitchFamily="49" charset="0"/>
+              </a:rPr>
+              <a:t>// Swap the pivot with the last element</a:t>
+            </a:r>
+            <a:endParaRPr lang="en-US" sz="1400" b="0" i="0" dirty="0">
+              <a:solidFill>
+                <a:srgbClr val="101418"/>
+              </a:solidFill>
+              <a:effectLst/>
+              <a:latin typeface="Courier New" panose="02070309020205020404" pitchFamily="49" charset="0"/>
+            </a:endParaRPr>
+          </a:p>
+          <a:p>
+            <a:pPr algn="l">
+              <a:buNone/>
+            </a:pPr>
+            <a:r>
+              <a:rPr lang="en-US" sz="1400" b="0" i="0" dirty="0">
+                <a:solidFill>
+                  <a:srgbClr val="101418"/>
+                </a:solidFill>
+                <a:effectLst/>
+                <a:latin typeface="Courier New" panose="02070309020205020404" pitchFamily="49" charset="0"/>
+              </a:rPr>
+              <a:t>  swap A[</a:t>
+            </a:r>
+            <a:r>
+              <a:rPr lang="en-US" sz="1400" b="0" i="0" dirty="0" err="1">
+                <a:solidFill>
+                  <a:srgbClr val="101418"/>
+                </a:solidFill>
+                <a:effectLst/>
+                <a:latin typeface="Courier New" panose="02070309020205020404" pitchFamily="49" charset="0"/>
+              </a:rPr>
+              <a:t>i</a:t>
+            </a:r>
+            <a:r>
+              <a:rPr lang="en-US" sz="1400" b="0" i="0" dirty="0">
+                <a:solidFill>
+                  <a:srgbClr val="101418"/>
+                </a:solidFill>
+                <a:effectLst/>
+                <a:latin typeface="Courier New" panose="02070309020205020404" pitchFamily="49" charset="0"/>
+              </a:rPr>
+              <a:t>] </a:t>
+            </a:r>
+            <a:r>
+              <a:rPr lang="en-US" sz="1400" b="1" i="0" dirty="0">
+                <a:solidFill>
+                  <a:srgbClr val="101418"/>
+                </a:solidFill>
+                <a:effectLst/>
+                <a:latin typeface="Courier New" panose="02070309020205020404" pitchFamily="49" charset="0"/>
+              </a:rPr>
+              <a:t>with</a:t>
+            </a:r>
+            <a:r>
+              <a:rPr lang="en-US" sz="1400" b="0" i="0" dirty="0">
+                <a:solidFill>
+                  <a:srgbClr val="101418"/>
+                </a:solidFill>
+                <a:effectLst/>
+                <a:latin typeface="Courier New" panose="02070309020205020404" pitchFamily="49" charset="0"/>
+              </a:rPr>
+              <a:t> A[hi]</a:t>
+            </a:r>
+          </a:p>
+          <a:p>
+            <a:pPr algn="l">
+              <a:buNone/>
+            </a:pPr>
+            <a:r>
+              <a:rPr lang="en-US" sz="1400" b="0" i="0" dirty="0">
+                <a:solidFill>
+                  <a:srgbClr val="101418"/>
+                </a:solidFill>
+                <a:effectLst/>
+                <a:latin typeface="Courier New" panose="02070309020205020404" pitchFamily="49" charset="0"/>
+              </a:rPr>
+              <a:t>  </a:t>
+            </a:r>
+            <a:r>
+              <a:rPr lang="en-US" sz="1400" b="1" i="0" dirty="0">
+                <a:solidFill>
+                  <a:srgbClr val="101418"/>
+                </a:solidFill>
+                <a:effectLst/>
+                <a:latin typeface="Courier New" panose="02070309020205020404" pitchFamily="49" charset="0"/>
+              </a:rPr>
+              <a:t>return</a:t>
+            </a:r>
+            <a:r>
+              <a:rPr lang="en-US" sz="1400" b="0" i="0" dirty="0">
+                <a:solidFill>
+                  <a:srgbClr val="101418"/>
+                </a:solidFill>
+                <a:effectLst/>
+                <a:latin typeface="Courier New" panose="02070309020205020404" pitchFamily="49" charset="0"/>
+              </a:rPr>
+              <a:t> </a:t>
+            </a:r>
+            <a:r>
+              <a:rPr lang="en-US" sz="1400" b="0" i="0" dirty="0" err="1">
+                <a:solidFill>
+                  <a:srgbClr val="101418"/>
+                </a:solidFill>
+                <a:effectLst/>
+                <a:latin typeface="Courier New" panose="02070309020205020404" pitchFamily="49" charset="0"/>
+              </a:rPr>
+              <a:t>i</a:t>
+            </a:r>
+            <a:r>
+              <a:rPr lang="en-US" sz="1400" b="0" i="0" dirty="0">
+                <a:solidFill>
+                  <a:srgbClr val="101418"/>
+                </a:solidFill>
+                <a:effectLst/>
+                <a:latin typeface="Courier New" panose="02070309020205020404" pitchFamily="49" charset="0"/>
+              </a:rPr>
+              <a:t> </a:t>
+            </a:r>
+            <a:r>
+              <a:rPr lang="en-US" sz="1400" b="0" i="1" dirty="0">
+                <a:solidFill>
+                  <a:srgbClr val="101418"/>
+                </a:solidFill>
+                <a:effectLst/>
+                <a:latin typeface="Courier New" panose="02070309020205020404" pitchFamily="49" charset="0"/>
+              </a:rPr>
+              <a:t>// the pivot index</a:t>
+            </a:r>
+            <a:endParaRPr lang="en-US" sz="1400" b="0" i="0" dirty="0">
+              <a:solidFill>
+                <a:srgbClr val="101418"/>
+              </a:solidFill>
+              <a:effectLst/>
+              <a:latin typeface="Courier New" panose="02070309020205020404" pitchFamily="49" charset="0"/>
+            </a:endParaRPr>
           </a:p>
         </p:txBody>
       </p:sp>
     </p:spTree>
     <p:extLst>
       <p:ext uri="{BB962C8B-B14F-4D97-AF65-F5344CB8AC3E}">
-        <p14:creationId xmlns:p14="http://schemas.microsoft.com/office/powerpoint/2010/main" val="1101317567"/>
+        <p14:creationId xmlns:p14="http://schemas.microsoft.com/office/powerpoint/2010/main" val="240528288"/>
       </p:ext>
     </p:extLst>
   </p:cSld>
   <p:clrMapOvr>
     <a:masterClrMapping/>
   </p:clrMapOvr>
-  <p:transition spd="slow">
-    <p:push dir="u"/>
-  </p:transition>
+</p:sld>
+</file>
+
+<file path=ppt/slides/slide18.xml><?xml version="1.0" encoding="utf-8"?>
+<p:sld xmlns:a="http://schemas.openxmlformats.org/drawingml/2006/main" xmlns:r="http://schemas.openxmlformats.org/officeDocument/2006/relationships" xmlns:p="http://schemas.openxmlformats.org/presentationml/2006/main">
+  <p:cSld>
+    <p:spTree>
+      <p:nvGrpSpPr>
+        <p:cNvPr id="1" name=""/>
+        <p:cNvGrpSpPr/>
+        <p:nvPr/>
+      </p:nvGrpSpPr>
+      <p:grpSpPr>
+        <a:xfrm>
+          <a:off x="0" y="0"/>
+          <a:ext cx="0" cy="0"/>
+          <a:chOff x="0" y="0"/>
+          <a:chExt cx="0" cy="0"/>
+        </a:xfrm>
+      </p:grpSpPr>
+      <p:pic>
+        <p:nvPicPr>
+          <p:cNvPr id="5" name="Picture 4" descr="A black text on a white background&#10;&#10;AI-generated content may be incorrect.">
+            <a:extLst>
+              <a:ext uri="{FF2B5EF4-FFF2-40B4-BE49-F238E27FC236}">
+                <a16:creationId xmlns:a16="http://schemas.microsoft.com/office/drawing/2014/main" id="{E29370BA-8620-F2B7-3E48-C4ADC4CC8630}"/>
+              </a:ext>
+            </a:extLst>
+          </p:cNvPr>
+          <p:cNvPicPr>
+            <a:picLocks noChangeAspect="1"/>
+          </p:cNvPicPr>
+          <p:nvPr/>
+        </p:nvPicPr>
+        <p:blipFill>
+          <a:blip r:embed="rId2">
+            <a:extLst>
+              <a:ext uri="{28A0092B-C50C-407E-A947-70E740481C1C}">
+                <a14:useLocalDpi xmlns:a14="http://schemas.microsoft.com/office/drawing/2010/main" val="0"/>
+              </a:ext>
+            </a:extLst>
+          </a:blip>
+          <a:stretch>
+            <a:fillRect/>
+          </a:stretch>
+        </p:blipFill>
+        <p:spPr>
+          <a:xfrm>
+            <a:off x="4998718" y="0"/>
+            <a:ext cx="2194564" cy="603505"/>
+          </a:xfrm>
+          <a:prstGeom prst="rect">
+            <a:avLst/>
+          </a:prstGeom>
+        </p:spPr>
+      </p:pic>
+      <p:pic>
+        <p:nvPicPr>
+          <p:cNvPr id="7" name="Picture 6" descr="A black text with black text&#10;&#10;AI-generated content may be incorrect.">
+            <a:extLst>
+              <a:ext uri="{FF2B5EF4-FFF2-40B4-BE49-F238E27FC236}">
+                <a16:creationId xmlns:a16="http://schemas.microsoft.com/office/drawing/2014/main" id="{26E2FA01-32C0-ECF5-8663-BEC44E75C5BD}"/>
+              </a:ext>
+            </a:extLst>
+          </p:cNvPr>
+          <p:cNvPicPr>
+            <a:picLocks noChangeAspect="1"/>
+          </p:cNvPicPr>
+          <p:nvPr/>
+        </p:nvPicPr>
+        <p:blipFill>
+          <a:blip r:embed="rId3">
+            <a:extLst>
+              <a:ext uri="{28A0092B-C50C-407E-A947-70E740481C1C}">
+                <a14:useLocalDpi xmlns:a14="http://schemas.microsoft.com/office/drawing/2010/main" val="0"/>
+              </a:ext>
+            </a:extLst>
+          </a:blip>
+          <a:stretch>
+            <a:fillRect/>
+          </a:stretch>
+        </p:blipFill>
+        <p:spPr>
+          <a:xfrm>
+            <a:off x="4998718" y="472538"/>
+            <a:ext cx="2194564" cy="603505"/>
+          </a:xfrm>
+          <a:prstGeom prst="rect">
+            <a:avLst/>
+          </a:prstGeom>
+        </p:spPr>
+      </p:pic>
+      <p:pic>
+        <p:nvPicPr>
+          <p:cNvPr id="9" name="Picture 8" descr="A black text on a white background&#10;&#10;AI-generated content may be incorrect.">
+            <a:extLst>
+              <a:ext uri="{FF2B5EF4-FFF2-40B4-BE49-F238E27FC236}">
+                <a16:creationId xmlns:a16="http://schemas.microsoft.com/office/drawing/2014/main" id="{98B502DB-0279-2BC3-55B9-D80B766C2BCD}"/>
+              </a:ext>
+            </a:extLst>
+          </p:cNvPr>
+          <p:cNvPicPr>
+            <a:picLocks noChangeAspect="1"/>
+          </p:cNvPicPr>
+          <p:nvPr/>
+        </p:nvPicPr>
+        <p:blipFill>
+          <a:blip r:embed="rId4">
+            <a:extLst>
+              <a:ext uri="{28A0092B-C50C-407E-A947-70E740481C1C}">
+                <a14:useLocalDpi xmlns:a14="http://schemas.microsoft.com/office/drawing/2010/main" val="0"/>
+              </a:ext>
+            </a:extLst>
+          </a:blip>
+          <a:stretch>
+            <a:fillRect/>
+          </a:stretch>
+        </p:blipFill>
+        <p:spPr>
+          <a:xfrm>
+            <a:off x="4998718" y="945076"/>
+            <a:ext cx="2194564" cy="603505"/>
+          </a:xfrm>
+          <a:prstGeom prst="rect">
+            <a:avLst/>
+          </a:prstGeom>
+        </p:spPr>
+      </p:pic>
+      <p:pic>
+        <p:nvPicPr>
+          <p:cNvPr id="11" name="Picture 10" descr="A black text with numbers&#10;&#10;AI-generated content may be incorrect.">
+            <a:extLst>
+              <a:ext uri="{FF2B5EF4-FFF2-40B4-BE49-F238E27FC236}">
+                <a16:creationId xmlns:a16="http://schemas.microsoft.com/office/drawing/2014/main" id="{077FD220-A2BB-B155-FCA8-BDC3BFA3AD47}"/>
+              </a:ext>
+            </a:extLst>
+          </p:cNvPr>
+          <p:cNvPicPr>
+            <a:picLocks noChangeAspect="1"/>
+          </p:cNvPicPr>
+          <p:nvPr/>
+        </p:nvPicPr>
+        <p:blipFill>
+          <a:blip r:embed="rId5">
+            <a:extLst>
+              <a:ext uri="{28A0092B-C50C-407E-A947-70E740481C1C}">
+                <a14:useLocalDpi xmlns:a14="http://schemas.microsoft.com/office/drawing/2010/main" val="0"/>
+              </a:ext>
+            </a:extLst>
+          </a:blip>
+          <a:stretch>
+            <a:fillRect/>
+          </a:stretch>
+        </p:blipFill>
+        <p:spPr>
+          <a:xfrm>
+            <a:off x="4998718" y="1426263"/>
+            <a:ext cx="2194564" cy="603505"/>
+          </a:xfrm>
+          <a:prstGeom prst="rect">
+            <a:avLst/>
+          </a:prstGeom>
+        </p:spPr>
+      </p:pic>
+      <p:sp>
+        <p:nvSpPr>
+          <p:cNvPr id="44" name="TextBox 43">
+            <a:extLst>
+              <a:ext uri="{FF2B5EF4-FFF2-40B4-BE49-F238E27FC236}">
+                <a16:creationId xmlns:a16="http://schemas.microsoft.com/office/drawing/2014/main" id="{3B406466-53D0-31B9-A740-0E44365C4B9A}"/>
+              </a:ext>
+            </a:extLst>
+          </p:cNvPr>
+          <p:cNvSpPr txBox="1"/>
+          <p:nvPr/>
+        </p:nvSpPr>
+        <p:spPr>
+          <a:xfrm>
+            <a:off x="7507914" y="1728015"/>
+            <a:ext cx="2753895" cy="369332"/>
+          </a:xfrm>
+          <a:prstGeom prst="rect">
+            <a:avLst/>
+          </a:prstGeom>
+          <a:noFill/>
+        </p:spPr>
+        <p:txBody>
+          <a:bodyPr wrap="none" rtlCol="0">
+            <a:spAutoFit/>
+          </a:bodyPr>
+          <a:lstStyle/>
+          <a:p>
+            <a:r>
+              <a:rPr lang="en-US" dirty="0"/>
+              <a:t>5, 4 and 6 &gt; 3 so no swap! </a:t>
+            </a:r>
+            <a:endParaRPr lang="nl-NL" dirty="0"/>
+          </a:p>
+        </p:txBody>
+      </p:sp>
+      <p:sp>
+        <p:nvSpPr>
+          <p:cNvPr id="48" name="TextBox 47">
+            <a:extLst>
+              <a:ext uri="{FF2B5EF4-FFF2-40B4-BE49-F238E27FC236}">
+                <a16:creationId xmlns:a16="http://schemas.microsoft.com/office/drawing/2014/main" id="{28FDED73-26DB-B4B5-1BFF-018A75C4E374}"/>
+              </a:ext>
+            </a:extLst>
+          </p:cNvPr>
+          <p:cNvSpPr txBox="1"/>
+          <p:nvPr/>
+        </p:nvSpPr>
+        <p:spPr>
+          <a:xfrm>
+            <a:off x="7507914" y="614378"/>
+            <a:ext cx="4339957" cy="923330"/>
+          </a:xfrm>
+          <a:prstGeom prst="rect">
+            <a:avLst/>
+          </a:prstGeom>
+          <a:noFill/>
+        </p:spPr>
+        <p:txBody>
+          <a:bodyPr wrap="square">
+            <a:spAutoFit/>
+          </a:bodyPr>
+          <a:lstStyle/>
+          <a:p>
+            <a:pPr algn="l">
+              <a:buNone/>
+            </a:pPr>
+            <a:r>
+              <a:rPr lang="en-US" b="0" i="0" dirty="0">
+                <a:solidFill>
+                  <a:srgbClr val="101418"/>
+                </a:solidFill>
+                <a:effectLst/>
+                <a:latin typeface="Courier New" panose="02070309020205020404" pitchFamily="49" charset="0"/>
+              </a:rPr>
+              <a:t> </a:t>
+            </a:r>
+            <a:r>
+              <a:rPr lang="en-US" b="1" i="0" dirty="0">
+                <a:solidFill>
+                  <a:srgbClr val="101418"/>
+                </a:solidFill>
+                <a:effectLst/>
+                <a:latin typeface="Courier New" panose="02070309020205020404" pitchFamily="49" charset="0"/>
+              </a:rPr>
+              <a:t>if</a:t>
+            </a:r>
+            <a:r>
+              <a:rPr lang="en-US" b="0" i="0" dirty="0">
+                <a:solidFill>
+                  <a:srgbClr val="101418"/>
+                </a:solidFill>
+                <a:effectLst/>
+                <a:latin typeface="Courier New" panose="02070309020205020404" pitchFamily="49" charset="0"/>
+              </a:rPr>
+              <a:t> A[j] &lt;= pivot </a:t>
+            </a:r>
+            <a:r>
+              <a:rPr lang="en-US" b="1" i="0" dirty="0">
+                <a:solidFill>
+                  <a:srgbClr val="101418"/>
+                </a:solidFill>
+                <a:effectLst/>
+                <a:latin typeface="Courier New" panose="02070309020205020404" pitchFamily="49" charset="0"/>
+              </a:rPr>
+              <a:t>then</a:t>
+            </a:r>
+            <a:r>
+              <a:rPr lang="en-US" b="0" i="0" dirty="0">
+                <a:solidFill>
+                  <a:srgbClr val="101418"/>
+                </a:solidFill>
+                <a:effectLst/>
+                <a:latin typeface="Courier New" panose="02070309020205020404" pitchFamily="49" charset="0"/>
+              </a:rPr>
+              <a:t> </a:t>
+            </a:r>
+          </a:p>
+          <a:p>
+            <a:pPr algn="l">
+              <a:buNone/>
+            </a:pPr>
+            <a:r>
+              <a:rPr lang="en-US" b="0" i="0" dirty="0">
+                <a:solidFill>
+                  <a:srgbClr val="101418"/>
+                </a:solidFill>
+                <a:effectLst/>
+                <a:latin typeface="Courier New" panose="02070309020205020404" pitchFamily="49" charset="0"/>
+              </a:rPr>
+              <a:t> 	swap A[</a:t>
+            </a:r>
+            <a:r>
+              <a:rPr lang="en-US" b="0" i="0" dirty="0" err="1">
+                <a:solidFill>
+                  <a:srgbClr val="101418"/>
+                </a:solidFill>
+                <a:effectLst/>
+                <a:latin typeface="Courier New" panose="02070309020205020404" pitchFamily="49" charset="0"/>
+              </a:rPr>
+              <a:t>i</a:t>
+            </a:r>
+            <a:r>
+              <a:rPr lang="en-US" b="0" i="0" dirty="0">
+                <a:solidFill>
+                  <a:srgbClr val="101418"/>
+                </a:solidFill>
+                <a:effectLst/>
+                <a:latin typeface="Courier New" panose="02070309020205020404" pitchFamily="49" charset="0"/>
+              </a:rPr>
+              <a:t>] </a:t>
+            </a:r>
+            <a:r>
+              <a:rPr lang="en-US" b="1" i="0" dirty="0">
+                <a:solidFill>
+                  <a:srgbClr val="101418"/>
+                </a:solidFill>
+                <a:effectLst/>
+                <a:latin typeface="Courier New" panose="02070309020205020404" pitchFamily="49" charset="0"/>
+              </a:rPr>
+              <a:t>with</a:t>
+            </a:r>
+            <a:r>
+              <a:rPr lang="en-US" b="0" i="0" dirty="0">
+                <a:solidFill>
+                  <a:srgbClr val="101418"/>
+                </a:solidFill>
+                <a:effectLst/>
+                <a:latin typeface="Courier New" panose="02070309020205020404" pitchFamily="49" charset="0"/>
+              </a:rPr>
+              <a:t> A[j]</a:t>
+            </a:r>
+          </a:p>
+          <a:p>
+            <a:pPr algn="l">
+              <a:buNone/>
+            </a:pPr>
+            <a:r>
+              <a:rPr lang="en-US" b="0" i="0" dirty="0">
+                <a:solidFill>
+                  <a:srgbClr val="101418"/>
+                </a:solidFill>
+                <a:effectLst/>
+                <a:latin typeface="Courier New" panose="02070309020205020404" pitchFamily="49" charset="0"/>
+              </a:rPr>
+              <a:t>	</a:t>
+            </a:r>
+            <a:r>
+              <a:rPr lang="en-US" b="0" i="0" dirty="0" err="1">
+                <a:solidFill>
+                  <a:srgbClr val="101418"/>
+                </a:solidFill>
+                <a:effectLst/>
+                <a:latin typeface="Courier New" panose="02070309020205020404" pitchFamily="49" charset="0"/>
+              </a:rPr>
+              <a:t>i</a:t>
+            </a:r>
+            <a:r>
+              <a:rPr lang="en-US" b="0" i="0" dirty="0">
+                <a:solidFill>
+                  <a:srgbClr val="101418"/>
+                </a:solidFill>
+                <a:effectLst/>
+                <a:latin typeface="Courier New" panose="02070309020205020404" pitchFamily="49" charset="0"/>
+              </a:rPr>
+              <a:t> := </a:t>
+            </a:r>
+            <a:r>
+              <a:rPr lang="en-US" b="0" i="0" dirty="0" err="1">
+                <a:solidFill>
+                  <a:srgbClr val="101418"/>
+                </a:solidFill>
+                <a:effectLst/>
+                <a:latin typeface="Courier New" panose="02070309020205020404" pitchFamily="49" charset="0"/>
+              </a:rPr>
+              <a:t>i</a:t>
+            </a:r>
+            <a:r>
+              <a:rPr lang="en-US" b="0" i="0" dirty="0">
+                <a:solidFill>
+                  <a:srgbClr val="101418"/>
+                </a:solidFill>
+                <a:effectLst/>
+                <a:latin typeface="Courier New" panose="02070309020205020404" pitchFamily="49" charset="0"/>
+              </a:rPr>
+              <a:t> + 1</a:t>
+            </a:r>
+            <a:endParaRPr lang="nl-NL" dirty="0"/>
+          </a:p>
+        </p:txBody>
+      </p:sp>
+    </p:spTree>
+    <p:extLst>
+      <p:ext uri="{BB962C8B-B14F-4D97-AF65-F5344CB8AC3E}">
+        <p14:creationId xmlns:p14="http://schemas.microsoft.com/office/powerpoint/2010/main" val="548546577"/>
+      </p:ext>
+    </p:extLst>
+  </p:cSld>
+  <p:clrMapOvr>
+    <a:masterClrMapping/>
+  </p:clrMapOvr>
   <p:timing>
     <p:tnLst>
       <p:par>
@@ -7787,7 +7966,7 @@
                             </p:stCondLst>
                             <p:childTnLst>
                               <p:par>
-                                <p:cTn id="5" presetID="1" presetClass="entr" presetSubtype="0" fill="hold" grpId="0" nodeType="clickEffect">
+                                <p:cTn id="5" presetID="1" presetClass="entr" presetSubtype="0" fill="hold" nodeType="clickEffect">
                                   <p:stCondLst>
                                     <p:cond delay="0"/>
                                   </p:stCondLst>
@@ -7800,7 +7979,232 @@
                                           </p:stCondLst>
                                         </p:cTn>
                                         <p:tgtEl>
-                                          <p:spTgt spid="6"/>
+                                          <p:spTgt spid="5"/>
+                                        </p:tgtEl>
+                                        <p:attrNameLst>
+                                          <p:attrName>style.visibility</p:attrName>
+                                        </p:attrNameLst>
+                                      </p:cBhvr>
+                                      <p:to>
+                                        <p:strVal val="visible"/>
+                                      </p:to>
+                                    </p:set>
+                                  </p:childTnLst>
+                                </p:cTn>
+                              </p:par>
+                            </p:childTnLst>
+                          </p:cTn>
+                        </p:par>
+                      </p:childTnLst>
+                    </p:cTn>
+                  </p:par>
+                  <p:par>
+                    <p:cTn id="7" fill="hold">
+                      <p:stCondLst>
+                        <p:cond delay="indefinite"/>
+                      </p:stCondLst>
+                      <p:childTnLst>
+                        <p:par>
+                          <p:cTn id="8" fill="hold">
+                            <p:stCondLst>
+                              <p:cond delay="0"/>
+                            </p:stCondLst>
+                            <p:childTnLst>
+                              <p:par>
+                                <p:cTn id="9" presetID="1" presetClass="entr" presetSubtype="0" fill="hold" nodeType="clickEffect">
+                                  <p:stCondLst>
+                                    <p:cond delay="0"/>
+                                  </p:stCondLst>
+                                  <p:childTnLst>
+                                    <p:set>
+                                      <p:cBhvr>
+                                        <p:cTn id="10" dur="1" fill="hold">
+                                          <p:stCondLst>
+                                            <p:cond delay="0"/>
+                                          </p:stCondLst>
+                                        </p:cTn>
+                                        <p:tgtEl>
+                                          <p:spTgt spid="7"/>
+                                        </p:tgtEl>
+                                        <p:attrNameLst>
+                                          <p:attrName>style.visibility</p:attrName>
+                                        </p:attrNameLst>
+                                      </p:cBhvr>
+                                      <p:to>
+                                        <p:strVal val="visible"/>
+                                      </p:to>
+                                    </p:set>
+                                  </p:childTnLst>
+                                </p:cTn>
+                              </p:par>
+                            </p:childTnLst>
+                          </p:cTn>
+                        </p:par>
+                      </p:childTnLst>
+                    </p:cTn>
+                  </p:par>
+                  <p:par>
+                    <p:cTn id="11" fill="hold">
+                      <p:stCondLst>
+                        <p:cond delay="indefinite"/>
+                      </p:stCondLst>
+                      <p:childTnLst>
+                        <p:par>
+                          <p:cTn id="12" fill="hold">
+                            <p:stCondLst>
+                              <p:cond delay="0"/>
+                            </p:stCondLst>
+                            <p:childTnLst>
+                              <p:par>
+                                <p:cTn id="13" presetID="1" presetClass="entr" presetSubtype="0" fill="hold" grpId="0" nodeType="clickEffect">
+                                  <p:stCondLst>
+                                    <p:cond delay="0"/>
+                                  </p:stCondLst>
+                                  <p:childTnLst>
+                                    <p:set>
+                                      <p:cBhvr>
+                                        <p:cTn id="14" dur="1" fill="hold">
+                                          <p:stCondLst>
+                                            <p:cond delay="0"/>
+                                          </p:stCondLst>
+                                        </p:cTn>
+                                        <p:tgtEl>
+                                          <p:spTgt spid="48"/>
+                                        </p:tgtEl>
+                                        <p:attrNameLst>
+                                          <p:attrName>style.visibility</p:attrName>
+                                        </p:attrNameLst>
+                                      </p:cBhvr>
+                                      <p:to>
+                                        <p:strVal val="visible"/>
+                                      </p:to>
+                                    </p:set>
+                                  </p:childTnLst>
+                                </p:cTn>
+                              </p:par>
+                            </p:childTnLst>
+                          </p:cTn>
+                        </p:par>
+                      </p:childTnLst>
+                    </p:cTn>
+                  </p:par>
+                  <p:par>
+                    <p:cTn id="15" fill="hold">
+                      <p:stCondLst>
+                        <p:cond delay="indefinite"/>
+                      </p:stCondLst>
+                      <p:childTnLst>
+                        <p:par>
+                          <p:cTn id="16" fill="hold">
+                            <p:stCondLst>
+                              <p:cond delay="0"/>
+                            </p:stCondLst>
+                            <p:childTnLst>
+                              <p:par>
+                                <p:cTn id="17" presetID="1" presetClass="entr" presetSubtype="0" fill="hold" nodeType="clickEffect">
+                                  <p:stCondLst>
+                                    <p:cond delay="0"/>
+                                  </p:stCondLst>
+                                  <p:childTnLst>
+                                    <p:set>
+                                      <p:cBhvr>
+                                        <p:cTn id="18" dur="1" fill="hold">
+                                          <p:stCondLst>
+                                            <p:cond delay="0"/>
+                                          </p:stCondLst>
+                                        </p:cTn>
+                                        <p:tgtEl>
+                                          <p:spTgt spid="9"/>
+                                        </p:tgtEl>
+                                        <p:attrNameLst>
+                                          <p:attrName>style.visibility</p:attrName>
+                                        </p:attrNameLst>
+                                      </p:cBhvr>
+                                      <p:to>
+                                        <p:strVal val="visible"/>
+                                      </p:to>
+                                    </p:set>
+                                  </p:childTnLst>
+                                </p:cTn>
+                              </p:par>
+                            </p:childTnLst>
+                          </p:cTn>
+                        </p:par>
+                      </p:childTnLst>
+                    </p:cTn>
+                  </p:par>
+                  <p:par>
+                    <p:cTn id="19" fill="hold">
+                      <p:stCondLst>
+                        <p:cond delay="indefinite"/>
+                      </p:stCondLst>
+                      <p:childTnLst>
+                        <p:par>
+                          <p:cTn id="20" fill="hold">
+                            <p:stCondLst>
+                              <p:cond delay="0"/>
+                            </p:stCondLst>
+                            <p:childTnLst>
+                              <p:par>
+                                <p:cTn id="21" presetID="1" presetClass="entr" presetSubtype="0" fill="hold" nodeType="clickEffect">
+                                  <p:stCondLst>
+                                    <p:cond delay="0"/>
+                                  </p:stCondLst>
+                                  <p:childTnLst>
+                                    <p:set>
+                                      <p:cBhvr>
+                                        <p:cTn id="22" dur="1" fill="hold">
+                                          <p:stCondLst>
+                                            <p:cond delay="0"/>
+                                          </p:stCondLst>
+                                        </p:cTn>
+                                        <p:tgtEl>
+                                          <p:spTgt spid="11"/>
+                                        </p:tgtEl>
+                                        <p:attrNameLst>
+                                          <p:attrName>style.visibility</p:attrName>
+                                        </p:attrNameLst>
+                                      </p:cBhvr>
+                                      <p:to>
+                                        <p:strVal val="visible"/>
+                                      </p:to>
+                                    </p:set>
+                                  </p:childTnLst>
+                                </p:cTn>
+                              </p:par>
+                            </p:childTnLst>
+                          </p:cTn>
+                        </p:par>
+                      </p:childTnLst>
+                    </p:cTn>
+                  </p:par>
+                  <p:par>
+                    <p:cTn id="23" fill="hold">
+                      <p:stCondLst>
+                        <p:cond delay="indefinite"/>
+                      </p:stCondLst>
+                      <p:childTnLst>
+                        <p:par>
+                          <p:cTn id="24" fill="hold">
+                            <p:stCondLst>
+                              <p:cond delay="0"/>
+                            </p:stCondLst>
+                            <p:childTnLst>
+                              <p:par>
+                                <p:cTn id="25" presetID="1" presetClass="entr" presetSubtype="0" fill="hold" grpId="0" nodeType="clickEffect">
+                                  <p:stCondLst>
+                                    <p:cond delay="0"/>
+                                  </p:stCondLst>
+                                  <p:childTnLst>
+                                    <p:set>
+                                      <p:cBhvr>
+                                        <p:cTn id="26" dur="1" fill="hold">
+                                          <p:stCondLst>
+                                            <p:cond delay="0"/>
+                                          </p:stCondLst>
+                                        </p:cTn>
+                                        <p:tgtEl>
+                                          <p:spTgt spid="44"/>
                                         </p:tgtEl>
                                         <p:attrNameLst>
                                           <p:attrName>style.visibility</p:attrName>
@@ -7841,18 +8245,25 @@
       </p:par>
     </p:tnLst>
     <p:bldLst>
-      <p:bldP spid="6" grpId="0"/>
+      <p:bldP spid="44" grpId="0"/>
+      <p:bldP spid="48" grpId="0"/>
     </p:bldLst>
   </p:timing>
 </p:sld>
 </file>
 
-<file path=ppt/slides/slide18.xml><?xml version="1.0" encoding="utf-8"?>
+<file path=ppt/slides/slide19.xml><?xml version="1.0" encoding="utf-8"?>
 <p:sld xmlns:a="http://schemas.openxmlformats.org/drawingml/2006/main" xmlns:r="http://schemas.openxmlformats.org/officeDocument/2006/relationships" xmlns:p="http://schemas.openxmlformats.org/presentationml/2006/main">
   <p:cSld>
     <p:spTree>
       <p:nvGrpSpPr>
-        <p:cNvPr id="1" name=""/>
+        <p:cNvPr id="1" name="">
+          <a:extLst>
+            <a:ext uri="{FF2B5EF4-FFF2-40B4-BE49-F238E27FC236}">
+              <a16:creationId xmlns:a16="http://schemas.microsoft.com/office/drawing/2014/main" id="{CC337A7E-69D1-527D-8B62-99D14EB3D163}"/>
+            </a:ext>
+          </a:extLst>
+        </p:cNvPr>
         <p:cNvGrpSpPr/>
         <p:nvPr/>
       </p:nvGrpSpPr>
@@ -7864,45 +8275,192 @@
           <a:chExt cx="0" cy="0"/>
         </a:xfrm>
       </p:grpSpPr>
+      <p:pic>
+        <p:nvPicPr>
+          <p:cNvPr id="5" name="Picture 4" descr="A black text on a white background&#10;&#10;AI-generated content may be incorrect.">
+            <a:extLst>
+              <a:ext uri="{FF2B5EF4-FFF2-40B4-BE49-F238E27FC236}">
+                <a16:creationId xmlns:a16="http://schemas.microsoft.com/office/drawing/2014/main" id="{467436B1-7523-16A7-B03F-ADB2B9597DE1}"/>
+              </a:ext>
+            </a:extLst>
+          </p:cNvPr>
+          <p:cNvPicPr>
+            <a:picLocks noChangeAspect="1"/>
+          </p:cNvPicPr>
+          <p:nvPr/>
+        </p:nvPicPr>
+        <p:blipFill>
+          <a:blip r:embed="rId2">
+            <a:extLst>
+              <a:ext uri="{28A0092B-C50C-407E-A947-70E740481C1C}">
+                <a14:useLocalDpi xmlns:a14="http://schemas.microsoft.com/office/drawing/2010/main" val="0"/>
+              </a:ext>
+            </a:extLst>
+          </a:blip>
+          <a:stretch>
+            <a:fillRect/>
+          </a:stretch>
+        </p:blipFill>
+        <p:spPr>
+          <a:xfrm>
+            <a:off x="4998718" y="0"/>
+            <a:ext cx="2194564" cy="603505"/>
+          </a:xfrm>
+          <a:prstGeom prst="rect">
+            <a:avLst/>
+          </a:prstGeom>
+        </p:spPr>
+      </p:pic>
+      <p:pic>
+        <p:nvPicPr>
+          <p:cNvPr id="7" name="Picture 6" descr="A black text with black text&#10;&#10;AI-generated content may be incorrect.">
+            <a:extLst>
+              <a:ext uri="{FF2B5EF4-FFF2-40B4-BE49-F238E27FC236}">
+                <a16:creationId xmlns:a16="http://schemas.microsoft.com/office/drawing/2014/main" id="{8BA55C69-46A9-D3BB-F226-BBB22CF72918}"/>
+              </a:ext>
+            </a:extLst>
+          </p:cNvPr>
+          <p:cNvPicPr>
+            <a:picLocks noChangeAspect="1"/>
+          </p:cNvPicPr>
+          <p:nvPr/>
+        </p:nvPicPr>
+        <p:blipFill>
+          <a:blip r:embed="rId3">
+            <a:extLst>
+              <a:ext uri="{28A0092B-C50C-407E-A947-70E740481C1C}">
+                <a14:useLocalDpi xmlns:a14="http://schemas.microsoft.com/office/drawing/2010/main" val="0"/>
+              </a:ext>
+            </a:extLst>
+          </a:blip>
+          <a:stretch>
+            <a:fillRect/>
+          </a:stretch>
+        </p:blipFill>
+        <p:spPr>
+          <a:xfrm>
+            <a:off x="4998718" y="472538"/>
+            <a:ext cx="2194564" cy="603505"/>
+          </a:xfrm>
+          <a:prstGeom prst="rect">
+            <a:avLst/>
+          </a:prstGeom>
+        </p:spPr>
+      </p:pic>
+      <p:pic>
+        <p:nvPicPr>
+          <p:cNvPr id="9" name="Picture 8" descr="A black text on a white background&#10;&#10;AI-generated content may be incorrect.">
+            <a:extLst>
+              <a:ext uri="{FF2B5EF4-FFF2-40B4-BE49-F238E27FC236}">
+                <a16:creationId xmlns:a16="http://schemas.microsoft.com/office/drawing/2014/main" id="{24E17C46-B8E1-EF18-CF5C-D074C51B84C0}"/>
+              </a:ext>
+            </a:extLst>
+          </p:cNvPr>
+          <p:cNvPicPr>
+            <a:picLocks noChangeAspect="1"/>
+          </p:cNvPicPr>
+          <p:nvPr/>
+        </p:nvPicPr>
+        <p:blipFill>
+          <a:blip r:embed="rId4">
+            <a:extLst>
+              <a:ext uri="{28A0092B-C50C-407E-A947-70E740481C1C}">
+                <a14:useLocalDpi xmlns:a14="http://schemas.microsoft.com/office/drawing/2010/main" val="0"/>
+              </a:ext>
+            </a:extLst>
+          </a:blip>
+          <a:stretch>
+            <a:fillRect/>
+          </a:stretch>
+        </p:blipFill>
+        <p:spPr>
+          <a:xfrm>
+            <a:off x="4998718" y="945076"/>
+            <a:ext cx="2194564" cy="603505"/>
+          </a:xfrm>
+          <a:prstGeom prst="rect">
+            <a:avLst/>
+          </a:prstGeom>
+        </p:spPr>
+      </p:pic>
+      <p:pic>
+        <p:nvPicPr>
+          <p:cNvPr id="11" name="Picture 10" descr="A black text with numbers&#10;&#10;AI-generated content may be incorrect.">
+            <a:extLst>
+              <a:ext uri="{FF2B5EF4-FFF2-40B4-BE49-F238E27FC236}">
+                <a16:creationId xmlns:a16="http://schemas.microsoft.com/office/drawing/2014/main" id="{39544397-8EF4-1481-B4CA-998255E5EE4F}"/>
+              </a:ext>
+            </a:extLst>
+          </p:cNvPr>
+          <p:cNvPicPr>
+            <a:picLocks noChangeAspect="1"/>
+          </p:cNvPicPr>
+          <p:nvPr/>
+        </p:nvPicPr>
+        <p:blipFill>
+          <a:blip r:embed="rId5">
+            <a:extLst>
+              <a:ext uri="{28A0092B-C50C-407E-A947-70E740481C1C}">
+                <a14:useLocalDpi xmlns:a14="http://schemas.microsoft.com/office/drawing/2010/main" val="0"/>
+              </a:ext>
+            </a:extLst>
+          </a:blip>
+          <a:stretch>
+            <a:fillRect/>
+          </a:stretch>
+        </p:blipFill>
+        <p:spPr>
+          <a:xfrm>
+            <a:off x="4998718" y="1426263"/>
+            <a:ext cx="2194564" cy="603505"/>
+          </a:xfrm>
+          <a:prstGeom prst="rect">
+            <a:avLst/>
+          </a:prstGeom>
+        </p:spPr>
+      </p:pic>
+      <p:pic>
+        <p:nvPicPr>
+          <p:cNvPr id="15" name="Picture 14" descr="A black and orange rectangular box with black text&#10;&#10;AI-generated content may be incorrect.">
+            <a:extLst>
+              <a:ext uri="{FF2B5EF4-FFF2-40B4-BE49-F238E27FC236}">
+                <a16:creationId xmlns:a16="http://schemas.microsoft.com/office/drawing/2014/main" id="{512B798D-1C04-4FF1-7089-F4D5DB96BAD6}"/>
+              </a:ext>
+            </a:extLst>
+          </p:cNvPr>
+          <p:cNvPicPr>
+            <a:picLocks noChangeAspect="1"/>
+          </p:cNvPicPr>
+          <p:nvPr/>
+        </p:nvPicPr>
+        <p:blipFill>
+          <a:blip r:embed="rId6">
+            <a:extLst>
+              <a:ext uri="{28A0092B-C50C-407E-A947-70E740481C1C}">
+                <a14:useLocalDpi xmlns:a14="http://schemas.microsoft.com/office/drawing/2010/main" val="0"/>
+              </a:ext>
+            </a:extLst>
+          </a:blip>
+          <a:stretch>
+            <a:fillRect/>
+          </a:stretch>
+        </p:blipFill>
+        <p:spPr>
+          <a:xfrm>
+            <a:off x="4998718" y="1908043"/>
+            <a:ext cx="2194564" cy="603505"/>
+          </a:xfrm>
+          <a:prstGeom prst="rect">
+            <a:avLst/>
+          </a:prstGeom>
+        </p:spPr>
+      </p:pic>
       <p:sp>
         <p:nvSpPr>
-          <p:cNvPr id="2" name="Title 1">
-            <a:extLst>
-              <a:ext uri="{FF2B5EF4-FFF2-40B4-BE49-F238E27FC236}">
-                <a16:creationId xmlns:a16="http://schemas.microsoft.com/office/drawing/2014/main" id="{016BD01B-A6AB-5AFE-25C6-58FF83C62D4E}"/>
-              </a:ext>
-            </a:extLst>
-          </p:cNvPr>
-          <p:cNvSpPr>
-            <a:spLocks noGrp="1"/>
-          </p:cNvSpPr>
-          <p:nvPr>
-            <p:ph type="title"/>
-          </p:nvPr>
-        </p:nvSpPr>
-        <p:spPr/>
-        <p:txBody>
-          <a:bodyPr/>
-          <a:lstStyle/>
-          <a:p>
-            <a:r>
-              <a:rPr lang="en-US" dirty="0"/>
-              <a:t>De </a:t>
-            </a:r>
-            <a:r>
-              <a:rPr lang="en-US" dirty="0" err="1"/>
-              <a:t>opdracht</a:t>
-            </a:r>
-            <a:endParaRPr lang="nl-NL" dirty="0"/>
-          </a:p>
-        </p:txBody>
-      </p:sp>
-      <p:sp>
-        <p:nvSpPr>
-          <p:cNvPr id="5" name="TextBox 4">
-            <a:extLst>
-              <a:ext uri="{FF2B5EF4-FFF2-40B4-BE49-F238E27FC236}">
-                <a16:creationId xmlns:a16="http://schemas.microsoft.com/office/drawing/2014/main" id="{34860E4D-0500-99F4-C97B-4890FDAC047E}"/>
+          <p:cNvPr id="3" name="TextBox 2">
+            <a:extLst>
+              <a:ext uri="{FF2B5EF4-FFF2-40B4-BE49-F238E27FC236}">
+                <a16:creationId xmlns:a16="http://schemas.microsoft.com/office/drawing/2014/main" id="{69148BFC-CCA1-D41D-FA4F-D6122931D38A}"/>
               </a:ext>
             </a:extLst>
           </p:cNvPr>
@@ -7911,8 +8469,8 @@
         </p:nvSpPr>
         <p:spPr>
           <a:xfrm>
-            <a:off x="838200" y="3106555"/>
-            <a:ext cx="12801600" cy="1015663"/>
+            <a:off x="7462684" y="2102888"/>
+            <a:ext cx="6096000" cy="369332"/>
           </a:xfrm>
           <a:prstGeom prst="rect">
             <a:avLst/>
@@ -7925,23 +8483,261 @@
           </a:bodyPr>
           <a:lstStyle/>
           <a:p>
-            <a:r>
-              <a:rPr lang="nl-NL" sz="2000" dirty="0">
-                <a:hlinkClick r:id="rId2"/>
-              </a:rPr>
-              <a:t>https://github.com/HU-TI-DEV/TI-S4/blob/main/software/algoritmen_en_datastructuren/2_containers_zoeken_sorteren.ipynb</a:t>
-            </a:r>
-            <a:endParaRPr lang="nl-NL" sz="2000" dirty="0"/>
-          </a:p>
-          <a:p>
-            <a:endParaRPr lang="nl-NL" sz="2000" dirty="0"/>
+            <a:pPr algn="l">
+              <a:buNone/>
+            </a:pPr>
+            <a:r>
+              <a:rPr lang="en-US" b="0" i="0" dirty="0">
+                <a:solidFill>
+                  <a:srgbClr val="101418"/>
+                </a:solidFill>
+                <a:effectLst/>
+                <a:latin typeface="Courier New" panose="02070309020205020404" pitchFamily="49" charset="0"/>
+              </a:rPr>
+              <a:t>swap A[</a:t>
+            </a:r>
+            <a:r>
+              <a:rPr lang="en-US" b="0" i="0" dirty="0" err="1">
+                <a:solidFill>
+                  <a:srgbClr val="101418"/>
+                </a:solidFill>
+                <a:effectLst/>
+                <a:latin typeface="Courier New" panose="02070309020205020404" pitchFamily="49" charset="0"/>
+              </a:rPr>
+              <a:t>i</a:t>
+            </a:r>
+            <a:r>
+              <a:rPr lang="en-US" b="0" i="0" dirty="0">
+                <a:solidFill>
+                  <a:srgbClr val="101418"/>
+                </a:solidFill>
+                <a:effectLst/>
+                <a:latin typeface="Courier New" panose="02070309020205020404" pitchFamily="49" charset="0"/>
+              </a:rPr>
+              <a:t>] </a:t>
+            </a:r>
+            <a:r>
+              <a:rPr lang="en-US" b="1" i="0" dirty="0">
+                <a:solidFill>
+                  <a:srgbClr val="101418"/>
+                </a:solidFill>
+                <a:effectLst/>
+                <a:latin typeface="Courier New" panose="02070309020205020404" pitchFamily="49" charset="0"/>
+              </a:rPr>
+              <a:t>with</a:t>
+            </a:r>
+            <a:r>
+              <a:rPr lang="en-US" b="0" i="0" dirty="0">
+                <a:solidFill>
+                  <a:srgbClr val="101418"/>
+                </a:solidFill>
+                <a:effectLst/>
+                <a:latin typeface="Courier New" panose="02070309020205020404" pitchFamily="49" charset="0"/>
+              </a:rPr>
+              <a:t> A[hi]</a:t>
+            </a:r>
+          </a:p>
+        </p:txBody>
+      </p:sp>
+      <p:sp>
+        <p:nvSpPr>
+          <p:cNvPr id="4" name="TextBox 3">
+            <a:extLst>
+              <a:ext uri="{FF2B5EF4-FFF2-40B4-BE49-F238E27FC236}">
+                <a16:creationId xmlns:a16="http://schemas.microsoft.com/office/drawing/2014/main" id="{EAB93297-2CC5-E039-1304-134BF1A34353}"/>
+              </a:ext>
+            </a:extLst>
+          </p:cNvPr>
+          <p:cNvSpPr txBox="1"/>
+          <p:nvPr/>
+        </p:nvSpPr>
+        <p:spPr>
+          <a:xfrm>
+            <a:off x="7507914" y="614378"/>
+            <a:ext cx="4339957" cy="923330"/>
+          </a:xfrm>
+          <a:prstGeom prst="rect">
+            <a:avLst/>
+          </a:prstGeom>
+          <a:noFill/>
+        </p:spPr>
+        <p:txBody>
+          <a:bodyPr wrap="square">
+            <a:spAutoFit/>
+          </a:bodyPr>
+          <a:lstStyle/>
+          <a:p>
+            <a:pPr algn="l">
+              <a:buNone/>
+            </a:pPr>
+            <a:r>
+              <a:rPr lang="en-US" b="0" i="0" dirty="0">
+                <a:solidFill>
+                  <a:srgbClr val="101418"/>
+                </a:solidFill>
+                <a:effectLst/>
+                <a:latin typeface="Courier New" panose="02070309020205020404" pitchFamily="49" charset="0"/>
+              </a:rPr>
+              <a:t> </a:t>
+            </a:r>
+            <a:r>
+              <a:rPr lang="en-US" b="1" i="0" dirty="0">
+                <a:solidFill>
+                  <a:srgbClr val="101418"/>
+                </a:solidFill>
+                <a:effectLst/>
+                <a:latin typeface="Courier New" panose="02070309020205020404" pitchFamily="49" charset="0"/>
+              </a:rPr>
+              <a:t>if</a:t>
+            </a:r>
+            <a:r>
+              <a:rPr lang="en-US" b="0" i="0" dirty="0">
+                <a:solidFill>
+                  <a:srgbClr val="101418"/>
+                </a:solidFill>
+                <a:effectLst/>
+                <a:latin typeface="Courier New" panose="02070309020205020404" pitchFamily="49" charset="0"/>
+              </a:rPr>
+              <a:t> A[j] &lt;= pivot </a:t>
+            </a:r>
+            <a:r>
+              <a:rPr lang="en-US" b="1" i="0" dirty="0">
+                <a:solidFill>
+                  <a:srgbClr val="101418"/>
+                </a:solidFill>
+                <a:effectLst/>
+                <a:latin typeface="Courier New" panose="02070309020205020404" pitchFamily="49" charset="0"/>
+              </a:rPr>
+              <a:t>then</a:t>
+            </a:r>
+            <a:r>
+              <a:rPr lang="en-US" b="0" i="0" dirty="0">
+                <a:solidFill>
+                  <a:srgbClr val="101418"/>
+                </a:solidFill>
+                <a:effectLst/>
+                <a:latin typeface="Courier New" panose="02070309020205020404" pitchFamily="49" charset="0"/>
+              </a:rPr>
+              <a:t> </a:t>
+            </a:r>
+          </a:p>
+          <a:p>
+            <a:pPr algn="l">
+              <a:buNone/>
+            </a:pPr>
+            <a:r>
+              <a:rPr lang="en-US" b="0" i="0" dirty="0">
+                <a:solidFill>
+                  <a:srgbClr val="101418"/>
+                </a:solidFill>
+                <a:effectLst/>
+                <a:latin typeface="Courier New" panose="02070309020205020404" pitchFamily="49" charset="0"/>
+              </a:rPr>
+              <a:t> 	swap A[</a:t>
+            </a:r>
+            <a:r>
+              <a:rPr lang="en-US" b="0" i="0" dirty="0" err="1">
+                <a:solidFill>
+                  <a:srgbClr val="101418"/>
+                </a:solidFill>
+                <a:effectLst/>
+                <a:latin typeface="Courier New" panose="02070309020205020404" pitchFamily="49" charset="0"/>
+              </a:rPr>
+              <a:t>i</a:t>
+            </a:r>
+            <a:r>
+              <a:rPr lang="en-US" b="0" i="0" dirty="0">
+                <a:solidFill>
+                  <a:srgbClr val="101418"/>
+                </a:solidFill>
+                <a:effectLst/>
+                <a:latin typeface="Courier New" panose="02070309020205020404" pitchFamily="49" charset="0"/>
+              </a:rPr>
+              <a:t>] </a:t>
+            </a:r>
+            <a:r>
+              <a:rPr lang="en-US" b="1" i="0" dirty="0">
+                <a:solidFill>
+                  <a:srgbClr val="101418"/>
+                </a:solidFill>
+                <a:effectLst/>
+                <a:latin typeface="Courier New" panose="02070309020205020404" pitchFamily="49" charset="0"/>
+              </a:rPr>
+              <a:t>with</a:t>
+            </a:r>
+            <a:r>
+              <a:rPr lang="en-US" b="0" i="0" dirty="0">
+                <a:solidFill>
+                  <a:srgbClr val="101418"/>
+                </a:solidFill>
+                <a:effectLst/>
+                <a:latin typeface="Courier New" panose="02070309020205020404" pitchFamily="49" charset="0"/>
+              </a:rPr>
+              <a:t> A[j]</a:t>
+            </a:r>
+          </a:p>
+          <a:p>
+            <a:pPr algn="l">
+              <a:buNone/>
+            </a:pPr>
+            <a:r>
+              <a:rPr lang="en-US" b="0" i="0" dirty="0">
+                <a:solidFill>
+                  <a:srgbClr val="101418"/>
+                </a:solidFill>
+                <a:effectLst/>
+                <a:latin typeface="Courier New" panose="02070309020205020404" pitchFamily="49" charset="0"/>
+              </a:rPr>
+              <a:t>	</a:t>
+            </a:r>
+            <a:r>
+              <a:rPr lang="en-US" b="0" i="0" dirty="0" err="1">
+                <a:solidFill>
+                  <a:srgbClr val="101418"/>
+                </a:solidFill>
+                <a:effectLst/>
+                <a:latin typeface="Courier New" panose="02070309020205020404" pitchFamily="49" charset="0"/>
+              </a:rPr>
+              <a:t>i</a:t>
+            </a:r>
+            <a:r>
+              <a:rPr lang="en-US" b="0" i="0" dirty="0">
+                <a:solidFill>
+                  <a:srgbClr val="101418"/>
+                </a:solidFill>
+                <a:effectLst/>
+                <a:latin typeface="Courier New" panose="02070309020205020404" pitchFamily="49" charset="0"/>
+              </a:rPr>
+              <a:t> := </a:t>
+            </a:r>
+            <a:r>
+              <a:rPr lang="en-US" b="0" i="0" dirty="0" err="1">
+                <a:solidFill>
+                  <a:srgbClr val="101418"/>
+                </a:solidFill>
+                <a:effectLst/>
+                <a:latin typeface="Courier New" panose="02070309020205020404" pitchFamily="49" charset="0"/>
+              </a:rPr>
+              <a:t>i</a:t>
+            </a:r>
+            <a:r>
+              <a:rPr lang="en-US" b="0" i="0" dirty="0">
+                <a:solidFill>
+                  <a:srgbClr val="101418"/>
+                </a:solidFill>
+                <a:effectLst/>
+                <a:latin typeface="Courier New" panose="02070309020205020404" pitchFamily="49" charset="0"/>
+              </a:rPr>
+              <a:t> + 1</a:t>
+            </a:r>
+            <a:endParaRPr lang="nl-NL" dirty="0"/>
           </a:p>
         </p:txBody>
       </p:sp>
     </p:spTree>
     <p:extLst>
       <p:ext uri="{BB962C8B-B14F-4D97-AF65-F5344CB8AC3E}">
-        <p14:creationId xmlns:p14="http://schemas.microsoft.com/office/powerpoint/2010/main" val="248977176"/>
+        <p14:creationId xmlns:p14="http://schemas.microsoft.com/office/powerpoint/2010/main" val="3422735427"/>
       </p:ext>
     </p:extLst>
   </p:cSld>
@@ -8826,6 +9622,3989 @@
 </p:sld>
 </file>
 
+<file path=ppt/slides/slide20.xml><?xml version="1.0" encoding="utf-8"?>
+<p:sld xmlns:a="http://schemas.openxmlformats.org/drawingml/2006/main" xmlns:r="http://schemas.openxmlformats.org/officeDocument/2006/relationships" xmlns:p="http://schemas.openxmlformats.org/presentationml/2006/main">
+  <p:cSld>
+    <p:spTree>
+      <p:nvGrpSpPr>
+        <p:cNvPr id="1" name="">
+          <a:extLst>
+            <a:ext uri="{FF2B5EF4-FFF2-40B4-BE49-F238E27FC236}">
+              <a16:creationId xmlns:a16="http://schemas.microsoft.com/office/drawing/2014/main" id="{F6B1DC3A-318E-0FAE-6CBE-6AA1AE07F7F3}"/>
+            </a:ext>
+          </a:extLst>
+        </p:cNvPr>
+        <p:cNvGrpSpPr/>
+        <p:nvPr/>
+      </p:nvGrpSpPr>
+      <p:grpSpPr>
+        <a:xfrm>
+          <a:off x="0" y="0"/>
+          <a:ext cx="0" cy="0"/>
+          <a:chOff x="0" y="0"/>
+          <a:chExt cx="0" cy="0"/>
+        </a:xfrm>
+      </p:grpSpPr>
+      <p:pic>
+        <p:nvPicPr>
+          <p:cNvPr id="5" name="Picture 4" descr="A black text on a white background&#10;&#10;AI-generated content may be incorrect.">
+            <a:extLst>
+              <a:ext uri="{FF2B5EF4-FFF2-40B4-BE49-F238E27FC236}">
+                <a16:creationId xmlns:a16="http://schemas.microsoft.com/office/drawing/2014/main" id="{6FC0B4C3-B74B-FBD5-9246-C68BA80B74DA}"/>
+              </a:ext>
+            </a:extLst>
+          </p:cNvPr>
+          <p:cNvPicPr>
+            <a:picLocks noChangeAspect="1"/>
+          </p:cNvPicPr>
+          <p:nvPr/>
+        </p:nvPicPr>
+        <p:blipFill>
+          <a:blip r:embed="rId2">
+            <a:extLst>
+              <a:ext uri="{28A0092B-C50C-407E-A947-70E740481C1C}">
+                <a14:useLocalDpi xmlns:a14="http://schemas.microsoft.com/office/drawing/2010/main" val="0"/>
+              </a:ext>
+            </a:extLst>
+          </a:blip>
+          <a:stretch>
+            <a:fillRect/>
+          </a:stretch>
+        </p:blipFill>
+        <p:spPr>
+          <a:xfrm>
+            <a:off x="4998718" y="0"/>
+            <a:ext cx="2194564" cy="603505"/>
+          </a:xfrm>
+          <a:prstGeom prst="rect">
+            <a:avLst/>
+          </a:prstGeom>
+        </p:spPr>
+      </p:pic>
+      <p:pic>
+        <p:nvPicPr>
+          <p:cNvPr id="7" name="Picture 6" descr="A black text with black text&#10;&#10;AI-generated content may be incorrect.">
+            <a:extLst>
+              <a:ext uri="{FF2B5EF4-FFF2-40B4-BE49-F238E27FC236}">
+                <a16:creationId xmlns:a16="http://schemas.microsoft.com/office/drawing/2014/main" id="{801EC7D0-5BB9-8FBE-BF0E-F2F5E88C51EA}"/>
+              </a:ext>
+            </a:extLst>
+          </p:cNvPr>
+          <p:cNvPicPr>
+            <a:picLocks noChangeAspect="1"/>
+          </p:cNvPicPr>
+          <p:nvPr/>
+        </p:nvPicPr>
+        <p:blipFill>
+          <a:blip r:embed="rId3">
+            <a:extLst>
+              <a:ext uri="{28A0092B-C50C-407E-A947-70E740481C1C}">
+                <a14:useLocalDpi xmlns:a14="http://schemas.microsoft.com/office/drawing/2010/main" val="0"/>
+              </a:ext>
+            </a:extLst>
+          </a:blip>
+          <a:stretch>
+            <a:fillRect/>
+          </a:stretch>
+        </p:blipFill>
+        <p:spPr>
+          <a:xfrm>
+            <a:off x="4998718" y="472538"/>
+            <a:ext cx="2194564" cy="603505"/>
+          </a:xfrm>
+          <a:prstGeom prst="rect">
+            <a:avLst/>
+          </a:prstGeom>
+        </p:spPr>
+      </p:pic>
+      <p:pic>
+        <p:nvPicPr>
+          <p:cNvPr id="9" name="Picture 8" descr="A black text on a white background&#10;&#10;AI-generated content may be incorrect.">
+            <a:extLst>
+              <a:ext uri="{FF2B5EF4-FFF2-40B4-BE49-F238E27FC236}">
+                <a16:creationId xmlns:a16="http://schemas.microsoft.com/office/drawing/2014/main" id="{E80194F2-37B6-703F-AE30-35CBC85EDDA3}"/>
+              </a:ext>
+            </a:extLst>
+          </p:cNvPr>
+          <p:cNvPicPr>
+            <a:picLocks noChangeAspect="1"/>
+          </p:cNvPicPr>
+          <p:nvPr/>
+        </p:nvPicPr>
+        <p:blipFill>
+          <a:blip r:embed="rId4">
+            <a:extLst>
+              <a:ext uri="{28A0092B-C50C-407E-A947-70E740481C1C}">
+                <a14:useLocalDpi xmlns:a14="http://schemas.microsoft.com/office/drawing/2010/main" val="0"/>
+              </a:ext>
+            </a:extLst>
+          </a:blip>
+          <a:stretch>
+            <a:fillRect/>
+          </a:stretch>
+        </p:blipFill>
+        <p:spPr>
+          <a:xfrm>
+            <a:off x="4998718" y="945076"/>
+            <a:ext cx="2194564" cy="603505"/>
+          </a:xfrm>
+          <a:prstGeom prst="rect">
+            <a:avLst/>
+          </a:prstGeom>
+        </p:spPr>
+      </p:pic>
+      <p:pic>
+        <p:nvPicPr>
+          <p:cNvPr id="11" name="Picture 10" descr="A black text with numbers&#10;&#10;AI-generated content may be incorrect.">
+            <a:extLst>
+              <a:ext uri="{FF2B5EF4-FFF2-40B4-BE49-F238E27FC236}">
+                <a16:creationId xmlns:a16="http://schemas.microsoft.com/office/drawing/2014/main" id="{00DF5B9E-E98E-5014-EB4F-0AD503EAB7BD}"/>
+              </a:ext>
+            </a:extLst>
+          </p:cNvPr>
+          <p:cNvPicPr>
+            <a:picLocks noChangeAspect="1"/>
+          </p:cNvPicPr>
+          <p:nvPr/>
+        </p:nvPicPr>
+        <p:blipFill>
+          <a:blip r:embed="rId5">
+            <a:extLst>
+              <a:ext uri="{28A0092B-C50C-407E-A947-70E740481C1C}">
+                <a14:useLocalDpi xmlns:a14="http://schemas.microsoft.com/office/drawing/2010/main" val="0"/>
+              </a:ext>
+            </a:extLst>
+          </a:blip>
+          <a:stretch>
+            <a:fillRect/>
+          </a:stretch>
+        </p:blipFill>
+        <p:spPr>
+          <a:xfrm>
+            <a:off x="4998718" y="1426263"/>
+            <a:ext cx="2194564" cy="603505"/>
+          </a:xfrm>
+          <a:prstGeom prst="rect">
+            <a:avLst/>
+          </a:prstGeom>
+        </p:spPr>
+      </p:pic>
+      <p:pic>
+        <p:nvPicPr>
+          <p:cNvPr id="15" name="Picture 14" descr="A black and orange rectangular box with black text&#10;&#10;AI-generated content may be incorrect.">
+            <a:extLst>
+              <a:ext uri="{FF2B5EF4-FFF2-40B4-BE49-F238E27FC236}">
+                <a16:creationId xmlns:a16="http://schemas.microsoft.com/office/drawing/2014/main" id="{1EEC2EF8-8520-DE23-13F1-ADDA5E9B37E0}"/>
+              </a:ext>
+            </a:extLst>
+          </p:cNvPr>
+          <p:cNvPicPr>
+            <a:picLocks noChangeAspect="1"/>
+          </p:cNvPicPr>
+          <p:nvPr/>
+        </p:nvPicPr>
+        <p:blipFill>
+          <a:blip r:embed="rId6">
+            <a:extLst>
+              <a:ext uri="{28A0092B-C50C-407E-A947-70E740481C1C}">
+                <a14:useLocalDpi xmlns:a14="http://schemas.microsoft.com/office/drawing/2010/main" val="0"/>
+              </a:ext>
+            </a:extLst>
+          </a:blip>
+          <a:stretch>
+            <a:fillRect/>
+          </a:stretch>
+        </p:blipFill>
+        <p:spPr>
+          <a:xfrm>
+            <a:off x="4998718" y="1908043"/>
+            <a:ext cx="2194564" cy="603505"/>
+          </a:xfrm>
+          <a:prstGeom prst="rect">
+            <a:avLst/>
+          </a:prstGeom>
+        </p:spPr>
+      </p:pic>
+      <p:pic>
+        <p:nvPicPr>
+          <p:cNvPr id="17" name="Picture 16" descr="A black text on a white background&#10;&#10;AI-generated content may be incorrect.">
+            <a:extLst>
+              <a:ext uri="{FF2B5EF4-FFF2-40B4-BE49-F238E27FC236}">
+                <a16:creationId xmlns:a16="http://schemas.microsoft.com/office/drawing/2014/main" id="{3D3F9FE5-6081-0176-BFCE-41C59C056EDB}"/>
+              </a:ext>
+            </a:extLst>
+          </p:cNvPr>
+          <p:cNvPicPr>
+            <a:picLocks noChangeAspect="1"/>
+          </p:cNvPicPr>
+          <p:nvPr/>
+        </p:nvPicPr>
+        <p:blipFill>
+          <a:blip r:embed="rId7">
+            <a:extLst>
+              <a:ext uri="{28A0092B-C50C-407E-A947-70E740481C1C}">
+                <a14:useLocalDpi xmlns:a14="http://schemas.microsoft.com/office/drawing/2010/main" val="0"/>
+              </a:ext>
+            </a:extLst>
+          </a:blip>
+          <a:stretch>
+            <a:fillRect/>
+          </a:stretch>
+        </p:blipFill>
+        <p:spPr>
+          <a:xfrm>
+            <a:off x="790512" y="2518922"/>
+            <a:ext cx="2194564" cy="603505"/>
+          </a:xfrm>
+          <a:prstGeom prst="rect">
+            <a:avLst/>
+          </a:prstGeom>
+        </p:spPr>
+      </p:pic>
+      <p:pic>
+        <p:nvPicPr>
+          <p:cNvPr id="19" name="Picture 18" descr="A black text on a white background&#10;&#10;AI-generated content may be incorrect.">
+            <a:extLst>
+              <a:ext uri="{FF2B5EF4-FFF2-40B4-BE49-F238E27FC236}">
+                <a16:creationId xmlns:a16="http://schemas.microsoft.com/office/drawing/2014/main" id="{4BE233CD-CDFA-C44B-27DD-021CEFB7BCA0}"/>
+              </a:ext>
+            </a:extLst>
+          </p:cNvPr>
+          <p:cNvPicPr>
+            <a:picLocks noChangeAspect="1"/>
+          </p:cNvPicPr>
+          <p:nvPr/>
+        </p:nvPicPr>
+        <p:blipFill>
+          <a:blip r:embed="rId8">
+            <a:extLst>
+              <a:ext uri="{28A0092B-C50C-407E-A947-70E740481C1C}">
+                <a14:useLocalDpi xmlns:a14="http://schemas.microsoft.com/office/drawing/2010/main" val="0"/>
+              </a:ext>
+            </a:extLst>
+          </a:blip>
+          <a:stretch>
+            <a:fillRect/>
+          </a:stretch>
+        </p:blipFill>
+        <p:spPr>
+          <a:xfrm>
+            <a:off x="790512" y="3009260"/>
+            <a:ext cx="2194564" cy="603505"/>
+          </a:xfrm>
+          <a:prstGeom prst="rect">
+            <a:avLst/>
+          </a:prstGeom>
+        </p:spPr>
+      </p:pic>
+      <p:sp>
+        <p:nvSpPr>
+          <p:cNvPr id="2" name="TextBox 1">
+            <a:extLst>
+              <a:ext uri="{FF2B5EF4-FFF2-40B4-BE49-F238E27FC236}">
+                <a16:creationId xmlns:a16="http://schemas.microsoft.com/office/drawing/2014/main" id="{C38DF1ED-EC7B-2C95-DA25-4224D98FD639}"/>
+              </a:ext>
+            </a:extLst>
+          </p:cNvPr>
+          <p:cNvSpPr txBox="1"/>
+          <p:nvPr/>
+        </p:nvSpPr>
+        <p:spPr>
+          <a:xfrm>
+            <a:off x="2985076" y="2841906"/>
+            <a:ext cx="4339957" cy="923330"/>
+          </a:xfrm>
+          <a:prstGeom prst="rect">
+            <a:avLst/>
+          </a:prstGeom>
+          <a:noFill/>
+        </p:spPr>
+        <p:txBody>
+          <a:bodyPr wrap="square">
+            <a:spAutoFit/>
+          </a:bodyPr>
+          <a:lstStyle/>
+          <a:p>
+            <a:pPr algn="l">
+              <a:buNone/>
+            </a:pPr>
+            <a:r>
+              <a:rPr lang="en-US" b="0" i="0" dirty="0">
+                <a:solidFill>
+                  <a:srgbClr val="101418"/>
+                </a:solidFill>
+                <a:effectLst/>
+                <a:latin typeface="Courier New" panose="02070309020205020404" pitchFamily="49" charset="0"/>
+              </a:rPr>
+              <a:t> </a:t>
+            </a:r>
+            <a:r>
+              <a:rPr lang="en-US" b="1" i="0" dirty="0">
+                <a:solidFill>
+                  <a:srgbClr val="101418"/>
+                </a:solidFill>
+                <a:effectLst/>
+                <a:latin typeface="Courier New" panose="02070309020205020404" pitchFamily="49" charset="0"/>
+              </a:rPr>
+              <a:t>if</a:t>
+            </a:r>
+            <a:r>
+              <a:rPr lang="en-US" b="0" i="0" dirty="0">
+                <a:solidFill>
+                  <a:srgbClr val="101418"/>
+                </a:solidFill>
+                <a:effectLst/>
+                <a:latin typeface="Courier New" panose="02070309020205020404" pitchFamily="49" charset="0"/>
+              </a:rPr>
+              <a:t> A[j] &lt;= pivot </a:t>
+            </a:r>
+            <a:r>
+              <a:rPr lang="en-US" b="1" i="0" dirty="0">
+                <a:solidFill>
+                  <a:srgbClr val="101418"/>
+                </a:solidFill>
+                <a:effectLst/>
+                <a:latin typeface="Courier New" panose="02070309020205020404" pitchFamily="49" charset="0"/>
+              </a:rPr>
+              <a:t>then</a:t>
+            </a:r>
+            <a:r>
+              <a:rPr lang="en-US" b="0" i="0" dirty="0">
+                <a:solidFill>
+                  <a:srgbClr val="101418"/>
+                </a:solidFill>
+                <a:effectLst/>
+                <a:latin typeface="Courier New" panose="02070309020205020404" pitchFamily="49" charset="0"/>
+              </a:rPr>
+              <a:t> </a:t>
+            </a:r>
+          </a:p>
+          <a:p>
+            <a:pPr algn="l">
+              <a:buNone/>
+            </a:pPr>
+            <a:r>
+              <a:rPr lang="en-US" b="0" i="0" dirty="0">
+                <a:solidFill>
+                  <a:srgbClr val="101418"/>
+                </a:solidFill>
+                <a:effectLst/>
+                <a:latin typeface="Courier New" panose="02070309020205020404" pitchFamily="49" charset="0"/>
+              </a:rPr>
+              <a:t> 	swap A[</a:t>
+            </a:r>
+            <a:r>
+              <a:rPr lang="en-US" b="0" i="0" dirty="0" err="1">
+                <a:solidFill>
+                  <a:srgbClr val="101418"/>
+                </a:solidFill>
+                <a:effectLst/>
+                <a:latin typeface="Courier New" panose="02070309020205020404" pitchFamily="49" charset="0"/>
+              </a:rPr>
+              <a:t>i</a:t>
+            </a:r>
+            <a:r>
+              <a:rPr lang="en-US" b="0" i="0" dirty="0">
+                <a:solidFill>
+                  <a:srgbClr val="101418"/>
+                </a:solidFill>
+                <a:effectLst/>
+                <a:latin typeface="Courier New" panose="02070309020205020404" pitchFamily="49" charset="0"/>
+              </a:rPr>
+              <a:t>] </a:t>
+            </a:r>
+            <a:r>
+              <a:rPr lang="en-US" b="1" i="0" dirty="0">
+                <a:solidFill>
+                  <a:srgbClr val="101418"/>
+                </a:solidFill>
+                <a:effectLst/>
+                <a:latin typeface="Courier New" panose="02070309020205020404" pitchFamily="49" charset="0"/>
+              </a:rPr>
+              <a:t>with</a:t>
+            </a:r>
+            <a:r>
+              <a:rPr lang="en-US" b="0" i="0" dirty="0">
+                <a:solidFill>
+                  <a:srgbClr val="101418"/>
+                </a:solidFill>
+                <a:effectLst/>
+                <a:latin typeface="Courier New" panose="02070309020205020404" pitchFamily="49" charset="0"/>
+              </a:rPr>
+              <a:t> A[j]</a:t>
+            </a:r>
+          </a:p>
+          <a:p>
+            <a:pPr algn="l">
+              <a:buNone/>
+            </a:pPr>
+            <a:r>
+              <a:rPr lang="en-US" b="0" i="0" dirty="0">
+                <a:solidFill>
+                  <a:srgbClr val="101418"/>
+                </a:solidFill>
+                <a:effectLst/>
+                <a:latin typeface="Courier New" panose="02070309020205020404" pitchFamily="49" charset="0"/>
+              </a:rPr>
+              <a:t>	</a:t>
+            </a:r>
+            <a:r>
+              <a:rPr lang="en-US" b="0" i="0" dirty="0" err="1">
+                <a:solidFill>
+                  <a:srgbClr val="101418"/>
+                </a:solidFill>
+                <a:effectLst/>
+                <a:latin typeface="Courier New" panose="02070309020205020404" pitchFamily="49" charset="0"/>
+              </a:rPr>
+              <a:t>i</a:t>
+            </a:r>
+            <a:r>
+              <a:rPr lang="en-US" b="0" i="0" dirty="0">
+                <a:solidFill>
+                  <a:srgbClr val="101418"/>
+                </a:solidFill>
+                <a:effectLst/>
+                <a:latin typeface="Courier New" panose="02070309020205020404" pitchFamily="49" charset="0"/>
+              </a:rPr>
+              <a:t> := </a:t>
+            </a:r>
+            <a:r>
+              <a:rPr lang="en-US" b="0" i="0" dirty="0" err="1">
+                <a:solidFill>
+                  <a:srgbClr val="101418"/>
+                </a:solidFill>
+                <a:effectLst/>
+                <a:latin typeface="Courier New" panose="02070309020205020404" pitchFamily="49" charset="0"/>
+              </a:rPr>
+              <a:t>i</a:t>
+            </a:r>
+            <a:r>
+              <a:rPr lang="en-US" b="0" i="0" dirty="0">
+                <a:solidFill>
+                  <a:srgbClr val="101418"/>
+                </a:solidFill>
+                <a:effectLst/>
+                <a:latin typeface="Courier New" panose="02070309020205020404" pitchFamily="49" charset="0"/>
+              </a:rPr>
+              <a:t> + 1</a:t>
+            </a:r>
+            <a:endParaRPr lang="nl-NL" dirty="0"/>
+          </a:p>
+        </p:txBody>
+      </p:sp>
+      <p:sp>
+        <p:nvSpPr>
+          <p:cNvPr id="4" name="TextBox 3">
+            <a:extLst>
+              <a:ext uri="{FF2B5EF4-FFF2-40B4-BE49-F238E27FC236}">
+                <a16:creationId xmlns:a16="http://schemas.microsoft.com/office/drawing/2014/main" id="{8EB0BEAA-9967-E282-1A14-6D85EBF0087E}"/>
+              </a:ext>
+            </a:extLst>
+          </p:cNvPr>
+          <p:cNvSpPr txBox="1"/>
+          <p:nvPr/>
+        </p:nvSpPr>
+        <p:spPr>
+          <a:xfrm>
+            <a:off x="404447" y="2142216"/>
+            <a:ext cx="6094324" cy="369332"/>
+          </a:xfrm>
+          <a:prstGeom prst="rect">
+            <a:avLst/>
+          </a:prstGeom>
+          <a:noFill/>
+        </p:spPr>
+        <p:txBody>
+          <a:bodyPr wrap="square">
+            <a:spAutoFit/>
+          </a:bodyPr>
+          <a:lstStyle/>
+          <a:p>
+            <a:r>
+              <a:rPr lang="en-US" b="0" i="0" dirty="0">
+                <a:solidFill>
+                  <a:srgbClr val="101418"/>
+                </a:solidFill>
+                <a:effectLst/>
+                <a:latin typeface="Courier New" panose="02070309020205020404" pitchFamily="49" charset="0"/>
+              </a:rPr>
+              <a:t> quicksort(A, lo, p - 1)</a:t>
+            </a:r>
+            <a:endParaRPr lang="nl-NL" dirty="0"/>
+          </a:p>
+        </p:txBody>
+      </p:sp>
+    </p:spTree>
+    <p:extLst>
+      <p:ext uri="{BB962C8B-B14F-4D97-AF65-F5344CB8AC3E}">
+        <p14:creationId xmlns:p14="http://schemas.microsoft.com/office/powerpoint/2010/main" val="346190176"/>
+      </p:ext>
+    </p:extLst>
+  </p:cSld>
+  <p:clrMapOvr>
+    <a:masterClrMapping/>
+  </p:clrMapOvr>
+  <p:timing>
+    <p:tnLst>
+      <p:par>
+        <p:cTn id="1" dur="indefinite" restart="never" nodeType="tmRoot">
+          <p:childTnLst>
+            <p:seq concurrent="1" nextAc="seek">
+              <p:cTn id="2" dur="indefinite" nodeType="mainSeq">
+                <p:childTnLst>
+                  <p:par>
+                    <p:cTn id="3" fill="hold">
+                      <p:stCondLst>
+                        <p:cond delay="indefinite"/>
+                      </p:stCondLst>
+                      <p:childTnLst>
+                        <p:par>
+                          <p:cTn id="4" fill="hold">
+                            <p:stCondLst>
+                              <p:cond delay="0"/>
+                            </p:stCondLst>
+                            <p:childTnLst>
+                              <p:par>
+                                <p:cTn id="5" presetID="1" presetClass="entr" presetSubtype="0" fill="hold" nodeType="clickEffect">
+                                  <p:stCondLst>
+                                    <p:cond delay="0"/>
+                                  </p:stCondLst>
+                                  <p:childTnLst>
+                                    <p:set>
+                                      <p:cBhvr>
+                                        <p:cTn id="6" dur="1" fill="hold">
+                                          <p:stCondLst>
+                                            <p:cond delay="0"/>
+                                          </p:stCondLst>
+                                        </p:cTn>
+                                        <p:tgtEl>
+                                          <p:spTgt spid="17"/>
+                                        </p:tgtEl>
+                                        <p:attrNameLst>
+                                          <p:attrName>style.visibility</p:attrName>
+                                        </p:attrNameLst>
+                                      </p:cBhvr>
+                                      <p:to>
+                                        <p:strVal val="visible"/>
+                                      </p:to>
+                                    </p:set>
+                                  </p:childTnLst>
+                                </p:cTn>
+                              </p:par>
+                            </p:childTnLst>
+                          </p:cTn>
+                        </p:par>
+                      </p:childTnLst>
+                    </p:cTn>
+                  </p:par>
+                  <p:par>
+                    <p:cTn id="7" fill="hold">
+                      <p:stCondLst>
+                        <p:cond delay="indefinite"/>
+                      </p:stCondLst>
+                      <p:childTnLst>
+                        <p:par>
+                          <p:cTn id="8" fill="hold">
+                            <p:stCondLst>
+                              <p:cond delay="0"/>
+                            </p:stCondLst>
+                            <p:childTnLst>
+                              <p:par>
+                                <p:cTn id="9" presetID="1" presetClass="entr" presetSubtype="0" fill="hold" nodeType="clickEffect">
+                                  <p:stCondLst>
+                                    <p:cond delay="0"/>
+                                  </p:stCondLst>
+                                  <p:childTnLst>
+                                    <p:set>
+                                      <p:cBhvr>
+                                        <p:cTn id="10" dur="1" fill="hold">
+                                          <p:stCondLst>
+                                            <p:cond delay="0"/>
+                                          </p:stCondLst>
+                                        </p:cTn>
+                                        <p:tgtEl>
+                                          <p:spTgt spid="19"/>
+                                        </p:tgtEl>
+                                        <p:attrNameLst>
+                                          <p:attrName>style.visibility</p:attrName>
+                                        </p:attrNameLst>
+                                      </p:cBhvr>
+                                      <p:to>
+                                        <p:strVal val="visible"/>
+                                      </p:to>
+                                    </p:set>
+                                  </p:childTnLst>
+                                </p:cTn>
+                              </p:par>
+                            </p:childTnLst>
+                          </p:cTn>
+                        </p:par>
+                      </p:childTnLst>
+                    </p:cTn>
+                  </p:par>
+                  <p:par>
+                    <p:cTn id="11" fill="hold">
+                      <p:stCondLst>
+                        <p:cond delay="indefinite"/>
+                      </p:stCondLst>
+                      <p:childTnLst>
+                        <p:par>
+                          <p:cTn id="12" fill="hold">
+                            <p:stCondLst>
+                              <p:cond delay="0"/>
+                            </p:stCondLst>
+                            <p:childTnLst>
+                              <p:par>
+                                <p:cTn id="13" presetID="1" presetClass="entr" presetSubtype="0" fill="hold" grpId="0" nodeType="clickEffect">
+                                  <p:stCondLst>
+                                    <p:cond delay="0"/>
+                                  </p:stCondLst>
+                                  <p:childTnLst>
+                                    <p:set>
+                                      <p:cBhvr>
+                                        <p:cTn id="14" dur="1" fill="hold">
+                                          <p:stCondLst>
+                                            <p:cond delay="0"/>
+                                          </p:stCondLst>
+                                        </p:cTn>
+                                        <p:tgtEl>
+                                          <p:spTgt spid="2"/>
+                                        </p:tgtEl>
+                                        <p:attrNameLst>
+                                          <p:attrName>style.visibility</p:attrName>
+                                        </p:attrNameLst>
+                                      </p:cBhvr>
+                                      <p:to>
+                                        <p:strVal val="visible"/>
+                                      </p:to>
+                                    </p:set>
+                                  </p:childTnLst>
+                                </p:cTn>
+                              </p:par>
+                            </p:childTnLst>
+                          </p:cTn>
+                        </p:par>
+                      </p:childTnLst>
+                    </p:cTn>
+                  </p:par>
+                </p:childTnLst>
+              </p:cTn>
+              <p:prevCondLst>
+                <p:cond evt="onPrev" delay="0">
+                  <p:tgtEl>
+                    <p:sldTgt/>
+                  </p:tgtEl>
+                </p:cond>
+              </p:prevCondLst>
+              <p:nextCondLst>
+                <p:cond evt="onNext" delay="0">
+                  <p:tgtEl>
+                    <p:sldTgt/>
+                  </p:tgtEl>
+                </p:cond>
+              </p:nextCondLst>
+            </p:seq>
+          </p:childTnLst>
+        </p:cTn>
+      </p:par>
+    </p:tnLst>
+    <p:bldLst>
+      <p:bldP spid="2" grpId="0"/>
+    </p:bldLst>
+  </p:timing>
+</p:sld>
+</file>
+
+<file path=ppt/slides/slide21.xml><?xml version="1.0" encoding="utf-8"?>
+<p:sld xmlns:a="http://schemas.openxmlformats.org/drawingml/2006/main" xmlns:r="http://schemas.openxmlformats.org/officeDocument/2006/relationships" xmlns:p="http://schemas.openxmlformats.org/presentationml/2006/main">
+  <p:cSld>
+    <p:spTree>
+      <p:nvGrpSpPr>
+        <p:cNvPr id="1" name="">
+          <a:extLst>
+            <a:ext uri="{FF2B5EF4-FFF2-40B4-BE49-F238E27FC236}">
+              <a16:creationId xmlns:a16="http://schemas.microsoft.com/office/drawing/2014/main" id="{F32CEC59-ADDE-2B75-68D2-2DC70033B4A5}"/>
+            </a:ext>
+          </a:extLst>
+        </p:cNvPr>
+        <p:cNvGrpSpPr/>
+        <p:nvPr/>
+      </p:nvGrpSpPr>
+      <p:grpSpPr>
+        <a:xfrm>
+          <a:off x="0" y="0"/>
+          <a:ext cx="0" cy="0"/>
+          <a:chOff x="0" y="0"/>
+          <a:chExt cx="0" cy="0"/>
+        </a:xfrm>
+      </p:grpSpPr>
+      <p:pic>
+        <p:nvPicPr>
+          <p:cNvPr id="5" name="Picture 4" descr="A black text on a white background&#10;&#10;AI-generated content may be incorrect.">
+            <a:extLst>
+              <a:ext uri="{FF2B5EF4-FFF2-40B4-BE49-F238E27FC236}">
+                <a16:creationId xmlns:a16="http://schemas.microsoft.com/office/drawing/2014/main" id="{810B40B5-2331-61DF-6110-3BC3F9AF5768}"/>
+              </a:ext>
+            </a:extLst>
+          </p:cNvPr>
+          <p:cNvPicPr>
+            <a:picLocks noChangeAspect="1"/>
+          </p:cNvPicPr>
+          <p:nvPr/>
+        </p:nvPicPr>
+        <p:blipFill>
+          <a:blip r:embed="rId2">
+            <a:extLst>
+              <a:ext uri="{28A0092B-C50C-407E-A947-70E740481C1C}">
+                <a14:useLocalDpi xmlns:a14="http://schemas.microsoft.com/office/drawing/2010/main" val="0"/>
+              </a:ext>
+            </a:extLst>
+          </a:blip>
+          <a:stretch>
+            <a:fillRect/>
+          </a:stretch>
+        </p:blipFill>
+        <p:spPr>
+          <a:xfrm>
+            <a:off x="4998718" y="0"/>
+            <a:ext cx="2194564" cy="603505"/>
+          </a:xfrm>
+          <a:prstGeom prst="rect">
+            <a:avLst/>
+          </a:prstGeom>
+        </p:spPr>
+      </p:pic>
+      <p:pic>
+        <p:nvPicPr>
+          <p:cNvPr id="7" name="Picture 6" descr="A black text with black text&#10;&#10;AI-generated content may be incorrect.">
+            <a:extLst>
+              <a:ext uri="{FF2B5EF4-FFF2-40B4-BE49-F238E27FC236}">
+                <a16:creationId xmlns:a16="http://schemas.microsoft.com/office/drawing/2014/main" id="{D21B7515-B48F-7595-34B6-40C1B5428873}"/>
+              </a:ext>
+            </a:extLst>
+          </p:cNvPr>
+          <p:cNvPicPr>
+            <a:picLocks noChangeAspect="1"/>
+          </p:cNvPicPr>
+          <p:nvPr/>
+        </p:nvPicPr>
+        <p:blipFill>
+          <a:blip r:embed="rId3">
+            <a:extLst>
+              <a:ext uri="{28A0092B-C50C-407E-A947-70E740481C1C}">
+                <a14:useLocalDpi xmlns:a14="http://schemas.microsoft.com/office/drawing/2010/main" val="0"/>
+              </a:ext>
+            </a:extLst>
+          </a:blip>
+          <a:stretch>
+            <a:fillRect/>
+          </a:stretch>
+        </p:blipFill>
+        <p:spPr>
+          <a:xfrm>
+            <a:off x="4998718" y="472538"/>
+            <a:ext cx="2194564" cy="603505"/>
+          </a:xfrm>
+          <a:prstGeom prst="rect">
+            <a:avLst/>
+          </a:prstGeom>
+        </p:spPr>
+      </p:pic>
+      <p:pic>
+        <p:nvPicPr>
+          <p:cNvPr id="9" name="Picture 8" descr="A black text on a white background&#10;&#10;AI-generated content may be incorrect.">
+            <a:extLst>
+              <a:ext uri="{FF2B5EF4-FFF2-40B4-BE49-F238E27FC236}">
+                <a16:creationId xmlns:a16="http://schemas.microsoft.com/office/drawing/2014/main" id="{7B9C2034-4BA0-EC49-3675-DE6819672DBE}"/>
+              </a:ext>
+            </a:extLst>
+          </p:cNvPr>
+          <p:cNvPicPr>
+            <a:picLocks noChangeAspect="1"/>
+          </p:cNvPicPr>
+          <p:nvPr/>
+        </p:nvPicPr>
+        <p:blipFill>
+          <a:blip r:embed="rId4">
+            <a:extLst>
+              <a:ext uri="{28A0092B-C50C-407E-A947-70E740481C1C}">
+                <a14:useLocalDpi xmlns:a14="http://schemas.microsoft.com/office/drawing/2010/main" val="0"/>
+              </a:ext>
+            </a:extLst>
+          </a:blip>
+          <a:stretch>
+            <a:fillRect/>
+          </a:stretch>
+        </p:blipFill>
+        <p:spPr>
+          <a:xfrm>
+            <a:off x="4998718" y="945076"/>
+            <a:ext cx="2194564" cy="603505"/>
+          </a:xfrm>
+          <a:prstGeom prst="rect">
+            <a:avLst/>
+          </a:prstGeom>
+        </p:spPr>
+      </p:pic>
+      <p:pic>
+        <p:nvPicPr>
+          <p:cNvPr id="11" name="Picture 10" descr="A black text with numbers&#10;&#10;AI-generated content may be incorrect.">
+            <a:extLst>
+              <a:ext uri="{FF2B5EF4-FFF2-40B4-BE49-F238E27FC236}">
+                <a16:creationId xmlns:a16="http://schemas.microsoft.com/office/drawing/2014/main" id="{C7D80A54-8AEC-A2AA-0CD5-353367716471}"/>
+              </a:ext>
+            </a:extLst>
+          </p:cNvPr>
+          <p:cNvPicPr>
+            <a:picLocks noChangeAspect="1"/>
+          </p:cNvPicPr>
+          <p:nvPr/>
+        </p:nvPicPr>
+        <p:blipFill>
+          <a:blip r:embed="rId5">
+            <a:extLst>
+              <a:ext uri="{28A0092B-C50C-407E-A947-70E740481C1C}">
+                <a14:useLocalDpi xmlns:a14="http://schemas.microsoft.com/office/drawing/2010/main" val="0"/>
+              </a:ext>
+            </a:extLst>
+          </a:blip>
+          <a:stretch>
+            <a:fillRect/>
+          </a:stretch>
+        </p:blipFill>
+        <p:spPr>
+          <a:xfrm>
+            <a:off x="4998718" y="1426263"/>
+            <a:ext cx="2194564" cy="603505"/>
+          </a:xfrm>
+          <a:prstGeom prst="rect">
+            <a:avLst/>
+          </a:prstGeom>
+        </p:spPr>
+      </p:pic>
+      <p:pic>
+        <p:nvPicPr>
+          <p:cNvPr id="15" name="Picture 14" descr="A black and orange rectangular box with black text&#10;&#10;AI-generated content may be incorrect.">
+            <a:extLst>
+              <a:ext uri="{FF2B5EF4-FFF2-40B4-BE49-F238E27FC236}">
+                <a16:creationId xmlns:a16="http://schemas.microsoft.com/office/drawing/2014/main" id="{F5837996-566F-B06D-BC3A-366520BFB697}"/>
+              </a:ext>
+            </a:extLst>
+          </p:cNvPr>
+          <p:cNvPicPr>
+            <a:picLocks noChangeAspect="1"/>
+          </p:cNvPicPr>
+          <p:nvPr/>
+        </p:nvPicPr>
+        <p:blipFill>
+          <a:blip r:embed="rId6">
+            <a:extLst>
+              <a:ext uri="{28A0092B-C50C-407E-A947-70E740481C1C}">
+                <a14:useLocalDpi xmlns:a14="http://schemas.microsoft.com/office/drawing/2010/main" val="0"/>
+              </a:ext>
+            </a:extLst>
+          </a:blip>
+          <a:stretch>
+            <a:fillRect/>
+          </a:stretch>
+        </p:blipFill>
+        <p:spPr>
+          <a:xfrm>
+            <a:off x="4998718" y="1908043"/>
+            <a:ext cx="2194564" cy="603505"/>
+          </a:xfrm>
+          <a:prstGeom prst="rect">
+            <a:avLst/>
+          </a:prstGeom>
+        </p:spPr>
+      </p:pic>
+      <p:pic>
+        <p:nvPicPr>
+          <p:cNvPr id="17" name="Picture 16" descr="A black text on a white background&#10;&#10;AI-generated content may be incorrect.">
+            <a:extLst>
+              <a:ext uri="{FF2B5EF4-FFF2-40B4-BE49-F238E27FC236}">
+                <a16:creationId xmlns:a16="http://schemas.microsoft.com/office/drawing/2014/main" id="{A68E9C68-C56A-BDDD-78C1-9E8526F8860D}"/>
+              </a:ext>
+            </a:extLst>
+          </p:cNvPr>
+          <p:cNvPicPr>
+            <a:picLocks noChangeAspect="1"/>
+          </p:cNvPicPr>
+          <p:nvPr/>
+        </p:nvPicPr>
+        <p:blipFill>
+          <a:blip r:embed="rId7">
+            <a:extLst>
+              <a:ext uri="{28A0092B-C50C-407E-A947-70E740481C1C}">
+                <a14:useLocalDpi xmlns:a14="http://schemas.microsoft.com/office/drawing/2010/main" val="0"/>
+              </a:ext>
+            </a:extLst>
+          </a:blip>
+          <a:stretch>
+            <a:fillRect/>
+          </a:stretch>
+        </p:blipFill>
+        <p:spPr>
+          <a:xfrm>
+            <a:off x="790512" y="2518922"/>
+            <a:ext cx="2194564" cy="603505"/>
+          </a:xfrm>
+          <a:prstGeom prst="rect">
+            <a:avLst/>
+          </a:prstGeom>
+        </p:spPr>
+      </p:pic>
+      <p:pic>
+        <p:nvPicPr>
+          <p:cNvPr id="19" name="Picture 18" descr="A black text on a white background&#10;&#10;AI-generated content may be incorrect.">
+            <a:extLst>
+              <a:ext uri="{FF2B5EF4-FFF2-40B4-BE49-F238E27FC236}">
+                <a16:creationId xmlns:a16="http://schemas.microsoft.com/office/drawing/2014/main" id="{E970832C-35ED-75AB-CE83-2923D567DFD5}"/>
+              </a:ext>
+            </a:extLst>
+          </p:cNvPr>
+          <p:cNvPicPr>
+            <a:picLocks noChangeAspect="1"/>
+          </p:cNvPicPr>
+          <p:nvPr/>
+        </p:nvPicPr>
+        <p:blipFill>
+          <a:blip r:embed="rId8">
+            <a:extLst>
+              <a:ext uri="{28A0092B-C50C-407E-A947-70E740481C1C}">
+                <a14:useLocalDpi xmlns:a14="http://schemas.microsoft.com/office/drawing/2010/main" val="0"/>
+              </a:ext>
+            </a:extLst>
+          </a:blip>
+          <a:stretch>
+            <a:fillRect/>
+          </a:stretch>
+        </p:blipFill>
+        <p:spPr>
+          <a:xfrm>
+            <a:off x="790512" y="3009260"/>
+            <a:ext cx="2194564" cy="603505"/>
+          </a:xfrm>
+          <a:prstGeom prst="rect">
+            <a:avLst/>
+          </a:prstGeom>
+        </p:spPr>
+      </p:pic>
+      <p:pic>
+        <p:nvPicPr>
+          <p:cNvPr id="23" name="Picture 22" descr="A black text on a white background&#10;&#10;AI-generated content may be incorrect.">
+            <a:extLst>
+              <a:ext uri="{FF2B5EF4-FFF2-40B4-BE49-F238E27FC236}">
+                <a16:creationId xmlns:a16="http://schemas.microsoft.com/office/drawing/2014/main" id="{84A95A33-5CA4-37AA-A95A-3AA45396E621}"/>
+              </a:ext>
+            </a:extLst>
+          </p:cNvPr>
+          <p:cNvPicPr>
+            <a:picLocks noChangeAspect="1"/>
+          </p:cNvPicPr>
+          <p:nvPr/>
+        </p:nvPicPr>
+        <p:blipFill>
+          <a:blip r:embed="rId9">
+            <a:extLst>
+              <a:ext uri="{28A0092B-C50C-407E-A947-70E740481C1C}">
+                <a14:useLocalDpi xmlns:a14="http://schemas.microsoft.com/office/drawing/2010/main" val="0"/>
+              </a:ext>
+            </a:extLst>
+          </a:blip>
+          <a:stretch>
+            <a:fillRect/>
+          </a:stretch>
+        </p:blipFill>
+        <p:spPr>
+          <a:xfrm>
+            <a:off x="790512" y="3494781"/>
+            <a:ext cx="2194564" cy="603505"/>
+          </a:xfrm>
+          <a:prstGeom prst="rect">
+            <a:avLst/>
+          </a:prstGeom>
+        </p:spPr>
+      </p:pic>
+      <p:pic>
+        <p:nvPicPr>
+          <p:cNvPr id="25" name="Picture 24" descr="A black text on a white background&#10;&#10;AI-generated content may be incorrect.">
+            <a:extLst>
+              <a:ext uri="{FF2B5EF4-FFF2-40B4-BE49-F238E27FC236}">
+                <a16:creationId xmlns:a16="http://schemas.microsoft.com/office/drawing/2014/main" id="{67A5C8E2-2B50-01D1-B680-52E7E86F613E}"/>
+              </a:ext>
+            </a:extLst>
+          </p:cNvPr>
+          <p:cNvPicPr>
+            <a:picLocks noChangeAspect="1"/>
+          </p:cNvPicPr>
+          <p:nvPr/>
+        </p:nvPicPr>
+        <p:blipFill>
+          <a:blip r:embed="rId10">
+            <a:extLst>
+              <a:ext uri="{28A0092B-C50C-407E-A947-70E740481C1C}">
+                <a14:useLocalDpi xmlns:a14="http://schemas.microsoft.com/office/drawing/2010/main" val="0"/>
+              </a:ext>
+            </a:extLst>
+          </a:blip>
+          <a:stretch>
+            <a:fillRect/>
+          </a:stretch>
+        </p:blipFill>
+        <p:spPr>
+          <a:xfrm>
+            <a:off x="0" y="4098286"/>
+            <a:ext cx="2194564" cy="603505"/>
+          </a:xfrm>
+          <a:prstGeom prst="rect">
+            <a:avLst/>
+          </a:prstGeom>
+        </p:spPr>
+      </p:pic>
+      <p:pic>
+        <p:nvPicPr>
+          <p:cNvPr id="27" name="Picture 26" descr="A black text on a white background&#10;&#10;AI-generated content may be incorrect.">
+            <a:extLst>
+              <a:ext uri="{FF2B5EF4-FFF2-40B4-BE49-F238E27FC236}">
+                <a16:creationId xmlns:a16="http://schemas.microsoft.com/office/drawing/2014/main" id="{9D6C4428-46C1-EC65-33E4-1CB0660EF4DA}"/>
+              </a:ext>
+            </a:extLst>
+          </p:cNvPr>
+          <p:cNvPicPr>
+            <a:picLocks noChangeAspect="1"/>
+          </p:cNvPicPr>
+          <p:nvPr/>
+        </p:nvPicPr>
+        <p:blipFill>
+          <a:blip r:embed="rId11">
+            <a:extLst>
+              <a:ext uri="{28A0092B-C50C-407E-A947-70E740481C1C}">
+                <a14:useLocalDpi xmlns:a14="http://schemas.microsoft.com/office/drawing/2010/main" val="0"/>
+              </a:ext>
+            </a:extLst>
+          </a:blip>
+          <a:stretch>
+            <a:fillRect/>
+          </a:stretch>
+        </p:blipFill>
+        <p:spPr>
+          <a:xfrm>
+            <a:off x="2363672" y="4098286"/>
+            <a:ext cx="2194564" cy="603505"/>
+          </a:xfrm>
+          <a:prstGeom prst="rect">
+            <a:avLst/>
+          </a:prstGeom>
+        </p:spPr>
+      </p:pic>
+      <p:sp>
+        <p:nvSpPr>
+          <p:cNvPr id="2" name="TextBox 1">
+            <a:extLst>
+              <a:ext uri="{FF2B5EF4-FFF2-40B4-BE49-F238E27FC236}">
+                <a16:creationId xmlns:a16="http://schemas.microsoft.com/office/drawing/2014/main" id="{6639F153-98FC-C55B-2A4F-91509B6A0D6F}"/>
+              </a:ext>
+            </a:extLst>
+          </p:cNvPr>
+          <p:cNvSpPr txBox="1"/>
+          <p:nvPr/>
+        </p:nvSpPr>
+        <p:spPr>
+          <a:xfrm>
+            <a:off x="3154184" y="3747095"/>
+            <a:ext cx="6096000" cy="369332"/>
+          </a:xfrm>
+          <a:prstGeom prst="rect">
+            <a:avLst/>
+          </a:prstGeom>
+          <a:noFill/>
+        </p:spPr>
+        <p:txBody>
+          <a:bodyPr wrap="square">
+            <a:spAutoFit/>
+          </a:bodyPr>
+          <a:lstStyle/>
+          <a:p>
+            <a:pPr algn="l">
+              <a:buNone/>
+            </a:pPr>
+            <a:r>
+              <a:rPr lang="en-US" b="0" i="0" dirty="0">
+                <a:solidFill>
+                  <a:srgbClr val="101418"/>
+                </a:solidFill>
+                <a:effectLst/>
+                <a:latin typeface="Courier New" panose="02070309020205020404" pitchFamily="49" charset="0"/>
+              </a:rPr>
+              <a:t>swap A[</a:t>
+            </a:r>
+            <a:r>
+              <a:rPr lang="en-US" b="0" i="0" dirty="0" err="1">
+                <a:solidFill>
+                  <a:srgbClr val="101418"/>
+                </a:solidFill>
+                <a:effectLst/>
+                <a:latin typeface="Courier New" panose="02070309020205020404" pitchFamily="49" charset="0"/>
+              </a:rPr>
+              <a:t>i</a:t>
+            </a:r>
+            <a:r>
+              <a:rPr lang="en-US" b="0" i="0" dirty="0">
+                <a:solidFill>
+                  <a:srgbClr val="101418"/>
+                </a:solidFill>
+                <a:effectLst/>
+                <a:latin typeface="Courier New" panose="02070309020205020404" pitchFamily="49" charset="0"/>
+              </a:rPr>
+              <a:t>] </a:t>
+            </a:r>
+            <a:r>
+              <a:rPr lang="en-US" b="1" i="0" dirty="0">
+                <a:solidFill>
+                  <a:srgbClr val="101418"/>
+                </a:solidFill>
+                <a:effectLst/>
+                <a:latin typeface="Courier New" panose="02070309020205020404" pitchFamily="49" charset="0"/>
+              </a:rPr>
+              <a:t>with</a:t>
+            </a:r>
+            <a:r>
+              <a:rPr lang="en-US" b="0" i="0" dirty="0">
+                <a:solidFill>
+                  <a:srgbClr val="101418"/>
+                </a:solidFill>
+                <a:effectLst/>
+                <a:latin typeface="Courier New" panose="02070309020205020404" pitchFamily="49" charset="0"/>
+              </a:rPr>
+              <a:t> A[hi]</a:t>
+            </a:r>
+          </a:p>
+        </p:txBody>
+      </p:sp>
+      <p:sp>
+        <p:nvSpPr>
+          <p:cNvPr id="3" name="TextBox 2">
+            <a:extLst>
+              <a:ext uri="{FF2B5EF4-FFF2-40B4-BE49-F238E27FC236}">
+                <a16:creationId xmlns:a16="http://schemas.microsoft.com/office/drawing/2014/main" id="{26B4DFAE-1386-FF9F-ADA8-D62AB72017FB}"/>
+              </a:ext>
+            </a:extLst>
+          </p:cNvPr>
+          <p:cNvSpPr txBox="1"/>
+          <p:nvPr/>
+        </p:nvSpPr>
+        <p:spPr>
+          <a:xfrm>
+            <a:off x="2985076" y="2841906"/>
+            <a:ext cx="4339957" cy="923330"/>
+          </a:xfrm>
+          <a:prstGeom prst="rect">
+            <a:avLst/>
+          </a:prstGeom>
+          <a:noFill/>
+        </p:spPr>
+        <p:txBody>
+          <a:bodyPr wrap="square">
+            <a:spAutoFit/>
+          </a:bodyPr>
+          <a:lstStyle/>
+          <a:p>
+            <a:pPr algn="l">
+              <a:buNone/>
+            </a:pPr>
+            <a:r>
+              <a:rPr lang="en-US" b="0" i="0" dirty="0">
+                <a:solidFill>
+                  <a:srgbClr val="101418"/>
+                </a:solidFill>
+                <a:effectLst/>
+                <a:latin typeface="Courier New" panose="02070309020205020404" pitchFamily="49" charset="0"/>
+              </a:rPr>
+              <a:t> </a:t>
+            </a:r>
+            <a:r>
+              <a:rPr lang="en-US" b="1" i="0" dirty="0">
+                <a:solidFill>
+                  <a:srgbClr val="101418"/>
+                </a:solidFill>
+                <a:effectLst/>
+                <a:latin typeface="Courier New" panose="02070309020205020404" pitchFamily="49" charset="0"/>
+              </a:rPr>
+              <a:t>if</a:t>
+            </a:r>
+            <a:r>
+              <a:rPr lang="en-US" b="0" i="0" dirty="0">
+                <a:solidFill>
+                  <a:srgbClr val="101418"/>
+                </a:solidFill>
+                <a:effectLst/>
+                <a:latin typeface="Courier New" panose="02070309020205020404" pitchFamily="49" charset="0"/>
+              </a:rPr>
+              <a:t> A[j] &lt;= pivot </a:t>
+            </a:r>
+            <a:r>
+              <a:rPr lang="en-US" b="1" i="0" dirty="0">
+                <a:solidFill>
+                  <a:srgbClr val="101418"/>
+                </a:solidFill>
+                <a:effectLst/>
+                <a:latin typeface="Courier New" panose="02070309020205020404" pitchFamily="49" charset="0"/>
+              </a:rPr>
+              <a:t>then</a:t>
+            </a:r>
+            <a:r>
+              <a:rPr lang="en-US" b="0" i="0" dirty="0">
+                <a:solidFill>
+                  <a:srgbClr val="101418"/>
+                </a:solidFill>
+                <a:effectLst/>
+                <a:latin typeface="Courier New" panose="02070309020205020404" pitchFamily="49" charset="0"/>
+              </a:rPr>
+              <a:t> </a:t>
+            </a:r>
+          </a:p>
+          <a:p>
+            <a:pPr algn="l">
+              <a:buNone/>
+            </a:pPr>
+            <a:r>
+              <a:rPr lang="en-US" b="0" i="0" dirty="0">
+                <a:solidFill>
+                  <a:srgbClr val="101418"/>
+                </a:solidFill>
+                <a:effectLst/>
+                <a:latin typeface="Courier New" panose="02070309020205020404" pitchFamily="49" charset="0"/>
+              </a:rPr>
+              <a:t> 	swap A[</a:t>
+            </a:r>
+            <a:r>
+              <a:rPr lang="en-US" b="0" i="0" dirty="0" err="1">
+                <a:solidFill>
+                  <a:srgbClr val="101418"/>
+                </a:solidFill>
+                <a:effectLst/>
+                <a:latin typeface="Courier New" panose="02070309020205020404" pitchFamily="49" charset="0"/>
+              </a:rPr>
+              <a:t>i</a:t>
+            </a:r>
+            <a:r>
+              <a:rPr lang="en-US" b="0" i="0" dirty="0">
+                <a:solidFill>
+                  <a:srgbClr val="101418"/>
+                </a:solidFill>
+                <a:effectLst/>
+                <a:latin typeface="Courier New" panose="02070309020205020404" pitchFamily="49" charset="0"/>
+              </a:rPr>
+              <a:t>] </a:t>
+            </a:r>
+            <a:r>
+              <a:rPr lang="en-US" b="1" i="0" dirty="0">
+                <a:solidFill>
+                  <a:srgbClr val="101418"/>
+                </a:solidFill>
+                <a:effectLst/>
+                <a:latin typeface="Courier New" panose="02070309020205020404" pitchFamily="49" charset="0"/>
+              </a:rPr>
+              <a:t>with</a:t>
+            </a:r>
+            <a:r>
+              <a:rPr lang="en-US" b="0" i="0" dirty="0">
+                <a:solidFill>
+                  <a:srgbClr val="101418"/>
+                </a:solidFill>
+                <a:effectLst/>
+                <a:latin typeface="Courier New" panose="02070309020205020404" pitchFamily="49" charset="0"/>
+              </a:rPr>
+              <a:t> A[j]</a:t>
+            </a:r>
+          </a:p>
+          <a:p>
+            <a:pPr algn="l">
+              <a:buNone/>
+            </a:pPr>
+            <a:r>
+              <a:rPr lang="en-US" b="0" i="0" dirty="0">
+                <a:solidFill>
+                  <a:srgbClr val="101418"/>
+                </a:solidFill>
+                <a:effectLst/>
+                <a:latin typeface="Courier New" panose="02070309020205020404" pitchFamily="49" charset="0"/>
+              </a:rPr>
+              <a:t>	</a:t>
+            </a:r>
+            <a:r>
+              <a:rPr lang="en-US" b="0" i="0" dirty="0" err="1">
+                <a:solidFill>
+                  <a:srgbClr val="101418"/>
+                </a:solidFill>
+                <a:effectLst/>
+                <a:latin typeface="Courier New" panose="02070309020205020404" pitchFamily="49" charset="0"/>
+              </a:rPr>
+              <a:t>i</a:t>
+            </a:r>
+            <a:r>
+              <a:rPr lang="en-US" b="0" i="0" dirty="0">
+                <a:solidFill>
+                  <a:srgbClr val="101418"/>
+                </a:solidFill>
+                <a:effectLst/>
+                <a:latin typeface="Courier New" panose="02070309020205020404" pitchFamily="49" charset="0"/>
+              </a:rPr>
+              <a:t> := </a:t>
+            </a:r>
+            <a:r>
+              <a:rPr lang="en-US" b="0" i="0" dirty="0" err="1">
+                <a:solidFill>
+                  <a:srgbClr val="101418"/>
+                </a:solidFill>
+                <a:effectLst/>
+                <a:latin typeface="Courier New" panose="02070309020205020404" pitchFamily="49" charset="0"/>
+              </a:rPr>
+              <a:t>i</a:t>
+            </a:r>
+            <a:r>
+              <a:rPr lang="en-US" b="0" i="0" dirty="0">
+                <a:solidFill>
+                  <a:srgbClr val="101418"/>
+                </a:solidFill>
+                <a:effectLst/>
+                <a:latin typeface="Courier New" panose="02070309020205020404" pitchFamily="49" charset="0"/>
+              </a:rPr>
+              <a:t> + 1</a:t>
+            </a:r>
+            <a:endParaRPr lang="nl-NL" dirty="0"/>
+          </a:p>
+        </p:txBody>
+      </p:sp>
+      <p:sp>
+        <p:nvSpPr>
+          <p:cNvPr id="6" name="TextBox 5">
+            <a:extLst>
+              <a:ext uri="{FF2B5EF4-FFF2-40B4-BE49-F238E27FC236}">
+                <a16:creationId xmlns:a16="http://schemas.microsoft.com/office/drawing/2014/main" id="{AAF927A7-03CC-7A8A-6422-EBC5762A099B}"/>
+              </a:ext>
+            </a:extLst>
+          </p:cNvPr>
+          <p:cNvSpPr txBox="1"/>
+          <p:nvPr/>
+        </p:nvSpPr>
+        <p:spPr>
+          <a:xfrm>
+            <a:off x="422787" y="5037662"/>
+            <a:ext cx="6272980" cy="646331"/>
+          </a:xfrm>
+          <a:prstGeom prst="rect">
+            <a:avLst/>
+          </a:prstGeom>
+          <a:noFill/>
+        </p:spPr>
+        <p:txBody>
+          <a:bodyPr wrap="square">
+            <a:spAutoFit/>
+          </a:bodyPr>
+          <a:lstStyle/>
+          <a:p>
+            <a:pPr algn="l">
+              <a:buNone/>
+            </a:pPr>
+            <a:r>
+              <a:rPr lang="en-US" b="0" i="0" dirty="0">
+                <a:solidFill>
+                  <a:srgbClr val="101418"/>
+                </a:solidFill>
+                <a:effectLst/>
+                <a:latin typeface="Courier New" panose="02070309020205020404" pitchFamily="49" charset="0"/>
+              </a:rPr>
+              <a:t> </a:t>
+            </a:r>
+            <a:r>
+              <a:rPr lang="en-US" b="1" i="0" dirty="0">
+                <a:solidFill>
+                  <a:srgbClr val="101418"/>
+                </a:solidFill>
+                <a:effectLst/>
+                <a:latin typeface="Courier New" panose="02070309020205020404" pitchFamily="49" charset="0"/>
+              </a:rPr>
+              <a:t>if</a:t>
+            </a:r>
+            <a:r>
+              <a:rPr lang="en-US" b="0" i="0" dirty="0">
+                <a:solidFill>
+                  <a:srgbClr val="101418"/>
+                </a:solidFill>
+                <a:effectLst/>
+                <a:latin typeface="Courier New" panose="02070309020205020404" pitchFamily="49" charset="0"/>
+              </a:rPr>
+              <a:t> lo &gt;= hi || lo &lt; 0 </a:t>
+            </a:r>
+            <a:r>
+              <a:rPr lang="en-US" b="1" i="0" dirty="0">
+                <a:solidFill>
+                  <a:srgbClr val="101418"/>
+                </a:solidFill>
+                <a:effectLst/>
+                <a:latin typeface="Courier New" panose="02070309020205020404" pitchFamily="49" charset="0"/>
+              </a:rPr>
+              <a:t>then</a:t>
+            </a:r>
+            <a:r>
+              <a:rPr lang="en-US" b="0" i="0" dirty="0">
+                <a:solidFill>
+                  <a:srgbClr val="101418"/>
+                </a:solidFill>
+                <a:effectLst/>
+                <a:latin typeface="Courier New" panose="02070309020205020404" pitchFamily="49" charset="0"/>
+              </a:rPr>
+              <a:t> </a:t>
+            </a:r>
+          </a:p>
+          <a:p>
+            <a:pPr algn="l">
+              <a:buNone/>
+            </a:pPr>
+            <a:r>
+              <a:rPr lang="en-US" b="0" i="0" dirty="0">
+                <a:solidFill>
+                  <a:srgbClr val="101418"/>
+                </a:solidFill>
+                <a:effectLst/>
+                <a:latin typeface="Courier New" panose="02070309020205020404" pitchFamily="49" charset="0"/>
+              </a:rPr>
+              <a:t>    return</a:t>
+            </a:r>
+            <a:endParaRPr lang="nl-NL" dirty="0"/>
+          </a:p>
+        </p:txBody>
+      </p:sp>
+    </p:spTree>
+    <p:extLst>
+      <p:ext uri="{BB962C8B-B14F-4D97-AF65-F5344CB8AC3E}">
+        <p14:creationId xmlns:p14="http://schemas.microsoft.com/office/powerpoint/2010/main" val="2923177052"/>
+      </p:ext>
+    </p:extLst>
+  </p:cSld>
+  <p:clrMapOvr>
+    <a:masterClrMapping/>
+  </p:clrMapOvr>
+  <p:timing>
+    <p:tnLst>
+      <p:par>
+        <p:cTn id="1" dur="indefinite" restart="never" nodeType="tmRoot">
+          <p:childTnLst>
+            <p:seq concurrent="1" nextAc="seek">
+              <p:cTn id="2" dur="indefinite" nodeType="mainSeq">
+                <p:childTnLst>
+                  <p:par>
+                    <p:cTn id="3" fill="hold">
+                      <p:stCondLst>
+                        <p:cond delay="indefinite"/>
+                      </p:stCondLst>
+                      <p:childTnLst>
+                        <p:par>
+                          <p:cTn id="4" fill="hold">
+                            <p:stCondLst>
+                              <p:cond delay="0"/>
+                            </p:stCondLst>
+                            <p:childTnLst>
+                              <p:par>
+                                <p:cTn id="5" presetID="1" presetClass="entr" presetSubtype="0" fill="hold" nodeType="clickEffect">
+                                  <p:stCondLst>
+                                    <p:cond delay="0"/>
+                                  </p:stCondLst>
+                                  <p:childTnLst>
+                                    <p:set>
+                                      <p:cBhvr>
+                                        <p:cTn id="6" dur="1" fill="hold">
+                                          <p:stCondLst>
+                                            <p:cond delay="0"/>
+                                          </p:stCondLst>
+                                        </p:cTn>
+                                        <p:tgtEl>
+                                          <p:spTgt spid="25"/>
+                                        </p:tgtEl>
+                                        <p:attrNameLst>
+                                          <p:attrName>style.visibility</p:attrName>
+                                        </p:attrNameLst>
+                                      </p:cBhvr>
+                                      <p:to>
+                                        <p:strVal val="visible"/>
+                                      </p:to>
+                                    </p:set>
+                                  </p:childTnLst>
+                                </p:cTn>
+                              </p:par>
+                            </p:childTnLst>
+                          </p:cTn>
+                        </p:par>
+                      </p:childTnLst>
+                    </p:cTn>
+                  </p:par>
+                  <p:par>
+                    <p:cTn id="7" fill="hold">
+                      <p:stCondLst>
+                        <p:cond delay="indefinite"/>
+                      </p:stCondLst>
+                      <p:childTnLst>
+                        <p:par>
+                          <p:cTn id="8" fill="hold">
+                            <p:stCondLst>
+                              <p:cond delay="0"/>
+                            </p:stCondLst>
+                            <p:childTnLst>
+                              <p:par>
+                                <p:cTn id="9" presetID="1" presetClass="entr" presetSubtype="0" fill="hold" nodeType="clickEffect">
+                                  <p:stCondLst>
+                                    <p:cond delay="0"/>
+                                  </p:stCondLst>
+                                  <p:childTnLst>
+                                    <p:set>
+                                      <p:cBhvr>
+                                        <p:cTn id="10" dur="1" fill="hold">
+                                          <p:stCondLst>
+                                            <p:cond delay="0"/>
+                                          </p:stCondLst>
+                                        </p:cTn>
+                                        <p:tgtEl>
+                                          <p:spTgt spid="27"/>
+                                        </p:tgtEl>
+                                        <p:attrNameLst>
+                                          <p:attrName>style.visibility</p:attrName>
+                                        </p:attrNameLst>
+                                      </p:cBhvr>
+                                      <p:to>
+                                        <p:strVal val="visible"/>
+                                      </p:to>
+                                    </p:set>
+                                  </p:childTnLst>
+                                </p:cTn>
+                              </p:par>
+                            </p:childTnLst>
+                          </p:cTn>
+                        </p:par>
+                      </p:childTnLst>
+                    </p:cTn>
+                  </p:par>
+                  <p:par>
+                    <p:cTn id="11" fill="hold">
+                      <p:stCondLst>
+                        <p:cond delay="indefinite"/>
+                      </p:stCondLst>
+                      <p:childTnLst>
+                        <p:par>
+                          <p:cTn id="12" fill="hold">
+                            <p:stCondLst>
+                              <p:cond delay="0"/>
+                            </p:stCondLst>
+                            <p:childTnLst>
+                              <p:par>
+                                <p:cTn id="13" presetID="1" presetClass="entr" presetSubtype="0" fill="hold" grpId="0" nodeType="clickEffect">
+                                  <p:stCondLst>
+                                    <p:cond delay="0"/>
+                                  </p:stCondLst>
+                                  <p:childTnLst>
+                                    <p:set>
+                                      <p:cBhvr>
+                                        <p:cTn id="14" dur="1" fill="hold">
+                                          <p:stCondLst>
+                                            <p:cond delay="0"/>
+                                          </p:stCondLst>
+                                        </p:cTn>
+                                        <p:tgtEl>
+                                          <p:spTgt spid="6"/>
+                                        </p:tgtEl>
+                                        <p:attrNameLst>
+                                          <p:attrName>style.visibility</p:attrName>
+                                        </p:attrNameLst>
+                                      </p:cBhvr>
+                                      <p:to>
+                                        <p:strVal val="visible"/>
+                                      </p:to>
+                                    </p:set>
+                                  </p:childTnLst>
+                                </p:cTn>
+                              </p:par>
+                            </p:childTnLst>
+                          </p:cTn>
+                        </p:par>
+                      </p:childTnLst>
+                    </p:cTn>
+                  </p:par>
+                </p:childTnLst>
+              </p:cTn>
+              <p:prevCondLst>
+                <p:cond evt="onPrev" delay="0">
+                  <p:tgtEl>
+                    <p:sldTgt/>
+                  </p:tgtEl>
+                </p:cond>
+              </p:prevCondLst>
+              <p:nextCondLst>
+                <p:cond evt="onNext" delay="0">
+                  <p:tgtEl>
+                    <p:sldTgt/>
+                  </p:tgtEl>
+                </p:cond>
+              </p:nextCondLst>
+            </p:seq>
+          </p:childTnLst>
+        </p:cTn>
+      </p:par>
+    </p:tnLst>
+    <p:bldLst>
+      <p:bldP spid="6" grpId="0"/>
+    </p:bldLst>
+  </p:timing>
+</p:sld>
+</file>
+
+<file path=ppt/slides/slide22.xml><?xml version="1.0" encoding="utf-8"?>
+<p:sld xmlns:a="http://schemas.openxmlformats.org/drawingml/2006/main" xmlns:r="http://schemas.openxmlformats.org/officeDocument/2006/relationships" xmlns:p="http://schemas.openxmlformats.org/presentationml/2006/main">
+  <p:cSld>
+    <p:spTree>
+      <p:nvGrpSpPr>
+        <p:cNvPr id="1" name="">
+          <a:extLst>
+            <a:ext uri="{FF2B5EF4-FFF2-40B4-BE49-F238E27FC236}">
+              <a16:creationId xmlns:a16="http://schemas.microsoft.com/office/drawing/2014/main" id="{CD42D9DE-3DB2-D3D2-10D3-32434ED51352}"/>
+            </a:ext>
+          </a:extLst>
+        </p:cNvPr>
+        <p:cNvGrpSpPr/>
+        <p:nvPr/>
+      </p:nvGrpSpPr>
+      <p:grpSpPr>
+        <a:xfrm>
+          <a:off x="0" y="0"/>
+          <a:ext cx="0" cy="0"/>
+          <a:chOff x="0" y="0"/>
+          <a:chExt cx="0" cy="0"/>
+        </a:xfrm>
+      </p:grpSpPr>
+      <p:pic>
+        <p:nvPicPr>
+          <p:cNvPr id="5" name="Picture 4" descr="A black text on a white background&#10;&#10;AI-generated content may be incorrect.">
+            <a:extLst>
+              <a:ext uri="{FF2B5EF4-FFF2-40B4-BE49-F238E27FC236}">
+                <a16:creationId xmlns:a16="http://schemas.microsoft.com/office/drawing/2014/main" id="{E8AD856E-EC41-1A05-D06F-FF87F05A4390}"/>
+              </a:ext>
+            </a:extLst>
+          </p:cNvPr>
+          <p:cNvPicPr>
+            <a:picLocks noChangeAspect="1"/>
+          </p:cNvPicPr>
+          <p:nvPr/>
+        </p:nvPicPr>
+        <p:blipFill>
+          <a:blip r:embed="rId2">
+            <a:extLst>
+              <a:ext uri="{28A0092B-C50C-407E-A947-70E740481C1C}">
+                <a14:useLocalDpi xmlns:a14="http://schemas.microsoft.com/office/drawing/2010/main" val="0"/>
+              </a:ext>
+            </a:extLst>
+          </a:blip>
+          <a:stretch>
+            <a:fillRect/>
+          </a:stretch>
+        </p:blipFill>
+        <p:spPr>
+          <a:xfrm>
+            <a:off x="4998718" y="0"/>
+            <a:ext cx="2194564" cy="603505"/>
+          </a:xfrm>
+          <a:prstGeom prst="rect">
+            <a:avLst/>
+          </a:prstGeom>
+        </p:spPr>
+      </p:pic>
+      <p:pic>
+        <p:nvPicPr>
+          <p:cNvPr id="7" name="Picture 6" descr="A black text with black text&#10;&#10;AI-generated content may be incorrect.">
+            <a:extLst>
+              <a:ext uri="{FF2B5EF4-FFF2-40B4-BE49-F238E27FC236}">
+                <a16:creationId xmlns:a16="http://schemas.microsoft.com/office/drawing/2014/main" id="{EE99495D-9C41-16DB-8448-9C97DB490A84}"/>
+              </a:ext>
+            </a:extLst>
+          </p:cNvPr>
+          <p:cNvPicPr>
+            <a:picLocks noChangeAspect="1"/>
+          </p:cNvPicPr>
+          <p:nvPr/>
+        </p:nvPicPr>
+        <p:blipFill>
+          <a:blip r:embed="rId3">
+            <a:extLst>
+              <a:ext uri="{28A0092B-C50C-407E-A947-70E740481C1C}">
+                <a14:useLocalDpi xmlns:a14="http://schemas.microsoft.com/office/drawing/2010/main" val="0"/>
+              </a:ext>
+            </a:extLst>
+          </a:blip>
+          <a:stretch>
+            <a:fillRect/>
+          </a:stretch>
+        </p:blipFill>
+        <p:spPr>
+          <a:xfrm>
+            <a:off x="4998718" y="472538"/>
+            <a:ext cx="2194564" cy="603505"/>
+          </a:xfrm>
+          <a:prstGeom prst="rect">
+            <a:avLst/>
+          </a:prstGeom>
+        </p:spPr>
+      </p:pic>
+      <p:pic>
+        <p:nvPicPr>
+          <p:cNvPr id="9" name="Picture 8" descr="A black text on a white background&#10;&#10;AI-generated content may be incorrect.">
+            <a:extLst>
+              <a:ext uri="{FF2B5EF4-FFF2-40B4-BE49-F238E27FC236}">
+                <a16:creationId xmlns:a16="http://schemas.microsoft.com/office/drawing/2014/main" id="{9AA6EED0-8596-28BD-7A2F-2C653203F752}"/>
+              </a:ext>
+            </a:extLst>
+          </p:cNvPr>
+          <p:cNvPicPr>
+            <a:picLocks noChangeAspect="1"/>
+          </p:cNvPicPr>
+          <p:nvPr/>
+        </p:nvPicPr>
+        <p:blipFill>
+          <a:blip r:embed="rId4">
+            <a:extLst>
+              <a:ext uri="{28A0092B-C50C-407E-A947-70E740481C1C}">
+                <a14:useLocalDpi xmlns:a14="http://schemas.microsoft.com/office/drawing/2010/main" val="0"/>
+              </a:ext>
+            </a:extLst>
+          </a:blip>
+          <a:stretch>
+            <a:fillRect/>
+          </a:stretch>
+        </p:blipFill>
+        <p:spPr>
+          <a:xfrm>
+            <a:off x="4998718" y="945076"/>
+            <a:ext cx="2194564" cy="603505"/>
+          </a:xfrm>
+          <a:prstGeom prst="rect">
+            <a:avLst/>
+          </a:prstGeom>
+        </p:spPr>
+      </p:pic>
+      <p:pic>
+        <p:nvPicPr>
+          <p:cNvPr id="11" name="Picture 10" descr="A black text with numbers&#10;&#10;AI-generated content may be incorrect.">
+            <a:extLst>
+              <a:ext uri="{FF2B5EF4-FFF2-40B4-BE49-F238E27FC236}">
+                <a16:creationId xmlns:a16="http://schemas.microsoft.com/office/drawing/2014/main" id="{FB20FC6C-C271-0CDE-727F-C8A2D0ED696D}"/>
+              </a:ext>
+            </a:extLst>
+          </p:cNvPr>
+          <p:cNvPicPr>
+            <a:picLocks noChangeAspect="1"/>
+          </p:cNvPicPr>
+          <p:nvPr/>
+        </p:nvPicPr>
+        <p:blipFill>
+          <a:blip r:embed="rId5">
+            <a:extLst>
+              <a:ext uri="{28A0092B-C50C-407E-A947-70E740481C1C}">
+                <a14:useLocalDpi xmlns:a14="http://schemas.microsoft.com/office/drawing/2010/main" val="0"/>
+              </a:ext>
+            </a:extLst>
+          </a:blip>
+          <a:stretch>
+            <a:fillRect/>
+          </a:stretch>
+        </p:blipFill>
+        <p:spPr>
+          <a:xfrm>
+            <a:off x="4998718" y="1426263"/>
+            <a:ext cx="2194564" cy="603505"/>
+          </a:xfrm>
+          <a:prstGeom prst="rect">
+            <a:avLst/>
+          </a:prstGeom>
+        </p:spPr>
+      </p:pic>
+      <p:pic>
+        <p:nvPicPr>
+          <p:cNvPr id="15" name="Picture 14" descr="A black and orange rectangular box with black text&#10;&#10;AI-generated content may be incorrect.">
+            <a:extLst>
+              <a:ext uri="{FF2B5EF4-FFF2-40B4-BE49-F238E27FC236}">
+                <a16:creationId xmlns:a16="http://schemas.microsoft.com/office/drawing/2014/main" id="{21213112-F622-2638-4C38-B923EEEF2C23}"/>
+              </a:ext>
+            </a:extLst>
+          </p:cNvPr>
+          <p:cNvPicPr>
+            <a:picLocks noChangeAspect="1"/>
+          </p:cNvPicPr>
+          <p:nvPr/>
+        </p:nvPicPr>
+        <p:blipFill>
+          <a:blip r:embed="rId6">
+            <a:extLst>
+              <a:ext uri="{28A0092B-C50C-407E-A947-70E740481C1C}">
+                <a14:useLocalDpi xmlns:a14="http://schemas.microsoft.com/office/drawing/2010/main" val="0"/>
+              </a:ext>
+            </a:extLst>
+          </a:blip>
+          <a:stretch>
+            <a:fillRect/>
+          </a:stretch>
+        </p:blipFill>
+        <p:spPr>
+          <a:xfrm>
+            <a:off x="4998718" y="1908043"/>
+            <a:ext cx="2194564" cy="603505"/>
+          </a:xfrm>
+          <a:prstGeom prst="rect">
+            <a:avLst/>
+          </a:prstGeom>
+        </p:spPr>
+      </p:pic>
+      <p:pic>
+        <p:nvPicPr>
+          <p:cNvPr id="17" name="Picture 16" descr="A black text on a white background&#10;&#10;AI-generated content may be incorrect.">
+            <a:extLst>
+              <a:ext uri="{FF2B5EF4-FFF2-40B4-BE49-F238E27FC236}">
+                <a16:creationId xmlns:a16="http://schemas.microsoft.com/office/drawing/2014/main" id="{23612E07-056F-A65F-C0FC-7BB3B2AE70BA}"/>
+              </a:ext>
+            </a:extLst>
+          </p:cNvPr>
+          <p:cNvPicPr>
+            <a:picLocks noChangeAspect="1"/>
+          </p:cNvPicPr>
+          <p:nvPr/>
+        </p:nvPicPr>
+        <p:blipFill>
+          <a:blip r:embed="rId7">
+            <a:extLst>
+              <a:ext uri="{28A0092B-C50C-407E-A947-70E740481C1C}">
+                <a14:useLocalDpi xmlns:a14="http://schemas.microsoft.com/office/drawing/2010/main" val="0"/>
+              </a:ext>
+            </a:extLst>
+          </a:blip>
+          <a:stretch>
+            <a:fillRect/>
+          </a:stretch>
+        </p:blipFill>
+        <p:spPr>
+          <a:xfrm>
+            <a:off x="790512" y="2518922"/>
+            <a:ext cx="2194564" cy="603505"/>
+          </a:xfrm>
+          <a:prstGeom prst="rect">
+            <a:avLst/>
+          </a:prstGeom>
+        </p:spPr>
+      </p:pic>
+      <p:pic>
+        <p:nvPicPr>
+          <p:cNvPr id="19" name="Picture 18" descr="A black text on a white background&#10;&#10;AI-generated content may be incorrect.">
+            <a:extLst>
+              <a:ext uri="{FF2B5EF4-FFF2-40B4-BE49-F238E27FC236}">
+                <a16:creationId xmlns:a16="http://schemas.microsoft.com/office/drawing/2014/main" id="{D9AE6DCF-6F8D-0E56-B488-F6B181B1357B}"/>
+              </a:ext>
+            </a:extLst>
+          </p:cNvPr>
+          <p:cNvPicPr>
+            <a:picLocks noChangeAspect="1"/>
+          </p:cNvPicPr>
+          <p:nvPr/>
+        </p:nvPicPr>
+        <p:blipFill>
+          <a:blip r:embed="rId8">
+            <a:extLst>
+              <a:ext uri="{28A0092B-C50C-407E-A947-70E740481C1C}">
+                <a14:useLocalDpi xmlns:a14="http://schemas.microsoft.com/office/drawing/2010/main" val="0"/>
+              </a:ext>
+            </a:extLst>
+          </a:blip>
+          <a:stretch>
+            <a:fillRect/>
+          </a:stretch>
+        </p:blipFill>
+        <p:spPr>
+          <a:xfrm>
+            <a:off x="790512" y="3009260"/>
+            <a:ext cx="2194564" cy="603505"/>
+          </a:xfrm>
+          <a:prstGeom prst="rect">
+            <a:avLst/>
+          </a:prstGeom>
+        </p:spPr>
+      </p:pic>
+      <p:pic>
+        <p:nvPicPr>
+          <p:cNvPr id="23" name="Picture 22" descr="A black text on a white background&#10;&#10;AI-generated content may be incorrect.">
+            <a:extLst>
+              <a:ext uri="{FF2B5EF4-FFF2-40B4-BE49-F238E27FC236}">
+                <a16:creationId xmlns:a16="http://schemas.microsoft.com/office/drawing/2014/main" id="{AEC44025-B9E7-343C-5136-E51A22C8EF07}"/>
+              </a:ext>
+            </a:extLst>
+          </p:cNvPr>
+          <p:cNvPicPr>
+            <a:picLocks noChangeAspect="1"/>
+          </p:cNvPicPr>
+          <p:nvPr/>
+        </p:nvPicPr>
+        <p:blipFill>
+          <a:blip r:embed="rId9">
+            <a:extLst>
+              <a:ext uri="{28A0092B-C50C-407E-A947-70E740481C1C}">
+                <a14:useLocalDpi xmlns:a14="http://schemas.microsoft.com/office/drawing/2010/main" val="0"/>
+              </a:ext>
+            </a:extLst>
+          </a:blip>
+          <a:stretch>
+            <a:fillRect/>
+          </a:stretch>
+        </p:blipFill>
+        <p:spPr>
+          <a:xfrm>
+            <a:off x="790512" y="3494781"/>
+            <a:ext cx="2194564" cy="603505"/>
+          </a:xfrm>
+          <a:prstGeom prst="rect">
+            <a:avLst/>
+          </a:prstGeom>
+        </p:spPr>
+      </p:pic>
+      <p:pic>
+        <p:nvPicPr>
+          <p:cNvPr id="25" name="Picture 24" descr="A black text on a white background&#10;&#10;AI-generated content may be incorrect.">
+            <a:extLst>
+              <a:ext uri="{FF2B5EF4-FFF2-40B4-BE49-F238E27FC236}">
+                <a16:creationId xmlns:a16="http://schemas.microsoft.com/office/drawing/2014/main" id="{D929D2DB-9ED2-3924-2177-D48C18B59B3E}"/>
+              </a:ext>
+            </a:extLst>
+          </p:cNvPr>
+          <p:cNvPicPr>
+            <a:picLocks noChangeAspect="1"/>
+          </p:cNvPicPr>
+          <p:nvPr/>
+        </p:nvPicPr>
+        <p:blipFill>
+          <a:blip r:embed="rId10">
+            <a:extLst>
+              <a:ext uri="{28A0092B-C50C-407E-A947-70E740481C1C}">
+                <a14:useLocalDpi xmlns:a14="http://schemas.microsoft.com/office/drawing/2010/main" val="0"/>
+              </a:ext>
+            </a:extLst>
+          </a:blip>
+          <a:stretch>
+            <a:fillRect/>
+          </a:stretch>
+        </p:blipFill>
+        <p:spPr>
+          <a:xfrm>
+            <a:off x="0" y="4098286"/>
+            <a:ext cx="2194564" cy="603505"/>
+          </a:xfrm>
+          <a:prstGeom prst="rect">
+            <a:avLst/>
+          </a:prstGeom>
+        </p:spPr>
+      </p:pic>
+      <p:pic>
+        <p:nvPicPr>
+          <p:cNvPr id="27" name="Picture 26" descr="A black text on a white background&#10;&#10;AI-generated content may be incorrect.">
+            <a:extLst>
+              <a:ext uri="{FF2B5EF4-FFF2-40B4-BE49-F238E27FC236}">
+                <a16:creationId xmlns:a16="http://schemas.microsoft.com/office/drawing/2014/main" id="{F210B2A9-E3CB-413D-8472-1624AC4A380F}"/>
+              </a:ext>
+            </a:extLst>
+          </p:cNvPr>
+          <p:cNvPicPr>
+            <a:picLocks noChangeAspect="1"/>
+          </p:cNvPicPr>
+          <p:nvPr/>
+        </p:nvPicPr>
+        <p:blipFill>
+          <a:blip r:embed="rId11">
+            <a:extLst>
+              <a:ext uri="{28A0092B-C50C-407E-A947-70E740481C1C}">
+                <a14:useLocalDpi xmlns:a14="http://schemas.microsoft.com/office/drawing/2010/main" val="0"/>
+              </a:ext>
+            </a:extLst>
+          </a:blip>
+          <a:stretch>
+            <a:fillRect/>
+          </a:stretch>
+        </p:blipFill>
+        <p:spPr>
+          <a:xfrm>
+            <a:off x="2363672" y="4098286"/>
+            <a:ext cx="2194564" cy="603505"/>
+          </a:xfrm>
+          <a:prstGeom prst="rect">
+            <a:avLst/>
+          </a:prstGeom>
+        </p:spPr>
+      </p:pic>
+      <p:pic>
+        <p:nvPicPr>
+          <p:cNvPr id="29" name="Picture 28" descr="A black text on a white background&#10;&#10;AI-generated content may be incorrect.">
+            <a:extLst>
+              <a:ext uri="{FF2B5EF4-FFF2-40B4-BE49-F238E27FC236}">
+                <a16:creationId xmlns:a16="http://schemas.microsoft.com/office/drawing/2014/main" id="{7437E12D-991E-2B29-3E67-06FE7C062717}"/>
+              </a:ext>
+            </a:extLst>
+          </p:cNvPr>
+          <p:cNvPicPr>
+            <a:picLocks noChangeAspect="1"/>
+          </p:cNvPicPr>
+          <p:nvPr/>
+        </p:nvPicPr>
+        <p:blipFill>
+          <a:blip r:embed="rId12">
+            <a:extLst>
+              <a:ext uri="{28A0092B-C50C-407E-A947-70E740481C1C}">
+                <a14:useLocalDpi xmlns:a14="http://schemas.microsoft.com/office/drawing/2010/main" val="0"/>
+              </a:ext>
+            </a:extLst>
+          </a:blip>
+          <a:stretch>
+            <a:fillRect/>
+          </a:stretch>
+        </p:blipFill>
+        <p:spPr>
+          <a:xfrm>
+            <a:off x="8371183" y="2405755"/>
+            <a:ext cx="2194564" cy="603505"/>
+          </a:xfrm>
+          <a:prstGeom prst="rect">
+            <a:avLst/>
+          </a:prstGeom>
+        </p:spPr>
+      </p:pic>
+      <p:pic>
+        <p:nvPicPr>
+          <p:cNvPr id="31" name="Picture 30" descr="A black text on a white background&#10;&#10;AI-generated content may be incorrect.">
+            <a:extLst>
+              <a:ext uri="{FF2B5EF4-FFF2-40B4-BE49-F238E27FC236}">
+                <a16:creationId xmlns:a16="http://schemas.microsoft.com/office/drawing/2014/main" id="{4F627E16-6F23-D56D-A950-1F074BDD54DA}"/>
+              </a:ext>
+            </a:extLst>
+          </p:cNvPr>
+          <p:cNvPicPr>
+            <a:picLocks noChangeAspect="1"/>
+          </p:cNvPicPr>
+          <p:nvPr/>
+        </p:nvPicPr>
+        <p:blipFill>
+          <a:blip r:embed="rId13">
+            <a:extLst>
+              <a:ext uri="{28A0092B-C50C-407E-A947-70E740481C1C}">
+                <a14:useLocalDpi xmlns:a14="http://schemas.microsoft.com/office/drawing/2010/main" val="0"/>
+              </a:ext>
+            </a:extLst>
+          </a:blip>
+          <a:stretch>
+            <a:fillRect/>
+          </a:stretch>
+        </p:blipFill>
+        <p:spPr>
+          <a:xfrm>
+            <a:off x="8371183" y="2888817"/>
+            <a:ext cx="2194564" cy="603505"/>
+          </a:xfrm>
+          <a:prstGeom prst="rect">
+            <a:avLst/>
+          </a:prstGeom>
+        </p:spPr>
+      </p:pic>
+      <p:pic>
+        <p:nvPicPr>
+          <p:cNvPr id="33" name="Picture 32" descr="A green and black rectangular box with black text&#10;&#10;AI-generated content may be incorrect.">
+            <a:extLst>
+              <a:ext uri="{FF2B5EF4-FFF2-40B4-BE49-F238E27FC236}">
+                <a16:creationId xmlns:a16="http://schemas.microsoft.com/office/drawing/2014/main" id="{20882216-AC85-D56A-93AC-18EADC4B4CD9}"/>
+              </a:ext>
+            </a:extLst>
+          </p:cNvPr>
+          <p:cNvPicPr>
+            <a:picLocks noChangeAspect="1"/>
+          </p:cNvPicPr>
+          <p:nvPr/>
+        </p:nvPicPr>
+        <p:blipFill>
+          <a:blip r:embed="rId14">
+            <a:extLst>
+              <a:ext uri="{28A0092B-C50C-407E-A947-70E740481C1C}">
+                <a14:useLocalDpi xmlns:a14="http://schemas.microsoft.com/office/drawing/2010/main" val="0"/>
+              </a:ext>
+            </a:extLst>
+          </a:blip>
+          <a:stretch>
+            <a:fillRect/>
+          </a:stretch>
+        </p:blipFill>
+        <p:spPr>
+          <a:xfrm>
+            <a:off x="8371183" y="3371879"/>
+            <a:ext cx="2194564" cy="603505"/>
+          </a:xfrm>
+          <a:prstGeom prst="rect">
+            <a:avLst/>
+          </a:prstGeom>
+        </p:spPr>
+      </p:pic>
+      <p:pic>
+        <p:nvPicPr>
+          <p:cNvPr id="37" name="Picture 36" descr="A black text on a white background&#10;&#10;AI-generated content may be incorrect.">
+            <a:extLst>
+              <a:ext uri="{FF2B5EF4-FFF2-40B4-BE49-F238E27FC236}">
+                <a16:creationId xmlns:a16="http://schemas.microsoft.com/office/drawing/2014/main" id="{26A4892B-A97C-B1BE-49B1-824276519686}"/>
+              </a:ext>
+            </a:extLst>
+          </p:cNvPr>
+          <p:cNvPicPr>
+            <a:picLocks noChangeAspect="1"/>
+          </p:cNvPicPr>
+          <p:nvPr/>
+        </p:nvPicPr>
+        <p:blipFill>
+          <a:blip r:embed="rId15">
+            <a:extLst>
+              <a:ext uri="{28A0092B-C50C-407E-A947-70E740481C1C}">
+                <a14:useLocalDpi xmlns:a14="http://schemas.microsoft.com/office/drawing/2010/main" val="0"/>
+              </a:ext>
+            </a:extLst>
+          </a:blip>
+          <a:stretch>
+            <a:fillRect/>
+          </a:stretch>
+        </p:blipFill>
+        <p:spPr>
+          <a:xfrm>
+            <a:off x="8371183" y="3876476"/>
+            <a:ext cx="2194564" cy="603505"/>
+          </a:xfrm>
+          <a:prstGeom prst="rect">
+            <a:avLst/>
+          </a:prstGeom>
+        </p:spPr>
+      </p:pic>
+      <p:pic>
+        <p:nvPicPr>
+          <p:cNvPr id="39" name="Picture 38" descr="A black text on a white background&#10;&#10;AI-generated content may be incorrect.">
+            <a:extLst>
+              <a:ext uri="{FF2B5EF4-FFF2-40B4-BE49-F238E27FC236}">
+                <a16:creationId xmlns:a16="http://schemas.microsoft.com/office/drawing/2014/main" id="{393875A2-CCD3-9A94-FE03-D7F952497DAB}"/>
+              </a:ext>
+            </a:extLst>
+          </p:cNvPr>
+          <p:cNvPicPr>
+            <a:picLocks noChangeAspect="1"/>
+          </p:cNvPicPr>
+          <p:nvPr/>
+        </p:nvPicPr>
+        <p:blipFill>
+          <a:blip r:embed="rId16">
+            <a:extLst>
+              <a:ext uri="{28A0092B-C50C-407E-A947-70E740481C1C}">
+                <a14:useLocalDpi xmlns:a14="http://schemas.microsoft.com/office/drawing/2010/main" val="0"/>
+              </a:ext>
+            </a:extLst>
+          </a:blip>
+          <a:stretch>
+            <a:fillRect/>
+          </a:stretch>
+        </p:blipFill>
+        <p:spPr>
+          <a:xfrm>
+            <a:off x="7193282" y="4513804"/>
+            <a:ext cx="2194564" cy="603505"/>
+          </a:xfrm>
+          <a:prstGeom prst="rect">
+            <a:avLst/>
+          </a:prstGeom>
+        </p:spPr>
+      </p:pic>
+      <p:pic>
+        <p:nvPicPr>
+          <p:cNvPr id="41" name="Picture 40" descr="A black text on a white background&#10;&#10;AI-generated content may be incorrect.">
+            <a:extLst>
+              <a:ext uri="{FF2B5EF4-FFF2-40B4-BE49-F238E27FC236}">
+                <a16:creationId xmlns:a16="http://schemas.microsoft.com/office/drawing/2014/main" id="{08E94A56-B36B-B3E8-DB02-01821B44F884}"/>
+              </a:ext>
+            </a:extLst>
+          </p:cNvPr>
+          <p:cNvPicPr>
+            <a:picLocks noChangeAspect="1"/>
+          </p:cNvPicPr>
+          <p:nvPr/>
+        </p:nvPicPr>
+        <p:blipFill>
+          <a:blip r:embed="rId17">
+            <a:extLst>
+              <a:ext uri="{28A0092B-C50C-407E-A947-70E740481C1C}">
+                <a14:useLocalDpi xmlns:a14="http://schemas.microsoft.com/office/drawing/2010/main" val="0"/>
+              </a:ext>
+            </a:extLst>
+          </a:blip>
+          <a:stretch>
+            <a:fillRect/>
+          </a:stretch>
+        </p:blipFill>
+        <p:spPr>
+          <a:xfrm>
+            <a:off x="9747698" y="4521178"/>
+            <a:ext cx="2194564" cy="603505"/>
+          </a:xfrm>
+          <a:prstGeom prst="rect">
+            <a:avLst/>
+          </a:prstGeom>
+        </p:spPr>
+      </p:pic>
+      <p:pic>
+        <p:nvPicPr>
+          <p:cNvPr id="43" name="Picture 42" descr="A black text on a white background&#10;&#10;AI-generated content may be incorrect.">
+            <a:extLst>
+              <a:ext uri="{FF2B5EF4-FFF2-40B4-BE49-F238E27FC236}">
+                <a16:creationId xmlns:a16="http://schemas.microsoft.com/office/drawing/2014/main" id="{A9D5163A-BE5C-AC3F-4A40-692924A2C87E}"/>
+              </a:ext>
+            </a:extLst>
+          </p:cNvPr>
+          <p:cNvPicPr>
+            <a:picLocks noChangeAspect="1"/>
+          </p:cNvPicPr>
+          <p:nvPr/>
+        </p:nvPicPr>
+        <p:blipFill>
+          <a:blip r:embed="rId18">
+            <a:extLst>
+              <a:ext uri="{28A0092B-C50C-407E-A947-70E740481C1C}">
+                <a14:useLocalDpi xmlns:a14="http://schemas.microsoft.com/office/drawing/2010/main" val="0"/>
+              </a:ext>
+            </a:extLst>
+          </a:blip>
+          <a:stretch>
+            <a:fillRect/>
+          </a:stretch>
+        </p:blipFill>
+        <p:spPr>
+          <a:xfrm>
+            <a:off x="9747698" y="5362018"/>
+            <a:ext cx="2194564" cy="603505"/>
+          </a:xfrm>
+          <a:prstGeom prst="rect">
+            <a:avLst/>
+          </a:prstGeom>
+        </p:spPr>
+      </p:pic>
+      <p:sp>
+        <p:nvSpPr>
+          <p:cNvPr id="4" name="TextBox 3">
+            <a:extLst>
+              <a:ext uri="{FF2B5EF4-FFF2-40B4-BE49-F238E27FC236}">
+                <a16:creationId xmlns:a16="http://schemas.microsoft.com/office/drawing/2014/main" id="{A5FFCFC1-19DD-DF58-9619-C142F35B687D}"/>
+              </a:ext>
+            </a:extLst>
+          </p:cNvPr>
+          <p:cNvSpPr txBox="1"/>
+          <p:nvPr/>
+        </p:nvSpPr>
+        <p:spPr>
+          <a:xfrm>
+            <a:off x="7797818" y="1855114"/>
+            <a:ext cx="6094324" cy="369332"/>
+          </a:xfrm>
+          <a:prstGeom prst="rect">
+            <a:avLst/>
+          </a:prstGeom>
+          <a:noFill/>
+        </p:spPr>
+        <p:txBody>
+          <a:bodyPr wrap="square">
+            <a:spAutoFit/>
+          </a:bodyPr>
+          <a:lstStyle/>
+          <a:p>
+            <a:pPr algn="l">
+              <a:buNone/>
+            </a:pPr>
+            <a:r>
+              <a:rPr lang="en-US" b="0" i="0" dirty="0">
+                <a:solidFill>
+                  <a:srgbClr val="101418"/>
+                </a:solidFill>
+                <a:effectLst/>
+                <a:latin typeface="Courier New" panose="02070309020205020404" pitchFamily="49" charset="0"/>
+              </a:rPr>
+              <a:t>quicksort(A, p + 1, hi)</a:t>
+            </a:r>
+          </a:p>
+        </p:txBody>
+      </p:sp>
+      <p:sp>
+        <p:nvSpPr>
+          <p:cNvPr id="6" name="TextBox 5">
+            <a:extLst>
+              <a:ext uri="{FF2B5EF4-FFF2-40B4-BE49-F238E27FC236}">
+                <a16:creationId xmlns:a16="http://schemas.microsoft.com/office/drawing/2014/main" id="{A68F7E7A-2AA6-8D89-FE48-39DF3D640C89}"/>
+              </a:ext>
+            </a:extLst>
+          </p:cNvPr>
+          <p:cNvSpPr txBox="1"/>
+          <p:nvPr/>
+        </p:nvSpPr>
+        <p:spPr>
+          <a:xfrm>
+            <a:off x="5837055" y="3808896"/>
+            <a:ext cx="1921936" cy="369332"/>
+          </a:xfrm>
+          <a:prstGeom prst="rect">
+            <a:avLst/>
+          </a:prstGeom>
+          <a:noFill/>
+        </p:spPr>
+        <p:txBody>
+          <a:bodyPr wrap="none" rtlCol="0">
+            <a:spAutoFit/>
+          </a:bodyPr>
+          <a:lstStyle/>
+          <a:p>
+            <a:r>
+              <a:rPr lang="en-US" dirty="0"/>
+              <a:t>6 &gt; 5 so no swap! </a:t>
+            </a:r>
+            <a:endParaRPr lang="nl-NL" dirty="0"/>
+          </a:p>
+        </p:txBody>
+      </p:sp>
+      <p:sp>
+        <p:nvSpPr>
+          <p:cNvPr id="8" name="TextBox 7">
+            <a:extLst>
+              <a:ext uri="{FF2B5EF4-FFF2-40B4-BE49-F238E27FC236}">
+                <a16:creationId xmlns:a16="http://schemas.microsoft.com/office/drawing/2014/main" id="{D612FC03-851E-E73D-211B-95C1B3E3C0C8}"/>
+              </a:ext>
+            </a:extLst>
+          </p:cNvPr>
+          <p:cNvSpPr txBox="1"/>
+          <p:nvPr/>
+        </p:nvSpPr>
+        <p:spPr>
+          <a:xfrm>
+            <a:off x="5323183" y="4193050"/>
+            <a:ext cx="6096000" cy="369332"/>
+          </a:xfrm>
+          <a:prstGeom prst="rect">
+            <a:avLst/>
+          </a:prstGeom>
+          <a:noFill/>
+        </p:spPr>
+        <p:txBody>
+          <a:bodyPr wrap="square">
+            <a:spAutoFit/>
+          </a:bodyPr>
+          <a:lstStyle/>
+          <a:p>
+            <a:pPr algn="l">
+              <a:buNone/>
+            </a:pPr>
+            <a:r>
+              <a:rPr lang="en-US" b="0" i="0" dirty="0">
+                <a:solidFill>
+                  <a:srgbClr val="101418"/>
+                </a:solidFill>
+                <a:effectLst/>
+                <a:latin typeface="Courier New" panose="02070309020205020404" pitchFamily="49" charset="0"/>
+              </a:rPr>
+              <a:t>swap A[</a:t>
+            </a:r>
+            <a:r>
+              <a:rPr lang="en-US" b="0" i="0" dirty="0" err="1">
+                <a:solidFill>
+                  <a:srgbClr val="101418"/>
+                </a:solidFill>
+                <a:effectLst/>
+                <a:latin typeface="Courier New" panose="02070309020205020404" pitchFamily="49" charset="0"/>
+              </a:rPr>
+              <a:t>i</a:t>
+            </a:r>
+            <a:r>
+              <a:rPr lang="en-US" b="0" i="0" dirty="0">
+                <a:solidFill>
+                  <a:srgbClr val="101418"/>
+                </a:solidFill>
+                <a:effectLst/>
+                <a:latin typeface="Courier New" panose="02070309020205020404" pitchFamily="49" charset="0"/>
+              </a:rPr>
+              <a:t>] </a:t>
+            </a:r>
+            <a:r>
+              <a:rPr lang="en-US" b="1" i="0" dirty="0">
+                <a:solidFill>
+                  <a:srgbClr val="101418"/>
+                </a:solidFill>
+                <a:effectLst/>
+                <a:latin typeface="Courier New" panose="02070309020205020404" pitchFamily="49" charset="0"/>
+              </a:rPr>
+              <a:t>with</a:t>
+            </a:r>
+            <a:r>
+              <a:rPr lang="en-US" b="0" i="0" dirty="0">
+                <a:solidFill>
+                  <a:srgbClr val="101418"/>
+                </a:solidFill>
+                <a:effectLst/>
+                <a:latin typeface="Courier New" panose="02070309020205020404" pitchFamily="49" charset="0"/>
+              </a:rPr>
+              <a:t> A[hi]</a:t>
+            </a:r>
+          </a:p>
+        </p:txBody>
+      </p:sp>
+    </p:spTree>
+    <p:extLst>
+      <p:ext uri="{BB962C8B-B14F-4D97-AF65-F5344CB8AC3E}">
+        <p14:creationId xmlns:p14="http://schemas.microsoft.com/office/powerpoint/2010/main" val="2461889185"/>
+      </p:ext>
+    </p:extLst>
+  </p:cSld>
+  <p:clrMapOvr>
+    <a:masterClrMapping/>
+  </p:clrMapOvr>
+  <p:timing>
+    <p:tnLst>
+      <p:par>
+        <p:cTn id="1" dur="indefinite" restart="never" nodeType="tmRoot">
+          <p:childTnLst>
+            <p:seq concurrent="1" nextAc="seek">
+              <p:cTn id="2" dur="indefinite" nodeType="mainSeq">
+                <p:childTnLst>
+                  <p:par>
+                    <p:cTn id="3" fill="hold">
+                      <p:stCondLst>
+                        <p:cond delay="indefinite"/>
+                      </p:stCondLst>
+                      <p:childTnLst>
+                        <p:par>
+                          <p:cTn id="4" fill="hold">
+                            <p:stCondLst>
+                              <p:cond delay="0"/>
+                            </p:stCondLst>
+                            <p:childTnLst>
+                              <p:par>
+                                <p:cTn id="5" presetID="1" presetClass="entr" presetSubtype="0" fill="hold" nodeType="clickEffect">
+                                  <p:stCondLst>
+                                    <p:cond delay="0"/>
+                                  </p:stCondLst>
+                                  <p:childTnLst>
+                                    <p:set>
+                                      <p:cBhvr>
+                                        <p:cTn id="6" dur="1" fill="hold">
+                                          <p:stCondLst>
+                                            <p:cond delay="0"/>
+                                          </p:stCondLst>
+                                        </p:cTn>
+                                        <p:tgtEl>
+                                          <p:spTgt spid="29"/>
+                                        </p:tgtEl>
+                                        <p:attrNameLst>
+                                          <p:attrName>style.visibility</p:attrName>
+                                        </p:attrNameLst>
+                                      </p:cBhvr>
+                                      <p:to>
+                                        <p:strVal val="visible"/>
+                                      </p:to>
+                                    </p:set>
+                                  </p:childTnLst>
+                                </p:cTn>
+                              </p:par>
+                            </p:childTnLst>
+                          </p:cTn>
+                        </p:par>
+                      </p:childTnLst>
+                    </p:cTn>
+                  </p:par>
+                  <p:par>
+                    <p:cTn id="7" fill="hold">
+                      <p:stCondLst>
+                        <p:cond delay="indefinite"/>
+                      </p:stCondLst>
+                      <p:childTnLst>
+                        <p:par>
+                          <p:cTn id="8" fill="hold">
+                            <p:stCondLst>
+                              <p:cond delay="0"/>
+                            </p:stCondLst>
+                            <p:childTnLst>
+                              <p:par>
+                                <p:cTn id="9" presetID="1" presetClass="entr" presetSubtype="0" fill="hold" nodeType="clickEffect">
+                                  <p:stCondLst>
+                                    <p:cond delay="0"/>
+                                  </p:stCondLst>
+                                  <p:childTnLst>
+                                    <p:set>
+                                      <p:cBhvr>
+                                        <p:cTn id="10" dur="1" fill="hold">
+                                          <p:stCondLst>
+                                            <p:cond delay="0"/>
+                                          </p:stCondLst>
+                                        </p:cTn>
+                                        <p:tgtEl>
+                                          <p:spTgt spid="31"/>
+                                        </p:tgtEl>
+                                        <p:attrNameLst>
+                                          <p:attrName>style.visibility</p:attrName>
+                                        </p:attrNameLst>
+                                      </p:cBhvr>
+                                      <p:to>
+                                        <p:strVal val="visible"/>
+                                      </p:to>
+                                    </p:set>
+                                  </p:childTnLst>
+                                </p:cTn>
+                              </p:par>
+                            </p:childTnLst>
+                          </p:cTn>
+                        </p:par>
+                      </p:childTnLst>
+                    </p:cTn>
+                  </p:par>
+                  <p:par>
+                    <p:cTn id="11" fill="hold">
+                      <p:stCondLst>
+                        <p:cond delay="indefinite"/>
+                      </p:stCondLst>
+                      <p:childTnLst>
+                        <p:par>
+                          <p:cTn id="12" fill="hold">
+                            <p:stCondLst>
+                              <p:cond delay="0"/>
+                            </p:stCondLst>
+                            <p:childTnLst>
+                              <p:par>
+                                <p:cTn id="13" presetID="1" presetClass="entr" presetSubtype="0" fill="hold" nodeType="clickEffect">
+                                  <p:stCondLst>
+                                    <p:cond delay="0"/>
+                                  </p:stCondLst>
+                                  <p:childTnLst>
+                                    <p:set>
+                                      <p:cBhvr>
+                                        <p:cTn id="14" dur="1" fill="hold">
+                                          <p:stCondLst>
+                                            <p:cond delay="0"/>
+                                          </p:stCondLst>
+                                        </p:cTn>
+                                        <p:tgtEl>
+                                          <p:spTgt spid="33"/>
+                                        </p:tgtEl>
+                                        <p:attrNameLst>
+                                          <p:attrName>style.visibility</p:attrName>
+                                        </p:attrNameLst>
+                                      </p:cBhvr>
+                                      <p:to>
+                                        <p:strVal val="visible"/>
+                                      </p:to>
+                                    </p:set>
+                                  </p:childTnLst>
+                                </p:cTn>
+                              </p:par>
+                            </p:childTnLst>
+                          </p:cTn>
+                        </p:par>
+                      </p:childTnLst>
+                    </p:cTn>
+                  </p:par>
+                  <p:par>
+                    <p:cTn id="15" fill="hold">
+                      <p:stCondLst>
+                        <p:cond delay="indefinite"/>
+                      </p:stCondLst>
+                      <p:childTnLst>
+                        <p:par>
+                          <p:cTn id="16" fill="hold">
+                            <p:stCondLst>
+                              <p:cond delay="0"/>
+                            </p:stCondLst>
+                            <p:childTnLst>
+                              <p:par>
+                                <p:cTn id="17" presetID="1" presetClass="entr" presetSubtype="0" fill="hold" grpId="0" nodeType="clickEffect">
+                                  <p:stCondLst>
+                                    <p:cond delay="0"/>
+                                  </p:stCondLst>
+                                  <p:childTnLst>
+                                    <p:set>
+                                      <p:cBhvr>
+                                        <p:cTn id="18" dur="1" fill="hold">
+                                          <p:stCondLst>
+                                            <p:cond delay="0"/>
+                                          </p:stCondLst>
+                                        </p:cTn>
+                                        <p:tgtEl>
+                                          <p:spTgt spid="6"/>
+                                        </p:tgtEl>
+                                        <p:attrNameLst>
+                                          <p:attrName>style.visibility</p:attrName>
+                                        </p:attrNameLst>
+                                      </p:cBhvr>
+                                      <p:to>
+                                        <p:strVal val="visible"/>
+                                      </p:to>
+                                    </p:set>
+                                  </p:childTnLst>
+                                </p:cTn>
+                              </p:par>
+                            </p:childTnLst>
+                          </p:cTn>
+                        </p:par>
+                      </p:childTnLst>
+                    </p:cTn>
+                  </p:par>
+                  <p:par>
+                    <p:cTn id="19" fill="hold">
+                      <p:stCondLst>
+                        <p:cond delay="indefinite"/>
+                      </p:stCondLst>
+                      <p:childTnLst>
+                        <p:par>
+                          <p:cTn id="20" fill="hold">
+                            <p:stCondLst>
+                              <p:cond delay="0"/>
+                            </p:stCondLst>
+                            <p:childTnLst>
+                              <p:par>
+                                <p:cTn id="21" presetID="1" presetClass="entr" presetSubtype="0" fill="hold" grpId="0" nodeType="clickEffect">
+                                  <p:stCondLst>
+                                    <p:cond delay="0"/>
+                                  </p:stCondLst>
+                                  <p:childTnLst>
+                                    <p:set>
+                                      <p:cBhvr>
+                                        <p:cTn id="22" dur="1" fill="hold">
+                                          <p:stCondLst>
+                                            <p:cond delay="0"/>
+                                          </p:stCondLst>
+                                        </p:cTn>
+                                        <p:tgtEl>
+                                          <p:spTgt spid="8"/>
+                                        </p:tgtEl>
+                                        <p:attrNameLst>
+                                          <p:attrName>style.visibility</p:attrName>
+                                        </p:attrNameLst>
+                                      </p:cBhvr>
+                                      <p:to>
+                                        <p:strVal val="visible"/>
+                                      </p:to>
+                                    </p:set>
+                                  </p:childTnLst>
+                                </p:cTn>
+                              </p:par>
+                            </p:childTnLst>
+                          </p:cTn>
+                        </p:par>
+                      </p:childTnLst>
+                    </p:cTn>
+                  </p:par>
+                  <p:par>
+                    <p:cTn id="23" fill="hold">
+                      <p:stCondLst>
+                        <p:cond delay="indefinite"/>
+                      </p:stCondLst>
+                      <p:childTnLst>
+                        <p:par>
+                          <p:cTn id="24" fill="hold">
+                            <p:stCondLst>
+                              <p:cond delay="0"/>
+                            </p:stCondLst>
+                            <p:childTnLst>
+                              <p:par>
+                                <p:cTn id="25" presetID="1" presetClass="entr" presetSubtype="0" fill="hold" nodeType="clickEffect">
+                                  <p:stCondLst>
+                                    <p:cond delay="0"/>
+                                  </p:stCondLst>
+                                  <p:childTnLst>
+                                    <p:set>
+                                      <p:cBhvr>
+                                        <p:cTn id="26" dur="1" fill="hold">
+                                          <p:stCondLst>
+                                            <p:cond delay="0"/>
+                                          </p:stCondLst>
+                                        </p:cTn>
+                                        <p:tgtEl>
+                                          <p:spTgt spid="37"/>
+                                        </p:tgtEl>
+                                        <p:attrNameLst>
+                                          <p:attrName>style.visibility</p:attrName>
+                                        </p:attrNameLst>
+                                      </p:cBhvr>
+                                      <p:to>
+                                        <p:strVal val="visible"/>
+                                      </p:to>
+                                    </p:set>
+                                  </p:childTnLst>
+                                </p:cTn>
+                              </p:par>
+                            </p:childTnLst>
+                          </p:cTn>
+                        </p:par>
+                      </p:childTnLst>
+                    </p:cTn>
+                  </p:par>
+                  <p:par>
+                    <p:cTn id="27" fill="hold">
+                      <p:stCondLst>
+                        <p:cond delay="indefinite"/>
+                      </p:stCondLst>
+                      <p:childTnLst>
+                        <p:par>
+                          <p:cTn id="28" fill="hold">
+                            <p:stCondLst>
+                              <p:cond delay="0"/>
+                            </p:stCondLst>
+                            <p:childTnLst>
+                              <p:par>
+                                <p:cTn id="29" presetID="1" presetClass="entr" presetSubtype="0" fill="hold" nodeType="clickEffect">
+                                  <p:stCondLst>
+                                    <p:cond delay="0"/>
+                                  </p:stCondLst>
+                                  <p:childTnLst>
+                                    <p:set>
+                                      <p:cBhvr>
+                                        <p:cTn id="30" dur="1" fill="hold">
+                                          <p:stCondLst>
+                                            <p:cond delay="0"/>
+                                          </p:stCondLst>
+                                        </p:cTn>
+                                        <p:tgtEl>
+                                          <p:spTgt spid="39"/>
+                                        </p:tgtEl>
+                                        <p:attrNameLst>
+                                          <p:attrName>style.visibility</p:attrName>
+                                        </p:attrNameLst>
+                                      </p:cBhvr>
+                                      <p:to>
+                                        <p:strVal val="visible"/>
+                                      </p:to>
+                                    </p:set>
+                                  </p:childTnLst>
+                                </p:cTn>
+                              </p:par>
+                            </p:childTnLst>
+                          </p:cTn>
+                        </p:par>
+                      </p:childTnLst>
+                    </p:cTn>
+                  </p:par>
+                  <p:par>
+                    <p:cTn id="31" fill="hold">
+                      <p:stCondLst>
+                        <p:cond delay="indefinite"/>
+                      </p:stCondLst>
+                      <p:childTnLst>
+                        <p:par>
+                          <p:cTn id="32" fill="hold">
+                            <p:stCondLst>
+                              <p:cond delay="0"/>
+                            </p:stCondLst>
+                            <p:childTnLst>
+                              <p:par>
+                                <p:cTn id="33" presetID="1" presetClass="entr" presetSubtype="0" fill="hold" nodeType="clickEffect">
+                                  <p:stCondLst>
+                                    <p:cond delay="0"/>
+                                  </p:stCondLst>
+                                  <p:childTnLst>
+                                    <p:set>
+                                      <p:cBhvr>
+                                        <p:cTn id="34" dur="1" fill="hold">
+                                          <p:stCondLst>
+                                            <p:cond delay="0"/>
+                                          </p:stCondLst>
+                                        </p:cTn>
+                                        <p:tgtEl>
+                                          <p:spTgt spid="41"/>
+                                        </p:tgtEl>
+                                        <p:attrNameLst>
+                                          <p:attrName>style.visibility</p:attrName>
+                                        </p:attrNameLst>
+                                      </p:cBhvr>
+                                      <p:to>
+                                        <p:strVal val="visible"/>
+                                      </p:to>
+                                    </p:set>
+                                  </p:childTnLst>
+                                </p:cTn>
+                              </p:par>
+                            </p:childTnLst>
+                          </p:cTn>
+                        </p:par>
+                      </p:childTnLst>
+                    </p:cTn>
+                  </p:par>
+                  <p:par>
+                    <p:cTn id="35" fill="hold">
+                      <p:stCondLst>
+                        <p:cond delay="indefinite"/>
+                      </p:stCondLst>
+                      <p:childTnLst>
+                        <p:par>
+                          <p:cTn id="36" fill="hold">
+                            <p:stCondLst>
+                              <p:cond delay="0"/>
+                            </p:stCondLst>
+                            <p:childTnLst>
+                              <p:par>
+                                <p:cTn id="37" presetID="1" presetClass="entr" presetSubtype="0" fill="hold" nodeType="clickEffect">
+                                  <p:stCondLst>
+                                    <p:cond delay="0"/>
+                                  </p:stCondLst>
+                                  <p:childTnLst>
+                                    <p:set>
+                                      <p:cBhvr>
+                                        <p:cTn id="38" dur="1" fill="hold">
+                                          <p:stCondLst>
+                                            <p:cond delay="0"/>
+                                          </p:stCondLst>
+                                        </p:cTn>
+                                        <p:tgtEl>
+                                          <p:spTgt spid="43"/>
+                                        </p:tgtEl>
+                                        <p:attrNameLst>
+                                          <p:attrName>style.visibility</p:attrName>
+                                        </p:attrNameLst>
+                                      </p:cBhvr>
+                                      <p:to>
+                                        <p:strVal val="visible"/>
+                                      </p:to>
+                                    </p:set>
+                                  </p:childTnLst>
+                                </p:cTn>
+                              </p:par>
+                            </p:childTnLst>
+                          </p:cTn>
+                        </p:par>
+                      </p:childTnLst>
+                    </p:cTn>
+                  </p:par>
+                </p:childTnLst>
+              </p:cTn>
+              <p:prevCondLst>
+                <p:cond evt="onPrev" delay="0">
+                  <p:tgtEl>
+                    <p:sldTgt/>
+                  </p:tgtEl>
+                </p:cond>
+              </p:prevCondLst>
+              <p:nextCondLst>
+                <p:cond evt="onNext" delay="0">
+                  <p:tgtEl>
+                    <p:sldTgt/>
+                  </p:tgtEl>
+                </p:cond>
+              </p:nextCondLst>
+            </p:seq>
+          </p:childTnLst>
+        </p:cTn>
+      </p:par>
+    </p:tnLst>
+    <p:bldLst>
+      <p:bldP spid="6" grpId="0"/>
+      <p:bldP spid="8" grpId="0"/>
+    </p:bldLst>
+  </p:timing>
+</p:sld>
+</file>
+
+<file path=ppt/slides/slide23.xml><?xml version="1.0" encoding="utf-8"?>
+<p:sld xmlns:a="http://schemas.openxmlformats.org/drawingml/2006/main" xmlns:r="http://schemas.openxmlformats.org/officeDocument/2006/relationships" xmlns:p="http://schemas.openxmlformats.org/presentationml/2006/main">
+  <p:cSld>
+    <p:spTree>
+      <p:nvGrpSpPr>
+        <p:cNvPr id="1" name="">
+          <a:extLst>
+            <a:ext uri="{FF2B5EF4-FFF2-40B4-BE49-F238E27FC236}">
+              <a16:creationId xmlns:a16="http://schemas.microsoft.com/office/drawing/2014/main" id="{AECF81D6-D7F5-2334-43EC-C578CDE76362}"/>
+            </a:ext>
+          </a:extLst>
+        </p:cNvPr>
+        <p:cNvGrpSpPr/>
+        <p:nvPr/>
+      </p:nvGrpSpPr>
+      <p:grpSpPr>
+        <a:xfrm>
+          <a:off x="0" y="0"/>
+          <a:ext cx="0" cy="0"/>
+          <a:chOff x="0" y="0"/>
+          <a:chExt cx="0" cy="0"/>
+        </a:xfrm>
+      </p:grpSpPr>
+      <p:pic>
+        <p:nvPicPr>
+          <p:cNvPr id="5" name="Picture 4" descr="A black text on a white background&#10;&#10;AI-generated content may be incorrect.">
+            <a:extLst>
+              <a:ext uri="{FF2B5EF4-FFF2-40B4-BE49-F238E27FC236}">
+                <a16:creationId xmlns:a16="http://schemas.microsoft.com/office/drawing/2014/main" id="{E8A43187-7329-103E-BDAE-C383EC412169}"/>
+              </a:ext>
+            </a:extLst>
+          </p:cNvPr>
+          <p:cNvPicPr>
+            <a:picLocks noChangeAspect="1"/>
+          </p:cNvPicPr>
+          <p:nvPr/>
+        </p:nvPicPr>
+        <p:blipFill>
+          <a:blip r:embed="rId2">
+            <a:extLst>
+              <a:ext uri="{28A0092B-C50C-407E-A947-70E740481C1C}">
+                <a14:useLocalDpi xmlns:a14="http://schemas.microsoft.com/office/drawing/2010/main" val="0"/>
+              </a:ext>
+            </a:extLst>
+          </a:blip>
+          <a:stretch>
+            <a:fillRect/>
+          </a:stretch>
+        </p:blipFill>
+        <p:spPr>
+          <a:xfrm>
+            <a:off x="4998718" y="0"/>
+            <a:ext cx="2194564" cy="603505"/>
+          </a:xfrm>
+          <a:prstGeom prst="rect">
+            <a:avLst/>
+          </a:prstGeom>
+        </p:spPr>
+      </p:pic>
+      <p:pic>
+        <p:nvPicPr>
+          <p:cNvPr id="7" name="Picture 6" descr="A black text with black text&#10;&#10;AI-generated content may be incorrect.">
+            <a:extLst>
+              <a:ext uri="{FF2B5EF4-FFF2-40B4-BE49-F238E27FC236}">
+                <a16:creationId xmlns:a16="http://schemas.microsoft.com/office/drawing/2014/main" id="{D3C96B08-6D97-801C-D2CF-8041648FB5DD}"/>
+              </a:ext>
+            </a:extLst>
+          </p:cNvPr>
+          <p:cNvPicPr>
+            <a:picLocks noChangeAspect="1"/>
+          </p:cNvPicPr>
+          <p:nvPr/>
+        </p:nvPicPr>
+        <p:blipFill>
+          <a:blip r:embed="rId3">
+            <a:extLst>
+              <a:ext uri="{28A0092B-C50C-407E-A947-70E740481C1C}">
+                <a14:useLocalDpi xmlns:a14="http://schemas.microsoft.com/office/drawing/2010/main" val="0"/>
+              </a:ext>
+            </a:extLst>
+          </a:blip>
+          <a:stretch>
+            <a:fillRect/>
+          </a:stretch>
+        </p:blipFill>
+        <p:spPr>
+          <a:xfrm>
+            <a:off x="4998718" y="472538"/>
+            <a:ext cx="2194564" cy="603505"/>
+          </a:xfrm>
+          <a:prstGeom prst="rect">
+            <a:avLst/>
+          </a:prstGeom>
+        </p:spPr>
+      </p:pic>
+      <p:pic>
+        <p:nvPicPr>
+          <p:cNvPr id="9" name="Picture 8" descr="A black text on a white background&#10;&#10;AI-generated content may be incorrect.">
+            <a:extLst>
+              <a:ext uri="{FF2B5EF4-FFF2-40B4-BE49-F238E27FC236}">
+                <a16:creationId xmlns:a16="http://schemas.microsoft.com/office/drawing/2014/main" id="{50A51468-A652-7E07-9CB2-D584DF7F06A1}"/>
+              </a:ext>
+            </a:extLst>
+          </p:cNvPr>
+          <p:cNvPicPr>
+            <a:picLocks noChangeAspect="1"/>
+          </p:cNvPicPr>
+          <p:nvPr/>
+        </p:nvPicPr>
+        <p:blipFill>
+          <a:blip r:embed="rId4">
+            <a:extLst>
+              <a:ext uri="{28A0092B-C50C-407E-A947-70E740481C1C}">
+                <a14:useLocalDpi xmlns:a14="http://schemas.microsoft.com/office/drawing/2010/main" val="0"/>
+              </a:ext>
+            </a:extLst>
+          </a:blip>
+          <a:stretch>
+            <a:fillRect/>
+          </a:stretch>
+        </p:blipFill>
+        <p:spPr>
+          <a:xfrm>
+            <a:off x="4998718" y="945076"/>
+            <a:ext cx="2194564" cy="603505"/>
+          </a:xfrm>
+          <a:prstGeom prst="rect">
+            <a:avLst/>
+          </a:prstGeom>
+        </p:spPr>
+      </p:pic>
+      <p:pic>
+        <p:nvPicPr>
+          <p:cNvPr id="11" name="Picture 10" descr="A black text with numbers&#10;&#10;AI-generated content may be incorrect.">
+            <a:extLst>
+              <a:ext uri="{FF2B5EF4-FFF2-40B4-BE49-F238E27FC236}">
+                <a16:creationId xmlns:a16="http://schemas.microsoft.com/office/drawing/2014/main" id="{EBF47EBD-85BA-7178-1BD4-BDC072A040D5}"/>
+              </a:ext>
+            </a:extLst>
+          </p:cNvPr>
+          <p:cNvPicPr>
+            <a:picLocks noChangeAspect="1"/>
+          </p:cNvPicPr>
+          <p:nvPr/>
+        </p:nvPicPr>
+        <p:blipFill>
+          <a:blip r:embed="rId5">
+            <a:extLst>
+              <a:ext uri="{28A0092B-C50C-407E-A947-70E740481C1C}">
+                <a14:useLocalDpi xmlns:a14="http://schemas.microsoft.com/office/drawing/2010/main" val="0"/>
+              </a:ext>
+            </a:extLst>
+          </a:blip>
+          <a:stretch>
+            <a:fillRect/>
+          </a:stretch>
+        </p:blipFill>
+        <p:spPr>
+          <a:xfrm>
+            <a:off x="4998718" y="1426263"/>
+            <a:ext cx="2194564" cy="603505"/>
+          </a:xfrm>
+          <a:prstGeom prst="rect">
+            <a:avLst/>
+          </a:prstGeom>
+        </p:spPr>
+      </p:pic>
+      <p:pic>
+        <p:nvPicPr>
+          <p:cNvPr id="15" name="Picture 14" descr="A black and orange rectangular box with black text&#10;&#10;AI-generated content may be incorrect.">
+            <a:extLst>
+              <a:ext uri="{FF2B5EF4-FFF2-40B4-BE49-F238E27FC236}">
+                <a16:creationId xmlns:a16="http://schemas.microsoft.com/office/drawing/2014/main" id="{59077782-9588-8ADD-8D41-C85626A4B55E}"/>
+              </a:ext>
+            </a:extLst>
+          </p:cNvPr>
+          <p:cNvPicPr>
+            <a:picLocks noChangeAspect="1"/>
+          </p:cNvPicPr>
+          <p:nvPr/>
+        </p:nvPicPr>
+        <p:blipFill>
+          <a:blip r:embed="rId6">
+            <a:extLst>
+              <a:ext uri="{28A0092B-C50C-407E-A947-70E740481C1C}">
+                <a14:useLocalDpi xmlns:a14="http://schemas.microsoft.com/office/drawing/2010/main" val="0"/>
+              </a:ext>
+            </a:extLst>
+          </a:blip>
+          <a:stretch>
+            <a:fillRect/>
+          </a:stretch>
+        </p:blipFill>
+        <p:spPr>
+          <a:xfrm>
+            <a:off x="4998718" y="1908043"/>
+            <a:ext cx="2194564" cy="603505"/>
+          </a:xfrm>
+          <a:prstGeom prst="rect">
+            <a:avLst/>
+          </a:prstGeom>
+        </p:spPr>
+      </p:pic>
+      <p:pic>
+        <p:nvPicPr>
+          <p:cNvPr id="17" name="Picture 16" descr="A black text on a white background&#10;&#10;AI-generated content may be incorrect.">
+            <a:extLst>
+              <a:ext uri="{FF2B5EF4-FFF2-40B4-BE49-F238E27FC236}">
+                <a16:creationId xmlns:a16="http://schemas.microsoft.com/office/drawing/2014/main" id="{2D32566C-F771-E072-0322-744E31E91A30}"/>
+              </a:ext>
+            </a:extLst>
+          </p:cNvPr>
+          <p:cNvPicPr>
+            <a:picLocks noChangeAspect="1"/>
+          </p:cNvPicPr>
+          <p:nvPr/>
+        </p:nvPicPr>
+        <p:blipFill>
+          <a:blip r:embed="rId7">
+            <a:extLst>
+              <a:ext uri="{28A0092B-C50C-407E-A947-70E740481C1C}">
+                <a14:useLocalDpi xmlns:a14="http://schemas.microsoft.com/office/drawing/2010/main" val="0"/>
+              </a:ext>
+            </a:extLst>
+          </a:blip>
+          <a:stretch>
+            <a:fillRect/>
+          </a:stretch>
+        </p:blipFill>
+        <p:spPr>
+          <a:xfrm>
+            <a:off x="790512" y="2518922"/>
+            <a:ext cx="2194564" cy="603505"/>
+          </a:xfrm>
+          <a:prstGeom prst="rect">
+            <a:avLst/>
+          </a:prstGeom>
+        </p:spPr>
+      </p:pic>
+      <p:pic>
+        <p:nvPicPr>
+          <p:cNvPr id="19" name="Picture 18" descr="A black text on a white background&#10;&#10;AI-generated content may be incorrect.">
+            <a:extLst>
+              <a:ext uri="{FF2B5EF4-FFF2-40B4-BE49-F238E27FC236}">
+                <a16:creationId xmlns:a16="http://schemas.microsoft.com/office/drawing/2014/main" id="{11B79B79-282C-A947-3C1B-C3A84FE5E08F}"/>
+              </a:ext>
+            </a:extLst>
+          </p:cNvPr>
+          <p:cNvPicPr>
+            <a:picLocks noChangeAspect="1"/>
+          </p:cNvPicPr>
+          <p:nvPr/>
+        </p:nvPicPr>
+        <p:blipFill>
+          <a:blip r:embed="rId8">
+            <a:extLst>
+              <a:ext uri="{28A0092B-C50C-407E-A947-70E740481C1C}">
+                <a14:useLocalDpi xmlns:a14="http://schemas.microsoft.com/office/drawing/2010/main" val="0"/>
+              </a:ext>
+            </a:extLst>
+          </a:blip>
+          <a:stretch>
+            <a:fillRect/>
+          </a:stretch>
+        </p:blipFill>
+        <p:spPr>
+          <a:xfrm>
+            <a:off x="790512" y="3009260"/>
+            <a:ext cx="2194564" cy="603505"/>
+          </a:xfrm>
+          <a:prstGeom prst="rect">
+            <a:avLst/>
+          </a:prstGeom>
+        </p:spPr>
+      </p:pic>
+      <p:pic>
+        <p:nvPicPr>
+          <p:cNvPr id="23" name="Picture 22" descr="A black text on a white background&#10;&#10;AI-generated content may be incorrect.">
+            <a:extLst>
+              <a:ext uri="{FF2B5EF4-FFF2-40B4-BE49-F238E27FC236}">
+                <a16:creationId xmlns:a16="http://schemas.microsoft.com/office/drawing/2014/main" id="{FAF4486D-DC34-B41F-8C67-AA74AB4925F1}"/>
+              </a:ext>
+            </a:extLst>
+          </p:cNvPr>
+          <p:cNvPicPr>
+            <a:picLocks noChangeAspect="1"/>
+          </p:cNvPicPr>
+          <p:nvPr/>
+        </p:nvPicPr>
+        <p:blipFill>
+          <a:blip r:embed="rId9">
+            <a:extLst>
+              <a:ext uri="{28A0092B-C50C-407E-A947-70E740481C1C}">
+                <a14:useLocalDpi xmlns:a14="http://schemas.microsoft.com/office/drawing/2010/main" val="0"/>
+              </a:ext>
+            </a:extLst>
+          </a:blip>
+          <a:stretch>
+            <a:fillRect/>
+          </a:stretch>
+        </p:blipFill>
+        <p:spPr>
+          <a:xfrm>
+            <a:off x="790512" y="3494781"/>
+            <a:ext cx="2194564" cy="603505"/>
+          </a:xfrm>
+          <a:prstGeom prst="rect">
+            <a:avLst/>
+          </a:prstGeom>
+        </p:spPr>
+      </p:pic>
+      <p:pic>
+        <p:nvPicPr>
+          <p:cNvPr id="25" name="Picture 24" descr="A black text on a white background&#10;&#10;AI-generated content may be incorrect.">
+            <a:extLst>
+              <a:ext uri="{FF2B5EF4-FFF2-40B4-BE49-F238E27FC236}">
+                <a16:creationId xmlns:a16="http://schemas.microsoft.com/office/drawing/2014/main" id="{C02C0CC8-89BF-6255-B87C-DCE5F2C3F03B}"/>
+              </a:ext>
+            </a:extLst>
+          </p:cNvPr>
+          <p:cNvPicPr>
+            <a:picLocks noChangeAspect="1"/>
+          </p:cNvPicPr>
+          <p:nvPr/>
+        </p:nvPicPr>
+        <p:blipFill>
+          <a:blip r:embed="rId10">
+            <a:extLst>
+              <a:ext uri="{28A0092B-C50C-407E-A947-70E740481C1C}">
+                <a14:useLocalDpi xmlns:a14="http://schemas.microsoft.com/office/drawing/2010/main" val="0"/>
+              </a:ext>
+            </a:extLst>
+          </a:blip>
+          <a:stretch>
+            <a:fillRect/>
+          </a:stretch>
+        </p:blipFill>
+        <p:spPr>
+          <a:xfrm>
+            <a:off x="0" y="4098286"/>
+            <a:ext cx="2194564" cy="603505"/>
+          </a:xfrm>
+          <a:prstGeom prst="rect">
+            <a:avLst/>
+          </a:prstGeom>
+        </p:spPr>
+      </p:pic>
+      <p:pic>
+        <p:nvPicPr>
+          <p:cNvPr id="27" name="Picture 26" descr="A black text on a white background&#10;&#10;AI-generated content may be incorrect.">
+            <a:extLst>
+              <a:ext uri="{FF2B5EF4-FFF2-40B4-BE49-F238E27FC236}">
+                <a16:creationId xmlns:a16="http://schemas.microsoft.com/office/drawing/2014/main" id="{4882F3E7-C289-1DBE-F7BC-19FB46D4773A}"/>
+              </a:ext>
+            </a:extLst>
+          </p:cNvPr>
+          <p:cNvPicPr>
+            <a:picLocks noChangeAspect="1"/>
+          </p:cNvPicPr>
+          <p:nvPr/>
+        </p:nvPicPr>
+        <p:blipFill>
+          <a:blip r:embed="rId11">
+            <a:extLst>
+              <a:ext uri="{28A0092B-C50C-407E-A947-70E740481C1C}">
+                <a14:useLocalDpi xmlns:a14="http://schemas.microsoft.com/office/drawing/2010/main" val="0"/>
+              </a:ext>
+            </a:extLst>
+          </a:blip>
+          <a:stretch>
+            <a:fillRect/>
+          </a:stretch>
+        </p:blipFill>
+        <p:spPr>
+          <a:xfrm>
+            <a:off x="2363672" y="4098286"/>
+            <a:ext cx="2194564" cy="603505"/>
+          </a:xfrm>
+          <a:prstGeom prst="rect">
+            <a:avLst/>
+          </a:prstGeom>
+        </p:spPr>
+      </p:pic>
+      <p:pic>
+        <p:nvPicPr>
+          <p:cNvPr id="29" name="Picture 28" descr="A black text on a white background&#10;&#10;AI-generated content may be incorrect.">
+            <a:extLst>
+              <a:ext uri="{FF2B5EF4-FFF2-40B4-BE49-F238E27FC236}">
+                <a16:creationId xmlns:a16="http://schemas.microsoft.com/office/drawing/2014/main" id="{AF2C89DD-F822-A93C-D32E-789E1530B75B}"/>
+              </a:ext>
+            </a:extLst>
+          </p:cNvPr>
+          <p:cNvPicPr>
+            <a:picLocks noChangeAspect="1"/>
+          </p:cNvPicPr>
+          <p:nvPr/>
+        </p:nvPicPr>
+        <p:blipFill>
+          <a:blip r:embed="rId12">
+            <a:extLst>
+              <a:ext uri="{28A0092B-C50C-407E-A947-70E740481C1C}">
+                <a14:useLocalDpi xmlns:a14="http://schemas.microsoft.com/office/drawing/2010/main" val="0"/>
+              </a:ext>
+            </a:extLst>
+          </a:blip>
+          <a:stretch>
+            <a:fillRect/>
+          </a:stretch>
+        </p:blipFill>
+        <p:spPr>
+          <a:xfrm>
+            <a:off x="8371183" y="2405755"/>
+            <a:ext cx="2194564" cy="603505"/>
+          </a:xfrm>
+          <a:prstGeom prst="rect">
+            <a:avLst/>
+          </a:prstGeom>
+        </p:spPr>
+      </p:pic>
+      <p:pic>
+        <p:nvPicPr>
+          <p:cNvPr id="31" name="Picture 30" descr="A black text on a white background&#10;&#10;AI-generated content may be incorrect.">
+            <a:extLst>
+              <a:ext uri="{FF2B5EF4-FFF2-40B4-BE49-F238E27FC236}">
+                <a16:creationId xmlns:a16="http://schemas.microsoft.com/office/drawing/2014/main" id="{741C36A9-8B64-20E7-11C1-58F4D3BE3C66}"/>
+              </a:ext>
+            </a:extLst>
+          </p:cNvPr>
+          <p:cNvPicPr>
+            <a:picLocks noChangeAspect="1"/>
+          </p:cNvPicPr>
+          <p:nvPr/>
+        </p:nvPicPr>
+        <p:blipFill>
+          <a:blip r:embed="rId13">
+            <a:extLst>
+              <a:ext uri="{28A0092B-C50C-407E-A947-70E740481C1C}">
+                <a14:useLocalDpi xmlns:a14="http://schemas.microsoft.com/office/drawing/2010/main" val="0"/>
+              </a:ext>
+            </a:extLst>
+          </a:blip>
+          <a:stretch>
+            <a:fillRect/>
+          </a:stretch>
+        </p:blipFill>
+        <p:spPr>
+          <a:xfrm>
+            <a:off x="8371183" y="2888817"/>
+            <a:ext cx="2194564" cy="603505"/>
+          </a:xfrm>
+          <a:prstGeom prst="rect">
+            <a:avLst/>
+          </a:prstGeom>
+        </p:spPr>
+      </p:pic>
+      <p:pic>
+        <p:nvPicPr>
+          <p:cNvPr id="33" name="Picture 32" descr="A green and black rectangular box with black text&#10;&#10;AI-generated content may be incorrect.">
+            <a:extLst>
+              <a:ext uri="{FF2B5EF4-FFF2-40B4-BE49-F238E27FC236}">
+                <a16:creationId xmlns:a16="http://schemas.microsoft.com/office/drawing/2014/main" id="{620C13F3-C369-929E-2951-CA50863E9693}"/>
+              </a:ext>
+            </a:extLst>
+          </p:cNvPr>
+          <p:cNvPicPr>
+            <a:picLocks noChangeAspect="1"/>
+          </p:cNvPicPr>
+          <p:nvPr/>
+        </p:nvPicPr>
+        <p:blipFill>
+          <a:blip r:embed="rId14">
+            <a:extLst>
+              <a:ext uri="{28A0092B-C50C-407E-A947-70E740481C1C}">
+                <a14:useLocalDpi xmlns:a14="http://schemas.microsoft.com/office/drawing/2010/main" val="0"/>
+              </a:ext>
+            </a:extLst>
+          </a:blip>
+          <a:stretch>
+            <a:fillRect/>
+          </a:stretch>
+        </p:blipFill>
+        <p:spPr>
+          <a:xfrm>
+            <a:off x="8371183" y="3371879"/>
+            <a:ext cx="2194564" cy="603505"/>
+          </a:xfrm>
+          <a:prstGeom prst="rect">
+            <a:avLst/>
+          </a:prstGeom>
+        </p:spPr>
+      </p:pic>
+      <p:pic>
+        <p:nvPicPr>
+          <p:cNvPr id="37" name="Picture 36" descr="A black text on a white background&#10;&#10;AI-generated content may be incorrect.">
+            <a:extLst>
+              <a:ext uri="{FF2B5EF4-FFF2-40B4-BE49-F238E27FC236}">
+                <a16:creationId xmlns:a16="http://schemas.microsoft.com/office/drawing/2014/main" id="{D87C447D-1969-B09B-85B6-0DCF377E4968}"/>
+              </a:ext>
+            </a:extLst>
+          </p:cNvPr>
+          <p:cNvPicPr>
+            <a:picLocks noChangeAspect="1"/>
+          </p:cNvPicPr>
+          <p:nvPr/>
+        </p:nvPicPr>
+        <p:blipFill>
+          <a:blip r:embed="rId15">
+            <a:extLst>
+              <a:ext uri="{28A0092B-C50C-407E-A947-70E740481C1C}">
+                <a14:useLocalDpi xmlns:a14="http://schemas.microsoft.com/office/drawing/2010/main" val="0"/>
+              </a:ext>
+            </a:extLst>
+          </a:blip>
+          <a:stretch>
+            <a:fillRect/>
+          </a:stretch>
+        </p:blipFill>
+        <p:spPr>
+          <a:xfrm>
+            <a:off x="8371183" y="3876476"/>
+            <a:ext cx="2194564" cy="603505"/>
+          </a:xfrm>
+          <a:prstGeom prst="rect">
+            <a:avLst/>
+          </a:prstGeom>
+        </p:spPr>
+      </p:pic>
+      <p:pic>
+        <p:nvPicPr>
+          <p:cNvPr id="39" name="Picture 38" descr="A black text on a white background&#10;&#10;AI-generated content may be incorrect.">
+            <a:extLst>
+              <a:ext uri="{FF2B5EF4-FFF2-40B4-BE49-F238E27FC236}">
+                <a16:creationId xmlns:a16="http://schemas.microsoft.com/office/drawing/2014/main" id="{AAC194C6-0352-6E99-3E38-1CD353125DF6}"/>
+              </a:ext>
+            </a:extLst>
+          </p:cNvPr>
+          <p:cNvPicPr>
+            <a:picLocks noChangeAspect="1"/>
+          </p:cNvPicPr>
+          <p:nvPr/>
+        </p:nvPicPr>
+        <p:blipFill>
+          <a:blip r:embed="rId16">
+            <a:extLst>
+              <a:ext uri="{28A0092B-C50C-407E-A947-70E740481C1C}">
+                <a14:useLocalDpi xmlns:a14="http://schemas.microsoft.com/office/drawing/2010/main" val="0"/>
+              </a:ext>
+            </a:extLst>
+          </a:blip>
+          <a:stretch>
+            <a:fillRect/>
+          </a:stretch>
+        </p:blipFill>
+        <p:spPr>
+          <a:xfrm>
+            <a:off x="7193282" y="4513804"/>
+            <a:ext cx="2194564" cy="603505"/>
+          </a:xfrm>
+          <a:prstGeom prst="rect">
+            <a:avLst/>
+          </a:prstGeom>
+        </p:spPr>
+      </p:pic>
+      <p:pic>
+        <p:nvPicPr>
+          <p:cNvPr id="41" name="Picture 40" descr="A black text on a white background&#10;&#10;AI-generated content may be incorrect.">
+            <a:extLst>
+              <a:ext uri="{FF2B5EF4-FFF2-40B4-BE49-F238E27FC236}">
+                <a16:creationId xmlns:a16="http://schemas.microsoft.com/office/drawing/2014/main" id="{E119A41F-5464-65BC-6DB6-DF4928BFDDAF}"/>
+              </a:ext>
+            </a:extLst>
+          </p:cNvPr>
+          <p:cNvPicPr>
+            <a:picLocks noChangeAspect="1"/>
+          </p:cNvPicPr>
+          <p:nvPr/>
+        </p:nvPicPr>
+        <p:blipFill>
+          <a:blip r:embed="rId17">
+            <a:extLst>
+              <a:ext uri="{28A0092B-C50C-407E-A947-70E740481C1C}">
+                <a14:useLocalDpi xmlns:a14="http://schemas.microsoft.com/office/drawing/2010/main" val="0"/>
+              </a:ext>
+            </a:extLst>
+          </a:blip>
+          <a:stretch>
+            <a:fillRect/>
+          </a:stretch>
+        </p:blipFill>
+        <p:spPr>
+          <a:xfrm>
+            <a:off x="9747698" y="4521178"/>
+            <a:ext cx="2194564" cy="603505"/>
+          </a:xfrm>
+          <a:prstGeom prst="rect">
+            <a:avLst/>
+          </a:prstGeom>
+        </p:spPr>
+      </p:pic>
+      <p:pic>
+        <p:nvPicPr>
+          <p:cNvPr id="2" name="Picture 1" descr="A black text on a white background&#10;&#10;AI-generated content may be incorrect.">
+            <a:extLst>
+              <a:ext uri="{FF2B5EF4-FFF2-40B4-BE49-F238E27FC236}">
+                <a16:creationId xmlns:a16="http://schemas.microsoft.com/office/drawing/2014/main" id="{5B1857EE-838A-E9B5-4E84-894434176FD3}"/>
+              </a:ext>
+            </a:extLst>
+          </p:cNvPr>
+          <p:cNvPicPr>
+            <a:picLocks noChangeAspect="1"/>
+          </p:cNvPicPr>
+          <p:nvPr/>
+        </p:nvPicPr>
+        <p:blipFill>
+          <a:blip r:embed="rId18">
+            <a:extLst>
+              <a:ext uri="{28A0092B-C50C-407E-A947-70E740481C1C}">
+                <a14:useLocalDpi xmlns:a14="http://schemas.microsoft.com/office/drawing/2010/main" val="0"/>
+              </a:ext>
+            </a:extLst>
+          </a:blip>
+          <a:stretch>
+            <a:fillRect/>
+          </a:stretch>
+        </p:blipFill>
+        <p:spPr>
+          <a:xfrm>
+            <a:off x="9747698" y="5362018"/>
+            <a:ext cx="2194564" cy="603505"/>
+          </a:xfrm>
+          <a:prstGeom prst="rect">
+            <a:avLst/>
+          </a:prstGeom>
+        </p:spPr>
+      </p:pic>
+    </p:spTree>
+    <p:extLst>
+      <p:ext uri="{BB962C8B-B14F-4D97-AF65-F5344CB8AC3E}">
+        <p14:creationId xmlns:p14="http://schemas.microsoft.com/office/powerpoint/2010/main" val="2937522744"/>
+      </p:ext>
+    </p:extLst>
+  </p:cSld>
+  <p:clrMapOvr>
+    <a:masterClrMapping/>
+  </p:clrMapOvr>
+</p:sld>
+</file>
+
+<file path=ppt/slides/slide24.xml><?xml version="1.0" encoding="utf-8"?>
+<p:sld xmlns:a="http://schemas.openxmlformats.org/drawingml/2006/main" xmlns:r="http://schemas.openxmlformats.org/officeDocument/2006/relationships" xmlns:p="http://schemas.openxmlformats.org/presentationml/2006/main">
+  <p:cSld>
+    <p:spTree>
+      <p:nvGrpSpPr>
+        <p:cNvPr id="1" name="">
+          <a:extLst>
+            <a:ext uri="{FF2B5EF4-FFF2-40B4-BE49-F238E27FC236}">
+              <a16:creationId xmlns:a16="http://schemas.microsoft.com/office/drawing/2014/main" id="{9C543F55-F01B-5980-FFED-E4FC2E4B6365}"/>
+            </a:ext>
+          </a:extLst>
+        </p:cNvPr>
+        <p:cNvGrpSpPr/>
+        <p:nvPr/>
+      </p:nvGrpSpPr>
+      <p:grpSpPr>
+        <a:xfrm>
+          <a:off x="0" y="0"/>
+          <a:ext cx="0" cy="0"/>
+          <a:chOff x="0" y="0"/>
+          <a:chExt cx="0" cy="0"/>
+        </a:xfrm>
+      </p:grpSpPr>
+      <p:sp>
+        <p:nvSpPr>
+          <p:cNvPr id="2" name="Title 1">
+            <a:extLst>
+              <a:ext uri="{FF2B5EF4-FFF2-40B4-BE49-F238E27FC236}">
+                <a16:creationId xmlns:a16="http://schemas.microsoft.com/office/drawing/2014/main" id="{D740C096-0202-74C5-84C8-944B916CB816}"/>
+              </a:ext>
+            </a:extLst>
+          </p:cNvPr>
+          <p:cNvSpPr>
+            <a:spLocks noGrp="1"/>
+          </p:cNvSpPr>
+          <p:nvPr>
+            <p:ph type="title"/>
+          </p:nvPr>
+        </p:nvSpPr>
+        <p:spPr>
+          <a:xfrm>
+            <a:off x="716280" y="0"/>
+            <a:ext cx="10515600" cy="1325563"/>
+          </a:xfrm>
+        </p:spPr>
+        <p:txBody>
+          <a:bodyPr/>
+          <a:lstStyle/>
+          <a:p>
+            <a:r>
+              <a:rPr lang="en-US" dirty="0"/>
+              <a:t>Content</a:t>
+            </a:r>
+            <a:endParaRPr lang="nl-NL" dirty="0"/>
+          </a:p>
+        </p:txBody>
+      </p:sp>
+      <p:sp>
+        <p:nvSpPr>
+          <p:cNvPr id="3" name="Content Placeholder 2">
+            <a:extLst>
+              <a:ext uri="{FF2B5EF4-FFF2-40B4-BE49-F238E27FC236}">
+                <a16:creationId xmlns:a16="http://schemas.microsoft.com/office/drawing/2014/main" id="{48C76C1F-04EF-78E6-1AF9-FD1C91596D9B}"/>
+              </a:ext>
+            </a:extLst>
+          </p:cNvPr>
+          <p:cNvSpPr>
+            <a:spLocks noGrp="1"/>
+          </p:cNvSpPr>
+          <p:nvPr>
+            <p:ph idx="1"/>
+          </p:nvPr>
+        </p:nvSpPr>
+        <p:spPr>
+          <a:xfrm>
+            <a:off x="716280" y="1325563"/>
+            <a:ext cx="8747760" cy="5230496"/>
+          </a:xfrm>
+        </p:spPr>
+        <p:txBody>
+          <a:bodyPr>
+            <a:normAutofit fontScale="92500" lnSpcReduction="10000"/>
+          </a:bodyPr>
+          <a:lstStyle/>
+          <a:p>
+            <a:r>
+              <a:rPr lang="en-US" dirty="0"/>
+              <a:t>Arrays</a:t>
+            </a:r>
+          </a:p>
+          <a:p>
+            <a:r>
+              <a:rPr lang="en-US" dirty="0"/>
+              <a:t>Lists (</a:t>
+            </a:r>
+            <a:r>
+              <a:rPr lang="en-US" dirty="0" err="1"/>
+              <a:t>ArrayList</a:t>
+            </a:r>
+            <a:r>
+              <a:rPr lang="en-US" dirty="0"/>
+              <a:t>)</a:t>
+            </a:r>
+          </a:p>
+          <a:p>
+            <a:r>
+              <a:rPr lang="en-US" dirty="0"/>
+              <a:t>Sets</a:t>
+            </a:r>
+          </a:p>
+          <a:p>
+            <a:r>
+              <a:rPr lang="en-US" dirty="0"/>
+              <a:t>Stack</a:t>
+            </a:r>
+          </a:p>
+          <a:p>
+            <a:r>
+              <a:rPr lang="en-US" dirty="0"/>
+              <a:t>Heap</a:t>
+            </a:r>
+          </a:p>
+          <a:p>
+            <a:r>
+              <a:rPr lang="en-US" dirty="0"/>
+              <a:t>Queues</a:t>
+            </a:r>
+          </a:p>
+          <a:p>
+            <a:r>
+              <a:rPr lang="en-US" dirty="0" err="1"/>
+              <a:t>Dicts</a:t>
+            </a:r>
+            <a:endParaRPr lang="en-US" dirty="0"/>
+          </a:p>
+          <a:p>
+            <a:r>
+              <a:rPr lang="en-US" dirty="0" err="1"/>
+              <a:t>Hashmap</a:t>
+            </a:r>
+            <a:endParaRPr lang="en-US" dirty="0"/>
+          </a:p>
+          <a:p>
+            <a:r>
+              <a:rPr lang="en-US" dirty="0"/>
+              <a:t>Linked lists (single/double)</a:t>
+            </a:r>
+          </a:p>
+          <a:p>
+            <a:r>
+              <a:rPr lang="en-US" dirty="0"/>
+              <a:t>Trees</a:t>
+            </a:r>
+          </a:p>
+          <a:p>
+            <a:r>
+              <a:rPr lang="en-US" dirty="0"/>
+              <a:t>Quicksort</a:t>
+            </a:r>
+          </a:p>
+        </p:txBody>
+      </p:sp>
+      <p:sp>
+        <p:nvSpPr>
+          <p:cNvPr id="6" name="TextBox 5">
+            <a:extLst>
+              <a:ext uri="{FF2B5EF4-FFF2-40B4-BE49-F238E27FC236}">
+                <a16:creationId xmlns:a16="http://schemas.microsoft.com/office/drawing/2014/main" id="{5C0BBBE6-D47E-F589-22D4-8000A833ADFD}"/>
+              </a:ext>
+            </a:extLst>
+          </p:cNvPr>
+          <p:cNvSpPr txBox="1"/>
+          <p:nvPr/>
+        </p:nvSpPr>
+        <p:spPr>
+          <a:xfrm>
+            <a:off x="88490" y="6488668"/>
+            <a:ext cx="12713110" cy="369332"/>
+          </a:xfrm>
+          <a:prstGeom prst="rect">
+            <a:avLst/>
+          </a:prstGeom>
+          <a:noFill/>
+        </p:spPr>
+        <p:txBody>
+          <a:bodyPr wrap="square">
+            <a:spAutoFit/>
+          </a:bodyPr>
+          <a:lstStyle/>
+          <a:p>
+            <a:r>
+              <a:rPr lang="nl-NL" dirty="0"/>
+              <a:t>Arrays -&gt; </a:t>
+            </a:r>
+            <a:r>
+              <a:rPr lang="nl-NL" dirty="0" err="1"/>
+              <a:t>Lists</a:t>
+            </a:r>
+            <a:r>
+              <a:rPr lang="nl-NL" dirty="0"/>
+              <a:t> -&gt; Sets -&gt; Stack -&gt; </a:t>
+            </a:r>
+            <a:r>
+              <a:rPr lang="nl-NL" dirty="0" err="1"/>
+              <a:t>Heap</a:t>
+            </a:r>
+            <a:r>
+              <a:rPr lang="nl-NL" dirty="0"/>
+              <a:t> -&gt; Queues -&gt; </a:t>
+            </a:r>
+            <a:r>
+              <a:rPr lang="nl-NL" dirty="0" err="1"/>
+              <a:t>Dicts</a:t>
+            </a:r>
+            <a:r>
+              <a:rPr lang="nl-NL" dirty="0"/>
+              <a:t> -&gt; </a:t>
+            </a:r>
+            <a:r>
+              <a:rPr lang="nl-NL" dirty="0" err="1"/>
+              <a:t>Hashmap</a:t>
+            </a:r>
+            <a:r>
+              <a:rPr lang="nl-NL" dirty="0"/>
+              <a:t> -&gt; </a:t>
+            </a:r>
+            <a:r>
+              <a:rPr lang="nl-NL" dirty="0" err="1"/>
+              <a:t>Linked</a:t>
+            </a:r>
+            <a:r>
+              <a:rPr lang="nl-NL" dirty="0"/>
+              <a:t> </a:t>
+            </a:r>
+            <a:r>
+              <a:rPr lang="nl-NL" dirty="0" err="1"/>
+              <a:t>lists</a:t>
+            </a:r>
+            <a:r>
+              <a:rPr lang="nl-NL" dirty="0"/>
+              <a:t> (single/double)-&gt; Trees -&gt; </a:t>
+            </a:r>
+            <a:r>
+              <a:rPr lang="nl-NL" dirty="0" err="1"/>
+              <a:t>Quicksort</a:t>
+            </a:r>
+            <a:endParaRPr lang="nl-NL" dirty="0"/>
+          </a:p>
+        </p:txBody>
+      </p:sp>
+    </p:spTree>
+    <p:extLst>
+      <p:ext uri="{BB962C8B-B14F-4D97-AF65-F5344CB8AC3E}">
+        <p14:creationId xmlns:p14="http://schemas.microsoft.com/office/powerpoint/2010/main" val="1101317567"/>
+      </p:ext>
+    </p:extLst>
+  </p:cSld>
+  <p:clrMapOvr>
+    <a:masterClrMapping/>
+  </p:clrMapOvr>
+  <p:transition spd="slow">
+    <p:push dir="u"/>
+  </p:transition>
+  <p:timing>
+    <p:tnLst>
+      <p:par>
+        <p:cTn id="1" dur="indefinite" restart="never" nodeType="tmRoot">
+          <p:childTnLst>
+            <p:seq concurrent="1" nextAc="seek">
+              <p:cTn id="2" dur="indefinite" nodeType="mainSeq">
+                <p:childTnLst>
+                  <p:par>
+                    <p:cTn id="3" fill="hold">
+                      <p:stCondLst>
+                        <p:cond delay="indefinite"/>
+                      </p:stCondLst>
+                      <p:childTnLst>
+                        <p:par>
+                          <p:cTn id="4" fill="hold">
+                            <p:stCondLst>
+                              <p:cond delay="0"/>
+                            </p:stCondLst>
+                            <p:childTnLst>
+                              <p:par>
+                                <p:cTn id="5" presetID="1" presetClass="entr" presetSubtype="0" fill="hold" grpId="0" nodeType="clickEffect">
+                                  <p:stCondLst>
+                                    <p:cond delay="0"/>
+                                  </p:stCondLst>
+                                  <p:childTnLst>
+                                    <p:set>
+                                      <p:cBhvr>
+                                        <p:cTn id="6" dur="1" fill="hold">
+                                          <p:stCondLst>
+                                            <p:cond delay="0"/>
+                                          </p:stCondLst>
+                                        </p:cTn>
+                                        <p:tgtEl>
+                                          <p:spTgt spid="6"/>
+                                        </p:tgtEl>
+                                        <p:attrNameLst>
+                                          <p:attrName>style.visibility</p:attrName>
+                                        </p:attrNameLst>
+                                      </p:cBhvr>
+                                      <p:to>
+                                        <p:strVal val="visible"/>
+                                      </p:to>
+                                    </p:set>
+                                  </p:childTnLst>
+                                </p:cTn>
+                              </p:par>
+                            </p:childTnLst>
+                          </p:cTn>
+                        </p:par>
+                      </p:childTnLst>
+                    </p:cTn>
+                  </p:par>
+                </p:childTnLst>
+              </p:cTn>
+              <p:prevCondLst>
+                <p:cond evt="onPrev" delay="0">
+                  <p:tgtEl>
+                    <p:sldTgt/>
+                  </p:tgtEl>
+                </p:cond>
+              </p:prevCondLst>
+              <p:nextCondLst>
+                <p:cond evt="onNext" delay="0">
+                  <p:tgtEl>
+                    <p:sldTgt/>
+                  </p:tgtEl>
+                </p:cond>
+              </p:nextCondLst>
+            </p:seq>
+          </p:childTnLst>
+        </p:cTn>
+      </p:par>
+    </p:tnLst>
+    <p:bldLst>
+      <p:bldP spid="6" grpId="0"/>
+    </p:bldLst>
+  </p:timing>
+</p:sld>
+</file>
+
+<file path=ppt/slides/slide25.xml><?xml version="1.0" encoding="utf-8"?>
+<p:sld xmlns:a="http://schemas.openxmlformats.org/drawingml/2006/main" xmlns:r="http://schemas.openxmlformats.org/officeDocument/2006/relationships" xmlns:p="http://schemas.openxmlformats.org/presentationml/2006/main">
+  <p:cSld>
+    <p:spTree>
+      <p:nvGrpSpPr>
+        <p:cNvPr id="1" name=""/>
+        <p:cNvGrpSpPr/>
+        <p:nvPr/>
+      </p:nvGrpSpPr>
+      <p:grpSpPr>
+        <a:xfrm>
+          <a:off x="0" y="0"/>
+          <a:ext cx="0" cy="0"/>
+          <a:chOff x="0" y="0"/>
+          <a:chExt cx="0" cy="0"/>
+        </a:xfrm>
+      </p:grpSpPr>
+      <p:sp>
+        <p:nvSpPr>
+          <p:cNvPr id="2" name="Title 1">
+            <a:extLst>
+              <a:ext uri="{FF2B5EF4-FFF2-40B4-BE49-F238E27FC236}">
+                <a16:creationId xmlns:a16="http://schemas.microsoft.com/office/drawing/2014/main" id="{016BD01B-A6AB-5AFE-25C6-58FF83C62D4E}"/>
+              </a:ext>
+            </a:extLst>
+          </p:cNvPr>
+          <p:cNvSpPr>
+            <a:spLocks noGrp="1"/>
+          </p:cNvSpPr>
+          <p:nvPr>
+            <p:ph type="title"/>
+          </p:nvPr>
+        </p:nvSpPr>
+        <p:spPr/>
+        <p:txBody>
+          <a:bodyPr/>
+          <a:lstStyle/>
+          <a:p>
+            <a:r>
+              <a:rPr lang="en-US" dirty="0"/>
+              <a:t>De </a:t>
+            </a:r>
+            <a:r>
+              <a:rPr lang="en-US" dirty="0" err="1"/>
+              <a:t>opdracht</a:t>
+            </a:r>
+            <a:endParaRPr lang="nl-NL" dirty="0"/>
+          </a:p>
+        </p:txBody>
+      </p:sp>
+      <p:sp>
+        <p:nvSpPr>
+          <p:cNvPr id="5" name="TextBox 4">
+            <a:extLst>
+              <a:ext uri="{FF2B5EF4-FFF2-40B4-BE49-F238E27FC236}">
+                <a16:creationId xmlns:a16="http://schemas.microsoft.com/office/drawing/2014/main" id="{34860E4D-0500-99F4-C97B-4890FDAC047E}"/>
+              </a:ext>
+            </a:extLst>
+          </p:cNvPr>
+          <p:cNvSpPr txBox="1"/>
+          <p:nvPr/>
+        </p:nvSpPr>
+        <p:spPr>
+          <a:xfrm>
+            <a:off x="838200" y="3106555"/>
+            <a:ext cx="12801600" cy="1015663"/>
+          </a:xfrm>
+          <a:prstGeom prst="rect">
+            <a:avLst/>
+          </a:prstGeom>
+          <a:noFill/>
+        </p:spPr>
+        <p:txBody>
+          <a:bodyPr wrap="square">
+            <a:spAutoFit/>
+          </a:bodyPr>
+          <a:lstStyle/>
+          <a:p>
+            <a:r>
+              <a:rPr lang="nl-NL" sz="2000" dirty="0">
+                <a:hlinkClick r:id="rId2"/>
+              </a:rPr>
+              <a:t>https://github.com/HU-TI-DEV/TI-S4/blob/main/software/algoritmen_en_datastructuren/2_containers_zoeken_sorteren.ipynb</a:t>
+            </a:r>
+            <a:endParaRPr lang="nl-NL" sz="2000" dirty="0"/>
+          </a:p>
+          <a:p>
+            <a:endParaRPr lang="nl-NL" sz="2000" dirty="0"/>
+          </a:p>
+        </p:txBody>
+      </p:sp>
+    </p:spTree>
+    <p:extLst>
+      <p:ext uri="{BB962C8B-B14F-4D97-AF65-F5344CB8AC3E}">
+        <p14:creationId xmlns:p14="http://schemas.microsoft.com/office/powerpoint/2010/main" val="248977176"/>
+      </p:ext>
+    </p:extLst>
+  </p:cSld>
+  <p:clrMapOvr>
+    <a:masterClrMapping/>
+  </p:clrMapOvr>
+</p:sld>
+</file>
+
 <file path=ppt/slides/slide3.xml><?xml version="1.0" encoding="utf-8"?>
 <p:sld xmlns:a="http://schemas.openxmlformats.org/drawingml/2006/main" xmlns:r="http://schemas.openxmlformats.org/officeDocument/2006/relationships" xmlns:p="http://schemas.openxmlformats.org/presentationml/2006/main">
   <p:cSld>
@@ -10712,13 +15491,13 @@
   <p:clrMapOvr>
     <a:masterClrMapping/>
   </p:clrMapOvr>
-  <mc:AlternateContent xmlns:mc="http://schemas.openxmlformats.org/markup-compatibility/2006">
-    <mc:Choice xmlns:p14="http://schemas.microsoft.com/office/powerpoint/2010/main" Requires="p14">
+  <mc:AlternateContent xmlns:mc="http://schemas.openxmlformats.org/markup-compatibility/2006" xmlns:p14="http://schemas.microsoft.com/office/powerpoint/2010/main">
+    <mc:Choice Requires="p14">
       <p:transition spd="med" p14:dur="700">
         <p:fade/>
       </p:transition>
     </mc:Choice>
-    <mc:Fallback>
+    <mc:Fallback xmlns="">
       <p:transition spd="med">
         <p:fade/>
       </p:transition>
@@ -11100,13 +15879,13 @@
   <p:clrMapOvr>
     <a:masterClrMapping/>
   </p:clrMapOvr>
-  <mc:AlternateContent xmlns:mc="http://schemas.openxmlformats.org/markup-compatibility/2006">
-    <mc:Choice xmlns:p14="http://schemas.microsoft.com/office/powerpoint/2010/main" Requires="p14">
+  <mc:AlternateContent xmlns:mc="http://schemas.openxmlformats.org/markup-compatibility/2006" xmlns:p14="http://schemas.microsoft.com/office/powerpoint/2010/main">
+    <mc:Choice Requires="p14">
       <p:transition spd="med" p14:dur="700">
         <p:fade/>
       </p:transition>
     </mc:Choice>
-    <mc:Fallback>
+    <mc:Fallback xmlns="">
       <p:transition spd="med">
         <p:fade/>
       </p:transition>

--- a/software/algoritmen_en_datastructuren/files/Data structures.pptx
+++ b/software/algoritmen_en_datastructuren/files/Data structures.pptx
@@ -20,16 +20,15 @@
     <p:sldId id="291" r:id="rId14"/>
     <p:sldId id="292" r:id="rId15"/>
     <p:sldId id="293" r:id="rId16"/>
-    <p:sldId id="294" r:id="rId17"/>
-    <p:sldId id="300" r:id="rId18"/>
-    <p:sldId id="297" r:id="rId19"/>
-    <p:sldId id="298" r:id="rId20"/>
-    <p:sldId id="299" r:id="rId21"/>
-    <p:sldId id="302" r:id="rId22"/>
-    <p:sldId id="301" r:id="rId23"/>
-    <p:sldId id="303" r:id="rId24"/>
-    <p:sldId id="296" r:id="rId25"/>
-    <p:sldId id="295" r:id="rId26"/>
+    <p:sldId id="300" r:id="rId17"/>
+    <p:sldId id="297" r:id="rId18"/>
+    <p:sldId id="298" r:id="rId19"/>
+    <p:sldId id="299" r:id="rId20"/>
+    <p:sldId id="302" r:id="rId21"/>
+    <p:sldId id="301" r:id="rId22"/>
+    <p:sldId id="303" r:id="rId23"/>
+    <p:sldId id="296" r:id="rId24"/>
+    <p:sldId id="295" r:id="rId25"/>
   </p:sldIdLst>
   <p:sldSz cx="12192000" cy="6858000"/>
   <p:notesSz cx="6858000" cy="9144000"/>
@@ -6098,346 +6097,6 @@
   <p:cSld>
     <p:spTree>
       <p:nvGrpSpPr>
-        <p:cNvPr id="1" name="">
-          <a:extLst>
-            <a:ext uri="{FF2B5EF4-FFF2-40B4-BE49-F238E27FC236}">
-              <a16:creationId xmlns:a16="http://schemas.microsoft.com/office/drawing/2014/main" id="{C0D45B13-16E9-AF0C-EF1F-30655E680373}"/>
-            </a:ext>
-          </a:extLst>
-        </p:cNvPr>
-        <p:cNvGrpSpPr/>
-        <p:nvPr/>
-      </p:nvGrpSpPr>
-      <p:grpSpPr>
-        <a:xfrm>
-          <a:off x="0" y="0"/>
-          <a:ext cx="0" cy="0"/>
-          <a:chOff x="0" y="0"/>
-          <a:chExt cx="0" cy="0"/>
-        </a:xfrm>
-      </p:grpSpPr>
-      <p:sp>
-        <p:nvSpPr>
-          <p:cNvPr id="2" name="Title 1">
-            <a:extLst>
-              <a:ext uri="{FF2B5EF4-FFF2-40B4-BE49-F238E27FC236}">
-                <a16:creationId xmlns:a16="http://schemas.microsoft.com/office/drawing/2014/main" id="{E95D90E1-DA99-8A46-0476-9542ED5AF6DC}"/>
-              </a:ext>
-            </a:extLst>
-          </p:cNvPr>
-          <p:cNvSpPr>
-            <a:spLocks noGrp="1"/>
-          </p:cNvSpPr>
-          <p:nvPr>
-            <p:ph type="title"/>
-          </p:nvPr>
-        </p:nvSpPr>
-        <p:spPr/>
-        <p:txBody>
-          <a:bodyPr/>
-          <a:lstStyle/>
-          <a:p>
-            <a:r>
-              <a:rPr lang="en-US" dirty="0"/>
-              <a:t>Quicksort</a:t>
-            </a:r>
-            <a:endParaRPr lang="nl-NL" dirty="0"/>
-          </a:p>
-        </p:txBody>
-      </p:sp>
-      <p:sp>
-        <p:nvSpPr>
-          <p:cNvPr id="10" name="TextBox 9">
-            <a:extLst>
-              <a:ext uri="{FF2B5EF4-FFF2-40B4-BE49-F238E27FC236}">
-                <a16:creationId xmlns:a16="http://schemas.microsoft.com/office/drawing/2014/main" id="{979B0A45-7965-245C-BDE4-20E665AD9954}"/>
-              </a:ext>
-            </a:extLst>
-          </p:cNvPr>
-          <p:cNvSpPr txBox="1"/>
-          <p:nvPr/>
-        </p:nvSpPr>
-        <p:spPr>
-          <a:xfrm>
-            <a:off x="88490" y="6488668"/>
-            <a:ext cx="12713110" cy="369332"/>
-          </a:xfrm>
-          <a:prstGeom prst="rect">
-            <a:avLst/>
-          </a:prstGeom>
-          <a:noFill/>
-        </p:spPr>
-        <p:txBody>
-          <a:bodyPr wrap="square">
-            <a:spAutoFit/>
-          </a:bodyPr>
-          <a:lstStyle/>
-          <a:p>
-            <a:r>
-              <a:rPr lang="nl-NL" dirty="0">
-                <a:solidFill>
-                  <a:schemeClr val="bg2">
-                    <a:lumMod val="90000"/>
-                  </a:schemeClr>
-                </a:solidFill>
-              </a:rPr>
-              <a:t>Arrays -&gt; </a:t>
-            </a:r>
-            <a:r>
-              <a:rPr lang="nl-NL" dirty="0" err="1">
-                <a:solidFill>
-                  <a:schemeClr val="bg2">
-                    <a:lumMod val="90000"/>
-                  </a:schemeClr>
-                </a:solidFill>
-              </a:rPr>
-              <a:t>Lists</a:t>
-            </a:r>
-            <a:r>
-              <a:rPr lang="nl-NL" dirty="0">
-                <a:solidFill>
-                  <a:schemeClr val="bg2">
-                    <a:lumMod val="90000"/>
-                  </a:schemeClr>
-                </a:solidFill>
-              </a:rPr>
-              <a:t> -&gt; Sets -&gt; Stack -&gt; </a:t>
-            </a:r>
-            <a:r>
-              <a:rPr lang="nl-NL" dirty="0" err="1">
-                <a:solidFill>
-                  <a:schemeClr val="bg2">
-                    <a:lumMod val="90000"/>
-                  </a:schemeClr>
-                </a:solidFill>
-              </a:rPr>
-              <a:t>Heap</a:t>
-            </a:r>
-            <a:r>
-              <a:rPr lang="nl-NL" dirty="0">
-                <a:solidFill>
-                  <a:schemeClr val="bg2">
-                    <a:lumMod val="90000"/>
-                  </a:schemeClr>
-                </a:solidFill>
-              </a:rPr>
-              <a:t> -&gt; </a:t>
-            </a:r>
-            <a:r>
-              <a:rPr lang="nl-NL" dirty="0">
-                <a:solidFill>
-                  <a:schemeClr val="bg2">
-                    <a:lumMod val="75000"/>
-                  </a:schemeClr>
-                </a:solidFill>
-              </a:rPr>
-              <a:t>Queues -&gt;</a:t>
-            </a:r>
-            <a:r>
-              <a:rPr lang="nl-NL" dirty="0">
-                <a:solidFill>
-                  <a:schemeClr val="bg2">
-                    <a:lumMod val="90000"/>
-                  </a:schemeClr>
-                </a:solidFill>
-              </a:rPr>
-              <a:t> </a:t>
-            </a:r>
-            <a:r>
-              <a:rPr lang="nl-NL" dirty="0" err="1">
-                <a:solidFill>
-                  <a:schemeClr val="bg2">
-                    <a:lumMod val="90000"/>
-                  </a:schemeClr>
-                </a:solidFill>
-              </a:rPr>
-              <a:t>Dicts</a:t>
-            </a:r>
-            <a:r>
-              <a:rPr lang="nl-NL" dirty="0">
-                <a:solidFill>
-                  <a:schemeClr val="bg2">
-                    <a:lumMod val="90000"/>
-                  </a:schemeClr>
-                </a:solidFill>
-              </a:rPr>
-              <a:t> -&gt; </a:t>
-            </a:r>
-            <a:r>
-              <a:rPr lang="nl-NL" dirty="0" err="1">
-                <a:solidFill>
-                  <a:schemeClr val="bg2">
-                    <a:lumMod val="90000"/>
-                  </a:schemeClr>
-                </a:solidFill>
-              </a:rPr>
-              <a:t>Hashmap</a:t>
-            </a:r>
-            <a:r>
-              <a:rPr lang="nl-NL" dirty="0">
-                <a:solidFill>
-                  <a:schemeClr val="bg2">
-                    <a:lumMod val="90000"/>
-                  </a:schemeClr>
-                </a:solidFill>
-              </a:rPr>
-              <a:t> -&gt; </a:t>
-            </a:r>
-            <a:r>
-              <a:rPr lang="nl-NL" dirty="0" err="1">
-                <a:solidFill>
-                  <a:schemeClr val="bg2">
-                    <a:lumMod val="90000"/>
-                  </a:schemeClr>
-                </a:solidFill>
-              </a:rPr>
-              <a:t>Linked</a:t>
-            </a:r>
-            <a:r>
-              <a:rPr lang="nl-NL" dirty="0">
-                <a:solidFill>
-                  <a:schemeClr val="bg2">
-                    <a:lumMod val="90000"/>
-                  </a:schemeClr>
-                </a:solidFill>
-              </a:rPr>
-              <a:t> </a:t>
-            </a:r>
-            <a:r>
-              <a:rPr lang="nl-NL" dirty="0" err="1">
-                <a:solidFill>
-                  <a:schemeClr val="bg2">
-                    <a:lumMod val="90000"/>
-                  </a:schemeClr>
-                </a:solidFill>
-              </a:rPr>
-              <a:t>lists</a:t>
-            </a:r>
-            <a:r>
-              <a:rPr lang="nl-NL" dirty="0">
-                <a:solidFill>
-                  <a:schemeClr val="bg2">
-                    <a:lumMod val="90000"/>
-                  </a:schemeClr>
-                </a:solidFill>
-              </a:rPr>
-              <a:t> (single/double)-&gt; Trees -&gt; </a:t>
-            </a:r>
-            <a:r>
-              <a:rPr lang="nl-NL" dirty="0" err="1"/>
-              <a:t>Quicksort</a:t>
-            </a:r>
-            <a:endParaRPr lang="nl-NL" dirty="0"/>
-          </a:p>
-        </p:txBody>
-      </p:sp>
-      <p:pic>
-        <p:nvPicPr>
-          <p:cNvPr id="4098" name="Picture 2">
-            <a:extLst>
-              <a:ext uri="{FF2B5EF4-FFF2-40B4-BE49-F238E27FC236}">
-                <a16:creationId xmlns:a16="http://schemas.microsoft.com/office/drawing/2014/main" id="{6BA25C1E-F325-D7BC-D443-B5659B6B1A0E}"/>
-              </a:ext>
-            </a:extLst>
-          </p:cNvPr>
-          <p:cNvPicPr>
-            <a:picLocks noChangeAspect="1" noChangeArrowheads="1"/>
-          </p:cNvPicPr>
-          <p:nvPr/>
-        </p:nvPicPr>
-        <p:blipFill>
-          <a:blip r:embed="rId2">
-            <a:extLst>
-              <a:ext uri="{28A0092B-C50C-407E-A947-70E740481C1C}">
-                <a14:useLocalDpi xmlns:a14="http://schemas.microsoft.com/office/drawing/2010/main" val="0"/>
-              </a:ext>
-            </a:extLst>
-          </a:blip>
-          <a:srcRect/>
-          <a:stretch>
-            <a:fillRect/>
-          </a:stretch>
-        </p:blipFill>
-        <p:spPr bwMode="auto">
-          <a:xfrm>
-            <a:off x="8179517" y="0"/>
-            <a:ext cx="3884664" cy="2967883"/>
-          </a:xfrm>
-          <a:prstGeom prst="rect">
-            <a:avLst/>
-          </a:prstGeom>
-          <a:noFill/>
-          <a:extLst>
-            <a:ext uri="{909E8E84-426E-40DD-AFC4-6F175D3DCCD1}">
-              <a14:hiddenFill xmlns:a14="http://schemas.microsoft.com/office/drawing/2010/main">
-                <a:solidFill>
-                  <a:srgbClr val="FFFFFF"/>
-                </a:solidFill>
-              </a14:hiddenFill>
-            </a:ext>
-          </a:extLst>
-        </p:spPr>
-      </p:pic>
-      <p:pic>
-        <p:nvPicPr>
-          <p:cNvPr id="4" name="Picture 3">
-            <a:extLst>
-              <a:ext uri="{FF2B5EF4-FFF2-40B4-BE49-F238E27FC236}">
-                <a16:creationId xmlns:a16="http://schemas.microsoft.com/office/drawing/2014/main" id="{917C56D1-3F4A-FFBF-F00D-62BB48DB298F}"/>
-              </a:ext>
-            </a:extLst>
-          </p:cNvPr>
-          <p:cNvPicPr>
-            <a:picLocks noChangeAspect="1"/>
-          </p:cNvPicPr>
-          <p:nvPr/>
-        </p:nvPicPr>
-        <p:blipFill>
-          <a:blip r:embed="rId3"/>
-          <a:stretch>
-            <a:fillRect/>
-          </a:stretch>
-        </p:blipFill>
-        <p:spPr>
-          <a:xfrm>
-            <a:off x="710833" y="0"/>
-            <a:ext cx="6603301" cy="6858000"/>
-          </a:xfrm>
-          <a:prstGeom prst="rect">
-            <a:avLst/>
-          </a:prstGeom>
-        </p:spPr>
-      </p:pic>
-    </p:spTree>
-    <p:extLst>
-      <p:ext uri="{BB962C8B-B14F-4D97-AF65-F5344CB8AC3E}">
-        <p14:creationId xmlns:p14="http://schemas.microsoft.com/office/powerpoint/2010/main" val="1009111275"/>
-      </p:ext>
-    </p:extLst>
-  </p:cSld>
-  <p:clrMapOvr>
-    <a:masterClrMapping/>
-  </p:clrMapOvr>
-  <mc:AlternateContent xmlns:mc="http://schemas.openxmlformats.org/markup-compatibility/2006" xmlns:p159="http://schemas.microsoft.com/office/powerpoint/2015/09/main">
-    <mc:Choice Requires="p159">
-      <p:transition xmlns:p14="http://schemas.microsoft.com/office/powerpoint/2010/main" spd="slow" p14:dur="2000">
-        <p159:morph option="byObject"/>
-      </p:transition>
-    </mc:Choice>
-    <mc:Fallback xmlns="">
-      <p:transition spd="slow">
-        <p:fade/>
-      </p:transition>
-    </mc:Fallback>
-  </mc:AlternateContent>
-</p:sld>
-</file>
-
-<file path=ppt/slides/slide17.xml><?xml version="1.0" encoding="utf-8"?>
-<p:sld xmlns:a="http://schemas.openxmlformats.org/drawingml/2006/main" xmlns:r="http://schemas.openxmlformats.org/officeDocument/2006/relationships" xmlns:p="http://schemas.openxmlformats.org/presentationml/2006/main">
-  <p:cSld>
-    <p:spTree>
-      <p:nvGrpSpPr>
         <p:cNvPr id="1" name=""/>
         <p:cNvGrpSpPr/>
         <p:nvPr/>
@@ -7543,7 +7202,7 @@
 </p:sld>
 </file>
 
-<file path=ppt/slides/slide18.xml><?xml version="1.0" encoding="utf-8"?>
+<file path=ppt/slides/slide17.xml><?xml version="1.0" encoding="utf-8"?>
 <p:sld xmlns:a="http://schemas.openxmlformats.org/drawingml/2006/main" xmlns:r="http://schemas.openxmlformats.org/officeDocument/2006/relationships" xmlns:p="http://schemas.openxmlformats.org/presentationml/2006/main">
   <p:cSld>
     <p:spTree>
@@ -8252,7 +7911,7 @@
 </p:sld>
 </file>
 
-<file path=ppt/slides/slide19.xml><?xml version="1.0" encoding="utf-8"?>
+<file path=ppt/slides/slide18.xml><?xml version="1.0" encoding="utf-8"?>
 <p:sld xmlns:a="http://schemas.openxmlformats.org/drawingml/2006/main" xmlns:r="http://schemas.openxmlformats.org/officeDocument/2006/relationships" xmlns:p="http://schemas.openxmlformats.org/presentationml/2006/main">
   <p:cSld>
     <p:spTree>
@@ -8744,6 +8403,699 @@
   <p:clrMapOvr>
     <a:masterClrMapping/>
   </p:clrMapOvr>
+</p:sld>
+</file>
+
+<file path=ppt/slides/slide19.xml><?xml version="1.0" encoding="utf-8"?>
+<p:sld xmlns:a="http://schemas.openxmlformats.org/drawingml/2006/main" xmlns:r="http://schemas.openxmlformats.org/officeDocument/2006/relationships" xmlns:p="http://schemas.openxmlformats.org/presentationml/2006/main">
+  <p:cSld>
+    <p:spTree>
+      <p:nvGrpSpPr>
+        <p:cNvPr id="1" name="">
+          <a:extLst>
+            <a:ext uri="{FF2B5EF4-FFF2-40B4-BE49-F238E27FC236}">
+              <a16:creationId xmlns:a16="http://schemas.microsoft.com/office/drawing/2014/main" id="{F6B1DC3A-318E-0FAE-6CBE-6AA1AE07F7F3}"/>
+            </a:ext>
+          </a:extLst>
+        </p:cNvPr>
+        <p:cNvGrpSpPr/>
+        <p:nvPr/>
+      </p:nvGrpSpPr>
+      <p:grpSpPr>
+        <a:xfrm>
+          <a:off x="0" y="0"/>
+          <a:ext cx="0" cy="0"/>
+          <a:chOff x="0" y="0"/>
+          <a:chExt cx="0" cy="0"/>
+        </a:xfrm>
+      </p:grpSpPr>
+      <p:pic>
+        <p:nvPicPr>
+          <p:cNvPr id="5" name="Picture 4" descr="A black text on a white background&#10;&#10;AI-generated content may be incorrect.">
+            <a:extLst>
+              <a:ext uri="{FF2B5EF4-FFF2-40B4-BE49-F238E27FC236}">
+                <a16:creationId xmlns:a16="http://schemas.microsoft.com/office/drawing/2014/main" id="{6FC0B4C3-B74B-FBD5-9246-C68BA80B74DA}"/>
+              </a:ext>
+            </a:extLst>
+          </p:cNvPr>
+          <p:cNvPicPr>
+            <a:picLocks noChangeAspect="1"/>
+          </p:cNvPicPr>
+          <p:nvPr/>
+        </p:nvPicPr>
+        <p:blipFill>
+          <a:blip r:embed="rId2">
+            <a:extLst>
+              <a:ext uri="{28A0092B-C50C-407E-A947-70E740481C1C}">
+                <a14:useLocalDpi xmlns:a14="http://schemas.microsoft.com/office/drawing/2010/main" val="0"/>
+              </a:ext>
+            </a:extLst>
+          </a:blip>
+          <a:stretch>
+            <a:fillRect/>
+          </a:stretch>
+        </p:blipFill>
+        <p:spPr>
+          <a:xfrm>
+            <a:off x="4998718" y="0"/>
+            <a:ext cx="2194564" cy="603505"/>
+          </a:xfrm>
+          <a:prstGeom prst="rect">
+            <a:avLst/>
+          </a:prstGeom>
+        </p:spPr>
+      </p:pic>
+      <p:pic>
+        <p:nvPicPr>
+          <p:cNvPr id="7" name="Picture 6" descr="A black text with black text&#10;&#10;AI-generated content may be incorrect.">
+            <a:extLst>
+              <a:ext uri="{FF2B5EF4-FFF2-40B4-BE49-F238E27FC236}">
+                <a16:creationId xmlns:a16="http://schemas.microsoft.com/office/drawing/2014/main" id="{801EC7D0-5BB9-8FBE-BF0E-F2F5E88C51EA}"/>
+              </a:ext>
+            </a:extLst>
+          </p:cNvPr>
+          <p:cNvPicPr>
+            <a:picLocks noChangeAspect="1"/>
+          </p:cNvPicPr>
+          <p:nvPr/>
+        </p:nvPicPr>
+        <p:blipFill>
+          <a:blip r:embed="rId3">
+            <a:extLst>
+              <a:ext uri="{28A0092B-C50C-407E-A947-70E740481C1C}">
+                <a14:useLocalDpi xmlns:a14="http://schemas.microsoft.com/office/drawing/2010/main" val="0"/>
+              </a:ext>
+            </a:extLst>
+          </a:blip>
+          <a:stretch>
+            <a:fillRect/>
+          </a:stretch>
+        </p:blipFill>
+        <p:spPr>
+          <a:xfrm>
+            <a:off x="4998718" y="472538"/>
+            <a:ext cx="2194564" cy="603505"/>
+          </a:xfrm>
+          <a:prstGeom prst="rect">
+            <a:avLst/>
+          </a:prstGeom>
+        </p:spPr>
+      </p:pic>
+      <p:pic>
+        <p:nvPicPr>
+          <p:cNvPr id="9" name="Picture 8" descr="A black text on a white background&#10;&#10;AI-generated content may be incorrect.">
+            <a:extLst>
+              <a:ext uri="{FF2B5EF4-FFF2-40B4-BE49-F238E27FC236}">
+                <a16:creationId xmlns:a16="http://schemas.microsoft.com/office/drawing/2014/main" id="{E80194F2-37B6-703F-AE30-35CBC85EDDA3}"/>
+              </a:ext>
+            </a:extLst>
+          </p:cNvPr>
+          <p:cNvPicPr>
+            <a:picLocks noChangeAspect="1"/>
+          </p:cNvPicPr>
+          <p:nvPr/>
+        </p:nvPicPr>
+        <p:blipFill>
+          <a:blip r:embed="rId4">
+            <a:extLst>
+              <a:ext uri="{28A0092B-C50C-407E-A947-70E740481C1C}">
+                <a14:useLocalDpi xmlns:a14="http://schemas.microsoft.com/office/drawing/2010/main" val="0"/>
+              </a:ext>
+            </a:extLst>
+          </a:blip>
+          <a:stretch>
+            <a:fillRect/>
+          </a:stretch>
+        </p:blipFill>
+        <p:spPr>
+          <a:xfrm>
+            <a:off x="4998718" y="945076"/>
+            <a:ext cx="2194564" cy="603505"/>
+          </a:xfrm>
+          <a:prstGeom prst="rect">
+            <a:avLst/>
+          </a:prstGeom>
+        </p:spPr>
+      </p:pic>
+      <p:pic>
+        <p:nvPicPr>
+          <p:cNvPr id="11" name="Picture 10" descr="A black text with numbers&#10;&#10;AI-generated content may be incorrect.">
+            <a:extLst>
+              <a:ext uri="{FF2B5EF4-FFF2-40B4-BE49-F238E27FC236}">
+                <a16:creationId xmlns:a16="http://schemas.microsoft.com/office/drawing/2014/main" id="{00DF5B9E-E98E-5014-EB4F-0AD503EAB7BD}"/>
+              </a:ext>
+            </a:extLst>
+          </p:cNvPr>
+          <p:cNvPicPr>
+            <a:picLocks noChangeAspect="1"/>
+          </p:cNvPicPr>
+          <p:nvPr/>
+        </p:nvPicPr>
+        <p:blipFill>
+          <a:blip r:embed="rId5">
+            <a:extLst>
+              <a:ext uri="{28A0092B-C50C-407E-A947-70E740481C1C}">
+                <a14:useLocalDpi xmlns:a14="http://schemas.microsoft.com/office/drawing/2010/main" val="0"/>
+              </a:ext>
+            </a:extLst>
+          </a:blip>
+          <a:stretch>
+            <a:fillRect/>
+          </a:stretch>
+        </p:blipFill>
+        <p:spPr>
+          <a:xfrm>
+            <a:off x="4998718" y="1426263"/>
+            <a:ext cx="2194564" cy="603505"/>
+          </a:xfrm>
+          <a:prstGeom prst="rect">
+            <a:avLst/>
+          </a:prstGeom>
+        </p:spPr>
+      </p:pic>
+      <p:pic>
+        <p:nvPicPr>
+          <p:cNvPr id="15" name="Picture 14" descr="A black and orange rectangular box with black text&#10;&#10;AI-generated content may be incorrect.">
+            <a:extLst>
+              <a:ext uri="{FF2B5EF4-FFF2-40B4-BE49-F238E27FC236}">
+                <a16:creationId xmlns:a16="http://schemas.microsoft.com/office/drawing/2014/main" id="{1EEC2EF8-8520-DE23-13F1-ADDA5E9B37E0}"/>
+              </a:ext>
+            </a:extLst>
+          </p:cNvPr>
+          <p:cNvPicPr>
+            <a:picLocks noChangeAspect="1"/>
+          </p:cNvPicPr>
+          <p:nvPr/>
+        </p:nvPicPr>
+        <p:blipFill>
+          <a:blip r:embed="rId6">
+            <a:extLst>
+              <a:ext uri="{28A0092B-C50C-407E-A947-70E740481C1C}">
+                <a14:useLocalDpi xmlns:a14="http://schemas.microsoft.com/office/drawing/2010/main" val="0"/>
+              </a:ext>
+            </a:extLst>
+          </a:blip>
+          <a:stretch>
+            <a:fillRect/>
+          </a:stretch>
+        </p:blipFill>
+        <p:spPr>
+          <a:xfrm>
+            <a:off x="4998718" y="1908043"/>
+            <a:ext cx="2194564" cy="603505"/>
+          </a:xfrm>
+          <a:prstGeom prst="rect">
+            <a:avLst/>
+          </a:prstGeom>
+        </p:spPr>
+      </p:pic>
+      <p:pic>
+        <p:nvPicPr>
+          <p:cNvPr id="17" name="Picture 16" descr="A black text on a white background&#10;&#10;AI-generated content may be incorrect.">
+            <a:extLst>
+              <a:ext uri="{FF2B5EF4-FFF2-40B4-BE49-F238E27FC236}">
+                <a16:creationId xmlns:a16="http://schemas.microsoft.com/office/drawing/2014/main" id="{3D3F9FE5-6081-0176-BFCE-41C59C056EDB}"/>
+              </a:ext>
+            </a:extLst>
+          </p:cNvPr>
+          <p:cNvPicPr>
+            <a:picLocks noChangeAspect="1"/>
+          </p:cNvPicPr>
+          <p:nvPr/>
+        </p:nvPicPr>
+        <p:blipFill>
+          <a:blip r:embed="rId7">
+            <a:extLst>
+              <a:ext uri="{28A0092B-C50C-407E-A947-70E740481C1C}">
+                <a14:useLocalDpi xmlns:a14="http://schemas.microsoft.com/office/drawing/2010/main" val="0"/>
+              </a:ext>
+            </a:extLst>
+          </a:blip>
+          <a:stretch>
+            <a:fillRect/>
+          </a:stretch>
+        </p:blipFill>
+        <p:spPr>
+          <a:xfrm>
+            <a:off x="790512" y="2518922"/>
+            <a:ext cx="2194564" cy="603505"/>
+          </a:xfrm>
+          <a:prstGeom prst="rect">
+            <a:avLst/>
+          </a:prstGeom>
+        </p:spPr>
+      </p:pic>
+      <p:pic>
+        <p:nvPicPr>
+          <p:cNvPr id="19" name="Picture 18" descr="A black text on a white background&#10;&#10;AI-generated content may be incorrect.">
+            <a:extLst>
+              <a:ext uri="{FF2B5EF4-FFF2-40B4-BE49-F238E27FC236}">
+                <a16:creationId xmlns:a16="http://schemas.microsoft.com/office/drawing/2014/main" id="{4BE233CD-CDFA-C44B-27DD-021CEFB7BCA0}"/>
+              </a:ext>
+            </a:extLst>
+          </p:cNvPr>
+          <p:cNvPicPr>
+            <a:picLocks noChangeAspect="1"/>
+          </p:cNvPicPr>
+          <p:nvPr/>
+        </p:nvPicPr>
+        <p:blipFill>
+          <a:blip r:embed="rId8">
+            <a:extLst>
+              <a:ext uri="{28A0092B-C50C-407E-A947-70E740481C1C}">
+                <a14:useLocalDpi xmlns:a14="http://schemas.microsoft.com/office/drawing/2010/main" val="0"/>
+              </a:ext>
+            </a:extLst>
+          </a:blip>
+          <a:stretch>
+            <a:fillRect/>
+          </a:stretch>
+        </p:blipFill>
+        <p:spPr>
+          <a:xfrm>
+            <a:off x="790512" y="3009260"/>
+            <a:ext cx="2194564" cy="603505"/>
+          </a:xfrm>
+          <a:prstGeom prst="rect">
+            <a:avLst/>
+          </a:prstGeom>
+        </p:spPr>
+      </p:pic>
+      <p:sp>
+        <p:nvSpPr>
+          <p:cNvPr id="2" name="TextBox 1">
+            <a:extLst>
+              <a:ext uri="{FF2B5EF4-FFF2-40B4-BE49-F238E27FC236}">
+                <a16:creationId xmlns:a16="http://schemas.microsoft.com/office/drawing/2014/main" id="{C38DF1ED-EC7B-2C95-DA25-4224D98FD639}"/>
+              </a:ext>
+            </a:extLst>
+          </p:cNvPr>
+          <p:cNvSpPr txBox="1"/>
+          <p:nvPr/>
+        </p:nvSpPr>
+        <p:spPr>
+          <a:xfrm>
+            <a:off x="2985076" y="2841906"/>
+            <a:ext cx="4339957" cy="923330"/>
+          </a:xfrm>
+          <a:prstGeom prst="rect">
+            <a:avLst/>
+          </a:prstGeom>
+          <a:noFill/>
+        </p:spPr>
+        <p:txBody>
+          <a:bodyPr wrap="square">
+            <a:spAutoFit/>
+          </a:bodyPr>
+          <a:lstStyle/>
+          <a:p>
+            <a:pPr algn="l">
+              <a:buNone/>
+            </a:pPr>
+            <a:r>
+              <a:rPr lang="en-US" b="0" i="0" dirty="0">
+                <a:solidFill>
+                  <a:srgbClr val="101418"/>
+                </a:solidFill>
+                <a:effectLst/>
+                <a:latin typeface="Courier New" panose="02070309020205020404" pitchFamily="49" charset="0"/>
+              </a:rPr>
+              <a:t> </a:t>
+            </a:r>
+            <a:r>
+              <a:rPr lang="en-US" b="1" i="0" dirty="0">
+                <a:solidFill>
+                  <a:srgbClr val="101418"/>
+                </a:solidFill>
+                <a:effectLst/>
+                <a:latin typeface="Courier New" panose="02070309020205020404" pitchFamily="49" charset="0"/>
+              </a:rPr>
+              <a:t>if</a:t>
+            </a:r>
+            <a:r>
+              <a:rPr lang="en-US" b="0" i="0" dirty="0">
+                <a:solidFill>
+                  <a:srgbClr val="101418"/>
+                </a:solidFill>
+                <a:effectLst/>
+                <a:latin typeface="Courier New" panose="02070309020205020404" pitchFamily="49" charset="0"/>
+              </a:rPr>
+              <a:t> A[j] &lt;= pivot </a:t>
+            </a:r>
+            <a:r>
+              <a:rPr lang="en-US" b="1" i="0" dirty="0">
+                <a:solidFill>
+                  <a:srgbClr val="101418"/>
+                </a:solidFill>
+                <a:effectLst/>
+                <a:latin typeface="Courier New" panose="02070309020205020404" pitchFamily="49" charset="0"/>
+              </a:rPr>
+              <a:t>then</a:t>
+            </a:r>
+            <a:r>
+              <a:rPr lang="en-US" b="0" i="0" dirty="0">
+                <a:solidFill>
+                  <a:srgbClr val="101418"/>
+                </a:solidFill>
+                <a:effectLst/>
+                <a:latin typeface="Courier New" panose="02070309020205020404" pitchFamily="49" charset="0"/>
+              </a:rPr>
+              <a:t> </a:t>
+            </a:r>
+          </a:p>
+          <a:p>
+            <a:pPr algn="l">
+              <a:buNone/>
+            </a:pPr>
+            <a:r>
+              <a:rPr lang="en-US" b="0" i="0" dirty="0">
+                <a:solidFill>
+                  <a:srgbClr val="101418"/>
+                </a:solidFill>
+                <a:effectLst/>
+                <a:latin typeface="Courier New" panose="02070309020205020404" pitchFamily="49" charset="0"/>
+              </a:rPr>
+              <a:t> 	swap A[</a:t>
+            </a:r>
+            <a:r>
+              <a:rPr lang="en-US" b="0" i="0" dirty="0" err="1">
+                <a:solidFill>
+                  <a:srgbClr val="101418"/>
+                </a:solidFill>
+                <a:effectLst/>
+                <a:latin typeface="Courier New" panose="02070309020205020404" pitchFamily="49" charset="0"/>
+              </a:rPr>
+              <a:t>i</a:t>
+            </a:r>
+            <a:r>
+              <a:rPr lang="en-US" b="0" i="0" dirty="0">
+                <a:solidFill>
+                  <a:srgbClr val="101418"/>
+                </a:solidFill>
+                <a:effectLst/>
+                <a:latin typeface="Courier New" panose="02070309020205020404" pitchFamily="49" charset="0"/>
+              </a:rPr>
+              <a:t>] </a:t>
+            </a:r>
+            <a:r>
+              <a:rPr lang="en-US" b="1" i="0" dirty="0">
+                <a:solidFill>
+                  <a:srgbClr val="101418"/>
+                </a:solidFill>
+                <a:effectLst/>
+                <a:latin typeface="Courier New" panose="02070309020205020404" pitchFamily="49" charset="0"/>
+              </a:rPr>
+              <a:t>with</a:t>
+            </a:r>
+            <a:r>
+              <a:rPr lang="en-US" b="0" i="0" dirty="0">
+                <a:solidFill>
+                  <a:srgbClr val="101418"/>
+                </a:solidFill>
+                <a:effectLst/>
+                <a:latin typeface="Courier New" panose="02070309020205020404" pitchFamily="49" charset="0"/>
+              </a:rPr>
+              <a:t> A[j]</a:t>
+            </a:r>
+          </a:p>
+          <a:p>
+            <a:pPr algn="l">
+              <a:buNone/>
+            </a:pPr>
+            <a:r>
+              <a:rPr lang="en-US" b="0" i="0" dirty="0">
+                <a:solidFill>
+                  <a:srgbClr val="101418"/>
+                </a:solidFill>
+                <a:effectLst/>
+                <a:latin typeface="Courier New" panose="02070309020205020404" pitchFamily="49" charset="0"/>
+              </a:rPr>
+              <a:t>	</a:t>
+            </a:r>
+            <a:r>
+              <a:rPr lang="en-US" b="0" i="0" dirty="0" err="1">
+                <a:solidFill>
+                  <a:srgbClr val="101418"/>
+                </a:solidFill>
+                <a:effectLst/>
+                <a:latin typeface="Courier New" panose="02070309020205020404" pitchFamily="49" charset="0"/>
+              </a:rPr>
+              <a:t>i</a:t>
+            </a:r>
+            <a:r>
+              <a:rPr lang="en-US" b="0" i="0" dirty="0">
+                <a:solidFill>
+                  <a:srgbClr val="101418"/>
+                </a:solidFill>
+                <a:effectLst/>
+                <a:latin typeface="Courier New" panose="02070309020205020404" pitchFamily="49" charset="0"/>
+              </a:rPr>
+              <a:t> := </a:t>
+            </a:r>
+            <a:r>
+              <a:rPr lang="en-US" b="0" i="0" dirty="0" err="1">
+                <a:solidFill>
+                  <a:srgbClr val="101418"/>
+                </a:solidFill>
+                <a:effectLst/>
+                <a:latin typeface="Courier New" panose="02070309020205020404" pitchFamily="49" charset="0"/>
+              </a:rPr>
+              <a:t>i</a:t>
+            </a:r>
+            <a:r>
+              <a:rPr lang="en-US" b="0" i="0" dirty="0">
+                <a:solidFill>
+                  <a:srgbClr val="101418"/>
+                </a:solidFill>
+                <a:effectLst/>
+                <a:latin typeface="Courier New" panose="02070309020205020404" pitchFamily="49" charset="0"/>
+              </a:rPr>
+              <a:t> + 1</a:t>
+            </a:r>
+            <a:endParaRPr lang="nl-NL" dirty="0"/>
+          </a:p>
+        </p:txBody>
+      </p:sp>
+      <p:sp>
+        <p:nvSpPr>
+          <p:cNvPr id="4" name="TextBox 3">
+            <a:extLst>
+              <a:ext uri="{FF2B5EF4-FFF2-40B4-BE49-F238E27FC236}">
+                <a16:creationId xmlns:a16="http://schemas.microsoft.com/office/drawing/2014/main" id="{8EB0BEAA-9967-E282-1A14-6D85EBF0087E}"/>
+              </a:ext>
+            </a:extLst>
+          </p:cNvPr>
+          <p:cNvSpPr txBox="1"/>
+          <p:nvPr/>
+        </p:nvSpPr>
+        <p:spPr>
+          <a:xfrm>
+            <a:off x="404447" y="2142216"/>
+            <a:ext cx="6094324" cy="369332"/>
+          </a:xfrm>
+          <a:prstGeom prst="rect">
+            <a:avLst/>
+          </a:prstGeom>
+          <a:noFill/>
+        </p:spPr>
+        <p:txBody>
+          <a:bodyPr wrap="square">
+            <a:spAutoFit/>
+          </a:bodyPr>
+          <a:lstStyle/>
+          <a:p>
+            <a:r>
+              <a:rPr lang="en-US" b="0" i="0" dirty="0">
+                <a:solidFill>
+                  <a:srgbClr val="101418"/>
+                </a:solidFill>
+                <a:effectLst/>
+                <a:latin typeface="Courier New" panose="02070309020205020404" pitchFamily="49" charset="0"/>
+              </a:rPr>
+              <a:t> quicksort(A, lo, p - 1)</a:t>
+            </a:r>
+            <a:endParaRPr lang="nl-NL" dirty="0"/>
+          </a:p>
+        </p:txBody>
+      </p:sp>
+    </p:spTree>
+    <p:extLst>
+      <p:ext uri="{BB962C8B-B14F-4D97-AF65-F5344CB8AC3E}">
+        <p14:creationId xmlns:p14="http://schemas.microsoft.com/office/powerpoint/2010/main" val="346190176"/>
+      </p:ext>
+    </p:extLst>
+  </p:cSld>
+  <p:clrMapOvr>
+    <a:masterClrMapping/>
+  </p:clrMapOvr>
+  <p:timing>
+    <p:tnLst>
+      <p:par>
+        <p:cTn id="1" dur="indefinite" restart="never" nodeType="tmRoot">
+          <p:childTnLst>
+            <p:seq concurrent="1" nextAc="seek">
+              <p:cTn id="2" dur="indefinite" nodeType="mainSeq">
+                <p:childTnLst>
+                  <p:par>
+                    <p:cTn id="3" fill="hold">
+                      <p:stCondLst>
+                        <p:cond delay="indefinite"/>
+                      </p:stCondLst>
+                      <p:childTnLst>
+                        <p:par>
+                          <p:cTn id="4" fill="hold">
+                            <p:stCondLst>
+                              <p:cond delay="0"/>
+                            </p:stCondLst>
+                            <p:childTnLst>
+                              <p:par>
+                                <p:cTn id="5" presetID="1" presetClass="entr" presetSubtype="0" fill="hold" nodeType="clickEffect">
+                                  <p:stCondLst>
+                                    <p:cond delay="0"/>
+                                  </p:stCondLst>
+                                  <p:childTnLst>
+                                    <p:set>
+                                      <p:cBhvr>
+                                        <p:cTn id="6" dur="1" fill="hold">
+                                          <p:stCondLst>
+                                            <p:cond delay="0"/>
+                                          </p:stCondLst>
+                                        </p:cTn>
+                                        <p:tgtEl>
+                                          <p:spTgt spid="17"/>
+                                        </p:tgtEl>
+                                        <p:attrNameLst>
+                                          <p:attrName>style.visibility</p:attrName>
+                                        </p:attrNameLst>
+                                      </p:cBhvr>
+                                      <p:to>
+                                        <p:strVal val="visible"/>
+                                      </p:to>
+                                    </p:set>
+                                  </p:childTnLst>
+                                </p:cTn>
+                              </p:par>
+                            </p:childTnLst>
+                          </p:cTn>
+                        </p:par>
+                      </p:childTnLst>
+                    </p:cTn>
+                  </p:par>
+                  <p:par>
+                    <p:cTn id="7" fill="hold">
+                      <p:stCondLst>
+                        <p:cond delay="indefinite"/>
+                      </p:stCondLst>
+                      <p:childTnLst>
+                        <p:par>
+                          <p:cTn id="8" fill="hold">
+                            <p:stCondLst>
+                              <p:cond delay="0"/>
+                            </p:stCondLst>
+                            <p:childTnLst>
+                              <p:par>
+                                <p:cTn id="9" presetID="1" presetClass="entr" presetSubtype="0" fill="hold" nodeType="clickEffect">
+                                  <p:stCondLst>
+                                    <p:cond delay="0"/>
+                                  </p:stCondLst>
+                                  <p:childTnLst>
+                                    <p:set>
+                                      <p:cBhvr>
+                                        <p:cTn id="10" dur="1" fill="hold">
+                                          <p:stCondLst>
+                                            <p:cond delay="0"/>
+                                          </p:stCondLst>
+                                        </p:cTn>
+                                        <p:tgtEl>
+                                          <p:spTgt spid="19"/>
+                                        </p:tgtEl>
+                                        <p:attrNameLst>
+                                          <p:attrName>style.visibility</p:attrName>
+                                        </p:attrNameLst>
+                                      </p:cBhvr>
+                                      <p:to>
+                                        <p:strVal val="visible"/>
+                                      </p:to>
+                                    </p:set>
+                                  </p:childTnLst>
+                                </p:cTn>
+                              </p:par>
+                            </p:childTnLst>
+                          </p:cTn>
+                        </p:par>
+                      </p:childTnLst>
+                    </p:cTn>
+                  </p:par>
+                  <p:par>
+                    <p:cTn id="11" fill="hold">
+                      <p:stCondLst>
+                        <p:cond delay="indefinite"/>
+                      </p:stCondLst>
+                      <p:childTnLst>
+                        <p:par>
+                          <p:cTn id="12" fill="hold">
+                            <p:stCondLst>
+                              <p:cond delay="0"/>
+                            </p:stCondLst>
+                            <p:childTnLst>
+                              <p:par>
+                                <p:cTn id="13" presetID="1" presetClass="entr" presetSubtype="0" fill="hold" grpId="0" nodeType="clickEffect">
+                                  <p:stCondLst>
+                                    <p:cond delay="0"/>
+                                  </p:stCondLst>
+                                  <p:childTnLst>
+                                    <p:set>
+                                      <p:cBhvr>
+                                        <p:cTn id="14" dur="1" fill="hold">
+                                          <p:stCondLst>
+                                            <p:cond delay="0"/>
+                                          </p:stCondLst>
+                                        </p:cTn>
+                                        <p:tgtEl>
+                                          <p:spTgt spid="2"/>
+                                        </p:tgtEl>
+                                        <p:attrNameLst>
+                                          <p:attrName>style.visibility</p:attrName>
+                                        </p:attrNameLst>
+                                      </p:cBhvr>
+                                      <p:to>
+                                        <p:strVal val="visible"/>
+                                      </p:to>
+                                    </p:set>
+                                  </p:childTnLst>
+                                </p:cTn>
+                              </p:par>
+                            </p:childTnLst>
+                          </p:cTn>
+                        </p:par>
+                      </p:childTnLst>
+                    </p:cTn>
+                  </p:par>
+                </p:childTnLst>
+              </p:cTn>
+              <p:prevCondLst>
+                <p:cond evt="onPrev" delay="0">
+                  <p:tgtEl>
+                    <p:sldTgt/>
+                  </p:tgtEl>
+                </p:cond>
+              </p:prevCondLst>
+              <p:nextCondLst>
+                <p:cond evt="onNext" delay="0">
+                  <p:tgtEl>
+                    <p:sldTgt/>
+                  </p:tgtEl>
+                </p:cond>
+              </p:nextCondLst>
+            </p:seq>
+          </p:childTnLst>
+        </p:cTn>
+      </p:par>
+    </p:tnLst>
+    <p:bldLst>
+      <p:bldP spid="2" grpId="0"/>
+    </p:bldLst>
+  </p:timing>
 </p:sld>
 </file>
 
@@ -9630,699 +9982,6 @@
         <p:cNvPr id="1" name="">
           <a:extLst>
             <a:ext uri="{FF2B5EF4-FFF2-40B4-BE49-F238E27FC236}">
-              <a16:creationId xmlns:a16="http://schemas.microsoft.com/office/drawing/2014/main" id="{F6B1DC3A-318E-0FAE-6CBE-6AA1AE07F7F3}"/>
-            </a:ext>
-          </a:extLst>
-        </p:cNvPr>
-        <p:cNvGrpSpPr/>
-        <p:nvPr/>
-      </p:nvGrpSpPr>
-      <p:grpSpPr>
-        <a:xfrm>
-          <a:off x="0" y="0"/>
-          <a:ext cx="0" cy="0"/>
-          <a:chOff x="0" y="0"/>
-          <a:chExt cx="0" cy="0"/>
-        </a:xfrm>
-      </p:grpSpPr>
-      <p:pic>
-        <p:nvPicPr>
-          <p:cNvPr id="5" name="Picture 4" descr="A black text on a white background&#10;&#10;AI-generated content may be incorrect.">
-            <a:extLst>
-              <a:ext uri="{FF2B5EF4-FFF2-40B4-BE49-F238E27FC236}">
-                <a16:creationId xmlns:a16="http://schemas.microsoft.com/office/drawing/2014/main" id="{6FC0B4C3-B74B-FBD5-9246-C68BA80B74DA}"/>
-              </a:ext>
-            </a:extLst>
-          </p:cNvPr>
-          <p:cNvPicPr>
-            <a:picLocks noChangeAspect="1"/>
-          </p:cNvPicPr>
-          <p:nvPr/>
-        </p:nvPicPr>
-        <p:blipFill>
-          <a:blip r:embed="rId2">
-            <a:extLst>
-              <a:ext uri="{28A0092B-C50C-407E-A947-70E740481C1C}">
-                <a14:useLocalDpi xmlns:a14="http://schemas.microsoft.com/office/drawing/2010/main" val="0"/>
-              </a:ext>
-            </a:extLst>
-          </a:blip>
-          <a:stretch>
-            <a:fillRect/>
-          </a:stretch>
-        </p:blipFill>
-        <p:spPr>
-          <a:xfrm>
-            <a:off x="4998718" y="0"/>
-            <a:ext cx="2194564" cy="603505"/>
-          </a:xfrm>
-          <a:prstGeom prst="rect">
-            <a:avLst/>
-          </a:prstGeom>
-        </p:spPr>
-      </p:pic>
-      <p:pic>
-        <p:nvPicPr>
-          <p:cNvPr id="7" name="Picture 6" descr="A black text with black text&#10;&#10;AI-generated content may be incorrect.">
-            <a:extLst>
-              <a:ext uri="{FF2B5EF4-FFF2-40B4-BE49-F238E27FC236}">
-                <a16:creationId xmlns:a16="http://schemas.microsoft.com/office/drawing/2014/main" id="{801EC7D0-5BB9-8FBE-BF0E-F2F5E88C51EA}"/>
-              </a:ext>
-            </a:extLst>
-          </p:cNvPr>
-          <p:cNvPicPr>
-            <a:picLocks noChangeAspect="1"/>
-          </p:cNvPicPr>
-          <p:nvPr/>
-        </p:nvPicPr>
-        <p:blipFill>
-          <a:blip r:embed="rId3">
-            <a:extLst>
-              <a:ext uri="{28A0092B-C50C-407E-A947-70E740481C1C}">
-                <a14:useLocalDpi xmlns:a14="http://schemas.microsoft.com/office/drawing/2010/main" val="0"/>
-              </a:ext>
-            </a:extLst>
-          </a:blip>
-          <a:stretch>
-            <a:fillRect/>
-          </a:stretch>
-        </p:blipFill>
-        <p:spPr>
-          <a:xfrm>
-            <a:off x="4998718" y="472538"/>
-            <a:ext cx="2194564" cy="603505"/>
-          </a:xfrm>
-          <a:prstGeom prst="rect">
-            <a:avLst/>
-          </a:prstGeom>
-        </p:spPr>
-      </p:pic>
-      <p:pic>
-        <p:nvPicPr>
-          <p:cNvPr id="9" name="Picture 8" descr="A black text on a white background&#10;&#10;AI-generated content may be incorrect.">
-            <a:extLst>
-              <a:ext uri="{FF2B5EF4-FFF2-40B4-BE49-F238E27FC236}">
-                <a16:creationId xmlns:a16="http://schemas.microsoft.com/office/drawing/2014/main" id="{E80194F2-37B6-703F-AE30-35CBC85EDDA3}"/>
-              </a:ext>
-            </a:extLst>
-          </p:cNvPr>
-          <p:cNvPicPr>
-            <a:picLocks noChangeAspect="1"/>
-          </p:cNvPicPr>
-          <p:nvPr/>
-        </p:nvPicPr>
-        <p:blipFill>
-          <a:blip r:embed="rId4">
-            <a:extLst>
-              <a:ext uri="{28A0092B-C50C-407E-A947-70E740481C1C}">
-                <a14:useLocalDpi xmlns:a14="http://schemas.microsoft.com/office/drawing/2010/main" val="0"/>
-              </a:ext>
-            </a:extLst>
-          </a:blip>
-          <a:stretch>
-            <a:fillRect/>
-          </a:stretch>
-        </p:blipFill>
-        <p:spPr>
-          <a:xfrm>
-            <a:off x="4998718" y="945076"/>
-            <a:ext cx="2194564" cy="603505"/>
-          </a:xfrm>
-          <a:prstGeom prst="rect">
-            <a:avLst/>
-          </a:prstGeom>
-        </p:spPr>
-      </p:pic>
-      <p:pic>
-        <p:nvPicPr>
-          <p:cNvPr id="11" name="Picture 10" descr="A black text with numbers&#10;&#10;AI-generated content may be incorrect.">
-            <a:extLst>
-              <a:ext uri="{FF2B5EF4-FFF2-40B4-BE49-F238E27FC236}">
-                <a16:creationId xmlns:a16="http://schemas.microsoft.com/office/drawing/2014/main" id="{00DF5B9E-E98E-5014-EB4F-0AD503EAB7BD}"/>
-              </a:ext>
-            </a:extLst>
-          </p:cNvPr>
-          <p:cNvPicPr>
-            <a:picLocks noChangeAspect="1"/>
-          </p:cNvPicPr>
-          <p:nvPr/>
-        </p:nvPicPr>
-        <p:blipFill>
-          <a:blip r:embed="rId5">
-            <a:extLst>
-              <a:ext uri="{28A0092B-C50C-407E-A947-70E740481C1C}">
-                <a14:useLocalDpi xmlns:a14="http://schemas.microsoft.com/office/drawing/2010/main" val="0"/>
-              </a:ext>
-            </a:extLst>
-          </a:blip>
-          <a:stretch>
-            <a:fillRect/>
-          </a:stretch>
-        </p:blipFill>
-        <p:spPr>
-          <a:xfrm>
-            <a:off x="4998718" y="1426263"/>
-            <a:ext cx="2194564" cy="603505"/>
-          </a:xfrm>
-          <a:prstGeom prst="rect">
-            <a:avLst/>
-          </a:prstGeom>
-        </p:spPr>
-      </p:pic>
-      <p:pic>
-        <p:nvPicPr>
-          <p:cNvPr id="15" name="Picture 14" descr="A black and orange rectangular box with black text&#10;&#10;AI-generated content may be incorrect.">
-            <a:extLst>
-              <a:ext uri="{FF2B5EF4-FFF2-40B4-BE49-F238E27FC236}">
-                <a16:creationId xmlns:a16="http://schemas.microsoft.com/office/drawing/2014/main" id="{1EEC2EF8-8520-DE23-13F1-ADDA5E9B37E0}"/>
-              </a:ext>
-            </a:extLst>
-          </p:cNvPr>
-          <p:cNvPicPr>
-            <a:picLocks noChangeAspect="1"/>
-          </p:cNvPicPr>
-          <p:nvPr/>
-        </p:nvPicPr>
-        <p:blipFill>
-          <a:blip r:embed="rId6">
-            <a:extLst>
-              <a:ext uri="{28A0092B-C50C-407E-A947-70E740481C1C}">
-                <a14:useLocalDpi xmlns:a14="http://schemas.microsoft.com/office/drawing/2010/main" val="0"/>
-              </a:ext>
-            </a:extLst>
-          </a:blip>
-          <a:stretch>
-            <a:fillRect/>
-          </a:stretch>
-        </p:blipFill>
-        <p:spPr>
-          <a:xfrm>
-            <a:off x="4998718" y="1908043"/>
-            <a:ext cx="2194564" cy="603505"/>
-          </a:xfrm>
-          <a:prstGeom prst="rect">
-            <a:avLst/>
-          </a:prstGeom>
-        </p:spPr>
-      </p:pic>
-      <p:pic>
-        <p:nvPicPr>
-          <p:cNvPr id="17" name="Picture 16" descr="A black text on a white background&#10;&#10;AI-generated content may be incorrect.">
-            <a:extLst>
-              <a:ext uri="{FF2B5EF4-FFF2-40B4-BE49-F238E27FC236}">
-                <a16:creationId xmlns:a16="http://schemas.microsoft.com/office/drawing/2014/main" id="{3D3F9FE5-6081-0176-BFCE-41C59C056EDB}"/>
-              </a:ext>
-            </a:extLst>
-          </p:cNvPr>
-          <p:cNvPicPr>
-            <a:picLocks noChangeAspect="1"/>
-          </p:cNvPicPr>
-          <p:nvPr/>
-        </p:nvPicPr>
-        <p:blipFill>
-          <a:blip r:embed="rId7">
-            <a:extLst>
-              <a:ext uri="{28A0092B-C50C-407E-A947-70E740481C1C}">
-                <a14:useLocalDpi xmlns:a14="http://schemas.microsoft.com/office/drawing/2010/main" val="0"/>
-              </a:ext>
-            </a:extLst>
-          </a:blip>
-          <a:stretch>
-            <a:fillRect/>
-          </a:stretch>
-        </p:blipFill>
-        <p:spPr>
-          <a:xfrm>
-            <a:off x="790512" y="2518922"/>
-            <a:ext cx="2194564" cy="603505"/>
-          </a:xfrm>
-          <a:prstGeom prst="rect">
-            <a:avLst/>
-          </a:prstGeom>
-        </p:spPr>
-      </p:pic>
-      <p:pic>
-        <p:nvPicPr>
-          <p:cNvPr id="19" name="Picture 18" descr="A black text on a white background&#10;&#10;AI-generated content may be incorrect.">
-            <a:extLst>
-              <a:ext uri="{FF2B5EF4-FFF2-40B4-BE49-F238E27FC236}">
-                <a16:creationId xmlns:a16="http://schemas.microsoft.com/office/drawing/2014/main" id="{4BE233CD-CDFA-C44B-27DD-021CEFB7BCA0}"/>
-              </a:ext>
-            </a:extLst>
-          </p:cNvPr>
-          <p:cNvPicPr>
-            <a:picLocks noChangeAspect="1"/>
-          </p:cNvPicPr>
-          <p:nvPr/>
-        </p:nvPicPr>
-        <p:blipFill>
-          <a:blip r:embed="rId8">
-            <a:extLst>
-              <a:ext uri="{28A0092B-C50C-407E-A947-70E740481C1C}">
-                <a14:useLocalDpi xmlns:a14="http://schemas.microsoft.com/office/drawing/2010/main" val="0"/>
-              </a:ext>
-            </a:extLst>
-          </a:blip>
-          <a:stretch>
-            <a:fillRect/>
-          </a:stretch>
-        </p:blipFill>
-        <p:spPr>
-          <a:xfrm>
-            <a:off x="790512" y="3009260"/>
-            <a:ext cx="2194564" cy="603505"/>
-          </a:xfrm>
-          <a:prstGeom prst="rect">
-            <a:avLst/>
-          </a:prstGeom>
-        </p:spPr>
-      </p:pic>
-      <p:sp>
-        <p:nvSpPr>
-          <p:cNvPr id="2" name="TextBox 1">
-            <a:extLst>
-              <a:ext uri="{FF2B5EF4-FFF2-40B4-BE49-F238E27FC236}">
-                <a16:creationId xmlns:a16="http://schemas.microsoft.com/office/drawing/2014/main" id="{C38DF1ED-EC7B-2C95-DA25-4224D98FD639}"/>
-              </a:ext>
-            </a:extLst>
-          </p:cNvPr>
-          <p:cNvSpPr txBox="1"/>
-          <p:nvPr/>
-        </p:nvSpPr>
-        <p:spPr>
-          <a:xfrm>
-            <a:off x="2985076" y="2841906"/>
-            <a:ext cx="4339957" cy="923330"/>
-          </a:xfrm>
-          <a:prstGeom prst="rect">
-            <a:avLst/>
-          </a:prstGeom>
-          <a:noFill/>
-        </p:spPr>
-        <p:txBody>
-          <a:bodyPr wrap="square">
-            <a:spAutoFit/>
-          </a:bodyPr>
-          <a:lstStyle/>
-          <a:p>
-            <a:pPr algn="l">
-              <a:buNone/>
-            </a:pPr>
-            <a:r>
-              <a:rPr lang="en-US" b="0" i="0" dirty="0">
-                <a:solidFill>
-                  <a:srgbClr val="101418"/>
-                </a:solidFill>
-                <a:effectLst/>
-                <a:latin typeface="Courier New" panose="02070309020205020404" pitchFamily="49" charset="0"/>
-              </a:rPr>
-              <a:t> </a:t>
-            </a:r>
-            <a:r>
-              <a:rPr lang="en-US" b="1" i="0" dirty="0">
-                <a:solidFill>
-                  <a:srgbClr val="101418"/>
-                </a:solidFill>
-                <a:effectLst/>
-                <a:latin typeface="Courier New" panose="02070309020205020404" pitchFamily="49" charset="0"/>
-              </a:rPr>
-              <a:t>if</a:t>
-            </a:r>
-            <a:r>
-              <a:rPr lang="en-US" b="0" i="0" dirty="0">
-                <a:solidFill>
-                  <a:srgbClr val="101418"/>
-                </a:solidFill>
-                <a:effectLst/>
-                <a:latin typeface="Courier New" panose="02070309020205020404" pitchFamily="49" charset="0"/>
-              </a:rPr>
-              <a:t> A[j] &lt;= pivot </a:t>
-            </a:r>
-            <a:r>
-              <a:rPr lang="en-US" b="1" i="0" dirty="0">
-                <a:solidFill>
-                  <a:srgbClr val="101418"/>
-                </a:solidFill>
-                <a:effectLst/>
-                <a:latin typeface="Courier New" panose="02070309020205020404" pitchFamily="49" charset="0"/>
-              </a:rPr>
-              <a:t>then</a:t>
-            </a:r>
-            <a:r>
-              <a:rPr lang="en-US" b="0" i="0" dirty="0">
-                <a:solidFill>
-                  <a:srgbClr val="101418"/>
-                </a:solidFill>
-                <a:effectLst/>
-                <a:latin typeface="Courier New" panose="02070309020205020404" pitchFamily="49" charset="0"/>
-              </a:rPr>
-              <a:t> </a:t>
-            </a:r>
-          </a:p>
-          <a:p>
-            <a:pPr algn="l">
-              <a:buNone/>
-            </a:pPr>
-            <a:r>
-              <a:rPr lang="en-US" b="0" i="0" dirty="0">
-                <a:solidFill>
-                  <a:srgbClr val="101418"/>
-                </a:solidFill>
-                <a:effectLst/>
-                <a:latin typeface="Courier New" panose="02070309020205020404" pitchFamily="49" charset="0"/>
-              </a:rPr>
-              <a:t> 	swap A[</a:t>
-            </a:r>
-            <a:r>
-              <a:rPr lang="en-US" b="0" i="0" dirty="0" err="1">
-                <a:solidFill>
-                  <a:srgbClr val="101418"/>
-                </a:solidFill>
-                <a:effectLst/>
-                <a:latin typeface="Courier New" panose="02070309020205020404" pitchFamily="49" charset="0"/>
-              </a:rPr>
-              <a:t>i</a:t>
-            </a:r>
-            <a:r>
-              <a:rPr lang="en-US" b="0" i="0" dirty="0">
-                <a:solidFill>
-                  <a:srgbClr val="101418"/>
-                </a:solidFill>
-                <a:effectLst/>
-                <a:latin typeface="Courier New" panose="02070309020205020404" pitchFamily="49" charset="0"/>
-              </a:rPr>
-              <a:t>] </a:t>
-            </a:r>
-            <a:r>
-              <a:rPr lang="en-US" b="1" i="0" dirty="0">
-                <a:solidFill>
-                  <a:srgbClr val="101418"/>
-                </a:solidFill>
-                <a:effectLst/>
-                <a:latin typeface="Courier New" panose="02070309020205020404" pitchFamily="49" charset="0"/>
-              </a:rPr>
-              <a:t>with</a:t>
-            </a:r>
-            <a:r>
-              <a:rPr lang="en-US" b="0" i="0" dirty="0">
-                <a:solidFill>
-                  <a:srgbClr val="101418"/>
-                </a:solidFill>
-                <a:effectLst/>
-                <a:latin typeface="Courier New" panose="02070309020205020404" pitchFamily="49" charset="0"/>
-              </a:rPr>
-              <a:t> A[j]</a:t>
-            </a:r>
-          </a:p>
-          <a:p>
-            <a:pPr algn="l">
-              <a:buNone/>
-            </a:pPr>
-            <a:r>
-              <a:rPr lang="en-US" b="0" i="0" dirty="0">
-                <a:solidFill>
-                  <a:srgbClr val="101418"/>
-                </a:solidFill>
-                <a:effectLst/>
-                <a:latin typeface="Courier New" panose="02070309020205020404" pitchFamily="49" charset="0"/>
-              </a:rPr>
-              <a:t>	</a:t>
-            </a:r>
-            <a:r>
-              <a:rPr lang="en-US" b="0" i="0" dirty="0" err="1">
-                <a:solidFill>
-                  <a:srgbClr val="101418"/>
-                </a:solidFill>
-                <a:effectLst/>
-                <a:latin typeface="Courier New" panose="02070309020205020404" pitchFamily="49" charset="0"/>
-              </a:rPr>
-              <a:t>i</a:t>
-            </a:r>
-            <a:r>
-              <a:rPr lang="en-US" b="0" i="0" dirty="0">
-                <a:solidFill>
-                  <a:srgbClr val="101418"/>
-                </a:solidFill>
-                <a:effectLst/>
-                <a:latin typeface="Courier New" panose="02070309020205020404" pitchFamily="49" charset="0"/>
-              </a:rPr>
-              <a:t> := </a:t>
-            </a:r>
-            <a:r>
-              <a:rPr lang="en-US" b="0" i="0" dirty="0" err="1">
-                <a:solidFill>
-                  <a:srgbClr val="101418"/>
-                </a:solidFill>
-                <a:effectLst/>
-                <a:latin typeface="Courier New" panose="02070309020205020404" pitchFamily="49" charset="0"/>
-              </a:rPr>
-              <a:t>i</a:t>
-            </a:r>
-            <a:r>
-              <a:rPr lang="en-US" b="0" i="0" dirty="0">
-                <a:solidFill>
-                  <a:srgbClr val="101418"/>
-                </a:solidFill>
-                <a:effectLst/>
-                <a:latin typeface="Courier New" panose="02070309020205020404" pitchFamily="49" charset="0"/>
-              </a:rPr>
-              <a:t> + 1</a:t>
-            </a:r>
-            <a:endParaRPr lang="nl-NL" dirty="0"/>
-          </a:p>
-        </p:txBody>
-      </p:sp>
-      <p:sp>
-        <p:nvSpPr>
-          <p:cNvPr id="4" name="TextBox 3">
-            <a:extLst>
-              <a:ext uri="{FF2B5EF4-FFF2-40B4-BE49-F238E27FC236}">
-                <a16:creationId xmlns:a16="http://schemas.microsoft.com/office/drawing/2014/main" id="{8EB0BEAA-9967-E282-1A14-6D85EBF0087E}"/>
-              </a:ext>
-            </a:extLst>
-          </p:cNvPr>
-          <p:cNvSpPr txBox="1"/>
-          <p:nvPr/>
-        </p:nvSpPr>
-        <p:spPr>
-          <a:xfrm>
-            <a:off x="404447" y="2142216"/>
-            <a:ext cx="6094324" cy="369332"/>
-          </a:xfrm>
-          <a:prstGeom prst="rect">
-            <a:avLst/>
-          </a:prstGeom>
-          <a:noFill/>
-        </p:spPr>
-        <p:txBody>
-          <a:bodyPr wrap="square">
-            <a:spAutoFit/>
-          </a:bodyPr>
-          <a:lstStyle/>
-          <a:p>
-            <a:r>
-              <a:rPr lang="en-US" b="0" i="0" dirty="0">
-                <a:solidFill>
-                  <a:srgbClr val="101418"/>
-                </a:solidFill>
-                <a:effectLst/>
-                <a:latin typeface="Courier New" panose="02070309020205020404" pitchFamily="49" charset="0"/>
-              </a:rPr>
-              <a:t> quicksort(A, lo, p - 1)</a:t>
-            </a:r>
-            <a:endParaRPr lang="nl-NL" dirty="0"/>
-          </a:p>
-        </p:txBody>
-      </p:sp>
-    </p:spTree>
-    <p:extLst>
-      <p:ext uri="{BB962C8B-B14F-4D97-AF65-F5344CB8AC3E}">
-        <p14:creationId xmlns:p14="http://schemas.microsoft.com/office/powerpoint/2010/main" val="346190176"/>
-      </p:ext>
-    </p:extLst>
-  </p:cSld>
-  <p:clrMapOvr>
-    <a:masterClrMapping/>
-  </p:clrMapOvr>
-  <p:timing>
-    <p:tnLst>
-      <p:par>
-        <p:cTn id="1" dur="indefinite" restart="never" nodeType="tmRoot">
-          <p:childTnLst>
-            <p:seq concurrent="1" nextAc="seek">
-              <p:cTn id="2" dur="indefinite" nodeType="mainSeq">
-                <p:childTnLst>
-                  <p:par>
-                    <p:cTn id="3" fill="hold">
-                      <p:stCondLst>
-                        <p:cond delay="indefinite"/>
-                      </p:stCondLst>
-                      <p:childTnLst>
-                        <p:par>
-                          <p:cTn id="4" fill="hold">
-                            <p:stCondLst>
-                              <p:cond delay="0"/>
-                            </p:stCondLst>
-                            <p:childTnLst>
-                              <p:par>
-                                <p:cTn id="5" presetID="1" presetClass="entr" presetSubtype="0" fill="hold" nodeType="clickEffect">
-                                  <p:stCondLst>
-                                    <p:cond delay="0"/>
-                                  </p:stCondLst>
-                                  <p:childTnLst>
-                                    <p:set>
-                                      <p:cBhvr>
-                                        <p:cTn id="6" dur="1" fill="hold">
-                                          <p:stCondLst>
-                                            <p:cond delay="0"/>
-                                          </p:stCondLst>
-                                        </p:cTn>
-                                        <p:tgtEl>
-                                          <p:spTgt spid="17"/>
-                                        </p:tgtEl>
-                                        <p:attrNameLst>
-                                          <p:attrName>style.visibility</p:attrName>
-                                        </p:attrNameLst>
-                                      </p:cBhvr>
-                                      <p:to>
-                                        <p:strVal val="visible"/>
-                                      </p:to>
-                                    </p:set>
-                                  </p:childTnLst>
-                                </p:cTn>
-                              </p:par>
-                            </p:childTnLst>
-                          </p:cTn>
-                        </p:par>
-                      </p:childTnLst>
-                    </p:cTn>
-                  </p:par>
-                  <p:par>
-                    <p:cTn id="7" fill="hold">
-                      <p:stCondLst>
-                        <p:cond delay="indefinite"/>
-                      </p:stCondLst>
-                      <p:childTnLst>
-                        <p:par>
-                          <p:cTn id="8" fill="hold">
-                            <p:stCondLst>
-                              <p:cond delay="0"/>
-                            </p:stCondLst>
-                            <p:childTnLst>
-                              <p:par>
-                                <p:cTn id="9" presetID="1" presetClass="entr" presetSubtype="0" fill="hold" nodeType="clickEffect">
-                                  <p:stCondLst>
-                                    <p:cond delay="0"/>
-                                  </p:stCondLst>
-                                  <p:childTnLst>
-                                    <p:set>
-                                      <p:cBhvr>
-                                        <p:cTn id="10" dur="1" fill="hold">
-                                          <p:stCondLst>
-                                            <p:cond delay="0"/>
-                                          </p:stCondLst>
-                                        </p:cTn>
-                                        <p:tgtEl>
-                                          <p:spTgt spid="19"/>
-                                        </p:tgtEl>
-                                        <p:attrNameLst>
-                                          <p:attrName>style.visibility</p:attrName>
-                                        </p:attrNameLst>
-                                      </p:cBhvr>
-                                      <p:to>
-                                        <p:strVal val="visible"/>
-                                      </p:to>
-                                    </p:set>
-                                  </p:childTnLst>
-                                </p:cTn>
-                              </p:par>
-                            </p:childTnLst>
-                          </p:cTn>
-                        </p:par>
-                      </p:childTnLst>
-                    </p:cTn>
-                  </p:par>
-                  <p:par>
-                    <p:cTn id="11" fill="hold">
-                      <p:stCondLst>
-                        <p:cond delay="indefinite"/>
-                      </p:stCondLst>
-                      <p:childTnLst>
-                        <p:par>
-                          <p:cTn id="12" fill="hold">
-                            <p:stCondLst>
-                              <p:cond delay="0"/>
-                            </p:stCondLst>
-                            <p:childTnLst>
-                              <p:par>
-                                <p:cTn id="13" presetID="1" presetClass="entr" presetSubtype="0" fill="hold" grpId="0" nodeType="clickEffect">
-                                  <p:stCondLst>
-                                    <p:cond delay="0"/>
-                                  </p:stCondLst>
-                                  <p:childTnLst>
-                                    <p:set>
-                                      <p:cBhvr>
-                                        <p:cTn id="14" dur="1" fill="hold">
-                                          <p:stCondLst>
-                                            <p:cond delay="0"/>
-                                          </p:stCondLst>
-                                        </p:cTn>
-                                        <p:tgtEl>
-                                          <p:spTgt spid="2"/>
-                                        </p:tgtEl>
-                                        <p:attrNameLst>
-                                          <p:attrName>style.visibility</p:attrName>
-                                        </p:attrNameLst>
-                                      </p:cBhvr>
-                                      <p:to>
-                                        <p:strVal val="visible"/>
-                                      </p:to>
-                                    </p:set>
-                                  </p:childTnLst>
-                                </p:cTn>
-                              </p:par>
-                            </p:childTnLst>
-                          </p:cTn>
-                        </p:par>
-                      </p:childTnLst>
-                    </p:cTn>
-                  </p:par>
-                </p:childTnLst>
-              </p:cTn>
-              <p:prevCondLst>
-                <p:cond evt="onPrev" delay="0">
-                  <p:tgtEl>
-                    <p:sldTgt/>
-                  </p:tgtEl>
-                </p:cond>
-              </p:prevCondLst>
-              <p:nextCondLst>
-                <p:cond evt="onNext" delay="0">
-                  <p:tgtEl>
-                    <p:sldTgt/>
-                  </p:tgtEl>
-                </p:cond>
-              </p:nextCondLst>
-            </p:seq>
-          </p:childTnLst>
-        </p:cTn>
-      </p:par>
-    </p:tnLst>
-    <p:bldLst>
-      <p:bldP spid="2" grpId="0"/>
-    </p:bldLst>
-  </p:timing>
-</p:sld>
-</file>
-
-<file path=ppt/slides/slide21.xml><?xml version="1.0" encoding="utf-8"?>
-<p:sld xmlns:a="http://schemas.openxmlformats.org/drawingml/2006/main" xmlns:r="http://schemas.openxmlformats.org/officeDocument/2006/relationships" xmlns:p="http://schemas.openxmlformats.org/presentationml/2006/main">
-  <p:cSld>
-    <p:spTree>
-      <p:nvGrpSpPr>
-        <p:cNvPr id="1" name="">
-          <a:extLst>
-            <a:ext uri="{FF2B5EF4-FFF2-40B4-BE49-F238E27FC236}">
               <a16:creationId xmlns:a16="http://schemas.microsoft.com/office/drawing/2014/main" id="{F32CEC59-ADDE-2B75-68D2-2DC70033B4A5}"/>
             </a:ext>
           </a:extLst>
@@ -11258,7 +10917,7 @@
 </p:sld>
 </file>
 
-<file path=ppt/slides/slide22.xml><?xml version="1.0" encoding="utf-8"?>
+<file path=ppt/slides/slide21.xml><?xml version="1.0" encoding="utf-8"?>
 <p:sld xmlns:a="http://schemas.openxmlformats.org/drawingml/2006/main" xmlns:r="http://schemas.openxmlformats.org/officeDocument/2006/relationships" xmlns:p="http://schemas.openxmlformats.org/presentationml/2006/main">
   <p:cSld>
     <p:spTree>
@@ -12509,7 +12168,7 @@
 </p:sld>
 </file>
 
-<file path=ppt/slides/slide23.xml><?xml version="1.0" encoding="utf-8"?>
+<file path=ppt/slides/slide22.xml><?xml version="1.0" encoding="utf-8"?>
 <p:sld xmlns:a="http://schemas.openxmlformats.org/drawingml/2006/main" xmlns:r="http://schemas.openxmlformats.org/officeDocument/2006/relationships" xmlns:p="http://schemas.openxmlformats.org/presentationml/2006/main">
   <p:cSld>
     <p:spTree>
@@ -13157,7 +12816,7 @@
 </p:sld>
 </file>
 
-<file path=ppt/slides/slide24.xml><?xml version="1.0" encoding="utf-8"?>
+<file path=ppt/slides/slide23.xml><?xml version="1.0" encoding="utf-8"?>
 <p:sld xmlns:a="http://schemas.openxmlformats.org/drawingml/2006/main" xmlns:r="http://schemas.openxmlformats.org/officeDocument/2006/relationships" xmlns:p="http://schemas.openxmlformats.org/presentationml/2006/main">
   <p:cSld>
     <p:spTree>
@@ -13501,7 +13160,7 @@
 </p:sld>
 </file>
 
-<file path=ppt/slides/slide25.xml><?xml version="1.0" encoding="utf-8"?>
+<file path=ppt/slides/slide24.xml><?xml version="1.0" encoding="utf-8"?>
 <p:sld xmlns:a="http://schemas.openxmlformats.org/drawingml/2006/main" xmlns:r="http://schemas.openxmlformats.org/officeDocument/2006/relationships" xmlns:p="http://schemas.openxmlformats.org/presentationml/2006/main">
   <p:cSld>
     <p:spTree>
